--- a/保守光栅化介绍.pptx
+++ b/保守光栅化介绍.pptx
@@ -5,30 +5,31 @@
     <p:sldMasterId id="2147483648" r:id="rId1"/>
   </p:sldMasterIdLst>
   <p:notesMasterIdLst>
-    <p:notesMasterId r:id="rId18"/>
+    <p:notesMasterId r:id="rId4"/>
   </p:notesMasterIdLst>
   <p:sldIdLst>
-    <p:sldId id="342" r:id="rId2"/>
-    <p:sldId id="366" r:id="rId3"/>
-    <p:sldId id="694" r:id="rId4"/>
-    <p:sldId id="666" r:id="rId5"/>
-    <p:sldId id="695" r:id="rId6"/>
-    <p:sldId id="696" r:id="rId7"/>
-    <p:sldId id="697" r:id="rId8"/>
-    <p:sldId id="703" r:id="rId9"/>
-    <p:sldId id="698" r:id="rId10"/>
-    <p:sldId id="699" r:id="rId11"/>
-    <p:sldId id="706" r:id="rId12"/>
-    <p:sldId id="705" r:id="rId13"/>
-    <p:sldId id="700" r:id="rId14"/>
-    <p:sldId id="701" r:id="rId15"/>
-    <p:sldId id="702" r:id="rId16"/>
-    <p:sldId id="661" r:id="rId17"/>
+    <p:sldId id="342" r:id="rId3"/>
+    <p:sldId id="366" r:id="rId5"/>
+    <p:sldId id="694" r:id="rId6"/>
+    <p:sldId id="666" r:id="rId7"/>
+    <p:sldId id="695" r:id="rId8"/>
+    <p:sldId id="696" r:id="rId9"/>
+    <p:sldId id="697" r:id="rId10"/>
+    <p:sldId id="703" r:id="rId11"/>
+    <p:sldId id="698" r:id="rId12"/>
+    <p:sldId id="699" r:id="rId13"/>
+    <p:sldId id="706" r:id="rId14"/>
+    <p:sldId id="705" r:id="rId15"/>
+    <p:sldId id="700" r:id="rId16"/>
+    <p:sldId id="701" r:id="rId17"/>
+    <p:sldId id="702" r:id="rId18"/>
+    <p:sldId id="661" r:id="rId19"/>
+    <p:sldId id="712" r:id="rId20"/>
   </p:sldIdLst>
-  <p:sldSz cx="12198350" cy="6859588"/>
+  <p:sldSz cx="12198350" cy="6859270"/>
   <p:notesSz cx="6858000" cy="9144000"/>
   <p:custDataLst>
-    <p:tags r:id="rId19"/>
+    <p:tags r:id="rId24"/>
   </p:custDataLst>
   <p:defaultTextStyle>
     <a:defPPr>
@@ -128,7 +129,7 @@
   <p:extLst>
     <p:ext uri="{EFAFB233-063F-42B5-8137-9DF3F51BA10A}">
       <p15:sldGuideLst xmlns:p15="http://schemas.microsoft.com/office/powerpoint/2012/main">
-        <p15:guide id="1" orient="horz" pos="2165" userDrawn="1">
+        <p15:guide id="1" orient="horz" pos="2173" userDrawn="1">
           <p15:clr>
             <a:srgbClr val="A4A3A4"/>
           </p15:clr>
@@ -138,7 +139,7 @@
             <a:srgbClr val="A4A3A4"/>
           </p15:clr>
         </p15:guide>
-        <p15:guide id="3" pos="304" userDrawn="1">
+        <p15:guide id="3" pos="303" userDrawn="1">
           <p15:clr>
             <a:srgbClr val="A4A3A4"/>
           </p15:clr>
@@ -241,7 +242,6 @@
           <a:p>
             <a:fld id="{1262AE03-6EE8-41FD-8A37-86C6BC5E264F}" type="datetimeFigureOut">
               <a:rPr lang="zh-CN" altLang="en-US" smtClean="0"/>
-              <a:t>2025/3/2</a:t>
             </a:fld>
             <a:endParaRPr lang="zh-CN" altLang="en-US"/>
           </a:p>
@@ -308,6 +308,7 @@
               <a:rPr lang="zh-CN" altLang="en-US"/>
               <a:t>单击此处编辑母版文本样式</a:t>
             </a:r>
+            <a:endParaRPr lang="zh-CN" altLang="en-US"/>
           </a:p>
           <a:p>
             <a:pPr lvl="1"/>
@@ -315,6 +316,7 @@
               <a:rPr lang="zh-CN" altLang="en-US"/>
               <a:t>第二级</a:t>
             </a:r>
+            <a:endParaRPr lang="zh-CN" altLang="en-US"/>
           </a:p>
           <a:p>
             <a:pPr lvl="2"/>
@@ -322,6 +324,7 @@
               <a:rPr lang="zh-CN" altLang="en-US"/>
               <a:t>第三级</a:t>
             </a:r>
+            <a:endParaRPr lang="zh-CN" altLang="en-US"/>
           </a:p>
           <a:p>
             <a:pPr lvl="3"/>
@@ -329,6 +332,7 @@
               <a:rPr lang="zh-CN" altLang="en-US"/>
               <a:t>第四级</a:t>
             </a:r>
+            <a:endParaRPr lang="zh-CN" altLang="en-US"/>
           </a:p>
           <a:p>
             <a:pPr lvl="4"/>
@@ -336,6 +340,7 @@
               <a:rPr lang="zh-CN" altLang="en-US"/>
               <a:t>第五级</a:t>
             </a:r>
+            <a:endParaRPr lang="zh-CN" altLang="en-US"/>
           </a:p>
         </p:txBody>
       </p:sp>
@@ -399,7 +404,6 @@
           <a:p>
             <a:fld id="{0E21FD59-C920-460C-B1C9-0346C59420B0}" type="slidenum">
               <a:rPr lang="zh-CN" altLang="en-US" smtClean="0"/>
-              <a:t>‹#›</a:t>
             </a:fld>
             <a:endParaRPr lang="zh-CN" altLang="en-US"/>
           </a:p>
@@ -568,7 +572,6 @@
           <a:p>
             <a:fld id="{41E0E0E2-7263-44C4-AAA9-733DBA7BD205}" type="slidenum">
               <a:rPr lang="zh-CN" altLang="en-US" smtClean="0"/>
-              <a:t>1</a:t>
             </a:fld>
             <a:endParaRPr lang="zh-CN" altLang="en-US"/>
           </a:p>
@@ -587,13 +590,7 @@
   <p:cSld>
     <p:spTree>
       <p:nvGrpSpPr>
-        <p:cNvPr id="1" name="">
-          <a:extLst>
-            <a:ext uri="{FF2B5EF4-FFF2-40B4-BE49-F238E27FC236}">
-              <a16:creationId xmlns:a16="http://schemas.microsoft.com/office/drawing/2014/main" id="{B478081C-9DB9-5C43-A63A-66CA3D1BEE5F}"/>
-            </a:ext>
-          </a:extLst>
-        </p:cNvPr>
+        <p:cNvPr id="1" name=""/>
         <p:cNvGrpSpPr/>
         <p:nvPr/>
       </p:nvGrpSpPr>
@@ -607,13 +604,7 @@
       </p:grpSpPr>
       <p:sp>
         <p:nvSpPr>
-          <p:cNvPr id="2" name="幻灯片图像占位符 1">
-            <a:extLst>
-              <a:ext uri="{FF2B5EF4-FFF2-40B4-BE49-F238E27FC236}">
-                <a16:creationId xmlns:a16="http://schemas.microsoft.com/office/drawing/2014/main" id="{3ED5D1FB-57C5-EC97-8804-7728179AAD98}"/>
-              </a:ext>
-            </a:extLst>
-          </p:cNvPr>
+          <p:cNvPr id="2" name="幻灯片图像占位符 1"/>
           <p:cNvSpPr>
             <a:spLocks noGrp="1" noRot="1" noChangeAspect="1"/>
           </p:cNvSpPr>
@@ -625,13 +616,7 @@
       </p:sp>
       <p:sp>
         <p:nvSpPr>
-          <p:cNvPr id="3" name="备注占位符 2">
-            <a:extLst>
-              <a:ext uri="{FF2B5EF4-FFF2-40B4-BE49-F238E27FC236}">
-                <a16:creationId xmlns:a16="http://schemas.microsoft.com/office/drawing/2014/main" id="{8E653686-E399-8726-9FE5-D1DE3C47841C}"/>
-              </a:ext>
-            </a:extLst>
-          </p:cNvPr>
+          <p:cNvPr id="3" name="备注占位符 2"/>
           <p:cNvSpPr>
             <a:spLocks noGrp="1"/>
           </p:cNvSpPr>
@@ -650,13 +635,7 @@
       </p:sp>
       <p:sp>
         <p:nvSpPr>
-          <p:cNvPr id="4" name="灯片编号占位符 3">
-            <a:extLst>
-              <a:ext uri="{FF2B5EF4-FFF2-40B4-BE49-F238E27FC236}">
-                <a16:creationId xmlns:a16="http://schemas.microsoft.com/office/drawing/2014/main" id="{F3AE8F35-6874-42CF-CE8B-F3B0CCEE5EF3}"/>
-              </a:ext>
-            </a:extLst>
-          </p:cNvPr>
+          <p:cNvPr id="4" name="灯片编号占位符 3"/>
           <p:cNvSpPr>
             <a:spLocks noGrp="1"/>
           </p:cNvSpPr>
@@ -671,18 +650,12 @@
           <a:p>
             <a:fld id="{0E21FD59-C920-460C-B1C9-0346C59420B0}" type="slidenum">
               <a:rPr lang="zh-CN" altLang="en-US" smtClean="0"/>
-              <a:t>10</a:t>
             </a:fld>
             <a:endParaRPr lang="zh-CN" altLang="en-US"/>
           </a:p>
         </p:txBody>
       </p:sp>
     </p:spTree>
-    <p:extLst>
-      <p:ext uri="{BB962C8B-B14F-4D97-AF65-F5344CB8AC3E}">
-        <p14:creationId xmlns:p14="http://schemas.microsoft.com/office/powerpoint/2010/main" val="879157621"/>
-      </p:ext>
-    </p:extLst>
   </p:cSld>
   <p:clrMapOvr>
     <a:masterClrMapping/>
@@ -695,13 +668,7 @@
   <p:cSld>
     <p:spTree>
       <p:nvGrpSpPr>
-        <p:cNvPr id="1" name="">
-          <a:extLst>
-            <a:ext uri="{FF2B5EF4-FFF2-40B4-BE49-F238E27FC236}">
-              <a16:creationId xmlns:a16="http://schemas.microsoft.com/office/drawing/2014/main" id="{214649E8-E745-4ABC-1459-6ECA1F0F90F8}"/>
-            </a:ext>
-          </a:extLst>
-        </p:cNvPr>
+        <p:cNvPr id="1" name=""/>
         <p:cNvGrpSpPr/>
         <p:nvPr/>
       </p:nvGrpSpPr>
@@ -715,13 +682,7 @@
       </p:grpSpPr>
       <p:sp>
         <p:nvSpPr>
-          <p:cNvPr id="2" name="幻灯片图像占位符 1">
-            <a:extLst>
-              <a:ext uri="{FF2B5EF4-FFF2-40B4-BE49-F238E27FC236}">
-                <a16:creationId xmlns:a16="http://schemas.microsoft.com/office/drawing/2014/main" id="{9C33F5C7-4E24-1356-E124-06B5FE205E48}"/>
-              </a:ext>
-            </a:extLst>
-          </p:cNvPr>
+          <p:cNvPr id="2" name="幻灯片图像占位符 1"/>
           <p:cNvSpPr>
             <a:spLocks noGrp="1" noRot="1" noChangeAspect="1"/>
           </p:cNvSpPr>
@@ -733,13 +694,7 @@
       </p:sp>
       <p:sp>
         <p:nvSpPr>
-          <p:cNvPr id="3" name="备注占位符 2">
-            <a:extLst>
-              <a:ext uri="{FF2B5EF4-FFF2-40B4-BE49-F238E27FC236}">
-                <a16:creationId xmlns:a16="http://schemas.microsoft.com/office/drawing/2014/main" id="{95D2144E-033D-A902-77E8-307E7F2A12F6}"/>
-              </a:ext>
-            </a:extLst>
-          </p:cNvPr>
+          <p:cNvPr id="3" name="备注占位符 2"/>
           <p:cNvSpPr>
             <a:spLocks noGrp="1"/>
           </p:cNvSpPr>
@@ -758,13 +713,7 @@
       </p:sp>
       <p:sp>
         <p:nvSpPr>
-          <p:cNvPr id="4" name="灯片编号占位符 3">
-            <a:extLst>
-              <a:ext uri="{FF2B5EF4-FFF2-40B4-BE49-F238E27FC236}">
-                <a16:creationId xmlns:a16="http://schemas.microsoft.com/office/drawing/2014/main" id="{37269937-3ECF-AB7D-18F1-31F4FA4F8715}"/>
-              </a:ext>
-            </a:extLst>
-          </p:cNvPr>
+          <p:cNvPr id="4" name="灯片编号占位符 3"/>
           <p:cNvSpPr>
             <a:spLocks noGrp="1"/>
           </p:cNvSpPr>
@@ -779,18 +728,12 @@
           <a:p>
             <a:fld id="{0E21FD59-C920-460C-B1C9-0346C59420B0}" type="slidenum">
               <a:rPr lang="zh-CN" altLang="en-US" smtClean="0"/>
-              <a:t>11</a:t>
             </a:fld>
             <a:endParaRPr lang="zh-CN" altLang="en-US"/>
           </a:p>
         </p:txBody>
       </p:sp>
     </p:spTree>
-    <p:extLst>
-      <p:ext uri="{BB962C8B-B14F-4D97-AF65-F5344CB8AC3E}">
-        <p14:creationId xmlns:p14="http://schemas.microsoft.com/office/powerpoint/2010/main" val="2126199359"/>
-      </p:ext>
-    </p:extLst>
   </p:cSld>
   <p:clrMapOvr>
     <a:masterClrMapping/>
@@ -803,13 +746,7 @@
   <p:cSld>
     <p:spTree>
       <p:nvGrpSpPr>
-        <p:cNvPr id="1" name="">
-          <a:extLst>
-            <a:ext uri="{FF2B5EF4-FFF2-40B4-BE49-F238E27FC236}">
-              <a16:creationId xmlns:a16="http://schemas.microsoft.com/office/drawing/2014/main" id="{E9495D18-666E-945E-DD78-1676E4AE18E0}"/>
-            </a:ext>
-          </a:extLst>
-        </p:cNvPr>
+        <p:cNvPr id="1" name=""/>
         <p:cNvGrpSpPr/>
         <p:nvPr/>
       </p:nvGrpSpPr>
@@ -823,13 +760,7 @@
       </p:grpSpPr>
       <p:sp>
         <p:nvSpPr>
-          <p:cNvPr id="2" name="幻灯片图像占位符 1">
-            <a:extLst>
-              <a:ext uri="{FF2B5EF4-FFF2-40B4-BE49-F238E27FC236}">
-                <a16:creationId xmlns:a16="http://schemas.microsoft.com/office/drawing/2014/main" id="{D1DF6834-89AD-3DDE-6241-1DB2D7959DFF}"/>
-              </a:ext>
-            </a:extLst>
-          </p:cNvPr>
+          <p:cNvPr id="2" name="幻灯片图像占位符 1"/>
           <p:cNvSpPr>
             <a:spLocks noGrp="1" noRot="1" noChangeAspect="1"/>
           </p:cNvSpPr>
@@ -841,13 +772,7 @@
       </p:sp>
       <p:sp>
         <p:nvSpPr>
-          <p:cNvPr id="3" name="备注占位符 2">
-            <a:extLst>
-              <a:ext uri="{FF2B5EF4-FFF2-40B4-BE49-F238E27FC236}">
-                <a16:creationId xmlns:a16="http://schemas.microsoft.com/office/drawing/2014/main" id="{0D431837-C5F0-9269-217A-49D46834F31E}"/>
-              </a:ext>
-            </a:extLst>
-          </p:cNvPr>
+          <p:cNvPr id="3" name="备注占位符 2"/>
           <p:cNvSpPr>
             <a:spLocks noGrp="1"/>
           </p:cNvSpPr>
@@ -866,13 +791,7 @@
       </p:sp>
       <p:sp>
         <p:nvSpPr>
-          <p:cNvPr id="4" name="灯片编号占位符 3">
-            <a:extLst>
-              <a:ext uri="{FF2B5EF4-FFF2-40B4-BE49-F238E27FC236}">
-                <a16:creationId xmlns:a16="http://schemas.microsoft.com/office/drawing/2014/main" id="{37A804D4-3E45-E501-6B8A-A3CC44DD0FD5}"/>
-              </a:ext>
-            </a:extLst>
-          </p:cNvPr>
+          <p:cNvPr id="4" name="灯片编号占位符 3"/>
           <p:cNvSpPr>
             <a:spLocks noGrp="1"/>
           </p:cNvSpPr>
@@ -887,18 +806,12 @@
           <a:p>
             <a:fld id="{0E21FD59-C920-460C-B1C9-0346C59420B0}" type="slidenum">
               <a:rPr lang="zh-CN" altLang="en-US" smtClean="0"/>
-              <a:t>12</a:t>
             </a:fld>
             <a:endParaRPr lang="zh-CN" altLang="en-US"/>
           </a:p>
         </p:txBody>
       </p:sp>
     </p:spTree>
-    <p:extLst>
-      <p:ext uri="{BB962C8B-B14F-4D97-AF65-F5344CB8AC3E}">
-        <p14:creationId xmlns:p14="http://schemas.microsoft.com/office/powerpoint/2010/main" val="1225452104"/>
-      </p:ext>
-    </p:extLst>
   </p:cSld>
   <p:clrMapOvr>
     <a:masterClrMapping/>
@@ -911,13 +824,7 @@
   <p:cSld>
     <p:spTree>
       <p:nvGrpSpPr>
-        <p:cNvPr id="1" name="">
-          <a:extLst>
-            <a:ext uri="{FF2B5EF4-FFF2-40B4-BE49-F238E27FC236}">
-              <a16:creationId xmlns:a16="http://schemas.microsoft.com/office/drawing/2014/main" id="{0F803ECB-AEAB-81B4-7EF4-4467221C942B}"/>
-            </a:ext>
-          </a:extLst>
-        </p:cNvPr>
+        <p:cNvPr id="1" name=""/>
         <p:cNvGrpSpPr/>
         <p:nvPr/>
       </p:nvGrpSpPr>
@@ -931,13 +838,7 @@
       </p:grpSpPr>
       <p:sp>
         <p:nvSpPr>
-          <p:cNvPr id="2" name="幻灯片图像占位符 1">
-            <a:extLst>
-              <a:ext uri="{FF2B5EF4-FFF2-40B4-BE49-F238E27FC236}">
-                <a16:creationId xmlns:a16="http://schemas.microsoft.com/office/drawing/2014/main" id="{EAB925AA-3A07-9930-2CE0-97C09A3706A7}"/>
-              </a:ext>
-            </a:extLst>
-          </p:cNvPr>
+          <p:cNvPr id="2" name="幻灯片图像占位符 1"/>
           <p:cNvSpPr>
             <a:spLocks noGrp="1" noRot="1" noChangeAspect="1"/>
           </p:cNvSpPr>
@@ -954,13 +855,7 @@
       </p:sp>
       <p:sp>
         <p:nvSpPr>
-          <p:cNvPr id="3" name="备注占位符 2">
-            <a:extLst>
-              <a:ext uri="{FF2B5EF4-FFF2-40B4-BE49-F238E27FC236}">
-                <a16:creationId xmlns:a16="http://schemas.microsoft.com/office/drawing/2014/main" id="{D9198FFC-11A7-8B51-C7CD-591647DBD35D}"/>
-              </a:ext>
-            </a:extLst>
-          </p:cNvPr>
+          <p:cNvPr id="3" name="备注占位符 2"/>
           <p:cNvSpPr>
             <a:spLocks noGrp="1"/>
           </p:cNvSpPr>
@@ -979,13 +874,7 @@
       </p:sp>
       <p:sp>
         <p:nvSpPr>
-          <p:cNvPr id="4" name="灯片编号占位符 3">
-            <a:extLst>
-              <a:ext uri="{FF2B5EF4-FFF2-40B4-BE49-F238E27FC236}">
-                <a16:creationId xmlns:a16="http://schemas.microsoft.com/office/drawing/2014/main" id="{1E08226C-EA47-5F91-58F2-206751AFC30F}"/>
-              </a:ext>
-            </a:extLst>
-          </p:cNvPr>
+          <p:cNvPr id="4" name="灯片编号占位符 3"/>
           <p:cNvSpPr>
             <a:spLocks noGrp="1"/>
           </p:cNvSpPr>
@@ -1000,18 +889,12 @@
           <a:p>
             <a:fld id="{41E0E0E2-7263-44C4-AAA9-733DBA7BD205}" type="slidenum">
               <a:rPr lang="zh-CN" altLang="en-US" smtClean="0"/>
-              <a:t>13</a:t>
             </a:fld>
             <a:endParaRPr lang="zh-CN" altLang="en-US"/>
           </a:p>
         </p:txBody>
       </p:sp>
     </p:spTree>
-    <p:extLst>
-      <p:ext uri="{BB962C8B-B14F-4D97-AF65-F5344CB8AC3E}">
-        <p14:creationId xmlns:p14="http://schemas.microsoft.com/office/powerpoint/2010/main" val="2811405158"/>
-      </p:ext>
-    </p:extLst>
   </p:cSld>
   <p:clrMapOvr>
     <a:masterClrMapping/>
@@ -1024,13 +907,7 @@
   <p:cSld>
     <p:spTree>
       <p:nvGrpSpPr>
-        <p:cNvPr id="1" name="">
-          <a:extLst>
-            <a:ext uri="{FF2B5EF4-FFF2-40B4-BE49-F238E27FC236}">
-              <a16:creationId xmlns:a16="http://schemas.microsoft.com/office/drawing/2014/main" id="{3638C198-D668-2037-5846-223E6EF14FA1}"/>
-            </a:ext>
-          </a:extLst>
-        </p:cNvPr>
+        <p:cNvPr id="1" name=""/>
         <p:cNvGrpSpPr/>
         <p:nvPr/>
       </p:nvGrpSpPr>
@@ -1044,13 +921,7 @@
       </p:grpSpPr>
       <p:sp>
         <p:nvSpPr>
-          <p:cNvPr id="2" name="幻灯片图像占位符 1">
-            <a:extLst>
-              <a:ext uri="{FF2B5EF4-FFF2-40B4-BE49-F238E27FC236}">
-                <a16:creationId xmlns:a16="http://schemas.microsoft.com/office/drawing/2014/main" id="{F96ABB4A-F201-40C6-26BD-FA7C108949E3}"/>
-              </a:ext>
-            </a:extLst>
-          </p:cNvPr>
+          <p:cNvPr id="2" name="幻灯片图像占位符 1"/>
           <p:cNvSpPr>
             <a:spLocks noGrp="1" noRot="1" noChangeAspect="1"/>
           </p:cNvSpPr>
@@ -1062,13 +933,7 @@
       </p:sp>
       <p:sp>
         <p:nvSpPr>
-          <p:cNvPr id="3" name="备注占位符 2">
-            <a:extLst>
-              <a:ext uri="{FF2B5EF4-FFF2-40B4-BE49-F238E27FC236}">
-                <a16:creationId xmlns:a16="http://schemas.microsoft.com/office/drawing/2014/main" id="{08952988-326E-15EA-A08B-E2C574D3F593}"/>
-              </a:ext>
-            </a:extLst>
-          </p:cNvPr>
+          <p:cNvPr id="3" name="备注占位符 2"/>
           <p:cNvSpPr>
             <a:spLocks noGrp="1"/>
           </p:cNvSpPr>
@@ -1087,13 +952,7 @@
       </p:sp>
       <p:sp>
         <p:nvSpPr>
-          <p:cNvPr id="4" name="灯片编号占位符 3">
-            <a:extLst>
-              <a:ext uri="{FF2B5EF4-FFF2-40B4-BE49-F238E27FC236}">
-                <a16:creationId xmlns:a16="http://schemas.microsoft.com/office/drawing/2014/main" id="{F86D1C54-CFC9-4C8A-402D-13BD72EDB5EA}"/>
-              </a:ext>
-            </a:extLst>
-          </p:cNvPr>
+          <p:cNvPr id="4" name="灯片编号占位符 3"/>
           <p:cNvSpPr>
             <a:spLocks noGrp="1"/>
           </p:cNvSpPr>
@@ -1108,18 +967,12 @@
           <a:p>
             <a:fld id="{0E21FD59-C920-460C-B1C9-0346C59420B0}" type="slidenum">
               <a:rPr lang="zh-CN" altLang="en-US" smtClean="0"/>
-              <a:t>14</a:t>
             </a:fld>
             <a:endParaRPr lang="zh-CN" altLang="en-US"/>
           </a:p>
         </p:txBody>
       </p:sp>
     </p:spTree>
-    <p:extLst>
-      <p:ext uri="{BB962C8B-B14F-4D97-AF65-F5344CB8AC3E}">
-        <p14:creationId xmlns:p14="http://schemas.microsoft.com/office/powerpoint/2010/main" val="855214055"/>
-      </p:ext>
-    </p:extLst>
   </p:cSld>
   <p:clrMapOvr>
     <a:masterClrMapping/>
@@ -1132,13 +985,7 @@
   <p:cSld>
     <p:spTree>
       <p:nvGrpSpPr>
-        <p:cNvPr id="1" name="">
-          <a:extLst>
-            <a:ext uri="{FF2B5EF4-FFF2-40B4-BE49-F238E27FC236}">
-              <a16:creationId xmlns:a16="http://schemas.microsoft.com/office/drawing/2014/main" id="{5FA3C67A-E3A4-11AA-F376-E8261ABA4CA6}"/>
-            </a:ext>
-          </a:extLst>
-        </p:cNvPr>
+        <p:cNvPr id="1" name=""/>
         <p:cNvGrpSpPr/>
         <p:nvPr/>
       </p:nvGrpSpPr>
@@ -1152,13 +999,7 @@
       </p:grpSpPr>
       <p:sp>
         <p:nvSpPr>
-          <p:cNvPr id="2" name="幻灯片图像占位符 1">
-            <a:extLst>
-              <a:ext uri="{FF2B5EF4-FFF2-40B4-BE49-F238E27FC236}">
-                <a16:creationId xmlns:a16="http://schemas.microsoft.com/office/drawing/2014/main" id="{30C4D318-07CF-933F-561E-2F156D7C5FAE}"/>
-              </a:ext>
-            </a:extLst>
-          </p:cNvPr>
+          <p:cNvPr id="2" name="幻灯片图像占位符 1"/>
           <p:cNvSpPr>
             <a:spLocks noGrp="1" noRot="1" noChangeAspect="1"/>
           </p:cNvSpPr>
@@ -1170,13 +1011,7 @@
       </p:sp>
       <p:sp>
         <p:nvSpPr>
-          <p:cNvPr id="3" name="备注占位符 2">
-            <a:extLst>
-              <a:ext uri="{FF2B5EF4-FFF2-40B4-BE49-F238E27FC236}">
-                <a16:creationId xmlns:a16="http://schemas.microsoft.com/office/drawing/2014/main" id="{00D44793-76D9-B2A2-418D-C0CB09C4EABC}"/>
-              </a:ext>
-            </a:extLst>
-          </p:cNvPr>
+          <p:cNvPr id="3" name="备注占位符 2"/>
           <p:cNvSpPr>
             <a:spLocks noGrp="1"/>
           </p:cNvSpPr>
@@ -1195,13 +1030,7 @@
       </p:sp>
       <p:sp>
         <p:nvSpPr>
-          <p:cNvPr id="4" name="灯片编号占位符 3">
-            <a:extLst>
-              <a:ext uri="{FF2B5EF4-FFF2-40B4-BE49-F238E27FC236}">
-                <a16:creationId xmlns:a16="http://schemas.microsoft.com/office/drawing/2014/main" id="{DAEEF663-6EEA-6D30-5763-06592575C374}"/>
-              </a:ext>
-            </a:extLst>
-          </p:cNvPr>
+          <p:cNvPr id="4" name="灯片编号占位符 3"/>
           <p:cNvSpPr>
             <a:spLocks noGrp="1"/>
           </p:cNvSpPr>
@@ -1216,18 +1045,12 @@
           <a:p>
             <a:fld id="{0E21FD59-C920-460C-B1C9-0346C59420B0}" type="slidenum">
               <a:rPr lang="zh-CN" altLang="en-US" smtClean="0"/>
-              <a:t>15</a:t>
             </a:fld>
             <a:endParaRPr lang="zh-CN" altLang="en-US"/>
           </a:p>
         </p:txBody>
       </p:sp>
     </p:spTree>
-    <p:extLst>
-      <p:ext uri="{BB962C8B-B14F-4D97-AF65-F5344CB8AC3E}">
-        <p14:creationId xmlns:p14="http://schemas.microsoft.com/office/powerpoint/2010/main" val="830862777"/>
-      </p:ext>
-    </p:extLst>
   </p:cSld>
   <p:clrMapOvr>
     <a:masterClrMapping/>
@@ -1300,7 +1123,84 @@
           <a:p>
             <a:fld id="{0E21FD59-C920-460C-B1C9-0346C59420B0}" type="slidenum">
               <a:rPr lang="zh-CN" altLang="en-US" smtClean="0"/>
-              <a:t>16</a:t>
+            </a:fld>
+            <a:endParaRPr lang="zh-CN" altLang="en-US"/>
+          </a:p>
+        </p:txBody>
+      </p:sp>
+    </p:spTree>
+  </p:cSld>
+  <p:clrMapOvr>
+    <a:masterClrMapping/>
+  </p:clrMapOvr>
+</p:notes>
+</file>
+
+<file path=ppt/notesSlides/notesSlide17.xml><?xml version="1.0" encoding="utf-8"?>
+<p:notes xmlns:a="http://schemas.openxmlformats.org/drawingml/2006/main" xmlns:r="http://schemas.openxmlformats.org/officeDocument/2006/relationships" xmlns:p="http://schemas.openxmlformats.org/presentationml/2006/main">
+  <p:cSld>
+    <p:spTree>
+      <p:nvGrpSpPr>
+        <p:cNvPr id="1" name=""/>
+        <p:cNvGrpSpPr/>
+        <p:nvPr/>
+      </p:nvGrpSpPr>
+      <p:grpSpPr>
+        <a:xfrm>
+          <a:off x="0" y="0"/>
+          <a:ext cx="0" cy="0"/>
+          <a:chOff x="0" y="0"/>
+          <a:chExt cx="0" cy="0"/>
+        </a:xfrm>
+      </p:grpSpPr>
+      <p:sp>
+        <p:nvSpPr>
+          <p:cNvPr id="2" name="幻灯片图像占位符 1"/>
+          <p:cNvSpPr>
+            <a:spLocks noGrp="1" noRot="1" noChangeAspect="1"/>
+          </p:cNvSpPr>
+          <p:nvPr>
+            <p:ph type="sldImg"/>
+          </p:nvPr>
+        </p:nvSpPr>
+        <p:spPr/>
+      </p:sp>
+      <p:sp>
+        <p:nvSpPr>
+          <p:cNvPr id="3" name="备注占位符 2"/>
+          <p:cNvSpPr>
+            <a:spLocks noGrp="1"/>
+          </p:cNvSpPr>
+          <p:nvPr>
+            <p:ph type="body" idx="1"/>
+          </p:nvPr>
+        </p:nvSpPr>
+        <p:spPr/>
+        <p:txBody>
+          <a:bodyPr/>
+          <a:lstStyle/>
+          <a:p>
+            <a:endParaRPr lang="zh-CN" altLang="en-US"/>
+          </a:p>
+        </p:txBody>
+      </p:sp>
+      <p:sp>
+        <p:nvSpPr>
+          <p:cNvPr id="4" name="灯片编号占位符 3"/>
+          <p:cNvSpPr>
+            <a:spLocks noGrp="1"/>
+          </p:cNvSpPr>
+          <p:nvPr>
+            <p:ph type="sldNum" sz="quarter" idx="10"/>
+          </p:nvPr>
+        </p:nvSpPr>
+        <p:spPr/>
+        <p:txBody>
+          <a:bodyPr/>
+          <a:lstStyle/>
+          <a:p>
+            <a:fld id="{0E21FD59-C920-460C-B1C9-0346C59420B0}" type="slidenum">
+              <a:rPr lang="zh-CN" altLang="en-US" smtClean="0"/>
             </a:fld>
             <a:endParaRPr lang="zh-CN" altLang="en-US"/>
           </a:p>
@@ -1384,7 +1284,6 @@
           <a:p>
             <a:fld id="{41E0E0E2-7263-44C4-AAA9-733DBA7BD205}" type="slidenum">
               <a:rPr lang="zh-CN" altLang="en-US" smtClean="0"/>
-              <a:t>2</a:t>
             </a:fld>
             <a:endParaRPr lang="zh-CN" altLang="en-US"/>
           </a:p>
@@ -1403,13 +1302,7 @@
   <p:cSld>
     <p:spTree>
       <p:nvGrpSpPr>
-        <p:cNvPr id="1" name="">
-          <a:extLst>
-            <a:ext uri="{FF2B5EF4-FFF2-40B4-BE49-F238E27FC236}">
-              <a16:creationId xmlns:a16="http://schemas.microsoft.com/office/drawing/2014/main" id="{59AC0C1C-D874-FCA0-5A17-8E233A9B27F0}"/>
-            </a:ext>
-          </a:extLst>
-        </p:cNvPr>
+        <p:cNvPr id="1" name=""/>
         <p:cNvGrpSpPr/>
         <p:nvPr/>
       </p:nvGrpSpPr>
@@ -1423,13 +1316,7 @@
       </p:grpSpPr>
       <p:sp>
         <p:nvSpPr>
-          <p:cNvPr id="2" name="幻灯片图像占位符 1">
-            <a:extLst>
-              <a:ext uri="{FF2B5EF4-FFF2-40B4-BE49-F238E27FC236}">
-                <a16:creationId xmlns:a16="http://schemas.microsoft.com/office/drawing/2014/main" id="{6A159B8A-DE71-4B7B-24CF-BF99383462D8}"/>
-              </a:ext>
-            </a:extLst>
-          </p:cNvPr>
+          <p:cNvPr id="2" name="幻灯片图像占位符 1"/>
           <p:cNvSpPr>
             <a:spLocks noGrp="1" noRot="1" noChangeAspect="1"/>
           </p:cNvSpPr>
@@ -1441,13 +1328,7 @@
       </p:sp>
       <p:sp>
         <p:nvSpPr>
-          <p:cNvPr id="3" name="备注占位符 2">
-            <a:extLst>
-              <a:ext uri="{FF2B5EF4-FFF2-40B4-BE49-F238E27FC236}">
-                <a16:creationId xmlns:a16="http://schemas.microsoft.com/office/drawing/2014/main" id="{923F3484-D73D-FE4B-99A2-146BD6F4D6CC}"/>
-              </a:ext>
-            </a:extLst>
-          </p:cNvPr>
+          <p:cNvPr id="3" name="备注占位符 2"/>
           <p:cNvSpPr>
             <a:spLocks noGrp="1"/>
           </p:cNvSpPr>
@@ -1466,13 +1347,7 @@
       </p:sp>
       <p:sp>
         <p:nvSpPr>
-          <p:cNvPr id="4" name="灯片编号占位符 3">
-            <a:extLst>
-              <a:ext uri="{FF2B5EF4-FFF2-40B4-BE49-F238E27FC236}">
-                <a16:creationId xmlns:a16="http://schemas.microsoft.com/office/drawing/2014/main" id="{AC5F1A10-7CC2-0BEA-7778-840409C8F810}"/>
-              </a:ext>
-            </a:extLst>
-          </p:cNvPr>
+          <p:cNvPr id="4" name="灯片编号占位符 3"/>
           <p:cNvSpPr>
             <a:spLocks noGrp="1"/>
           </p:cNvSpPr>
@@ -1487,18 +1362,12 @@
           <a:p>
             <a:fld id="{0E21FD59-C920-460C-B1C9-0346C59420B0}" type="slidenum">
               <a:rPr lang="zh-CN" altLang="en-US" smtClean="0"/>
-              <a:t>3</a:t>
             </a:fld>
             <a:endParaRPr lang="zh-CN" altLang="en-US"/>
           </a:p>
         </p:txBody>
       </p:sp>
     </p:spTree>
-    <p:extLst>
-      <p:ext uri="{BB962C8B-B14F-4D97-AF65-F5344CB8AC3E}">
-        <p14:creationId xmlns:p14="http://schemas.microsoft.com/office/powerpoint/2010/main" val="2529571162"/>
-      </p:ext>
-    </p:extLst>
   </p:cSld>
   <p:clrMapOvr>
     <a:masterClrMapping/>
@@ -1571,7 +1440,6 @@
           <a:p>
             <a:fld id="{0E21FD59-C920-460C-B1C9-0346C59420B0}" type="slidenum">
               <a:rPr lang="zh-CN" altLang="en-US" smtClean="0"/>
-              <a:t>4</a:t>
             </a:fld>
             <a:endParaRPr lang="zh-CN" altLang="en-US"/>
           </a:p>
@@ -1590,13 +1458,7 @@
   <p:cSld>
     <p:spTree>
       <p:nvGrpSpPr>
-        <p:cNvPr id="1" name="">
-          <a:extLst>
-            <a:ext uri="{FF2B5EF4-FFF2-40B4-BE49-F238E27FC236}">
-              <a16:creationId xmlns:a16="http://schemas.microsoft.com/office/drawing/2014/main" id="{6126DBA3-3C32-42E8-51E2-0C734583154E}"/>
-            </a:ext>
-          </a:extLst>
-        </p:cNvPr>
+        <p:cNvPr id="1" name=""/>
         <p:cNvGrpSpPr/>
         <p:nvPr/>
       </p:nvGrpSpPr>
@@ -1610,13 +1472,7 @@
       </p:grpSpPr>
       <p:sp>
         <p:nvSpPr>
-          <p:cNvPr id="2" name="幻灯片图像占位符 1">
-            <a:extLst>
-              <a:ext uri="{FF2B5EF4-FFF2-40B4-BE49-F238E27FC236}">
-                <a16:creationId xmlns:a16="http://schemas.microsoft.com/office/drawing/2014/main" id="{568BFC5B-5FEF-88CF-4863-CE893EC81D5A}"/>
-              </a:ext>
-            </a:extLst>
-          </p:cNvPr>
+          <p:cNvPr id="2" name="幻灯片图像占位符 1"/>
           <p:cNvSpPr>
             <a:spLocks noGrp="1" noRot="1" noChangeAspect="1"/>
           </p:cNvSpPr>
@@ -1633,13 +1489,7 @@
       </p:sp>
       <p:sp>
         <p:nvSpPr>
-          <p:cNvPr id="3" name="备注占位符 2">
-            <a:extLst>
-              <a:ext uri="{FF2B5EF4-FFF2-40B4-BE49-F238E27FC236}">
-                <a16:creationId xmlns:a16="http://schemas.microsoft.com/office/drawing/2014/main" id="{D5029147-EA44-3844-24FB-807951E2EA54}"/>
-              </a:ext>
-            </a:extLst>
-          </p:cNvPr>
+          <p:cNvPr id="3" name="备注占位符 2"/>
           <p:cNvSpPr>
             <a:spLocks noGrp="1"/>
           </p:cNvSpPr>
@@ -1658,13 +1508,7 @@
       </p:sp>
       <p:sp>
         <p:nvSpPr>
-          <p:cNvPr id="4" name="灯片编号占位符 3">
-            <a:extLst>
-              <a:ext uri="{FF2B5EF4-FFF2-40B4-BE49-F238E27FC236}">
-                <a16:creationId xmlns:a16="http://schemas.microsoft.com/office/drawing/2014/main" id="{488BC2D0-A5CF-0B37-E35F-4DD1F8832B00}"/>
-              </a:ext>
-            </a:extLst>
-          </p:cNvPr>
+          <p:cNvPr id="4" name="灯片编号占位符 3"/>
           <p:cNvSpPr>
             <a:spLocks noGrp="1"/>
           </p:cNvSpPr>
@@ -1679,18 +1523,12 @@
           <a:p>
             <a:fld id="{41E0E0E2-7263-44C4-AAA9-733DBA7BD205}" type="slidenum">
               <a:rPr lang="zh-CN" altLang="en-US" smtClean="0"/>
-              <a:t>5</a:t>
             </a:fld>
             <a:endParaRPr lang="zh-CN" altLang="en-US"/>
           </a:p>
         </p:txBody>
       </p:sp>
     </p:spTree>
-    <p:extLst>
-      <p:ext uri="{BB962C8B-B14F-4D97-AF65-F5344CB8AC3E}">
-        <p14:creationId xmlns:p14="http://schemas.microsoft.com/office/powerpoint/2010/main" val="3767114870"/>
-      </p:ext>
-    </p:extLst>
   </p:cSld>
   <p:clrMapOvr>
     <a:masterClrMapping/>
@@ -1703,13 +1541,7 @@
   <p:cSld>
     <p:spTree>
       <p:nvGrpSpPr>
-        <p:cNvPr id="1" name="">
-          <a:extLst>
-            <a:ext uri="{FF2B5EF4-FFF2-40B4-BE49-F238E27FC236}">
-              <a16:creationId xmlns:a16="http://schemas.microsoft.com/office/drawing/2014/main" id="{D91368C6-32C6-3EC7-D320-5913E07C65A4}"/>
-            </a:ext>
-          </a:extLst>
-        </p:cNvPr>
+        <p:cNvPr id="1" name=""/>
         <p:cNvGrpSpPr/>
         <p:nvPr/>
       </p:nvGrpSpPr>
@@ -1723,13 +1555,7 @@
       </p:grpSpPr>
       <p:sp>
         <p:nvSpPr>
-          <p:cNvPr id="2" name="幻灯片图像占位符 1">
-            <a:extLst>
-              <a:ext uri="{FF2B5EF4-FFF2-40B4-BE49-F238E27FC236}">
-                <a16:creationId xmlns:a16="http://schemas.microsoft.com/office/drawing/2014/main" id="{45327EA4-F79B-D183-4C74-9FC910401CC6}"/>
-              </a:ext>
-            </a:extLst>
-          </p:cNvPr>
+          <p:cNvPr id="2" name="幻灯片图像占位符 1"/>
           <p:cNvSpPr>
             <a:spLocks noGrp="1" noRot="1" noChangeAspect="1"/>
           </p:cNvSpPr>
@@ -1741,13 +1567,7 @@
       </p:sp>
       <p:sp>
         <p:nvSpPr>
-          <p:cNvPr id="3" name="备注占位符 2">
-            <a:extLst>
-              <a:ext uri="{FF2B5EF4-FFF2-40B4-BE49-F238E27FC236}">
-                <a16:creationId xmlns:a16="http://schemas.microsoft.com/office/drawing/2014/main" id="{7E75BAB9-92D4-85DB-2E07-1A1E834B4A5B}"/>
-              </a:ext>
-            </a:extLst>
-          </p:cNvPr>
+          <p:cNvPr id="3" name="备注占位符 2"/>
           <p:cNvSpPr>
             <a:spLocks noGrp="1"/>
           </p:cNvSpPr>
@@ -1766,13 +1586,7 @@
       </p:sp>
       <p:sp>
         <p:nvSpPr>
-          <p:cNvPr id="4" name="灯片编号占位符 3">
-            <a:extLst>
-              <a:ext uri="{FF2B5EF4-FFF2-40B4-BE49-F238E27FC236}">
-                <a16:creationId xmlns:a16="http://schemas.microsoft.com/office/drawing/2014/main" id="{023701FE-A6B1-33B8-012A-32BB19456610}"/>
-              </a:ext>
-            </a:extLst>
-          </p:cNvPr>
+          <p:cNvPr id="4" name="灯片编号占位符 3"/>
           <p:cNvSpPr>
             <a:spLocks noGrp="1"/>
           </p:cNvSpPr>
@@ -1787,18 +1601,12 @@
           <a:p>
             <a:fld id="{0E21FD59-C920-460C-B1C9-0346C59420B0}" type="slidenum">
               <a:rPr lang="zh-CN" altLang="en-US" smtClean="0"/>
-              <a:t>6</a:t>
             </a:fld>
             <a:endParaRPr lang="zh-CN" altLang="en-US"/>
           </a:p>
         </p:txBody>
       </p:sp>
     </p:spTree>
-    <p:extLst>
-      <p:ext uri="{BB962C8B-B14F-4D97-AF65-F5344CB8AC3E}">
-        <p14:creationId xmlns:p14="http://schemas.microsoft.com/office/powerpoint/2010/main" val="2536252918"/>
-      </p:ext>
-    </p:extLst>
   </p:cSld>
   <p:clrMapOvr>
     <a:masterClrMapping/>
@@ -1811,13 +1619,7 @@
   <p:cSld>
     <p:spTree>
       <p:nvGrpSpPr>
-        <p:cNvPr id="1" name="">
-          <a:extLst>
-            <a:ext uri="{FF2B5EF4-FFF2-40B4-BE49-F238E27FC236}">
-              <a16:creationId xmlns:a16="http://schemas.microsoft.com/office/drawing/2014/main" id="{DEBA35BA-1E73-316E-C451-C91B8175E464}"/>
-            </a:ext>
-          </a:extLst>
-        </p:cNvPr>
+        <p:cNvPr id="1" name=""/>
         <p:cNvGrpSpPr/>
         <p:nvPr/>
       </p:nvGrpSpPr>
@@ -1831,13 +1633,7 @@
       </p:grpSpPr>
       <p:sp>
         <p:nvSpPr>
-          <p:cNvPr id="2" name="幻灯片图像占位符 1">
-            <a:extLst>
-              <a:ext uri="{FF2B5EF4-FFF2-40B4-BE49-F238E27FC236}">
-                <a16:creationId xmlns:a16="http://schemas.microsoft.com/office/drawing/2014/main" id="{87E74CAC-CF02-F608-1BE5-72F6C3CEF934}"/>
-              </a:ext>
-            </a:extLst>
-          </p:cNvPr>
+          <p:cNvPr id="2" name="幻灯片图像占位符 1"/>
           <p:cNvSpPr>
             <a:spLocks noGrp="1" noRot="1" noChangeAspect="1"/>
           </p:cNvSpPr>
@@ -1849,13 +1645,7 @@
       </p:sp>
       <p:sp>
         <p:nvSpPr>
-          <p:cNvPr id="3" name="备注占位符 2">
-            <a:extLst>
-              <a:ext uri="{FF2B5EF4-FFF2-40B4-BE49-F238E27FC236}">
-                <a16:creationId xmlns:a16="http://schemas.microsoft.com/office/drawing/2014/main" id="{C85C5EFB-F428-3831-4FA8-B6C1172832DB}"/>
-              </a:ext>
-            </a:extLst>
-          </p:cNvPr>
+          <p:cNvPr id="3" name="备注占位符 2"/>
           <p:cNvSpPr>
             <a:spLocks noGrp="1"/>
           </p:cNvSpPr>
@@ -1874,13 +1664,7 @@
       </p:sp>
       <p:sp>
         <p:nvSpPr>
-          <p:cNvPr id="4" name="灯片编号占位符 3">
-            <a:extLst>
-              <a:ext uri="{FF2B5EF4-FFF2-40B4-BE49-F238E27FC236}">
-                <a16:creationId xmlns:a16="http://schemas.microsoft.com/office/drawing/2014/main" id="{52E6C263-E87B-9751-78D2-E5D6D6825780}"/>
-              </a:ext>
-            </a:extLst>
-          </p:cNvPr>
+          <p:cNvPr id="4" name="灯片编号占位符 3"/>
           <p:cNvSpPr>
             <a:spLocks noGrp="1"/>
           </p:cNvSpPr>
@@ -1895,18 +1679,12 @@
           <a:p>
             <a:fld id="{0E21FD59-C920-460C-B1C9-0346C59420B0}" type="slidenum">
               <a:rPr lang="zh-CN" altLang="en-US" smtClean="0"/>
-              <a:t>7</a:t>
             </a:fld>
             <a:endParaRPr lang="zh-CN" altLang="en-US"/>
           </a:p>
         </p:txBody>
       </p:sp>
     </p:spTree>
-    <p:extLst>
-      <p:ext uri="{BB962C8B-B14F-4D97-AF65-F5344CB8AC3E}">
-        <p14:creationId xmlns:p14="http://schemas.microsoft.com/office/powerpoint/2010/main" val="548410955"/>
-      </p:ext>
-    </p:extLst>
   </p:cSld>
   <p:clrMapOvr>
     <a:masterClrMapping/>
@@ -1919,13 +1697,7 @@
   <p:cSld>
     <p:spTree>
       <p:nvGrpSpPr>
-        <p:cNvPr id="1" name="">
-          <a:extLst>
-            <a:ext uri="{FF2B5EF4-FFF2-40B4-BE49-F238E27FC236}">
-              <a16:creationId xmlns:a16="http://schemas.microsoft.com/office/drawing/2014/main" id="{D7815054-88AF-F62A-3F00-FA80AD6E76EB}"/>
-            </a:ext>
-          </a:extLst>
-        </p:cNvPr>
+        <p:cNvPr id="1" name=""/>
         <p:cNvGrpSpPr/>
         <p:nvPr/>
       </p:nvGrpSpPr>
@@ -1939,13 +1711,7 @@
       </p:grpSpPr>
       <p:sp>
         <p:nvSpPr>
-          <p:cNvPr id="2" name="幻灯片图像占位符 1">
-            <a:extLst>
-              <a:ext uri="{FF2B5EF4-FFF2-40B4-BE49-F238E27FC236}">
-                <a16:creationId xmlns:a16="http://schemas.microsoft.com/office/drawing/2014/main" id="{EE23B8BA-CD7E-7FCE-D71D-F166DD31DC3E}"/>
-              </a:ext>
-            </a:extLst>
-          </p:cNvPr>
+          <p:cNvPr id="2" name="幻灯片图像占位符 1"/>
           <p:cNvSpPr>
             <a:spLocks noGrp="1" noRot="1" noChangeAspect="1"/>
           </p:cNvSpPr>
@@ -1957,13 +1723,7 @@
       </p:sp>
       <p:sp>
         <p:nvSpPr>
-          <p:cNvPr id="3" name="备注占位符 2">
-            <a:extLst>
-              <a:ext uri="{FF2B5EF4-FFF2-40B4-BE49-F238E27FC236}">
-                <a16:creationId xmlns:a16="http://schemas.microsoft.com/office/drawing/2014/main" id="{4AEB160D-073E-DCE6-15EC-4DF519084792}"/>
-              </a:ext>
-            </a:extLst>
-          </p:cNvPr>
+          <p:cNvPr id="3" name="备注占位符 2"/>
           <p:cNvSpPr>
             <a:spLocks noGrp="1"/>
           </p:cNvSpPr>
@@ -1982,13 +1742,7 @@
       </p:sp>
       <p:sp>
         <p:nvSpPr>
-          <p:cNvPr id="4" name="灯片编号占位符 3">
-            <a:extLst>
-              <a:ext uri="{FF2B5EF4-FFF2-40B4-BE49-F238E27FC236}">
-                <a16:creationId xmlns:a16="http://schemas.microsoft.com/office/drawing/2014/main" id="{0627057E-9DDB-DBA1-2D60-CC0AF289C7D4}"/>
-              </a:ext>
-            </a:extLst>
-          </p:cNvPr>
+          <p:cNvPr id="4" name="灯片编号占位符 3"/>
           <p:cNvSpPr>
             <a:spLocks noGrp="1"/>
           </p:cNvSpPr>
@@ -2003,18 +1757,12 @@
           <a:p>
             <a:fld id="{0E21FD59-C920-460C-B1C9-0346C59420B0}" type="slidenum">
               <a:rPr lang="zh-CN" altLang="en-US" smtClean="0"/>
-              <a:t>8</a:t>
             </a:fld>
             <a:endParaRPr lang="zh-CN" altLang="en-US"/>
           </a:p>
         </p:txBody>
       </p:sp>
     </p:spTree>
-    <p:extLst>
-      <p:ext uri="{BB962C8B-B14F-4D97-AF65-F5344CB8AC3E}">
-        <p14:creationId xmlns:p14="http://schemas.microsoft.com/office/powerpoint/2010/main" val="3251536395"/>
-      </p:ext>
-    </p:extLst>
   </p:cSld>
   <p:clrMapOvr>
     <a:masterClrMapping/>
@@ -2027,13 +1775,7 @@
   <p:cSld>
     <p:spTree>
       <p:nvGrpSpPr>
-        <p:cNvPr id="1" name="">
-          <a:extLst>
-            <a:ext uri="{FF2B5EF4-FFF2-40B4-BE49-F238E27FC236}">
-              <a16:creationId xmlns:a16="http://schemas.microsoft.com/office/drawing/2014/main" id="{300E19F4-C5C3-0EE1-B24C-A0A9F066F55C}"/>
-            </a:ext>
-          </a:extLst>
-        </p:cNvPr>
+        <p:cNvPr id="1" name=""/>
         <p:cNvGrpSpPr/>
         <p:nvPr/>
       </p:nvGrpSpPr>
@@ -2047,13 +1789,7 @@
       </p:grpSpPr>
       <p:sp>
         <p:nvSpPr>
-          <p:cNvPr id="2" name="幻灯片图像占位符 1">
-            <a:extLst>
-              <a:ext uri="{FF2B5EF4-FFF2-40B4-BE49-F238E27FC236}">
-                <a16:creationId xmlns:a16="http://schemas.microsoft.com/office/drawing/2014/main" id="{EC6DC142-0BD5-EF8C-CC2F-584C8C6AD2A8}"/>
-              </a:ext>
-            </a:extLst>
-          </p:cNvPr>
+          <p:cNvPr id="2" name="幻灯片图像占位符 1"/>
           <p:cNvSpPr>
             <a:spLocks noGrp="1" noRot="1" noChangeAspect="1"/>
           </p:cNvSpPr>
@@ -2065,13 +1801,7 @@
       </p:sp>
       <p:sp>
         <p:nvSpPr>
-          <p:cNvPr id="3" name="备注占位符 2">
-            <a:extLst>
-              <a:ext uri="{FF2B5EF4-FFF2-40B4-BE49-F238E27FC236}">
-                <a16:creationId xmlns:a16="http://schemas.microsoft.com/office/drawing/2014/main" id="{472B6B12-142F-DF89-3ED8-02D148A46A1A}"/>
-              </a:ext>
-            </a:extLst>
-          </p:cNvPr>
+          <p:cNvPr id="3" name="备注占位符 2"/>
           <p:cNvSpPr>
             <a:spLocks noGrp="1"/>
           </p:cNvSpPr>
@@ -2090,13 +1820,7 @@
       </p:sp>
       <p:sp>
         <p:nvSpPr>
-          <p:cNvPr id="4" name="灯片编号占位符 3">
-            <a:extLst>
-              <a:ext uri="{FF2B5EF4-FFF2-40B4-BE49-F238E27FC236}">
-                <a16:creationId xmlns:a16="http://schemas.microsoft.com/office/drawing/2014/main" id="{937400F8-39CC-0C2C-7A41-511E9CD5C6F3}"/>
-              </a:ext>
-            </a:extLst>
-          </p:cNvPr>
+          <p:cNvPr id="4" name="灯片编号占位符 3"/>
           <p:cNvSpPr>
             <a:spLocks noGrp="1"/>
           </p:cNvSpPr>
@@ -2111,18 +1835,12 @@
           <a:p>
             <a:fld id="{0E21FD59-C920-460C-B1C9-0346C59420B0}" type="slidenum">
               <a:rPr lang="zh-CN" altLang="en-US" smtClean="0"/>
-              <a:t>9</a:t>
             </a:fld>
             <a:endParaRPr lang="zh-CN" altLang="en-US"/>
           </a:p>
         </p:txBody>
       </p:sp>
     </p:spTree>
-    <p:extLst>
-      <p:ext uri="{BB962C8B-B14F-4D97-AF65-F5344CB8AC3E}">
-        <p14:creationId xmlns:p14="http://schemas.microsoft.com/office/powerpoint/2010/main" val="3021102457"/>
-      </p:ext>
-    </p:extLst>
   </p:cSld>
   <p:clrMapOvr>
     <a:masterClrMapping/>
@@ -2238,6 +1956,7 @@
               <a:rPr lang="zh-CN" altLang="en-US"/>
               <a:t>单击此处编辑母版标题样式</a:t>
             </a:r>
+            <a:endParaRPr lang="zh-CN" altLang="en-US"/>
           </a:p>
         </p:txBody>
       </p:sp>
@@ -2359,6 +2078,7 @@
               <a:rPr lang="zh-CN" altLang="en-US"/>
               <a:t>单击此处编辑母版副标题样式</a:t>
             </a:r>
+            <a:endParaRPr lang="zh-CN" altLang="en-US"/>
           </a:p>
         </p:txBody>
       </p:sp>
@@ -2387,7 +2107,6 @@
           <a:p>
             <a:fld id="{9E0611D0-9A6A-4745-A630-32461103131C}" type="datetimeFigureOut">
               <a:rPr lang="zh-CN" altLang="en-US" smtClean="0"/>
-              <a:t>2025/3/2</a:t>
             </a:fld>
             <a:endParaRPr lang="zh-CN" altLang="en-US"/>
           </a:p>
@@ -2445,7 +2164,6 @@
           <a:p>
             <a:fld id="{9D3F3D8C-2C4B-4342-80F1-9B8A0E6BA81A}" type="slidenum">
               <a:rPr lang="zh-CN" altLang="en-US" smtClean="0"/>
-              <a:t>‹#›</a:t>
             </a:fld>
             <a:endParaRPr lang="zh-CN" altLang="en-US"/>
           </a:p>
@@ -2606,6 +2324,7 @@
               <a:rPr lang="zh-CN" altLang="en-US"/>
               <a:t>单击此处编辑母版标题样式</a:t>
             </a:r>
+            <a:endParaRPr lang="zh-CN" altLang="en-US"/>
           </a:p>
         </p:txBody>
       </p:sp>
@@ -2634,7 +2353,6 @@
           <a:p>
             <a:fld id="{DF659192-60C8-49F5-94DF-1E29C3FCC85C}" type="datetimeFigureOut">
               <a:rPr lang="zh-CN" altLang="en-US" smtClean="0"/>
-              <a:t>2025/3/2</a:t>
             </a:fld>
             <a:endParaRPr lang="zh-CN" altLang="en-US"/>
           </a:p>
@@ -2692,7 +2410,6 @@
           <a:p>
             <a:fld id="{EB730883-2733-4EB0-9793-894FF9D50112}" type="slidenum">
               <a:rPr lang="zh-CN" altLang="en-US" smtClean="0"/>
-              <a:t>‹#›</a:t>
             </a:fld>
             <a:endParaRPr lang="zh-CN" altLang="en-US"/>
           </a:p>
@@ -2749,7 +2466,6 @@
           <a:p>
             <a:fld id="{DF659192-60C8-49F5-94DF-1E29C3FCC85C}" type="datetimeFigureOut">
               <a:rPr lang="zh-CN" altLang="en-US" smtClean="0"/>
-              <a:t>2025/3/2</a:t>
             </a:fld>
             <a:endParaRPr lang="zh-CN" altLang="en-US"/>
           </a:p>
@@ -2807,7 +2523,6 @@
           <a:p>
             <a:fld id="{EB730883-2733-4EB0-9793-894FF9D50112}" type="slidenum">
               <a:rPr lang="zh-CN" altLang="en-US" smtClean="0"/>
-              <a:t>‹#›</a:t>
             </a:fld>
             <a:endParaRPr lang="zh-CN" altLang="en-US"/>
           </a:p>
@@ -2870,6 +2585,7 @@
               <a:rPr lang="zh-CN" altLang="en-US"/>
               <a:t>单击此处编辑母版标题样式</a:t>
             </a:r>
+            <a:endParaRPr lang="zh-CN" altLang="en-US"/>
           </a:p>
         </p:txBody>
       </p:sp>
@@ -2929,6 +2645,7 @@
               <a:rPr lang="zh-CN" altLang="en-US"/>
               <a:t>单击此处编辑母版文本样式</a:t>
             </a:r>
+            <a:endParaRPr lang="zh-CN" altLang="en-US"/>
           </a:p>
           <a:p>
             <a:pPr lvl="1"/>
@@ -2936,6 +2653,7 @@
               <a:rPr lang="zh-CN" altLang="en-US"/>
               <a:t>第二级</a:t>
             </a:r>
+            <a:endParaRPr lang="zh-CN" altLang="en-US"/>
           </a:p>
           <a:p>
             <a:pPr lvl="2"/>
@@ -2943,6 +2661,7 @@
               <a:rPr lang="zh-CN" altLang="en-US"/>
               <a:t>第三级</a:t>
             </a:r>
+            <a:endParaRPr lang="zh-CN" altLang="en-US"/>
           </a:p>
           <a:p>
             <a:pPr lvl="3"/>
@@ -2950,6 +2669,7 @@
               <a:rPr lang="zh-CN" altLang="en-US"/>
               <a:t>第四级</a:t>
             </a:r>
+            <a:endParaRPr lang="zh-CN" altLang="en-US"/>
           </a:p>
           <a:p>
             <a:pPr lvl="4"/>
@@ -2957,6 +2677,7 @@
               <a:rPr lang="zh-CN" altLang="en-US"/>
               <a:t>第五级</a:t>
             </a:r>
+            <a:endParaRPr lang="zh-CN" altLang="en-US"/>
           </a:p>
         </p:txBody>
       </p:sp>
@@ -3025,6 +2746,7 @@
               <a:rPr lang="zh-CN" altLang="en-US"/>
               <a:t>单击此处编辑母版文本样式</a:t>
             </a:r>
+            <a:endParaRPr lang="zh-CN" altLang="en-US"/>
           </a:p>
         </p:txBody>
       </p:sp>
@@ -3053,7 +2775,6 @@
           <a:p>
             <a:fld id="{DF659192-60C8-49F5-94DF-1E29C3FCC85C}" type="datetimeFigureOut">
               <a:rPr lang="zh-CN" altLang="en-US" smtClean="0"/>
-              <a:t>2025/3/2</a:t>
             </a:fld>
             <a:endParaRPr lang="zh-CN" altLang="en-US"/>
           </a:p>
@@ -3111,7 +2832,6 @@
           <a:p>
             <a:fld id="{EB730883-2733-4EB0-9793-894FF9D50112}" type="slidenum">
               <a:rPr lang="zh-CN" altLang="en-US" smtClean="0"/>
-              <a:t>‹#›</a:t>
             </a:fld>
             <a:endParaRPr lang="zh-CN" altLang="en-US"/>
           </a:p>
@@ -3174,6 +2894,7 @@
               <a:rPr lang="zh-CN" altLang="en-US"/>
               <a:t>单击此处编辑母版标题样式</a:t>
             </a:r>
+            <a:endParaRPr lang="zh-CN" altLang="en-US"/>
           </a:p>
         </p:txBody>
       </p:sp>
@@ -3306,6 +3027,7 @@
               <a:rPr lang="zh-CN" altLang="en-US"/>
               <a:t>单击此处编辑母版文本样式</a:t>
             </a:r>
+            <a:endParaRPr lang="zh-CN" altLang="en-US"/>
           </a:p>
         </p:txBody>
       </p:sp>
@@ -3334,7 +3056,6 @@
           <a:p>
             <a:fld id="{DF659192-60C8-49F5-94DF-1E29C3FCC85C}" type="datetimeFigureOut">
               <a:rPr lang="zh-CN" altLang="en-US" smtClean="0"/>
-              <a:t>2025/3/2</a:t>
             </a:fld>
             <a:endParaRPr lang="zh-CN" altLang="en-US"/>
           </a:p>
@@ -3392,7 +3113,6 @@
           <a:p>
             <a:fld id="{EB730883-2733-4EB0-9793-894FF9D50112}" type="slidenum">
               <a:rPr lang="zh-CN" altLang="en-US" smtClean="0"/>
-              <a:t>‹#›</a:t>
             </a:fld>
             <a:endParaRPr lang="zh-CN" altLang="en-US"/>
           </a:p>
@@ -3451,6 +3171,7 @@
               <a:rPr lang="zh-CN" altLang="en-US"/>
               <a:t>单击此处编辑母版标题样式</a:t>
             </a:r>
+            <a:endParaRPr lang="zh-CN" altLang="en-US"/>
           </a:p>
         </p:txBody>
       </p:sp>
@@ -3482,6 +3203,7 @@
               <a:rPr lang="zh-CN" altLang="en-US"/>
               <a:t>单击此处编辑母版文本样式</a:t>
             </a:r>
+            <a:endParaRPr lang="zh-CN" altLang="en-US"/>
           </a:p>
           <a:p>
             <a:pPr lvl="1"/>
@@ -3489,6 +3211,7 @@
               <a:rPr lang="zh-CN" altLang="en-US"/>
               <a:t>第二级</a:t>
             </a:r>
+            <a:endParaRPr lang="zh-CN" altLang="en-US"/>
           </a:p>
           <a:p>
             <a:pPr lvl="2"/>
@@ -3496,6 +3219,7 @@
               <a:rPr lang="zh-CN" altLang="en-US"/>
               <a:t>第三级</a:t>
             </a:r>
+            <a:endParaRPr lang="zh-CN" altLang="en-US"/>
           </a:p>
           <a:p>
             <a:pPr lvl="3"/>
@@ -3503,6 +3227,7 @@
               <a:rPr lang="zh-CN" altLang="en-US"/>
               <a:t>第四级</a:t>
             </a:r>
+            <a:endParaRPr lang="zh-CN" altLang="en-US"/>
           </a:p>
           <a:p>
             <a:pPr lvl="4"/>
@@ -3510,6 +3235,7 @@
               <a:rPr lang="zh-CN" altLang="en-US"/>
               <a:t>第五级</a:t>
             </a:r>
+            <a:endParaRPr lang="zh-CN" altLang="en-US"/>
           </a:p>
         </p:txBody>
       </p:sp>
@@ -3538,7 +3264,6 @@
           <a:p>
             <a:fld id="{DF659192-60C8-49F5-94DF-1E29C3FCC85C}" type="datetimeFigureOut">
               <a:rPr lang="zh-CN" altLang="en-US" smtClean="0"/>
-              <a:t>2025/3/2</a:t>
             </a:fld>
             <a:endParaRPr lang="zh-CN" altLang="en-US"/>
           </a:p>
@@ -3596,7 +3321,6 @@
           <a:p>
             <a:fld id="{EB730883-2733-4EB0-9793-894FF9D50112}" type="slidenum">
               <a:rPr lang="zh-CN" altLang="en-US" smtClean="0"/>
-              <a:t>‹#›</a:t>
             </a:fld>
             <a:endParaRPr lang="zh-CN" altLang="en-US"/>
           </a:p>
@@ -3655,6 +3379,7 @@
               <a:rPr lang="zh-CN" altLang="en-US"/>
               <a:t>单击此处编辑母版标题样式</a:t>
             </a:r>
+            <a:endParaRPr lang="zh-CN" altLang="en-US"/>
           </a:p>
         </p:txBody>
       </p:sp>
@@ -3686,6 +3411,7 @@
               <a:rPr lang="zh-CN" altLang="en-US"/>
               <a:t>单击此处编辑母版文本样式</a:t>
             </a:r>
+            <a:endParaRPr lang="zh-CN" altLang="en-US"/>
           </a:p>
           <a:p>
             <a:pPr lvl="1"/>
@@ -3693,6 +3419,7 @@
               <a:rPr lang="zh-CN" altLang="en-US"/>
               <a:t>第二级</a:t>
             </a:r>
+            <a:endParaRPr lang="zh-CN" altLang="en-US"/>
           </a:p>
           <a:p>
             <a:pPr lvl="2"/>
@@ -3700,6 +3427,7 @@
               <a:rPr lang="zh-CN" altLang="en-US"/>
               <a:t>第三级</a:t>
             </a:r>
+            <a:endParaRPr lang="zh-CN" altLang="en-US"/>
           </a:p>
           <a:p>
             <a:pPr lvl="3"/>
@@ -3707,6 +3435,7 @@
               <a:rPr lang="zh-CN" altLang="en-US"/>
               <a:t>第四级</a:t>
             </a:r>
+            <a:endParaRPr lang="zh-CN" altLang="en-US"/>
           </a:p>
           <a:p>
             <a:pPr lvl="4"/>
@@ -3714,6 +3443,7 @@
               <a:rPr lang="zh-CN" altLang="en-US"/>
               <a:t>第五级</a:t>
             </a:r>
+            <a:endParaRPr lang="zh-CN" altLang="en-US"/>
           </a:p>
         </p:txBody>
       </p:sp>
@@ -3742,7 +3472,6 @@
           <a:p>
             <a:fld id="{DF659192-60C8-49F5-94DF-1E29C3FCC85C}" type="datetimeFigureOut">
               <a:rPr lang="zh-CN" altLang="en-US" smtClean="0"/>
-              <a:t>2025/3/2</a:t>
             </a:fld>
             <a:endParaRPr lang="zh-CN" altLang="en-US"/>
           </a:p>
@@ -3800,7 +3529,6 @@
           <a:p>
             <a:fld id="{EB730883-2733-4EB0-9793-894FF9D50112}" type="slidenum">
               <a:rPr lang="zh-CN" altLang="en-US" smtClean="0"/>
-              <a:t>‹#›</a:t>
             </a:fld>
             <a:endParaRPr lang="zh-CN" altLang="en-US"/>
           </a:p>
@@ -3879,7 +3607,7 @@
     <p:sldLayoutId id="2147483655" r:id="rId7"/>
     <p:sldLayoutId id="2147483656" r:id="rId8"/>
     <p:sldLayoutId id="2147483657" r:id="rId9"/>
-    <p:sldLayoutId id="2147483659" r:id="rId10"/>
+    <p:sldLayoutId id="2147483658" r:id="rId10"/>
   </p:sldLayoutIdLst>
   <p:transition spd="slow"/>
   <p:txStyles>
@@ -4161,7 +3889,7 @@
           <p:nvPr/>
         </p:nvPicPr>
         <p:blipFill>
-          <a:blip r:embed="rId3" cstate="print">
+          <a:blip r:embed="rId1" cstate="print">
             <a:extLst>
               <a:ext uri="{28A0092B-C50C-407E-A947-70E740481C1C}">
                 <a14:useLocalDpi xmlns:a14="http://schemas.microsoft.com/office/drawing/2010/main" val="0"/>
@@ -4215,6 +3943,13 @@
               </a:rPr>
               <a:t>保守光栅化介绍</a:t>
             </a:r>
+            <a:endParaRPr lang="zh-CN" altLang="en-US" sz="6000" b="1" dirty="0">
+              <a:solidFill>
+                <a:schemeClr val="accent1"/>
+              </a:solidFill>
+              <a:latin typeface="微软雅黑" panose="020B0503020204020204" pitchFamily="34" charset="-122"/>
+              <a:ea typeface="微软雅黑" panose="020B0503020204020204" pitchFamily="34" charset="-122"/>
+            </a:endParaRPr>
           </a:p>
         </p:txBody>
       </p:sp>
@@ -4290,6 +4025,16 @@
               </a:rPr>
               <a:t>黄鑫</a:t>
             </a:r>
+            <a:endParaRPr lang="zh-CN" altLang="en-US" sz="2800" b="1" dirty="0">
+              <a:solidFill>
+                <a:schemeClr val="tx1">
+                  <a:lumMod val="75000"/>
+                  <a:lumOff val="25000"/>
+                </a:schemeClr>
+              </a:solidFill>
+              <a:latin typeface="微软雅黑" panose="020B0503020204020204" pitchFamily="34" charset="-122"/>
+              <a:ea typeface="微软雅黑" panose="020B0503020204020204" pitchFamily="34" charset="-122"/>
+            </a:endParaRPr>
           </a:p>
         </p:txBody>
       </p:sp>
@@ -4307,13 +4052,7 @@
   <p:cSld>
     <p:spTree>
       <p:nvGrpSpPr>
-        <p:cNvPr id="1" name="">
-          <a:extLst>
-            <a:ext uri="{FF2B5EF4-FFF2-40B4-BE49-F238E27FC236}">
-              <a16:creationId xmlns:a16="http://schemas.microsoft.com/office/drawing/2014/main" id="{CEC1F1F6-6CD1-6956-E22E-592A75083E8F}"/>
-            </a:ext>
-          </a:extLst>
-        </p:cNvPr>
+        <p:cNvPr id="1" name=""/>
         <p:cNvGrpSpPr/>
         <p:nvPr/>
       </p:nvGrpSpPr>
@@ -4327,13 +4066,7 @@
       </p:grpSpPr>
       <p:sp>
         <p:nvSpPr>
-          <p:cNvPr id="18" name="文本框 2">
-            <a:extLst>
-              <a:ext uri="{FF2B5EF4-FFF2-40B4-BE49-F238E27FC236}">
-                <a16:creationId xmlns:a16="http://schemas.microsoft.com/office/drawing/2014/main" id="{D3CC5375-0946-4A89-75A3-99D5DFE69FC0}"/>
-              </a:ext>
-            </a:extLst>
-          </p:cNvPr>
+          <p:cNvPr id="18" name="文本框 2"/>
           <p:cNvSpPr txBox="1"/>
           <p:nvPr/>
         </p:nvSpPr>
@@ -4392,18 +4125,22 @@
               </a:rPr>
               <a:t>支持</a:t>
             </a:r>
+            <a:endParaRPr lang="zh-CN" altLang="en-US" sz="2800" b="1" dirty="0">
+              <a:solidFill>
+                <a:schemeClr val="tx2">
+                  <a:lumMod val="60000"/>
+                  <a:lumOff val="40000"/>
+                </a:schemeClr>
+              </a:solidFill>
+              <a:latin typeface="微软雅黑" panose="020B0503020204020204" pitchFamily="34" charset="-122"/>
+              <a:ea typeface="微软雅黑" panose="020B0503020204020204" pitchFamily="34" charset="-122"/>
+            </a:endParaRPr>
           </a:p>
         </p:txBody>
       </p:sp>
       <p:sp>
         <p:nvSpPr>
-          <p:cNvPr id="2" name="文本框 1">
-            <a:extLst>
-              <a:ext uri="{FF2B5EF4-FFF2-40B4-BE49-F238E27FC236}">
-                <a16:creationId xmlns:a16="http://schemas.microsoft.com/office/drawing/2014/main" id="{A902DC87-A602-9ECE-3EF3-6FAFFE98CCAA}"/>
-              </a:ext>
-            </a:extLst>
-          </p:cNvPr>
+          <p:cNvPr id="2" name="文本框 1"/>
           <p:cNvSpPr txBox="1"/>
           <p:nvPr>
             <p:custDataLst>
@@ -4466,6 +4203,10 @@
               </a:rPr>
               <a:t>:</a:t>
             </a:r>
+            <a:endParaRPr lang="en-US" altLang="zh-CN" sz="2000" dirty="0">
+              <a:latin typeface="+mn-ea"/>
+              <a:cs typeface="+mn-ea"/>
+            </a:endParaRPr>
           </a:p>
           <a:p>
             <a:pPr indent="0">
@@ -4495,13 +4236,7 @@
       </p:sp>
       <p:sp>
         <p:nvSpPr>
-          <p:cNvPr id="7" name="文本框 6">
-            <a:extLst>
-              <a:ext uri="{FF2B5EF4-FFF2-40B4-BE49-F238E27FC236}">
-                <a16:creationId xmlns:a16="http://schemas.microsoft.com/office/drawing/2014/main" id="{4D094864-CA3A-339E-6114-367D6833D326}"/>
-              </a:ext>
-            </a:extLst>
-          </p:cNvPr>
+          <p:cNvPr id="7" name="文本框 6"/>
           <p:cNvSpPr txBox="1"/>
           <p:nvPr/>
         </p:nvSpPr>
@@ -4533,12 +4268,14 @@
               <a:rPr lang="en-US" altLang="zh-CN" sz="1000" dirty="0"/>
               <a:t>"</a:t>
             </a:r>
+            <a:endParaRPr lang="en-US" altLang="zh-CN" sz="1000" dirty="0"/>
           </a:p>
           <a:p>
             <a:r>
               <a:rPr lang="en-US" altLang="zh-CN" sz="1000" dirty="0"/>
               <a:t>{</a:t>
             </a:r>
+            <a:endParaRPr lang="en-US" altLang="zh-CN" sz="1000" dirty="0"/>
           </a:p>
           <a:p>
             <a:r>
@@ -4556,6 +4293,7 @@
               <a:rPr lang="en-US" altLang="zh-CN" sz="1000" dirty="0"/>
               <a:t>    {</a:t>
             </a:r>
+            <a:endParaRPr lang="en-US" altLang="zh-CN" sz="1000" dirty="0"/>
           </a:p>
           <a:p>
             <a:r>
@@ -4570,6 +4308,7 @@
               <a:rPr lang="en-US" altLang="zh-CN" sz="1000" dirty="0"/>
               <a:t> goes here.</a:t>
             </a:r>
+            <a:endParaRPr lang="en-US" altLang="zh-CN" sz="1000" dirty="0"/>
           </a:p>
           <a:p>
             <a:r>
@@ -4584,54 +4323,63 @@
               <a:rPr lang="en-US" altLang="zh-CN" sz="1000" dirty="0"/>
               <a:t>Conservative True</a:t>
             </a:r>
+            <a:endParaRPr lang="en-US" altLang="zh-CN" sz="1000" dirty="0"/>
           </a:p>
           <a:p>
             <a:r>
               <a:rPr lang="en-US" altLang="zh-CN" sz="1000" dirty="0"/>
               <a:t>        Pass</a:t>
             </a:r>
+            <a:endParaRPr lang="en-US" altLang="zh-CN" sz="1000" dirty="0"/>
           </a:p>
           <a:p>
             <a:r>
               <a:rPr lang="en-US" altLang="zh-CN" sz="1000" dirty="0"/>
               <a:t>        {    </a:t>
             </a:r>
+            <a:endParaRPr lang="en-US" altLang="zh-CN" sz="1000" dirty="0"/>
           </a:p>
           <a:p>
             <a:r>
               <a:rPr lang="en-US" altLang="zh-CN" sz="1000" dirty="0"/>
               <a:t>              // Enable conservative rasterization for this Pass.</a:t>
             </a:r>
+            <a:endParaRPr lang="en-US" altLang="zh-CN" sz="1000" dirty="0"/>
           </a:p>
           <a:p>
             <a:r>
               <a:rPr lang="en-US" altLang="zh-CN" sz="1000" dirty="0"/>
               <a:t>              Conservative True</a:t>
             </a:r>
+            <a:endParaRPr lang="en-US" altLang="zh-CN" sz="1000" dirty="0"/>
           </a:p>
           <a:p>
             <a:r>
               <a:rPr lang="en-US" altLang="zh-CN" sz="1000" dirty="0"/>
               <a:t>            </a:t>
             </a:r>
+            <a:endParaRPr lang="en-US" altLang="zh-CN" sz="1000" dirty="0"/>
           </a:p>
           <a:p>
             <a:r>
               <a:rPr lang="en-US" altLang="zh-CN" sz="1000" dirty="0"/>
               <a:t>              // The rest of the code that defines the Pass goes here.</a:t>
             </a:r>
+            <a:endParaRPr lang="en-US" altLang="zh-CN" sz="1000" dirty="0"/>
           </a:p>
           <a:p>
             <a:r>
               <a:rPr lang="en-US" altLang="zh-CN" sz="1000" dirty="0"/>
               <a:t>        }</a:t>
             </a:r>
+            <a:endParaRPr lang="en-US" altLang="zh-CN" sz="1000" dirty="0"/>
           </a:p>
           <a:p>
             <a:r>
               <a:rPr lang="en-US" altLang="zh-CN" sz="1000" dirty="0"/>
               <a:t>    }</a:t>
             </a:r>
+            <a:endParaRPr lang="en-US" altLang="zh-CN" sz="1000" dirty="0"/>
           </a:p>
           <a:p>
             <a:r>
@@ -4644,13 +4392,7 @@
       </p:sp>
       <p:sp>
         <p:nvSpPr>
-          <p:cNvPr id="8" name="文本框 7">
-            <a:extLst>
-              <a:ext uri="{FF2B5EF4-FFF2-40B4-BE49-F238E27FC236}">
-                <a16:creationId xmlns:a16="http://schemas.microsoft.com/office/drawing/2014/main" id="{DEF0EF9A-89BB-16F2-18E2-508E027AFCF0}"/>
-              </a:ext>
-            </a:extLst>
-          </p:cNvPr>
+          <p:cNvPr id="8" name="文本框 7"/>
           <p:cNvSpPr txBox="1"/>
           <p:nvPr>
             <p:custDataLst>
@@ -4715,20 +4457,14 @@
       </p:sp>
       <p:pic>
         <p:nvPicPr>
-          <p:cNvPr id="10" name="图片 9">
-            <a:extLst>
-              <a:ext uri="{FF2B5EF4-FFF2-40B4-BE49-F238E27FC236}">
-                <a16:creationId xmlns:a16="http://schemas.microsoft.com/office/drawing/2014/main" id="{712E94FD-1D10-5491-E025-D8B784171C2C}"/>
-              </a:ext>
-            </a:extLst>
-          </p:cNvPr>
+          <p:cNvPr id="10" name="图片 9"/>
           <p:cNvPicPr>
             <a:picLocks noChangeAspect="1"/>
           </p:cNvPicPr>
           <p:nvPr/>
         </p:nvPicPr>
         <p:blipFill>
-          <a:blip r:embed="rId5"/>
+          <a:blip r:embed="rId3"/>
           <a:stretch>
             <a:fillRect/>
           </a:stretch>
@@ -4743,12 +4479,122 @@
           </a:prstGeom>
         </p:spPr>
       </p:pic>
+      <p:pic>
+        <p:nvPicPr>
+          <p:cNvPr id="3" name="图片 2"/>
+          <p:cNvPicPr>
+            <a:picLocks noChangeAspect="1"/>
+          </p:cNvPicPr>
+          <p:nvPr/>
+        </p:nvPicPr>
+        <p:blipFill>
+          <a:blip r:embed="rId4"/>
+          <a:stretch>
+            <a:fillRect/>
+          </a:stretch>
+        </p:blipFill>
+        <p:spPr>
+          <a:xfrm>
+            <a:off x="122555" y="4293870"/>
+            <a:ext cx="3329940" cy="2440305"/>
+          </a:xfrm>
+          <a:prstGeom prst="rect">
+            <a:avLst/>
+          </a:prstGeom>
+        </p:spPr>
+      </p:pic>
+      <p:pic>
+        <p:nvPicPr>
+          <p:cNvPr id="5" name="图片 4"/>
+          <p:cNvPicPr>
+            <a:picLocks noChangeAspect="1"/>
+          </p:cNvPicPr>
+          <p:nvPr/>
+        </p:nvPicPr>
+        <p:blipFill>
+          <a:blip r:embed="rId5"/>
+          <a:stretch>
+            <a:fillRect/>
+          </a:stretch>
+        </p:blipFill>
+        <p:spPr>
+          <a:xfrm>
+            <a:off x="3794760" y="4333875"/>
+            <a:ext cx="4673600" cy="2400300"/>
+          </a:xfrm>
+          <a:prstGeom prst="rect">
+            <a:avLst/>
+          </a:prstGeom>
+        </p:spPr>
+      </p:pic>
+      <p:sp>
+        <p:nvSpPr>
+          <p:cNvPr id="6" name="文本框 5"/>
+          <p:cNvSpPr txBox="1"/>
+          <p:nvPr>
+            <p:custDataLst>
+              <p:tags r:id="rId6"/>
+            </p:custDataLst>
+          </p:nvPr>
+        </p:nvSpPr>
+        <p:spPr>
+          <a:xfrm>
+            <a:off x="8856345" y="5229860"/>
+            <a:ext cx="3004185" cy="698500"/>
+          </a:xfrm>
+          <a:prstGeom prst="rect">
+            <a:avLst/>
+          </a:prstGeom>
+          <a:noFill/>
+        </p:spPr>
+        <p:txBody>
+          <a:bodyPr wrap="square">
+            <a:noAutofit/>
+          </a:bodyPr>
+          <a:p>
+            <a:pPr indent="0">
+              <a:buFont typeface="Arial" panose="020B0604020202020204" pitchFamily="34" charset="0"/>
+              <a:buNone/>
+            </a:pPr>
+            <a:r>
+              <a:rPr lang="en-US" sz="2000" b="1" i="1" dirty="0">
+                <a:latin typeface="+mn-ea"/>
+                <a:cs typeface="+mn-ea"/>
+              </a:rPr>
+              <a:t>TODO</a:t>
+            </a:r>
+            <a:r>
+              <a:rPr lang="zh-CN" altLang="en-US" sz="2000" b="1" i="1" dirty="0">
+                <a:latin typeface="+mn-ea"/>
+                <a:cs typeface="+mn-ea"/>
+              </a:rPr>
+              <a:t>：</a:t>
+            </a:r>
+            <a:endParaRPr lang="zh-CN" altLang="en-US" sz="2000" b="1" i="1" dirty="0">
+              <a:latin typeface="+mn-ea"/>
+              <a:cs typeface="+mn-ea"/>
+            </a:endParaRPr>
+          </a:p>
+          <a:p>
+            <a:pPr indent="0">
+              <a:buFont typeface="Arial" panose="020B0604020202020204" pitchFamily="34" charset="0"/>
+              <a:buNone/>
+            </a:pPr>
+            <a:r>
+              <a:rPr lang="zh-CN" altLang="en-US" sz="2000" b="1" i="1" dirty="0">
+                <a:latin typeface="+mn-ea"/>
+                <a:cs typeface="+mn-ea"/>
+              </a:rPr>
+              <a:t>应该要检查硬件是否支持</a:t>
+            </a:r>
+            <a:endParaRPr lang="zh-CN" altLang="en-US" sz="2000" b="1" i="1" dirty="0">
+              <a:latin typeface="+mn-ea"/>
+              <a:cs typeface="+mn-ea"/>
+            </a:endParaRPr>
+          </a:p>
+        </p:txBody>
+      </p:sp>
     </p:spTree>
-    <p:extLst>
-      <p:ext uri="{BB962C8B-B14F-4D97-AF65-F5344CB8AC3E}">
-        <p14:creationId xmlns:p14="http://schemas.microsoft.com/office/powerpoint/2010/main" val="2409657506"/>
-      </p:ext>
-    </p:extLst>
   </p:cSld>
   <p:clrMapOvr>
     <a:masterClrMapping/>
@@ -4762,13 +4608,7 @@
   <p:cSld>
     <p:spTree>
       <p:nvGrpSpPr>
-        <p:cNvPr id="1" name="">
-          <a:extLst>
-            <a:ext uri="{FF2B5EF4-FFF2-40B4-BE49-F238E27FC236}">
-              <a16:creationId xmlns:a16="http://schemas.microsoft.com/office/drawing/2014/main" id="{98E8BA21-9D71-978A-E2CC-1E305A9222FD}"/>
-            </a:ext>
-          </a:extLst>
-        </p:cNvPr>
+        <p:cNvPr id="1" name=""/>
         <p:cNvGrpSpPr/>
         <p:nvPr/>
       </p:nvGrpSpPr>
@@ -4782,13 +4622,7 @@
       </p:grpSpPr>
       <p:sp>
         <p:nvSpPr>
-          <p:cNvPr id="18" name="文本框 2">
-            <a:extLst>
-              <a:ext uri="{FF2B5EF4-FFF2-40B4-BE49-F238E27FC236}">
-                <a16:creationId xmlns:a16="http://schemas.microsoft.com/office/drawing/2014/main" id="{0F3D030A-53E2-369D-A848-A40DA56B210D}"/>
-              </a:ext>
-            </a:extLst>
-          </p:cNvPr>
+          <p:cNvPr id="18" name="文本框 2"/>
           <p:cNvSpPr txBox="1"/>
           <p:nvPr/>
         </p:nvSpPr>
@@ -4821,18 +4655,22 @@
               </a:rPr>
               <a:t>自己实现</a:t>
             </a:r>
+            <a:endParaRPr lang="zh-CN" altLang="en-US" sz="2800" b="1" dirty="0">
+              <a:solidFill>
+                <a:schemeClr val="tx2">
+                  <a:lumMod val="60000"/>
+                  <a:lumOff val="40000"/>
+                </a:schemeClr>
+              </a:solidFill>
+              <a:latin typeface="微软雅黑" panose="020B0503020204020204" pitchFamily="34" charset="-122"/>
+              <a:ea typeface="微软雅黑" panose="020B0503020204020204" pitchFamily="34" charset="-122"/>
+            </a:endParaRPr>
           </a:p>
         </p:txBody>
       </p:sp>
       <p:sp>
         <p:nvSpPr>
-          <p:cNvPr id="2" name="文本框 1">
-            <a:extLst>
-              <a:ext uri="{FF2B5EF4-FFF2-40B4-BE49-F238E27FC236}">
-                <a16:creationId xmlns:a16="http://schemas.microsoft.com/office/drawing/2014/main" id="{7B949473-6921-615A-527D-15DBBE3D7713}"/>
-              </a:ext>
-            </a:extLst>
-          </p:cNvPr>
+          <p:cNvPr id="2" name="文本框 1"/>
           <p:cNvSpPr txBox="1"/>
           <p:nvPr>
             <p:custDataLst>
@@ -4912,7 +4750,7 @@
               <a:rPr lang="en-US" altLang="zh-CN" sz="2000" dirty="0">
                 <a:latin typeface="+mn-ea"/>
                 <a:cs typeface="+mn-ea"/>
-                <a:hlinkClick r:id="rId4"/>
+                <a:hlinkClick r:id="rId2"/>
               </a:rPr>
               <a:t>https://yangwc.com/2019/06/11/Voxelization/</a:t>
             </a:r>
@@ -4984,7 +4822,7 @@
               <a:rPr lang="en-US" altLang="zh-CN" sz="2000" dirty="0">
                 <a:latin typeface="+mn-ea"/>
                 <a:cs typeface="+mn-ea"/>
-                <a:hlinkClick r:id="rId5"/>
+                <a:hlinkClick r:id="rId3"/>
               </a:rPr>
               <a:t>https://developer.nvidia.com/gpugems/gpugems2/part-v-image-oriented-computing/chapter-42-conservative-rasterization</a:t>
             </a:r>
@@ -5016,11 +4854,6 @@
         </p:txBody>
       </p:sp>
     </p:spTree>
-    <p:extLst>
-      <p:ext uri="{BB962C8B-B14F-4D97-AF65-F5344CB8AC3E}">
-        <p14:creationId xmlns:p14="http://schemas.microsoft.com/office/powerpoint/2010/main" val="4082510878"/>
-      </p:ext>
-    </p:extLst>
   </p:cSld>
   <p:clrMapOvr>
     <a:masterClrMapping/>
@@ -5034,13 +4867,7 @@
   <p:cSld>
     <p:spTree>
       <p:nvGrpSpPr>
-        <p:cNvPr id="1" name="">
-          <a:extLst>
-            <a:ext uri="{FF2B5EF4-FFF2-40B4-BE49-F238E27FC236}">
-              <a16:creationId xmlns:a16="http://schemas.microsoft.com/office/drawing/2014/main" id="{175FF47D-3812-2E9C-829F-D66BC698454E}"/>
-            </a:ext>
-          </a:extLst>
-        </p:cNvPr>
+        <p:cNvPr id="1" name=""/>
         <p:cNvGrpSpPr/>
         <p:nvPr/>
       </p:nvGrpSpPr>
@@ -5054,13 +4881,7 @@
       </p:grpSpPr>
       <p:sp>
         <p:nvSpPr>
-          <p:cNvPr id="18" name="文本框 2">
-            <a:extLst>
-              <a:ext uri="{FF2B5EF4-FFF2-40B4-BE49-F238E27FC236}">
-                <a16:creationId xmlns:a16="http://schemas.microsoft.com/office/drawing/2014/main" id="{A92E854A-CBCD-53EF-F71D-404A2237D339}"/>
-              </a:ext>
-            </a:extLst>
-          </p:cNvPr>
+          <p:cNvPr id="18" name="文本框 2"/>
           <p:cNvSpPr txBox="1"/>
           <p:nvPr/>
         </p:nvSpPr>
@@ -5093,18 +4914,22 @@
               </a:rPr>
               <a:t>自己实现</a:t>
             </a:r>
+            <a:endParaRPr lang="zh-CN" altLang="en-US" sz="2800" b="1" dirty="0">
+              <a:solidFill>
+                <a:schemeClr val="tx2">
+                  <a:lumMod val="60000"/>
+                  <a:lumOff val="40000"/>
+                </a:schemeClr>
+              </a:solidFill>
+              <a:latin typeface="微软雅黑" panose="020B0503020204020204" pitchFamily="34" charset="-122"/>
+              <a:ea typeface="微软雅黑" panose="020B0503020204020204" pitchFamily="34" charset="-122"/>
+            </a:endParaRPr>
           </a:p>
         </p:txBody>
       </p:sp>
       <p:sp>
         <p:nvSpPr>
-          <p:cNvPr id="2" name="文本框 1">
-            <a:extLst>
-              <a:ext uri="{FF2B5EF4-FFF2-40B4-BE49-F238E27FC236}">
-                <a16:creationId xmlns:a16="http://schemas.microsoft.com/office/drawing/2014/main" id="{CC6AC615-810D-4CAE-5F7D-45C94A3F0F61}"/>
-              </a:ext>
-            </a:extLst>
-          </p:cNvPr>
+          <p:cNvPr id="2" name="文本框 1"/>
           <p:cNvSpPr txBox="1"/>
           <p:nvPr>
             <p:custDataLst>
@@ -5183,20 +5008,14 @@
       </p:sp>
       <p:pic>
         <p:nvPicPr>
-          <p:cNvPr id="15" name="图片 14">
-            <a:extLst>
-              <a:ext uri="{FF2B5EF4-FFF2-40B4-BE49-F238E27FC236}">
-                <a16:creationId xmlns:a16="http://schemas.microsoft.com/office/drawing/2014/main" id="{2C8B089D-3ED6-1771-E78A-F2DF491D291C}"/>
-              </a:ext>
-            </a:extLst>
-          </p:cNvPr>
+          <p:cNvPr id="15" name="图片 14"/>
           <p:cNvPicPr>
             <a:picLocks noChangeAspect="1"/>
           </p:cNvPicPr>
           <p:nvPr/>
         </p:nvPicPr>
         <p:blipFill>
-          <a:blip r:embed="rId4"/>
+          <a:blip r:embed="rId2"/>
           <a:stretch>
             <a:fillRect/>
           </a:stretch>
@@ -5213,27 +5032,21 @@
       </p:pic>
       <p:pic>
         <p:nvPicPr>
-          <p:cNvPr id="20" name="图片 19">
-            <a:extLst>
-              <a:ext uri="{FF2B5EF4-FFF2-40B4-BE49-F238E27FC236}">
-                <a16:creationId xmlns:a16="http://schemas.microsoft.com/office/drawing/2014/main" id="{02063BF4-6463-162D-D5B4-A0076CA33AF1}"/>
-              </a:ext>
-            </a:extLst>
-          </p:cNvPr>
+          <p:cNvPr id="20" name="图片 19"/>
           <p:cNvPicPr>
             <a:picLocks noChangeAspect="1"/>
           </p:cNvPicPr>
           <p:nvPr/>
         </p:nvPicPr>
         <p:blipFill>
-          <a:blip r:embed="rId5"/>
+          <a:blip r:embed="rId3"/>
           <a:stretch>
             <a:fillRect/>
           </a:stretch>
         </p:blipFill>
         <p:spPr>
           <a:xfrm>
-            <a:off x="6235151" y="1537842"/>
+            <a:off x="6675206" y="1341627"/>
             <a:ext cx="5377911" cy="1880724"/>
           </a:xfrm>
           <a:prstGeom prst="rect">
@@ -5243,19 +5056,13 @@
       </p:pic>
       <p:sp>
         <p:nvSpPr>
-          <p:cNvPr id="23" name="文本框 22">
-            <a:extLst>
-              <a:ext uri="{FF2B5EF4-FFF2-40B4-BE49-F238E27FC236}">
-                <a16:creationId xmlns:a16="http://schemas.microsoft.com/office/drawing/2014/main" id="{635B96DB-033D-CEB2-9729-8C2D13C209BF}"/>
-              </a:ext>
-            </a:extLst>
-          </p:cNvPr>
+          <p:cNvPr id="23" name="文本框 22"/>
           <p:cNvSpPr txBox="1"/>
           <p:nvPr/>
         </p:nvSpPr>
         <p:spPr>
           <a:xfrm>
-            <a:off x="6171183" y="3645818"/>
+            <a:off x="7084948" y="3449603"/>
             <a:ext cx="4968552" cy="646331"/>
           </a:xfrm>
           <a:prstGeom prst="rect">
@@ -5296,24 +5103,22 @@
               </a:rPr>
               <a:t>保守光栅化：用离正半平面最近的角点</a:t>
             </a:r>
+            <a:endParaRPr lang="zh-CN" altLang="en-US" sz="1800" dirty="0">
+              <a:latin typeface="+mj-lt"/>
+              <a:ea typeface="+mj-ea"/>
+            </a:endParaRPr>
           </a:p>
         </p:txBody>
       </p:sp>
       <p:sp>
         <p:nvSpPr>
-          <p:cNvPr id="31" name="文本框 30">
-            <a:extLst>
-              <a:ext uri="{FF2B5EF4-FFF2-40B4-BE49-F238E27FC236}">
-                <a16:creationId xmlns:a16="http://schemas.microsoft.com/office/drawing/2014/main" id="{B2F1A8E2-5D02-91C5-34E5-390A2EA4D94F}"/>
-              </a:ext>
-            </a:extLst>
-          </p:cNvPr>
+          <p:cNvPr id="31" name="文本框 30"/>
           <p:cNvSpPr txBox="1"/>
           <p:nvPr/>
         </p:nvSpPr>
         <p:spPr>
           <a:xfrm>
-            <a:off x="6027167" y="5734050"/>
+            <a:off x="7085077" y="5518150"/>
             <a:ext cx="4968552" cy="646331"/>
           </a:xfrm>
           <a:prstGeom prst="rect">
@@ -5378,13 +5183,7 @@
       </p:sp>
       <p:grpSp>
         <p:nvGrpSpPr>
-          <p:cNvPr id="34" name="组合 33">
-            <a:extLst>
-              <a:ext uri="{FF2B5EF4-FFF2-40B4-BE49-F238E27FC236}">
-                <a16:creationId xmlns:a16="http://schemas.microsoft.com/office/drawing/2014/main" id="{4F406BED-585D-0C2C-DB89-49D41210A9C5}"/>
-              </a:ext>
-            </a:extLst>
-          </p:cNvPr>
+          <p:cNvPr id="34" name="组合 33"/>
           <p:cNvGrpSpPr/>
           <p:nvPr/>
         </p:nvGrpSpPr>
@@ -5398,13 +5197,7 @@
         </p:grpSpPr>
         <p:sp>
           <p:nvSpPr>
-            <p:cNvPr id="11" name="文本框 10">
-              <a:extLst>
-                <a:ext uri="{FF2B5EF4-FFF2-40B4-BE49-F238E27FC236}">
-                  <a16:creationId xmlns:a16="http://schemas.microsoft.com/office/drawing/2014/main" id="{FDE44B34-10AE-1582-62C5-E0F162335C30}"/>
-                </a:ext>
-              </a:extLst>
-            </p:cNvPr>
+            <p:cNvPr id="11" name="文本框 10"/>
             <p:cNvSpPr txBox="1"/>
             <p:nvPr/>
           </p:nvSpPr>
@@ -5440,20 +5233,14 @@
         </p:sp>
         <p:pic>
           <p:nvPicPr>
-            <p:cNvPr id="33" name="图片 32">
-              <a:extLst>
-                <a:ext uri="{FF2B5EF4-FFF2-40B4-BE49-F238E27FC236}">
-                  <a16:creationId xmlns:a16="http://schemas.microsoft.com/office/drawing/2014/main" id="{ECEE925B-7B65-C3C6-57F2-DF468B50DBA7}"/>
-                </a:ext>
-              </a:extLst>
-            </p:cNvPr>
+            <p:cNvPr id="33" name="图片 32"/>
             <p:cNvPicPr>
               <a:picLocks noChangeAspect="1"/>
             </p:cNvPicPr>
             <p:nvPr/>
           </p:nvPicPr>
           <p:blipFill>
-            <a:blip r:embed="rId6"/>
+            <a:blip r:embed="rId4"/>
             <a:stretch>
               <a:fillRect/>
             </a:stretch>
@@ -5471,19 +5258,13 @@
       </p:grpSp>
       <p:grpSp>
         <p:nvGrpSpPr>
-          <p:cNvPr id="38" name="组合 37">
-            <a:extLst>
-              <a:ext uri="{FF2B5EF4-FFF2-40B4-BE49-F238E27FC236}">
-                <a16:creationId xmlns:a16="http://schemas.microsoft.com/office/drawing/2014/main" id="{3D2EEFEC-3163-95AA-20B9-7445A12EAE53}"/>
-              </a:ext>
-            </a:extLst>
-          </p:cNvPr>
+          <p:cNvPr id="38" name="组合 37"/>
           <p:cNvGrpSpPr/>
           <p:nvPr/>
         </p:nvGrpSpPr>
         <p:grpSpPr>
           <a:xfrm>
-            <a:off x="5811143" y="4433376"/>
+            <a:off x="6294378" y="4237161"/>
             <a:ext cx="6096156" cy="1037099"/>
             <a:chOff x="5811143" y="4433376"/>
             <a:chExt cx="6096156" cy="1037099"/>
@@ -5493,13 +5274,7 @@
           <mc:Choice xmlns:a14="http://schemas.microsoft.com/office/drawing/2010/main" Requires="a14">
             <p:sp>
               <p:nvSpPr>
-                <p:cNvPr id="29" name="文本框 28">
-                  <a:extLst>
-                    <a:ext uri="{FF2B5EF4-FFF2-40B4-BE49-F238E27FC236}">
-                      <a16:creationId xmlns:a16="http://schemas.microsoft.com/office/drawing/2014/main" id="{D2EAC842-FC65-6671-729B-E87A55C46BED}"/>
-                    </a:ext>
-                  </a:extLst>
-                </p:cNvPr>
+                <p:cNvPr id="29" name="文本框 28"/>
                 <p:cNvSpPr txBox="1"/>
                 <p:nvPr/>
               </p:nvSpPr>
@@ -5580,7 +5355,19 @@
                                   <a:rPr lang="en-US" altLang="zh-CN" sz="1200" b="0" i="1" smtClean="0">
                                     <a:latin typeface="Cambria Math" panose="02040503050406030204" pitchFamily="18" charset="0"/>
                                   </a:rPr>
-                                  <m:t>0.5</m:t>
+                                  <m:t>0</m:t>
+                                </m:r>
+                                <m:r>
+                                  <a:rPr lang="en-US" altLang="zh-CN" sz="1200" b="0" i="1" smtClean="0">
+                                    <a:latin typeface="Cambria Math" panose="02040503050406030204" pitchFamily="18" charset="0"/>
+                                  </a:rPr>
+                                  <m:t>.</m:t>
+                                </m:r>
+                                <m:r>
+                                  <a:rPr lang="en-US" altLang="zh-CN" sz="1200" b="0" i="1" smtClean="0">
+                                    <a:latin typeface="Cambria Math" panose="02040503050406030204" pitchFamily="18" charset="0"/>
+                                  </a:rPr>
+                                  <m:t>5</m:t>
                                 </m:r>
                                 <m:r>
                                   <a:rPr lang="en-US" altLang="zh-CN" sz="1200" i="1" smtClean="0">
@@ -5624,7 +5411,19 @@
                                   <a:rPr lang="en-US" altLang="zh-CN" sz="1200" i="1">
                                     <a:latin typeface="Cambria Math" panose="02040503050406030204" pitchFamily="18" charset="0"/>
                                   </a:rPr>
-                                  <m:t>0.5</m:t>
+                                  <m:t>0</m:t>
+                                </m:r>
+                                <m:r>
+                                  <a:rPr lang="en-US" altLang="zh-CN" sz="1200" i="1">
+                                    <a:latin typeface="Cambria Math" panose="02040503050406030204" pitchFamily="18" charset="0"/>
+                                  </a:rPr>
+                                  <m:t>.</m:t>
+                                </m:r>
+                                <m:r>
+                                  <a:rPr lang="en-US" altLang="zh-CN" sz="1200" i="1">
+                                    <a:latin typeface="Cambria Math" panose="02040503050406030204" pitchFamily="18" charset="0"/>
+                                  </a:rPr>
+                                  <m:t>5</m:t>
                                 </m:r>
                                 <m:r>
                                   <a:rPr lang="en-US" altLang="zh-CN" sz="1200" i="1" smtClean="0">
@@ -5715,7 +5514,25 @@
                                   <a:rPr lang="en-US" altLang="zh-CN" sz="1200" i="1">
                                     <a:latin typeface="Cambria Math" panose="02040503050406030204" pitchFamily="18" charset="0"/>
                                   </a:rPr>
-                                  <m:t>0.5,  </m:t>
+                                  <m:t>0</m:t>
+                                </m:r>
+                                <m:r>
+                                  <a:rPr lang="en-US" altLang="zh-CN" sz="1200" i="1">
+                                    <a:latin typeface="Cambria Math" panose="02040503050406030204" pitchFamily="18" charset="0"/>
+                                  </a:rPr>
+                                  <m:t>.</m:t>
+                                </m:r>
+                                <m:r>
+                                  <a:rPr lang="en-US" altLang="zh-CN" sz="1200" i="1">
+                                    <a:latin typeface="Cambria Math" panose="02040503050406030204" pitchFamily="18" charset="0"/>
+                                  </a:rPr>
+                                  <m:t>5</m:t>
+                                </m:r>
+                                <m:r>
+                                  <a:rPr lang="en-US" altLang="zh-CN" sz="1200" i="1">
+                                    <a:latin typeface="Cambria Math" panose="02040503050406030204" pitchFamily="18" charset="0"/>
+                                  </a:rPr>
+                                  <m:t>,  </m:t>
                                 </m:r>
                                 <m:r>
                                   <a:rPr lang="en-US" altLang="zh-CN" sz="1200" b="0" i="1" smtClean="0">
@@ -5747,7 +5564,19 @@
                                   <a:rPr lang="en-US" altLang="zh-CN" sz="1200" i="1">
                                     <a:latin typeface="Cambria Math" panose="02040503050406030204" pitchFamily="18" charset="0"/>
                                   </a:rPr>
-                                  <m:t>0.5</m:t>
+                                  <m:t>0</m:t>
+                                </m:r>
+                                <m:r>
+                                  <a:rPr lang="en-US" altLang="zh-CN" sz="1200" i="1">
+                                    <a:latin typeface="Cambria Math" panose="02040503050406030204" pitchFamily="18" charset="0"/>
+                                  </a:rPr>
+                                  <m:t>.</m:t>
+                                </m:r>
+                                <m:r>
+                                  <a:rPr lang="en-US" altLang="zh-CN" sz="1200" i="1">
+                                    <a:latin typeface="Cambria Math" panose="02040503050406030204" pitchFamily="18" charset="0"/>
+                                  </a:rPr>
+                                  <m:t>5</m:t>
                                 </m:r>
                                 <m:r>
                                   <a:rPr lang="en-US" altLang="zh-CN" sz="1200" i="1">
@@ -5788,13 +5617,7 @@
           <mc:Fallback>
             <p:sp>
               <p:nvSpPr>
-                <p:cNvPr id="29" name="文本框 28">
-                  <a:extLst>
-                    <a:ext uri="{FF2B5EF4-FFF2-40B4-BE49-F238E27FC236}">
-                      <a16:creationId xmlns:a16="http://schemas.microsoft.com/office/drawing/2014/main" id="{D2EAC842-FC65-6671-729B-E87A55C46BED}"/>
-                    </a:ext>
-                  </a:extLst>
-                </p:cNvPr>
+                <p:cNvPr id="29" name="文本框 28"/>
                 <p:cNvSpPr txBox="1">
                   <a:spLocks noRot="1" noChangeAspect="1" noMove="1" noResize="1" noEditPoints="1" noAdjustHandles="1" noChangeArrowheads="1" noChangeShapeType="1" noTextEdit="1"/>
                 </p:cNvSpPr>
@@ -5808,11 +5631,8 @@
                 <a:prstGeom prst="rect">
                   <a:avLst/>
                 </a:prstGeom>
-                <a:blipFill>
-                  <a:blip r:embed="rId7"/>
-                  <a:stretch>
-                    <a:fillRect t="-229851" b="-329851"/>
-                  </a:stretch>
+                <a:blipFill rotWithShape="1">
+                  <a:blip r:embed="rId5"/>
                 </a:blipFill>
               </p:spPr>
               <p:txBody>
@@ -5832,20 +5652,14 @@
         </mc:AlternateContent>
         <p:pic>
           <p:nvPicPr>
-            <p:cNvPr id="36" name="图片 35">
-              <a:extLst>
-                <a:ext uri="{FF2B5EF4-FFF2-40B4-BE49-F238E27FC236}">
-                  <a16:creationId xmlns:a16="http://schemas.microsoft.com/office/drawing/2014/main" id="{3E0FE27A-5DD1-4117-3C94-786551B1D5D3}"/>
-                </a:ext>
-              </a:extLst>
-            </p:cNvPr>
+            <p:cNvPr id="36" name="图片 35"/>
             <p:cNvPicPr>
               <a:picLocks noChangeAspect="1"/>
             </p:cNvPicPr>
             <p:nvPr/>
           </p:nvPicPr>
           <p:blipFill>
-            <a:blip r:embed="rId8"/>
+            <a:blip r:embed="rId6"/>
             <a:stretch>
               <a:fillRect/>
             </a:stretch>
@@ -5861,12 +5675,93 @@
           </p:spPr>
         </p:pic>
       </p:grpSp>
+      <p:sp>
+        <p:nvSpPr>
+          <p:cNvPr id="3" name="文本框 2"/>
+          <p:cNvSpPr txBox="1"/>
+          <p:nvPr/>
+        </p:nvSpPr>
+        <p:spPr>
+          <a:xfrm>
+            <a:off x="122555" y="5589905"/>
+            <a:ext cx="6657340" cy="1198880"/>
+          </a:xfrm>
+          <a:prstGeom prst="rect">
+            <a:avLst/>
+          </a:prstGeom>
+          <a:noFill/>
+        </p:spPr>
+        <p:txBody>
+          <a:bodyPr wrap="square" rtlCol="0" anchor="t">
+            <a:spAutoFit/>
+          </a:bodyPr>
+          <a:p>
+            <a:pPr indent="0">
+              <a:buFont typeface="Arial" panose="020B0604020202020204" pitchFamily="34" charset="0"/>
+              <a:buNone/>
+            </a:pPr>
+            <a:r>
+              <a:rPr lang="zh-CN" altLang="en-US" sz="1800" dirty="0">
+                <a:sym typeface="+mn-ea"/>
+              </a:rPr>
+              <a:t>参考：</a:t>
+            </a:r>
+            <a:endParaRPr lang="en-US" altLang="zh-CN" sz="1800" dirty="0">
+              <a:sym typeface="+mn-ea"/>
+            </a:endParaRPr>
+          </a:p>
+          <a:p>
+            <a:pPr indent="0">
+              <a:buFont typeface="Arial" panose="020B0604020202020204" pitchFamily="34" charset="0"/>
+              <a:buNone/>
+            </a:pPr>
+            <a:r>
+              <a:rPr lang="en-US" altLang="zh-CN" sz="1800" dirty="0">
+                <a:sym typeface="+mn-ea"/>
+              </a:rPr>
+              <a:t>·《Real-Time Rendering 4th </a:t>
+            </a:r>
+            <a:r>
+              <a:rPr lang="en-US" altLang="zh-CN" sz="1800" dirty="0" err="1">
+                <a:sym typeface="+mn-ea"/>
+              </a:rPr>
+              <a:t>Edition》Chapter</a:t>
+            </a:r>
+            <a:r>
+              <a:rPr lang="en-US" altLang="zh-CN" sz="1800" dirty="0">
+                <a:sym typeface="+mn-ea"/>
+              </a:rPr>
+              <a:t> 23.1 Rasterization</a:t>
+            </a:r>
+            <a:endParaRPr lang="en-US" altLang="zh-CN" sz="1800" dirty="0">
+              <a:sym typeface="+mn-ea"/>
+            </a:endParaRPr>
+          </a:p>
+          <a:p>
+            <a:pPr indent="0">
+              <a:buFont typeface="Arial" panose="020B0604020202020204" pitchFamily="34" charset="0"/>
+              <a:buNone/>
+            </a:pPr>
+            <a:r>
+              <a:rPr lang="en-US" altLang="zh-CN" sz="1800" dirty="0">
+                <a:sym typeface="+mn-ea"/>
+              </a:rPr>
+              <a:t>·</a:t>
+            </a:r>
+            <a:r>
+              <a:rPr lang="en-US" altLang="zh-CN" sz="1800" dirty="0">
+                <a:sym typeface="+mn-ea"/>
+                <a:hlinkClick r:id="rId7" action="ppaction://hlinkfile"/>
+              </a:rPr>
+              <a:t>https://fileadmin.cs.lth.se/graphics/research/papers/2005/cr/conservative.pdf</a:t>
+            </a:r>
+            <a:endParaRPr lang="en-US" altLang="zh-CN" sz="1800" dirty="0">
+              <a:sym typeface="+mn-ea"/>
+            </a:endParaRPr>
+          </a:p>
+        </p:txBody>
+      </p:sp>
     </p:spTree>
-    <p:extLst>
-      <p:ext uri="{BB962C8B-B14F-4D97-AF65-F5344CB8AC3E}">
-        <p14:creationId xmlns:p14="http://schemas.microsoft.com/office/powerpoint/2010/main" val="1658788885"/>
-      </p:ext>
-    </p:extLst>
   </p:cSld>
   <p:clrMapOvr>
     <a:masterClrMapping/>
@@ -5880,13 +5775,7 @@
   <p:cSld>
     <p:spTree>
       <p:nvGrpSpPr>
-        <p:cNvPr id="1" name="">
-          <a:extLst>
-            <a:ext uri="{FF2B5EF4-FFF2-40B4-BE49-F238E27FC236}">
-              <a16:creationId xmlns:a16="http://schemas.microsoft.com/office/drawing/2014/main" id="{3ED872DD-D8F4-1E01-ADCD-58E440AFB3CD}"/>
-            </a:ext>
-          </a:extLst>
-        </p:cNvPr>
+        <p:cNvPr id="1" name=""/>
         <p:cNvGrpSpPr/>
         <p:nvPr/>
       </p:nvGrpSpPr>
@@ -5900,13 +5789,7 @@
       </p:grpSpPr>
       <p:sp>
         <p:nvSpPr>
-          <p:cNvPr id="31" name="矩形 30">
-            <a:extLst>
-              <a:ext uri="{FF2B5EF4-FFF2-40B4-BE49-F238E27FC236}">
-                <a16:creationId xmlns:a16="http://schemas.microsoft.com/office/drawing/2014/main" id="{F75DFBC2-C8E4-099B-64E5-5A1354718E4F}"/>
-              </a:ext>
-            </a:extLst>
-          </p:cNvPr>
+          <p:cNvPr id="31" name="矩形 30"/>
           <p:cNvSpPr/>
           <p:nvPr/>
         </p:nvSpPr>
@@ -5949,15 +5832,13 @@
       </p:sp>
       <p:sp>
         <p:nvSpPr>
-          <p:cNvPr id="32" name="圆角矩形 31">
-            <a:extLst>
-              <a:ext uri="{FF2B5EF4-FFF2-40B4-BE49-F238E27FC236}">
-                <a16:creationId xmlns:a16="http://schemas.microsoft.com/office/drawing/2014/main" id="{E6E7327B-CA15-E0C7-4EC7-FC5CAFE6115E}"/>
-              </a:ext>
-            </a:extLst>
-          </p:cNvPr>
+          <p:cNvPr id="32" name="圆角矩形 31"/>
           <p:cNvSpPr/>
-          <p:nvPr/>
+          <p:nvPr>
+            <p:custDataLst>
+              <p:tags r:id="rId1"/>
+            </p:custDataLst>
+          </p:nvPr>
         </p:nvSpPr>
         <p:spPr>
           <a:xfrm>
@@ -6022,15 +5903,13 @@
       </p:sp>
       <p:sp>
         <p:nvSpPr>
-          <p:cNvPr id="35" name="圆角矩形 34">
-            <a:extLst>
-              <a:ext uri="{FF2B5EF4-FFF2-40B4-BE49-F238E27FC236}">
-                <a16:creationId xmlns:a16="http://schemas.microsoft.com/office/drawing/2014/main" id="{65DAFE9C-37F2-B6D4-C9C0-FBABD5FBB0F1}"/>
-              </a:ext>
-            </a:extLst>
-          </p:cNvPr>
+          <p:cNvPr id="35" name="圆角矩形 34"/>
           <p:cNvSpPr/>
-          <p:nvPr/>
+          <p:nvPr>
+            <p:custDataLst>
+              <p:tags r:id="rId2"/>
+            </p:custDataLst>
+          </p:nvPr>
         </p:nvSpPr>
         <p:spPr>
           <a:xfrm>
@@ -6087,15 +5966,13 @@
       </p:sp>
       <p:sp>
         <p:nvSpPr>
-          <p:cNvPr id="36" name="矩形 35">
-            <a:extLst>
-              <a:ext uri="{FF2B5EF4-FFF2-40B4-BE49-F238E27FC236}">
-                <a16:creationId xmlns:a16="http://schemas.microsoft.com/office/drawing/2014/main" id="{CE0B04D7-9B1F-AFBD-164A-580B8616C935}"/>
-              </a:ext>
-            </a:extLst>
-          </p:cNvPr>
+          <p:cNvPr id="36" name="矩形 35"/>
           <p:cNvSpPr/>
-          <p:nvPr/>
+          <p:nvPr>
+            <p:custDataLst>
+              <p:tags r:id="rId3"/>
+            </p:custDataLst>
+          </p:nvPr>
         </p:nvSpPr>
         <p:spPr>
           <a:xfrm>
@@ -6122,18 +5999,19 @@
               </a:rPr>
               <a:t>定义和应用</a:t>
             </a:r>
+            <a:endParaRPr lang="zh-CN" altLang="en-US" sz="2000" b="1" dirty="0">
+              <a:solidFill>
+                <a:schemeClr val="bg1"/>
+              </a:solidFill>
+              <a:latin typeface="微软雅黑" panose="020B0503020204020204" pitchFamily="34" charset="-122"/>
+              <a:ea typeface="微软雅黑" panose="020B0503020204020204" pitchFamily="34" charset="-122"/>
+            </a:endParaRPr>
           </a:p>
         </p:txBody>
       </p:sp>
       <p:sp>
         <p:nvSpPr>
-          <p:cNvPr id="66" name="TextBox 65">
-            <a:extLst>
-              <a:ext uri="{FF2B5EF4-FFF2-40B4-BE49-F238E27FC236}">
-                <a16:creationId xmlns:a16="http://schemas.microsoft.com/office/drawing/2014/main" id="{DE762C3A-D049-10F4-19BB-D8E0706C0F43}"/>
-              </a:ext>
-            </a:extLst>
-          </p:cNvPr>
+          <p:cNvPr id="66" name="TextBox 65"/>
           <p:cNvSpPr txBox="1"/>
           <p:nvPr/>
         </p:nvSpPr>
@@ -6200,13 +6078,7 @@
       </p:sp>
       <p:sp>
         <p:nvSpPr>
-          <p:cNvPr id="67" name="下箭头 66">
-            <a:extLst>
-              <a:ext uri="{FF2B5EF4-FFF2-40B4-BE49-F238E27FC236}">
-                <a16:creationId xmlns:a16="http://schemas.microsoft.com/office/drawing/2014/main" id="{61C339A6-2CA5-888B-39BD-CEFD4E8C42C0}"/>
-              </a:ext>
-            </a:extLst>
-          </p:cNvPr>
+          <p:cNvPr id="67" name="下箭头 66"/>
           <p:cNvSpPr/>
           <p:nvPr/>
         </p:nvSpPr>
@@ -6252,15 +6124,13 @@
       </p:sp>
       <p:grpSp>
         <p:nvGrpSpPr>
-          <p:cNvPr id="26" name="组合 25">
-            <a:extLst>
-              <a:ext uri="{FF2B5EF4-FFF2-40B4-BE49-F238E27FC236}">
-                <a16:creationId xmlns:a16="http://schemas.microsoft.com/office/drawing/2014/main" id="{E89C27B6-12AA-1BC4-D78A-DBE54BD724FB}"/>
-              </a:ext>
-            </a:extLst>
-          </p:cNvPr>
+          <p:cNvPr id="26" name="组合 25"/>
           <p:cNvGrpSpPr/>
-          <p:nvPr/>
+          <p:nvPr>
+            <p:custDataLst>
+              <p:tags r:id="rId4"/>
+            </p:custDataLst>
+          </p:nvPr>
         </p:nvGrpSpPr>
         <p:grpSpPr>
           <a:xfrm>
@@ -6272,15 +6142,13 @@
         </p:grpSpPr>
         <p:sp>
           <p:nvSpPr>
-            <p:cNvPr id="2" name="圆角矩形 1">
-              <a:extLst>
-                <a:ext uri="{FF2B5EF4-FFF2-40B4-BE49-F238E27FC236}">
-                  <a16:creationId xmlns:a16="http://schemas.microsoft.com/office/drawing/2014/main" id="{F249AF98-21C5-8C4C-F314-310009AA7FF9}"/>
-                </a:ext>
-              </a:extLst>
-            </p:cNvPr>
+            <p:cNvPr id="2" name="圆角矩形 1"/>
             <p:cNvSpPr/>
-            <p:nvPr/>
+            <p:nvPr>
+              <p:custDataLst>
+                <p:tags r:id="rId5"/>
+              </p:custDataLst>
+            </p:nvPr>
           </p:nvSpPr>
           <p:spPr>
             <a:xfrm>
@@ -6335,20 +6203,23 @@
                 </a:rPr>
                 <a:t>2</a:t>
               </a:r>
+              <a:endParaRPr lang="en-US" altLang="zh-CN" sz="3600" dirty="0">
+                <a:latin typeface="+mj-lt"/>
+                <a:ea typeface="Arial Unicode MS" panose="020B0604020202020204" pitchFamily="34" charset="-122"/>
+                <a:cs typeface="Arial Unicode MS" panose="020B0604020202020204" pitchFamily="34" charset="-122"/>
+              </a:endParaRPr>
             </a:p>
           </p:txBody>
         </p:sp>
         <p:sp>
           <p:nvSpPr>
-            <p:cNvPr id="4" name="圆角矩形 3">
-              <a:extLst>
-                <a:ext uri="{FF2B5EF4-FFF2-40B4-BE49-F238E27FC236}">
-                  <a16:creationId xmlns:a16="http://schemas.microsoft.com/office/drawing/2014/main" id="{AD6DEE92-8B27-E1B8-88BC-EDBBCD2BC1A1}"/>
-                </a:ext>
-              </a:extLst>
-            </p:cNvPr>
+            <p:cNvPr id="4" name="圆角矩形 3"/>
             <p:cNvSpPr/>
-            <p:nvPr/>
+            <p:nvPr>
+              <p:custDataLst>
+                <p:tags r:id="rId6"/>
+              </p:custDataLst>
+            </p:nvPr>
           </p:nvSpPr>
           <p:spPr>
             <a:xfrm>
@@ -6405,15 +6276,13 @@
         </p:sp>
         <p:sp>
           <p:nvSpPr>
-            <p:cNvPr id="5" name="矩形 4">
-              <a:extLst>
-                <a:ext uri="{FF2B5EF4-FFF2-40B4-BE49-F238E27FC236}">
-                  <a16:creationId xmlns:a16="http://schemas.microsoft.com/office/drawing/2014/main" id="{0A2767E5-862B-3549-A828-B80CF54A5B02}"/>
-                </a:ext>
-              </a:extLst>
-            </p:cNvPr>
+            <p:cNvPr id="5" name="矩形 4"/>
             <p:cNvSpPr/>
-            <p:nvPr/>
+            <p:nvPr>
+              <p:custDataLst>
+                <p:tags r:id="rId7"/>
+              </p:custDataLst>
+            </p:nvPr>
           </p:nvSpPr>
           <p:spPr>
             <a:xfrm>
@@ -6444,20 +6313,26 @@
                 </a:rPr>
                 <a:t>实现</a:t>
               </a:r>
+              <a:endParaRPr lang="zh-CN" altLang="en-US" sz="2000" b="1" kern="100" dirty="0">
+                <a:solidFill>
+                  <a:schemeClr val="bg1"/>
+                </a:solidFill>
+                <a:latin typeface="微软雅黑" panose="020B0503020204020204" pitchFamily="34" charset="-122"/>
+                <a:ea typeface="微软雅黑" panose="020B0503020204020204" pitchFamily="34" charset="-122"/>
+                <a:cs typeface="Times New Roman" panose="02020603050405020304" pitchFamily="18" charset="0"/>
+              </a:endParaRPr>
             </a:p>
           </p:txBody>
         </p:sp>
         <p:sp>
           <p:nvSpPr>
-            <p:cNvPr id="6" name="圆角矩形 5">
-              <a:extLst>
-                <a:ext uri="{FF2B5EF4-FFF2-40B4-BE49-F238E27FC236}">
-                  <a16:creationId xmlns:a16="http://schemas.microsoft.com/office/drawing/2014/main" id="{C5821278-C3FA-0BEE-2012-9EE8DBF949BD}"/>
-                </a:ext>
-              </a:extLst>
-            </p:cNvPr>
+            <p:cNvPr id="6" name="圆角矩形 5"/>
             <p:cNvSpPr/>
-            <p:nvPr/>
+            <p:nvPr>
+              <p:custDataLst>
+                <p:tags r:id="rId8"/>
+              </p:custDataLst>
+            </p:nvPr>
           </p:nvSpPr>
           <p:spPr>
             <a:xfrm>
@@ -6512,20 +6387,23 @@
                 </a:rPr>
                 <a:t>2.1</a:t>
               </a:r>
+              <a:endParaRPr lang="en-US" altLang="zh-CN" sz="3600" dirty="0">
+                <a:latin typeface="+mj-lt"/>
+                <a:ea typeface="Arial Unicode MS" panose="020B0604020202020204" pitchFamily="34" charset="-122"/>
+                <a:cs typeface="Arial Unicode MS" panose="020B0604020202020204" pitchFamily="34" charset="-122"/>
+              </a:endParaRPr>
             </a:p>
           </p:txBody>
         </p:sp>
         <p:sp>
           <p:nvSpPr>
-            <p:cNvPr id="8" name="圆角矩形 7">
-              <a:extLst>
-                <a:ext uri="{FF2B5EF4-FFF2-40B4-BE49-F238E27FC236}">
-                  <a16:creationId xmlns:a16="http://schemas.microsoft.com/office/drawing/2014/main" id="{558FCE5E-6957-C8FE-47B8-DF1A98BA8F0A}"/>
-                </a:ext>
-              </a:extLst>
-            </p:cNvPr>
+            <p:cNvPr id="8" name="圆角矩形 7"/>
             <p:cNvSpPr/>
-            <p:nvPr/>
+            <p:nvPr>
+              <p:custDataLst>
+                <p:tags r:id="rId9"/>
+              </p:custDataLst>
+            </p:nvPr>
           </p:nvSpPr>
           <p:spPr>
             <a:xfrm>
@@ -6648,17 +6526,11 @@
         </p:sp>
         <p:sp>
           <p:nvSpPr>
-            <p:cNvPr id="19" name="圆角矩形 18">
-              <a:extLst>
-                <a:ext uri="{FF2B5EF4-FFF2-40B4-BE49-F238E27FC236}">
-                  <a16:creationId xmlns:a16="http://schemas.microsoft.com/office/drawing/2014/main" id="{30B47975-D12F-5C50-4A17-64743360A42E}"/>
-                </a:ext>
-              </a:extLst>
-            </p:cNvPr>
+            <p:cNvPr id="19" name="圆角矩形 18"/>
             <p:cNvSpPr/>
             <p:nvPr>
               <p:custDataLst>
-                <p:tags r:id="rId3"/>
+                <p:tags r:id="rId10"/>
               </p:custDataLst>
             </p:nvPr>
           </p:nvSpPr>
@@ -6728,17 +6600,11 @@
         </p:sp>
         <p:sp>
           <p:nvSpPr>
-            <p:cNvPr id="20" name="圆角矩形 19">
-              <a:extLst>
-                <a:ext uri="{FF2B5EF4-FFF2-40B4-BE49-F238E27FC236}">
-                  <a16:creationId xmlns:a16="http://schemas.microsoft.com/office/drawing/2014/main" id="{BD714771-FE8C-5C23-A7CA-D3C8CA77EB93}"/>
-                </a:ext>
-              </a:extLst>
-            </p:cNvPr>
+            <p:cNvPr id="20" name="圆角矩形 19"/>
             <p:cNvSpPr/>
             <p:nvPr>
               <p:custDataLst>
-                <p:tags r:id="rId4"/>
+                <p:tags r:id="rId11"/>
               </p:custDataLst>
             </p:nvPr>
           </p:nvSpPr>
@@ -6795,21 +6661,24 @@
                 </a:rPr>
                 <a:t>2.2</a:t>
               </a:r>
+              <a:endParaRPr lang="en-US" altLang="zh-CN" sz="3600" dirty="0">
+                <a:latin typeface="+mj-lt"/>
+                <a:ea typeface="Arial Unicode MS" panose="020B0604020202020204" pitchFamily="34" charset="-122"/>
+                <a:cs typeface="Arial Unicode MS" panose="020B0604020202020204" pitchFamily="34" charset="-122"/>
+              </a:endParaRPr>
             </a:p>
           </p:txBody>
         </p:sp>
       </p:grpSp>
       <p:grpSp>
         <p:nvGrpSpPr>
-          <p:cNvPr id="3" name="组合 2">
-            <a:extLst>
-              <a:ext uri="{FF2B5EF4-FFF2-40B4-BE49-F238E27FC236}">
-                <a16:creationId xmlns:a16="http://schemas.microsoft.com/office/drawing/2014/main" id="{3528D2CF-43F0-8CD3-3326-30162C78794D}"/>
-              </a:ext>
-            </a:extLst>
-          </p:cNvPr>
+          <p:cNvPr id="3" name="组合 2"/>
           <p:cNvGrpSpPr/>
-          <p:nvPr/>
+          <p:nvPr>
+            <p:custDataLst>
+              <p:tags r:id="rId12"/>
+            </p:custDataLst>
+          </p:nvPr>
         </p:nvGrpSpPr>
         <p:grpSpPr>
           <a:xfrm>
@@ -6821,15 +6690,13 @@
         </p:grpSpPr>
         <p:sp>
           <p:nvSpPr>
-            <p:cNvPr id="7" name="圆角矩形 1">
-              <a:extLst>
-                <a:ext uri="{FF2B5EF4-FFF2-40B4-BE49-F238E27FC236}">
-                  <a16:creationId xmlns:a16="http://schemas.microsoft.com/office/drawing/2014/main" id="{3865EA54-E925-BAC3-8F48-7E2D9E5DCEF1}"/>
-                </a:ext>
-              </a:extLst>
-            </p:cNvPr>
+            <p:cNvPr id="7" name="圆角矩形 1"/>
             <p:cNvSpPr/>
-            <p:nvPr/>
+            <p:nvPr>
+              <p:custDataLst>
+                <p:tags r:id="rId13"/>
+              </p:custDataLst>
+            </p:nvPr>
           </p:nvSpPr>
           <p:spPr>
             <a:xfrm>
@@ -6884,20 +6751,23 @@
                 </a:rPr>
                 <a:t>3</a:t>
               </a:r>
+              <a:endParaRPr lang="en-US" altLang="zh-CN" sz="3600" dirty="0">
+                <a:latin typeface="+mj-lt"/>
+                <a:ea typeface="Arial Unicode MS" panose="020B0604020202020204" pitchFamily="34" charset="-122"/>
+                <a:cs typeface="Arial Unicode MS" panose="020B0604020202020204" pitchFamily="34" charset="-122"/>
+              </a:endParaRPr>
             </a:p>
           </p:txBody>
         </p:sp>
         <p:sp>
           <p:nvSpPr>
-            <p:cNvPr id="9" name="圆角矩形 3">
-              <a:extLst>
-                <a:ext uri="{FF2B5EF4-FFF2-40B4-BE49-F238E27FC236}">
-                  <a16:creationId xmlns:a16="http://schemas.microsoft.com/office/drawing/2014/main" id="{96DBBAD6-EC59-1298-808A-451AE4402DF0}"/>
-                </a:ext>
-              </a:extLst>
-            </p:cNvPr>
+            <p:cNvPr id="9" name="圆角矩形 3"/>
             <p:cNvSpPr/>
-            <p:nvPr/>
+            <p:nvPr>
+              <p:custDataLst>
+                <p:tags r:id="rId14"/>
+              </p:custDataLst>
+            </p:nvPr>
           </p:nvSpPr>
           <p:spPr>
             <a:xfrm>
@@ -6954,15 +6824,13 @@
         </p:sp>
         <p:sp>
           <p:nvSpPr>
-            <p:cNvPr id="10" name="矩形 9">
-              <a:extLst>
-                <a:ext uri="{FF2B5EF4-FFF2-40B4-BE49-F238E27FC236}">
-                  <a16:creationId xmlns:a16="http://schemas.microsoft.com/office/drawing/2014/main" id="{D176846F-0A4F-0C78-2459-BDA98F2B30A7}"/>
-                </a:ext>
-              </a:extLst>
-            </p:cNvPr>
+            <p:cNvPr id="10" name="矩形 9"/>
             <p:cNvSpPr/>
-            <p:nvPr/>
+            <p:nvPr>
+              <p:custDataLst>
+                <p:tags r:id="rId15"/>
+              </p:custDataLst>
+            </p:nvPr>
           </p:nvSpPr>
           <p:spPr>
             <a:xfrm>
@@ -6991,22 +6859,28 @@
                   <a:ea typeface="微软雅黑" panose="020B0503020204020204" pitchFamily="34" charset="-122"/>
                   <a:cs typeface="Times New Roman" panose="02020603050405020304" pitchFamily="18" charset="0"/>
                 </a:rPr>
-                <a:t>其它细节问题</a:t>
+                <a:t>其它</a:t>
               </a:r>
+              <a:endParaRPr lang="zh-CN" altLang="en-US" sz="2000" b="1" kern="100" dirty="0">
+                <a:solidFill>
+                  <a:schemeClr val="bg1"/>
+                </a:solidFill>
+                <a:latin typeface="微软雅黑" panose="020B0503020204020204" pitchFamily="34" charset="-122"/>
+                <a:ea typeface="微软雅黑" panose="020B0503020204020204" pitchFamily="34" charset="-122"/>
+                <a:cs typeface="Times New Roman" panose="02020603050405020304" pitchFamily="18" charset="0"/>
+              </a:endParaRPr>
             </a:p>
           </p:txBody>
         </p:sp>
         <p:sp>
           <p:nvSpPr>
-            <p:cNvPr id="11" name="圆角矩形 5">
-              <a:extLst>
-                <a:ext uri="{FF2B5EF4-FFF2-40B4-BE49-F238E27FC236}">
-                  <a16:creationId xmlns:a16="http://schemas.microsoft.com/office/drawing/2014/main" id="{A04AEEE6-3164-D6FA-C85A-E9E440EBBC88}"/>
-                </a:ext>
-              </a:extLst>
-            </p:cNvPr>
+            <p:cNvPr id="11" name="圆角矩形 5"/>
             <p:cNvSpPr/>
-            <p:nvPr/>
+            <p:nvPr>
+              <p:custDataLst>
+                <p:tags r:id="rId16"/>
+              </p:custDataLst>
+            </p:nvPr>
           </p:nvSpPr>
           <p:spPr>
             <a:xfrm>
@@ -7061,20 +6935,23 @@
                 </a:rPr>
                 <a:t>3.1</a:t>
               </a:r>
+              <a:endParaRPr lang="en-US" altLang="zh-CN" sz="3600" dirty="0">
+                <a:latin typeface="+mj-lt"/>
+                <a:ea typeface="Arial Unicode MS" panose="020B0604020202020204" pitchFamily="34" charset="-122"/>
+                <a:cs typeface="Arial Unicode MS" panose="020B0604020202020204" pitchFamily="34" charset="-122"/>
+              </a:endParaRPr>
             </a:p>
           </p:txBody>
         </p:sp>
         <p:sp>
           <p:nvSpPr>
-            <p:cNvPr id="12" name="圆角矩形 7">
-              <a:extLst>
-                <a:ext uri="{FF2B5EF4-FFF2-40B4-BE49-F238E27FC236}">
-                  <a16:creationId xmlns:a16="http://schemas.microsoft.com/office/drawing/2014/main" id="{67FE8D0F-97D6-532E-0286-91F95D89B207}"/>
-                </a:ext>
-              </a:extLst>
-            </p:cNvPr>
+            <p:cNvPr id="12" name="圆角矩形 7"/>
             <p:cNvSpPr/>
-            <p:nvPr/>
+            <p:nvPr>
+              <p:custDataLst>
+                <p:tags r:id="rId17"/>
+              </p:custDataLst>
+            </p:nvPr>
           </p:nvSpPr>
           <p:spPr>
             <a:xfrm>
@@ -7153,17 +7030,11 @@
         </p:sp>
         <p:sp>
           <p:nvSpPr>
-            <p:cNvPr id="15" name="圆角矩形 18">
-              <a:extLst>
-                <a:ext uri="{FF2B5EF4-FFF2-40B4-BE49-F238E27FC236}">
-                  <a16:creationId xmlns:a16="http://schemas.microsoft.com/office/drawing/2014/main" id="{C8761A50-B74C-586C-F69B-F505350C1F60}"/>
-                </a:ext>
-              </a:extLst>
-            </p:cNvPr>
+            <p:cNvPr id="15" name="圆角矩形 18"/>
             <p:cNvSpPr/>
             <p:nvPr>
               <p:custDataLst>
-                <p:tags r:id="rId1"/>
+                <p:tags r:id="rId18"/>
               </p:custDataLst>
             </p:nvPr>
           </p:nvSpPr>
@@ -7233,17 +7104,11 @@
         </p:sp>
         <p:sp>
           <p:nvSpPr>
-            <p:cNvPr id="18" name="圆角矩形 19">
-              <a:extLst>
-                <a:ext uri="{FF2B5EF4-FFF2-40B4-BE49-F238E27FC236}">
-                  <a16:creationId xmlns:a16="http://schemas.microsoft.com/office/drawing/2014/main" id="{9EB3D069-21C8-CA9D-61CA-13E3D1FE4119}"/>
-                </a:ext>
-              </a:extLst>
-            </p:cNvPr>
+            <p:cNvPr id="18" name="圆角矩形 19"/>
             <p:cNvSpPr/>
             <p:nvPr>
               <p:custDataLst>
-                <p:tags r:id="rId2"/>
+                <p:tags r:id="rId19"/>
               </p:custDataLst>
             </p:nvPr>
           </p:nvSpPr>
@@ -7300,16 +7165,16 @@
                 </a:rPr>
                 <a:t>3.2</a:t>
               </a:r>
+              <a:endParaRPr lang="en-US" altLang="zh-CN" sz="3600" dirty="0">
+                <a:latin typeface="+mj-lt"/>
+                <a:ea typeface="Arial Unicode MS" panose="020B0604020202020204" pitchFamily="34" charset="-122"/>
+                <a:cs typeface="Arial Unicode MS" panose="020B0604020202020204" pitchFamily="34" charset="-122"/>
+              </a:endParaRPr>
             </a:p>
           </p:txBody>
         </p:sp>
       </p:grpSp>
     </p:spTree>
-    <p:extLst>
-      <p:ext uri="{BB962C8B-B14F-4D97-AF65-F5344CB8AC3E}">
-        <p14:creationId xmlns:p14="http://schemas.microsoft.com/office/powerpoint/2010/main" val="1937765082"/>
-      </p:ext>
-    </p:extLst>
   </p:cSld>
   <p:clrMapOvr>
     <a:masterClrMapping/>
@@ -7323,13 +7188,7 @@
   <p:cSld>
     <p:spTree>
       <p:nvGrpSpPr>
-        <p:cNvPr id="1" name="">
-          <a:extLst>
-            <a:ext uri="{FF2B5EF4-FFF2-40B4-BE49-F238E27FC236}">
-              <a16:creationId xmlns:a16="http://schemas.microsoft.com/office/drawing/2014/main" id="{DDCE21A9-1094-4367-34CD-F5176505ABAE}"/>
-            </a:ext>
-          </a:extLst>
-        </p:cNvPr>
+        <p:cNvPr id="1" name=""/>
         <p:cNvGrpSpPr/>
         <p:nvPr/>
       </p:nvGrpSpPr>
@@ -7343,13 +7202,7 @@
       </p:grpSpPr>
       <p:sp>
         <p:nvSpPr>
-          <p:cNvPr id="18" name="文本框 2">
-            <a:extLst>
-              <a:ext uri="{FF2B5EF4-FFF2-40B4-BE49-F238E27FC236}">
-                <a16:creationId xmlns:a16="http://schemas.microsoft.com/office/drawing/2014/main" id="{699B1A1B-2D2B-4ED1-FF63-615710880239}"/>
-              </a:ext>
-            </a:extLst>
-          </p:cNvPr>
+          <p:cNvPr id="18" name="文本框 2"/>
           <p:cNvSpPr txBox="1"/>
           <p:nvPr/>
         </p:nvSpPr>
@@ -7382,25 +7235,29 @@
               </a:rPr>
               <a:t>边界像素重复渲染 </a:t>
             </a:r>
+            <a:endParaRPr lang="zh-CN" altLang="en-US" sz="2800" b="1" dirty="0">
+              <a:solidFill>
+                <a:schemeClr val="tx2">
+                  <a:lumMod val="60000"/>
+                  <a:lumOff val="40000"/>
+                </a:schemeClr>
+              </a:solidFill>
+              <a:latin typeface="微软雅黑" panose="020B0503020204020204" pitchFamily="34" charset="-122"/>
+              <a:ea typeface="微软雅黑" panose="020B0503020204020204" pitchFamily="34" charset="-122"/>
+            </a:endParaRPr>
           </a:p>
         </p:txBody>
       </p:sp>
       <p:pic>
         <p:nvPicPr>
-          <p:cNvPr id="4" name="图片 3">
-            <a:extLst>
-              <a:ext uri="{FF2B5EF4-FFF2-40B4-BE49-F238E27FC236}">
-                <a16:creationId xmlns:a16="http://schemas.microsoft.com/office/drawing/2014/main" id="{F8376FE2-1646-8957-9BD8-62BFFCAB5726}"/>
-              </a:ext>
-            </a:extLst>
-          </p:cNvPr>
+          <p:cNvPr id="4" name="图片 3"/>
           <p:cNvPicPr>
             <a:picLocks noChangeAspect="1"/>
           </p:cNvPicPr>
           <p:nvPr/>
         </p:nvPicPr>
         <p:blipFill>
-          <a:blip r:embed="rId4"/>
+          <a:blip r:embed="rId1"/>
           <a:stretch>
             <a:fillRect/>
           </a:stretch>
@@ -7417,13 +7274,185 @@
       </p:pic>
       <p:sp>
         <p:nvSpPr>
-          <p:cNvPr id="5" name="文本框 4">
-            <a:extLst>
-              <a:ext uri="{FF2B5EF4-FFF2-40B4-BE49-F238E27FC236}">
-                <a16:creationId xmlns:a16="http://schemas.microsoft.com/office/drawing/2014/main" id="{81E63AA1-69E9-91FF-18D9-13D33762522F}"/>
-              </a:ext>
-            </a:extLst>
-          </p:cNvPr>
+          <p:cNvPr id="5" name="文本框 4"/>
+          <p:cNvSpPr txBox="1"/>
+          <p:nvPr>
+            <p:custDataLst>
+              <p:tags r:id="rId2"/>
+            </p:custDataLst>
+          </p:nvPr>
+        </p:nvSpPr>
+        <p:spPr>
+          <a:xfrm>
+            <a:off x="1850703" y="3088225"/>
+            <a:ext cx="8712968" cy="1323439"/>
+          </a:xfrm>
+          <a:prstGeom prst="rect">
+            <a:avLst/>
+          </a:prstGeom>
+          <a:noFill/>
+        </p:spPr>
+        <p:txBody>
+          <a:bodyPr wrap="square">
+            <a:spAutoFit/>
+          </a:bodyPr>
+          <a:lstStyle/>
+          <a:p>
+            <a:pPr indent="0">
+              <a:buFont typeface="Arial" panose="020B0604020202020204" pitchFamily="34" charset="0"/>
+              <a:buNone/>
+            </a:pPr>
+            <a:r>
+              <a:rPr lang="en-US" altLang="zh-CN" sz="2000" dirty="0">
+                <a:latin typeface="+mn-ea"/>
+                <a:cs typeface="+mn-ea"/>
+              </a:rPr>
+              <a:t>·</a:t>
+            </a:r>
+            <a:r>
+              <a:rPr lang="zh-CN" altLang="en-US" sz="2000" dirty="0">
+                <a:latin typeface="+mn-ea"/>
+                <a:cs typeface="+mn-ea"/>
+              </a:rPr>
+              <a:t>左边：标准光栅化，三角形公共边经过的像素只会被一个三角形光栅化</a:t>
+            </a:r>
+            <a:endParaRPr lang="en-US" altLang="zh-CN" sz="2000" dirty="0">
+              <a:latin typeface="+mn-ea"/>
+              <a:cs typeface="+mn-ea"/>
+            </a:endParaRPr>
+          </a:p>
+          <a:p>
+            <a:r>
+              <a:rPr lang="en-US" altLang="zh-CN" sz="2000" dirty="0">
+                <a:latin typeface="+mn-ea"/>
+                <a:cs typeface="+mn-ea"/>
+              </a:rPr>
+              <a:t>·</a:t>
+            </a:r>
+            <a:r>
+              <a:rPr lang="zh-CN" altLang="en-US" sz="2000" dirty="0">
+                <a:latin typeface="+mn-ea"/>
+                <a:cs typeface="+mn-ea"/>
+              </a:rPr>
+              <a:t>右边：保守光栅化，这些像素可能会被两个三角形处理到</a:t>
+            </a:r>
+            <a:endParaRPr lang="en-US" altLang="zh-CN" sz="2000" dirty="0">
+              <a:latin typeface="+mn-ea"/>
+              <a:cs typeface="+mn-ea"/>
+            </a:endParaRPr>
+          </a:p>
+          <a:p>
+            <a:endParaRPr lang="en-US" altLang="zh-CN" sz="2000" dirty="0">
+              <a:latin typeface="+mn-ea"/>
+              <a:cs typeface="+mn-ea"/>
+            </a:endParaRPr>
+          </a:p>
+          <a:p>
+            <a:r>
+              <a:rPr lang="zh-CN" altLang="en-US" sz="2000" dirty="0">
+                <a:latin typeface="+mn-ea"/>
+                <a:cs typeface="+mn-ea"/>
+              </a:rPr>
+              <a:t>一个解决方法：两个</a:t>
+            </a:r>
+            <a:r>
+              <a:rPr lang="en-US" altLang="zh-CN" sz="2000" dirty="0">
+                <a:latin typeface="+mn-ea"/>
+                <a:cs typeface="+mn-ea"/>
+              </a:rPr>
+              <a:t>pass</a:t>
+            </a:r>
+            <a:r>
+              <a:rPr lang="zh-CN" altLang="en-US" sz="2000" dirty="0">
+                <a:latin typeface="+mn-ea"/>
+                <a:cs typeface="+mn-ea"/>
+              </a:rPr>
+              <a:t>，保守光栅化后再用标准光栅化</a:t>
+            </a:r>
+            <a:endParaRPr lang="en-US" altLang="zh-CN" sz="2000" dirty="0">
+              <a:latin typeface="+mn-ea"/>
+              <a:cs typeface="+mn-ea"/>
+            </a:endParaRPr>
+          </a:p>
+        </p:txBody>
+      </p:sp>
+    </p:spTree>
+  </p:cSld>
+  <p:clrMapOvr>
+    <a:masterClrMapping/>
+  </p:clrMapOvr>
+  <p:transition spd="slow"/>
+</p:sld>
+</file>
+
+<file path=ppt/slides/slide15.xml><?xml version="1.0" encoding="utf-8"?>
+<p:sld xmlns:a="http://schemas.openxmlformats.org/drawingml/2006/main" xmlns:r="http://schemas.openxmlformats.org/officeDocument/2006/relationships" xmlns:p="http://schemas.openxmlformats.org/presentationml/2006/main">
+  <p:cSld>
+    <p:spTree>
+      <p:nvGrpSpPr>
+        <p:cNvPr id="1" name=""/>
+        <p:cNvGrpSpPr/>
+        <p:nvPr/>
+      </p:nvGrpSpPr>
+      <p:grpSpPr>
+        <a:xfrm>
+          <a:off x="0" y="0"/>
+          <a:ext cx="0" cy="0"/>
+          <a:chOff x="0" y="0"/>
+          <a:chExt cx="0" cy="0"/>
+        </a:xfrm>
+      </p:grpSpPr>
+      <p:sp>
+        <p:nvSpPr>
+          <p:cNvPr id="18" name="文本框 2"/>
+          <p:cNvSpPr txBox="1"/>
+          <p:nvPr/>
+        </p:nvSpPr>
+        <p:spPr>
+          <a:xfrm>
+            <a:off x="1706687" y="170270"/>
+            <a:ext cx="6336704" cy="523220"/>
+          </a:xfrm>
+          <a:prstGeom prst="rect">
+            <a:avLst/>
+          </a:prstGeom>
+          <a:noFill/>
+        </p:spPr>
+        <p:txBody>
+          <a:bodyPr wrap="square" rtlCol="0">
+            <a:spAutoFit/>
+          </a:bodyPr>
+          <a:lstStyle/>
+          <a:p>
+            <a:r>
+              <a:rPr lang="zh-CN" altLang="en-US" sz="2800" b="1" dirty="0">
+                <a:solidFill>
+                  <a:schemeClr val="tx2">
+                    <a:lumMod val="60000"/>
+                    <a:lumOff val="40000"/>
+                  </a:schemeClr>
+                </a:solidFill>
+                <a:latin typeface="微软雅黑" panose="020B0503020204020204" pitchFamily="34" charset="-122"/>
+                <a:ea typeface="微软雅黑" panose="020B0503020204020204" pitchFamily="34" charset="-122"/>
+              </a:rPr>
+              <a:t>内保守光栅化</a:t>
+            </a:r>
+            <a:endParaRPr lang="zh-CN" altLang="en-US" sz="2800" b="1" dirty="0">
+              <a:solidFill>
+                <a:schemeClr val="tx2">
+                  <a:lumMod val="60000"/>
+                  <a:lumOff val="40000"/>
+                </a:schemeClr>
+              </a:solidFill>
+              <a:latin typeface="微软雅黑" panose="020B0503020204020204" pitchFamily="34" charset="-122"/>
+              <a:ea typeface="微软雅黑" panose="020B0503020204020204" pitchFamily="34" charset="-122"/>
+            </a:endParaRPr>
+          </a:p>
+        </p:txBody>
+      </p:sp>
+      <p:sp>
+        <p:nvSpPr>
+          <p:cNvPr id="5" name="文本框 4"/>
           <p:cNvSpPr txBox="1"/>
           <p:nvPr>
             <p:custDataLst>
@@ -7463,197 +7492,6 @@
                 <a:latin typeface="+mn-ea"/>
                 <a:cs typeface="+mn-ea"/>
               </a:rPr>
-              <a:t>左边：标准光栅化，三角形公共边经过的像素只会被一个三角形光栅化</a:t>
-            </a:r>
-            <a:endParaRPr lang="en-US" altLang="zh-CN" sz="2000" dirty="0">
-              <a:latin typeface="+mn-ea"/>
-              <a:cs typeface="+mn-ea"/>
-            </a:endParaRPr>
-          </a:p>
-          <a:p>
-            <a:r>
-              <a:rPr lang="en-US" altLang="zh-CN" sz="2000" dirty="0">
-                <a:latin typeface="+mn-ea"/>
-                <a:cs typeface="+mn-ea"/>
-              </a:rPr>
-              <a:t>·</a:t>
-            </a:r>
-            <a:r>
-              <a:rPr lang="zh-CN" altLang="en-US" sz="2000" dirty="0">
-                <a:latin typeface="+mn-ea"/>
-                <a:cs typeface="+mn-ea"/>
-              </a:rPr>
-              <a:t>右边：保守光栅化，这些像素可能会被两个三角形处理到</a:t>
-            </a:r>
-            <a:endParaRPr lang="en-US" altLang="zh-CN" sz="2000" dirty="0">
-              <a:latin typeface="+mn-ea"/>
-              <a:cs typeface="+mn-ea"/>
-            </a:endParaRPr>
-          </a:p>
-          <a:p>
-            <a:endParaRPr lang="en-US" altLang="zh-CN" sz="2000" dirty="0">
-              <a:latin typeface="+mn-ea"/>
-              <a:cs typeface="+mn-ea"/>
-            </a:endParaRPr>
-          </a:p>
-          <a:p>
-            <a:r>
-              <a:rPr lang="zh-CN" altLang="en-US" sz="2000" dirty="0">
-                <a:latin typeface="+mn-ea"/>
-                <a:cs typeface="+mn-ea"/>
-              </a:rPr>
-              <a:t>一个解决方法：两个</a:t>
-            </a:r>
-            <a:r>
-              <a:rPr lang="en-US" altLang="zh-CN" sz="2000" dirty="0">
-                <a:latin typeface="+mn-ea"/>
-                <a:cs typeface="+mn-ea"/>
-              </a:rPr>
-              <a:t>pass</a:t>
-            </a:r>
-            <a:r>
-              <a:rPr lang="zh-CN" altLang="en-US" sz="2000" dirty="0">
-                <a:latin typeface="+mn-ea"/>
-                <a:cs typeface="+mn-ea"/>
-              </a:rPr>
-              <a:t>，保守光栅化后再用标准光栅化</a:t>
-            </a:r>
-            <a:endParaRPr lang="en-US" altLang="zh-CN" sz="2000" dirty="0">
-              <a:latin typeface="+mn-ea"/>
-              <a:cs typeface="+mn-ea"/>
-            </a:endParaRPr>
-          </a:p>
-        </p:txBody>
-      </p:sp>
-    </p:spTree>
-    <p:extLst>
-      <p:ext uri="{BB962C8B-B14F-4D97-AF65-F5344CB8AC3E}">
-        <p14:creationId xmlns:p14="http://schemas.microsoft.com/office/powerpoint/2010/main" val="3778588661"/>
-      </p:ext>
-    </p:extLst>
-  </p:cSld>
-  <p:clrMapOvr>
-    <a:masterClrMapping/>
-  </p:clrMapOvr>
-  <p:transition spd="slow"/>
-</p:sld>
-</file>
-
-<file path=ppt/slides/slide15.xml><?xml version="1.0" encoding="utf-8"?>
-<p:sld xmlns:a="http://schemas.openxmlformats.org/drawingml/2006/main" xmlns:r="http://schemas.openxmlformats.org/officeDocument/2006/relationships" xmlns:p="http://schemas.openxmlformats.org/presentationml/2006/main">
-  <p:cSld>
-    <p:spTree>
-      <p:nvGrpSpPr>
-        <p:cNvPr id="1" name="">
-          <a:extLst>
-            <a:ext uri="{FF2B5EF4-FFF2-40B4-BE49-F238E27FC236}">
-              <a16:creationId xmlns:a16="http://schemas.microsoft.com/office/drawing/2014/main" id="{BEB43646-A152-3912-2B78-44D63F633998}"/>
-            </a:ext>
-          </a:extLst>
-        </p:cNvPr>
-        <p:cNvGrpSpPr/>
-        <p:nvPr/>
-      </p:nvGrpSpPr>
-      <p:grpSpPr>
-        <a:xfrm>
-          <a:off x="0" y="0"/>
-          <a:ext cx="0" cy="0"/>
-          <a:chOff x="0" y="0"/>
-          <a:chExt cx="0" cy="0"/>
-        </a:xfrm>
-      </p:grpSpPr>
-      <p:sp>
-        <p:nvSpPr>
-          <p:cNvPr id="18" name="文本框 2">
-            <a:extLst>
-              <a:ext uri="{FF2B5EF4-FFF2-40B4-BE49-F238E27FC236}">
-                <a16:creationId xmlns:a16="http://schemas.microsoft.com/office/drawing/2014/main" id="{9A6CB3B3-C632-E3B5-B103-165D913653A6}"/>
-              </a:ext>
-            </a:extLst>
-          </p:cNvPr>
-          <p:cNvSpPr txBox="1"/>
-          <p:nvPr/>
-        </p:nvSpPr>
-        <p:spPr>
-          <a:xfrm>
-            <a:off x="1706687" y="170270"/>
-            <a:ext cx="6336704" cy="523220"/>
-          </a:xfrm>
-          <a:prstGeom prst="rect">
-            <a:avLst/>
-          </a:prstGeom>
-          <a:noFill/>
-        </p:spPr>
-        <p:txBody>
-          <a:bodyPr wrap="square" rtlCol="0">
-            <a:spAutoFit/>
-          </a:bodyPr>
-          <a:lstStyle/>
-          <a:p>
-            <a:r>
-              <a:rPr lang="zh-CN" altLang="en-US" sz="2800" b="1" dirty="0">
-                <a:solidFill>
-                  <a:schemeClr val="tx2">
-                    <a:lumMod val="60000"/>
-                    <a:lumOff val="40000"/>
-                  </a:schemeClr>
-                </a:solidFill>
-                <a:latin typeface="微软雅黑" panose="020B0503020204020204" pitchFamily="34" charset="-122"/>
-                <a:ea typeface="微软雅黑" panose="020B0503020204020204" pitchFamily="34" charset="-122"/>
-              </a:rPr>
-              <a:t>内保守光栅化</a:t>
-            </a:r>
-          </a:p>
-        </p:txBody>
-      </p:sp>
-      <p:sp>
-        <p:nvSpPr>
-          <p:cNvPr id="5" name="文本框 4">
-            <a:extLst>
-              <a:ext uri="{FF2B5EF4-FFF2-40B4-BE49-F238E27FC236}">
-                <a16:creationId xmlns:a16="http://schemas.microsoft.com/office/drawing/2014/main" id="{F90BB1A6-D095-2BC0-4759-95946DE2276E}"/>
-              </a:ext>
-            </a:extLst>
-          </p:cNvPr>
-          <p:cNvSpPr txBox="1"/>
-          <p:nvPr>
-            <p:custDataLst>
-              <p:tags r:id="rId1"/>
-            </p:custDataLst>
-          </p:nvPr>
-        </p:nvSpPr>
-        <p:spPr>
-          <a:xfrm>
-            <a:off x="1850703" y="3088225"/>
-            <a:ext cx="8712968" cy="1323439"/>
-          </a:xfrm>
-          <a:prstGeom prst="rect">
-            <a:avLst/>
-          </a:prstGeom>
-          <a:noFill/>
-        </p:spPr>
-        <p:txBody>
-          <a:bodyPr wrap="square">
-            <a:spAutoFit/>
-          </a:bodyPr>
-          <a:lstStyle/>
-          <a:p>
-            <a:pPr indent="0">
-              <a:buFont typeface="Arial" panose="020B0604020202020204" pitchFamily="34" charset="0"/>
-              <a:buNone/>
-            </a:pPr>
-            <a:r>
-              <a:rPr lang="en-US" altLang="zh-CN" sz="2000" dirty="0">
-                <a:latin typeface="+mn-ea"/>
-                <a:cs typeface="+mn-ea"/>
-              </a:rPr>
-              <a:t>·</a:t>
-            </a:r>
-            <a:r>
-              <a:rPr lang="zh-CN" altLang="en-US" sz="2000" dirty="0">
-                <a:latin typeface="+mn-ea"/>
-                <a:cs typeface="+mn-ea"/>
-              </a:rPr>
               <a:t>在</a:t>
             </a:r>
             <a:r>
@@ -7741,20 +7579,14 @@
       </p:sp>
       <p:pic>
         <p:nvPicPr>
-          <p:cNvPr id="3" name="图片 2">
-            <a:extLst>
-              <a:ext uri="{FF2B5EF4-FFF2-40B4-BE49-F238E27FC236}">
-                <a16:creationId xmlns:a16="http://schemas.microsoft.com/office/drawing/2014/main" id="{1CC6445A-3F58-EBC8-D471-C6F0F2C0ACF5}"/>
-              </a:ext>
-            </a:extLst>
-          </p:cNvPr>
+          <p:cNvPr id="3" name="图片 2"/>
           <p:cNvPicPr>
             <a:picLocks noChangeAspect="1"/>
           </p:cNvPicPr>
           <p:nvPr/>
         </p:nvPicPr>
         <p:blipFill>
-          <a:blip r:embed="rId4"/>
+          <a:blip r:embed="rId2"/>
           <a:stretch>
             <a:fillRect/>
           </a:stretch>
@@ -7771,20 +7603,14 @@
       </p:pic>
       <p:pic>
         <p:nvPicPr>
-          <p:cNvPr id="9" name="图片 8">
-            <a:extLst>
-              <a:ext uri="{FF2B5EF4-FFF2-40B4-BE49-F238E27FC236}">
-                <a16:creationId xmlns:a16="http://schemas.microsoft.com/office/drawing/2014/main" id="{1CF87A43-FF96-59D7-D834-98C32E874863}"/>
-              </a:ext>
-            </a:extLst>
-          </p:cNvPr>
+          <p:cNvPr id="9" name="图片 8"/>
           <p:cNvPicPr>
             <a:picLocks noChangeAspect="1"/>
           </p:cNvPicPr>
           <p:nvPr/>
         </p:nvPicPr>
         <p:blipFill>
-          <a:blip r:embed="rId5"/>
+          <a:blip r:embed="rId3"/>
           <a:stretch>
             <a:fillRect/>
           </a:stretch>
@@ -7800,11 +7626,6 @@
         </p:spPr>
       </p:pic>
     </p:spTree>
-    <p:extLst>
-      <p:ext uri="{BB962C8B-B14F-4D97-AF65-F5344CB8AC3E}">
-        <p14:creationId xmlns:p14="http://schemas.microsoft.com/office/powerpoint/2010/main" val="904568719"/>
-      </p:ext>
-    </p:extLst>
   </p:cSld>
   <p:clrMapOvr>
     <a:masterClrMapping/>
@@ -7865,6 +7686,16 @@
               </a:rPr>
               <a:t>参考资料</a:t>
             </a:r>
+            <a:endParaRPr lang="zh-CN" altLang="en-US" sz="2800" b="1" dirty="0">
+              <a:solidFill>
+                <a:schemeClr val="tx2">
+                  <a:lumMod val="60000"/>
+                  <a:lumOff val="40000"/>
+                </a:schemeClr>
+              </a:solidFill>
+              <a:latin typeface="微软雅黑" panose="020B0503020204020204" pitchFamily="34" charset="-122"/>
+              <a:ea typeface="微软雅黑" panose="020B0503020204020204" pitchFamily="34" charset="-122"/>
+            </a:endParaRPr>
           </a:p>
         </p:txBody>
       </p:sp>
@@ -7906,6 +7737,7 @@
               <a:rPr lang="en-US" altLang="zh-CN" dirty="0"/>
               <a:t> 23.1 Rasterization</a:t>
             </a:r>
+            <a:endParaRPr lang="en-US" altLang="zh-CN" dirty="0"/>
           </a:p>
           <a:p>
             <a:endParaRPr lang="en-US" altLang="zh-CN" dirty="0"/>
@@ -7932,7 +7764,7 @@
             </a:pPr>
             <a:r>
               <a:rPr lang="en-US" altLang="zh-CN" dirty="0">
-                <a:hlinkClick r:id="rId3"/>
+                <a:hlinkClick r:id="rId1"/>
               </a:rPr>
               <a:t>https://microsoft.github.io/DirectX-Specs/d3d/ConservativeRasterization.html</a:t>
             </a:r>
@@ -7952,7 +7784,7 @@
             </a:r>
             <a:r>
               <a:rPr lang="en-US" altLang="zh-CN" dirty="0">
-                <a:hlinkClick r:id="rId4"/>
+                <a:hlinkClick r:id="rId2"/>
               </a:rPr>
               <a:t>https://en.wikipedia.org/wiki/Feature_levels_in_Direct3D#Direct3D_12</a:t>
             </a:r>
@@ -7979,7 +7811,7 @@
           <a:p>
             <a:r>
               <a:rPr lang="en-US" altLang="zh-CN" dirty="0">
-                <a:hlinkClick r:id="rId5"/>
+                <a:hlinkClick r:id="rId3"/>
               </a:rPr>
               <a:t>https://yangwc.com/2019/06/11/Voxelization/</a:t>
             </a:r>
@@ -8003,6 +7835,115 @@
           </a:p>
         </p:txBody>
       </p:sp>
+    </p:spTree>
+  </p:cSld>
+  <p:clrMapOvr>
+    <a:masterClrMapping/>
+  </p:clrMapOvr>
+  <p:transition spd="slow"/>
+</p:sld>
+</file>
+
+<file path=ppt/slides/slide17.xml><?xml version="1.0" encoding="utf-8"?>
+<p:sld xmlns:a="http://schemas.openxmlformats.org/drawingml/2006/main" xmlns:r="http://schemas.openxmlformats.org/officeDocument/2006/relationships" xmlns:p="http://schemas.openxmlformats.org/presentationml/2006/main">
+  <p:cSld>
+    <p:spTree>
+      <p:nvGrpSpPr>
+        <p:cNvPr id="1" name=""/>
+        <p:cNvGrpSpPr/>
+        <p:nvPr/>
+      </p:nvGrpSpPr>
+      <p:grpSpPr>
+        <a:xfrm>
+          <a:off x="0" y="0"/>
+          <a:ext cx="0" cy="0"/>
+          <a:chOff x="0" y="0"/>
+          <a:chExt cx="0" cy="0"/>
+        </a:xfrm>
+      </p:grpSpPr>
+      <p:sp>
+        <p:nvSpPr>
+          <p:cNvPr id="18" name="文本框 2"/>
+          <p:cNvSpPr txBox="1"/>
+          <p:nvPr/>
+        </p:nvSpPr>
+        <p:spPr>
+          <a:xfrm>
+            <a:off x="1706687" y="170270"/>
+            <a:ext cx="6336704" cy="521970"/>
+          </a:xfrm>
+          <a:prstGeom prst="rect">
+            <a:avLst/>
+          </a:prstGeom>
+          <a:noFill/>
+        </p:spPr>
+        <p:txBody>
+          <a:bodyPr wrap="square" rtlCol="0">
+            <a:spAutoFit/>
+          </a:bodyPr>
+          <a:lstStyle/>
+          <a:p>
+            <a:r>
+              <a:rPr lang="zh-CN" altLang="en-US" sz="2800" b="1" dirty="0">
+                <a:solidFill>
+                  <a:schemeClr val="tx2">
+                    <a:lumMod val="60000"/>
+                    <a:lumOff val="40000"/>
+                  </a:schemeClr>
+                </a:solidFill>
+                <a:latin typeface="微软雅黑" panose="020B0503020204020204" pitchFamily="34" charset="-122"/>
+                <a:ea typeface="微软雅黑" panose="020B0503020204020204" pitchFamily="34" charset="-122"/>
+              </a:rPr>
+              <a:t>满意度</a:t>
+            </a:r>
+            <a:r>
+              <a:rPr lang="zh-CN" altLang="en-US" sz="2800" b="1" dirty="0">
+                <a:solidFill>
+                  <a:schemeClr val="tx2">
+                    <a:lumMod val="60000"/>
+                    <a:lumOff val="40000"/>
+                  </a:schemeClr>
+                </a:solidFill>
+                <a:latin typeface="微软雅黑" panose="020B0503020204020204" pitchFamily="34" charset="-122"/>
+                <a:ea typeface="微软雅黑" panose="020B0503020204020204" pitchFamily="34" charset="-122"/>
+              </a:rPr>
+              <a:t>评价</a:t>
+            </a:r>
+            <a:endParaRPr lang="zh-CN" altLang="en-US" sz="2800" b="1" dirty="0">
+              <a:solidFill>
+                <a:schemeClr val="tx2">
+                  <a:lumMod val="60000"/>
+                  <a:lumOff val="40000"/>
+                </a:schemeClr>
+              </a:solidFill>
+              <a:latin typeface="微软雅黑" panose="020B0503020204020204" pitchFamily="34" charset="-122"/>
+              <a:ea typeface="微软雅黑" panose="020B0503020204020204" pitchFamily="34" charset="-122"/>
+            </a:endParaRPr>
+          </a:p>
+        </p:txBody>
+      </p:sp>
+      <p:pic>
+        <p:nvPicPr>
+          <p:cNvPr id="7" name="图片 6"/>
+          <p:cNvPicPr/>
+          <p:nvPr/>
+        </p:nvPicPr>
+        <p:blipFill>
+          <a:blip r:embed="rId1"/>
+          <a:stretch>
+            <a:fillRect/>
+          </a:stretch>
+        </p:blipFill>
+        <p:spPr>
+          <a:xfrm>
+            <a:off x="2714625" y="909320"/>
+            <a:ext cx="5977255" cy="5977255"/>
+          </a:xfrm>
+          <a:prstGeom prst="rect">
+            <a:avLst/>
+          </a:prstGeom>
+        </p:spPr>
+      </p:pic>
     </p:spTree>
   </p:cSld>
   <p:clrMapOvr>
@@ -8076,7 +8017,11 @@
         <p:nvSpPr>
           <p:cNvPr id="32" name="圆角矩形 31"/>
           <p:cNvSpPr/>
-          <p:nvPr/>
+          <p:nvPr>
+            <p:custDataLst>
+              <p:tags r:id="rId1"/>
+            </p:custDataLst>
+          </p:nvPr>
         </p:nvSpPr>
         <p:spPr>
           <a:xfrm>
@@ -8143,7 +8088,11 @@
         <p:nvSpPr>
           <p:cNvPr id="35" name="圆角矩形 34"/>
           <p:cNvSpPr/>
-          <p:nvPr/>
+          <p:nvPr>
+            <p:custDataLst>
+              <p:tags r:id="rId2"/>
+            </p:custDataLst>
+          </p:nvPr>
         </p:nvSpPr>
         <p:spPr>
           <a:xfrm>
@@ -8202,7 +8151,11 @@
         <p:nvSpPr>
           <p:cNvPr id="36" name="矩形 35"/>
           <p:cNvSpPr/>
-          <p:nvPr/>
+          <p:nvPr>
+            <p:custDataLst>
+              <p:tags r:id="rId3"/>
+            </p:custDataLst>
+          </p:nvPr>
         </p:nvSpPr>
         <p:spPr>
           <a:xfrm>
@@ -8229,6 +8182,13 @@
               </a:rPr>
               <a:t>定义和应用</a:t>
             </a:r>
+            <a:endParaRPr lang="zh-CN" altLang="en-US" sz="2000" b="1" dirty="0">
+              <a:solidFill>
+                <a:schemeClr val="bg1"/>
+              </a:solidFill>
+              <a:latin typeface="微软雅黑" panose="020B0503020204020204" pitchFamily="34" charset="-122"/>
+              <a:ea typeface="微软雅黑" panose="020B0503020204020204" pitchFamily="34" charset="-122"/>
+            </a:endParaRPr>
           </a:p>
         </p:txBody>
       </p:sp>
@@ -8349,7 +8309,11 @@
         <p:nvGrpSpPr>
           <p:cNvPr id="26" name="组合 25"/>
           <p:cNvGrpSpPr/>
-          <p:nvPr/>
+          <p:nvPr>
+            <p:custDataLst>
+              <p:tags r:id="rId4"/>
+            </p:custDataLst>
+          </p:nvPr>
         </p:nvGrpSpPr>
         <p:grpSpPr>
           <a:xfrm>
@@ -8363,7 +8327,11 @@
           <p:nvSpPr>
             <p:cNvPr id="2" name="圆角矩形 1"/>
             <p:cNvSpPr/>
-            <p:nvPr/>
+            <p:nvPr>
+              <p:custDataLst>
+                <p:tags r:id="rId5"/>
+              </p:custDataLst>
+            </p:nvPr>
           </p:nvSpPr>
           <p:spPr>
             <a:xfrm>
@@ -8418,6 +8386,11 @@
                 </a:rPr>
                 <a:t>2</a:t>
               </a:r>
+              <a:endParaRPr lang="en-US" altLang="zh-CN" sz="3600" dirty="0">
+                <a:latin typeface="+mj-lt"/>
+                <a:ea typeface="Arial Unicode MS" panose="020B0604020202020204" pitchFamily="34" charset="-122"/>
+                <a:cs typeface="Arial Unicode MS" panose="020B0604020202020204" pitchFamily="34" charset="-122"/>
+              </a:endParaRPr>
             </a:p>
           </p:txBody>
         </p:sp>
@@ -8425,7 +8398,11 @@
           <p:nvSpPr>
             <p:cNvPr id="4" name="圆角矩形 3"/>
             <p:cNvSpPr/>
-            <p:nvPr/>
+            <p:nvPr>
+              <p:custDataLst>
+                <p:tags r:id="rId6"/>
+              </p:custDataLst>
+            </p:nvPr>
           </p:nvSpPr>
           <p:spPr>
             <a:xfrm>
@@ -8484,7 +8461,11 @@
           <p:nvSpPr>
             <p:cNvPr id="5" name="矩形 4"/>
             <p:cNvSpPr/>
-            <p:nvPr/>
+            <p:nvPr>
+              <p:custDataLst>
+                <p:tags r:id="rId7"/>
+              </p:custDataLst>
+            </p:nvPr>
           </p:nvSpPr>
           <p:spPr>
             <a:xfrm>
@@ -8515,6 +8496,14 @@
                 </a:rPr>
                 <a:t>实现</a:t>
               </a:r>
+              <a:endParaRPr lang="zh-CN" altLang="en-US" sz="2000" b="1" kern="100" dirty="0">
+                <a:solidFill>
+                  <a:schemeClr val="bg1"/>
+                </a:solidFill>
+                <a:latin typeface="微软雅黑" panose="020B0503020204020204" pitchFamily="34" charset="-122"/>
+                <a:ea typeface="微软雅黑" panose="020B0503020204020204" pitchFamily="34" charset="-122"/>
+                <a:cs typeface="Times New Roman" panose="02020603050405020304" pitchFamily="18" charset="0"/>
+              </a:endParaRPr>
             </a:p>
           </p:txBody>
         </p:sp>
@@ -8522,7 +8511,11 @@
           <p:nvSpPr>
             <p:cNvPr id="6" name="圆角矩形 5"/>
             <p:cNvSpPr/>
-            <p:nvPr/>
+            <p:nvPr>
+              <p:custDataLst>
+                <p:tags r:id="rId8"/>
+              </p:custDataLst>
+            </p:nvPr>
           </p:nvSpPr>
           <p:spPr>
             <a:xfrm>
@@ -8577,6 +8570,11 @@
                 </a:rPr>
                 <a:t>2.1</a:t>
               </a:r>
+              <a:endParaRPr lang="en-US" altLang="zh-CN" sz="3600" dirty="0">
+                <a:latin typeface="+mj-lt"/>
+                <a:ea typeface="Arial Unicode MS" panose="020B0604020202020204" pitchFamily="34" charset="-122"/>
+                <a:cs typeface="Arial Unicode MS" panose="020B0604020202020204" pitchFamily="34" charset="-122"/>
+              </a:endParaRPr>
             </a:p>
           </p:txBody>
         </p:sp>
@@ -8584,7 +8582,11 @@
           <p:nvSpPr>
             <p:cNvPr id="8" name="圆角矩形 7"/>
             <p:cNvSpPr/>
-            <p:nvPr/>
+            <p:nvPr>
+              <p:custDataLst>
+                <p:tags r:id="rId9"/>
+              </p:custDataLst>
+            </p:nvPr>
           </p:nvSpPr>
           <p:spPr>
             <a:xfrm>
@@ -8651,7 +8653,7 @@
                   <a:ea typeface="微软雅黑" panose="020B0503020204020204" pitchFamily="34" charset="-122"/>
                   <a:cs typeface="Times New Roman" panose="02020603050405020304" pitchFamily="18" charset="0"/>
                 </a:rPr>
-                <a:t>API </a:t>
+                <a:t>API</a:t>
               </a:r>
               <a:r>
                 <a:rPr lang="zh-CN" altLang="en-US" sz="2000" b="1" kern="100" dirty="0">
@@ -8711,7 +8713,7 @@
             <p:cNvSpPr/>
             <p:nvPr>
               <p:custDataLst>
-                <p:tags r:id="rId3"/>
+                <p:tags r:id="rId10"/>
               </p:custDataLst>
             </p:nvPr>
           </p:nvSpPr>
@@ -8785,7 +8787,7 @@
             <p:cNvSpPr/>
             <p:nvPr>
               <p:custDataLst>
-                <p:tags r:id="rId4"/>
+                <p:tags r:id="rId11"/>
               </p:custDataLst>
             </p:nvPr>
           </p:nvSpPr>
@@ -8842,21 +8844,24 @@
                 </a:rPr>
                 <a:t>2.2</a:t>
               </a:r>
+              <a:endParaRPr lang="en-US" altLang="zh-CN" sz="3600" dirty="0">
+                <a:latin typeface="+mj-lt"/>
+                <a:ea typeface="Arial Unicode MS" panose="020B0604020202020204" pitchFamily="34" charset="-122"/>
+                <a:cs typeface="Arial Unicode MS" panose="020B0604020202020204" pitchFamily="34" charset="-122"/>
+              </a:endParaRPr>
             </a:p>
           </p:txBody>
         </p:sp>
       </p:grpSp>
       <p:grpSp>
         <p:nvGrpSpPr>
-          <p:cNvPr id="3" name="组合 2">
-            <a:extLst>
-              <a:ext uri="{FF2B5EF4-FFF2-40B4-BE49-F238E27FC236}">
-                <a16:creationId xmlns:a16="http://schemas.microsoft.com/office/drawing/2014/main" id="{694CCF20-A8A2-18C9-1D24-7C17A647BEF9}"/>
-              </a:ext>
-            </a:extLst>
-          </p:cNvPr>
+          <p:cNvPr id="3" name="组合 2"/>
           <p:cNvGrpSpPr/>
-          <p:nvPr/>
+          <p:nvPr>
+            <p:custDataLst>
+              <p:tags r:id="rId12"/>
+            </p:custDataLst>
+          </p:nvPr>
         </p:nvGrpSpPr>
         <p:grpSpPr>
           <a:xfrm>
@@ -8868,15 +8873,13 @@
         </p:grpSpPr>
         <p:sp>
           <p:nvSpPr>
-            <p:cNvPr id="7" name="圆角矩形 1">
-              <a:extLst>
-                <a:ext uri="{FF2B5EF4-FFF2-40B4-BE49-F238E27FC236}">
-                  <a16:creationId xmlns:a16="http://schemas.microsoft.com/office/drawing/2014/main" id="{1C1EE194-3301-5022-341B-82463840260B}"/>
-                </a:ext>
-              </a:extLst>
-            </p:cNvPr>
+            <p:cNvPr id="7" name="圆角矩形 1"/>
             <p:cNvSpPr/>
-            <p:nvPr/>
+            <p:nvPr>
+              <p:custDataLst>
+                <p:tags r:id="rId13"/>
+              </p:custDataLst>
+            </p:nvPr>
           </p:nvSpPr>
           <p:spPr>
             <a:xfrm>
@@ -8931,20 +8934,23 @@
                 </a:rPr>
                 <a:t>3</a:t>
               </a:r>
+              <a:endParaRPr lang="en-US" altLang="zh-CN" sz="3600" dirty="0">
+                <a:latin typeface="+mj-lt"/>
+                <a:ea typeface="Arial Unicode MS" panose="020B0604020202020204" pitchFamily="34" charset="-122"/>
+                <a:cs typeface="Arial Unicode MS" panose="020B0604020202020204" pitchFamily="34" charset="-122"/>
+              </a:endParaRPr>
             </a:p>
           </p:txBody>
         </p:sp>
         <p:sp>
           <p:nvSpPr>
-            <p:cNvPr id="9" name="圆角矩形 3">
-              <a:extLst>
-                <a:ext uri="{FF2B5EF4-FFF2-40B4-BE49-F238E27FC236}">
-                  <a16:creationId xmlns:a16="http://schemas.microsoft.com/office/drawing/2014/main" id="{94950A39-35DE-034D-5B5F-7805DB563F83}"/>
-                </a:ext>
-              </a:extLst>
-            </p:cNvPr>
+            <p:cNvPr id="9" name="圆角矩形 3"/>
             <p:cNvSpPr/>
-            <p:nvPr/>
+            <p:nvPr>
+              <p:custDataLst>
+                <p:tags r:id="rId14"/>
+              </p:custDataLst>
+            </p:nvPr>
           </p:nvSpPr>
           <p:spPr>
             <a:xfrm>
@@ -9001,15 +9007,13 @@
         </p:sp>
         <p:sp>
           <p:nvSpPr>
-            <p:cNvPr id="10" name="矩形 9">
-              <a:extLst>
-                <a:ext uri="{FF2B5EF4-FFF2-40B4-BE49-F238E27FC236}">
-                  <a16:creationId xmlns:a16="http://schemas.microsoft.com/office/drawing/2014/main" id="{2D564E24-6F86-CDD0-E45C-14BB36C311E8}"/>
-                </a:ext>
-              </a:extLst>
-            </p:cNvPr>
+            <p:cNvPr id="10" name="矩形 9"/>
             <p:cNvSpPr/>
-            <p:nvPr/>
+            <p:nvPr>
+              <p:custDataLst>
+                <p:tags r:id="rId15"/>
+              </p:custDataLst>
+            </p:nvPr>
           </p:nvSpPr>
           <p:spPr>
             <a:xfrm>
@@ -9038,22 +9042,28 @@
                   <a:ea typeface="微软雅黑" panose="020B0503020204020204" pitchFamily="34" charset="-122"/>
                   <a:cs typeface="Times New Roman" panose="02020603050405020304" pitchFamily="18" charset="0"/>
                 </a:rPr>
-                <a:t>其它细节问题</a:t>
+                <a:t>其它</a:t>
               </a:r>
+              <a:endParaRPr lang="zh-CN" altLang="en-US" sz="2000" b="1" kern="100" dirty="0">
+                <a:solidFill>
+                  <a:schemeClr val="bg1"/>
+                </a:solidFill>
+                <a:latin typeface="微软雅黑" panose="020B0503020204020204" pitchFamily="34" charset="-122"/>
+                <a:ea typeface="微软雅黑" panose="020B0503020204020204" pitchFamily="34" charset="-122"/>
+                <a:cs typeface="Times New Roman" panose="02020603050405020304" pitchFamily="18" charset="0"/>
+              </a:endParaRPr>
             </a:p>
           </p:txBody>
         </p:sp>
         <p:sp>
           <p:nvSpPr>
-            <p:cNvPr id="11" name="圆角矩形 5">
-              <a:extLst>
-                <a:ext uri="{FF2B5EF4-FFF2-40B4-BE49-F238E27FC236}">
-                  <a16:creationId xmlns:a16="http://schemas.microsoft.com/office/drawing/2014/main" id="{439EF01C-0FAF-BA3D-87B2-A69A310B738A}"/>
-                </a:ext>
-              </a:extLst>
-            </p:cNvPr>
+            <p:cNvPr id="11" name="圆角矩形 5"/>
             <p:cNvSpPr/>
-            <p:nvPr/>
+            <p:nvPr>
+              <p:custDataLst>
+                <p:tags r:id="rId16"/>
+              </p:custDataLst>
+            </p:nvPr>
           </p:nvSpPr>
           <p:spPr>
             <a:xfrm>
@@ -9108,20 +9118,23 @@
                 </a:rPr>
                 <a:t>3.1</a:t>
               </a:r>
+              <a:endParaRPr lang="en-US" altLang="zh-CN" sz="3600" dirty="0">
+                <a:latin typeface="+mj-lt"/>
+                <a:ea typeface="Arial Unicode MS" panose="020B0604020202020204" pitchFamily="34" charset="-122"/>
+                <a:cs typeface="Arial Unicode MS" panose="020B0604020202020204" pitchFamily="34" charset="-122"/>
+              </a:endParaRPr>
             </a:p>
           </p:txBody>
         </p:sp>
         <p:sp>
           <p:nvSpPr>
-            <p:cNvPr id="12" name="圆角矩形 7">
-              <a:extLst>
-                <a:ext uri="{FF2B5EF4-FFF2-40B4-BE49-F238E27FC236}">
-                  <a16:creationId xmlns:a16="http://schemas.microsoft.com/office/drawing/2014/main" id="{64E787B2-80E4-DD2E-A6C7-BFBD8485F216}"/>
-                </a:ext>
-              </a:extLst>
-            </p:cNvPr>
+            <p:cNvPr id="12" name="圆角矩形 7"/>
             <p:cNvSpPr/>
-            <p:nvPr/>
+            <p:nvPr>
+              <p:custDataLst>
+                <p:tags r:id="rId17"/>
+              </p:custDataLst>
+            </p:nvPr>
           </p:nvSpPr>
           <p:spPr>
             <a:xfrm>
@@ -9200,17 +9213,11 @@
         </p:sp>
         <p:sp>
           <p:nvSpPr>
-            <p:cNvPr id="15" name="圆角矩形 18">
-              <a:extLst>
-                <a:ext uri="{FF2B5EF4-FFF2-40B4-BE49-F238E27FC236}">
-                  <a16:creationId xmlns:a16="http://schemas.microsoft.com/office/drawing/2014/main" id="{A896FF1D-54BB-B89A-7AF9-FF3DC0CA74A6}"/>
-                </a:ext>
-              </a:extLst>
-            </p:cNvPr>
+            <p:cNvPr id="15" name="圆角矩形 18"/>
             <p:cNvSpPr/>
             <p:nvPr>
               <p:custDataLst>
-                <p:tags r:id="rId1"/>
+                <p:tags r:id="rId18"/>
               </p:custDataLst>
             </p:nvPr>
           </p:nvSpPr>
@@ -9280,17 +9287,11 @@
         </p:sp>
         <p:sp>
           <p:nvSpPr>
-            <p:cNvPr id="18" name="圆角矩形 19">
-              <a:extLst>
-                <a:ext uri="{FF2B5EF4-FFF2-40B4-BE49-F238E27FC236}">
-                  <a16:creationId xmlns:a16="http://schemas.microsoft.com/office/drawing/2014/main" id="{D7239F0A-6803-EEC3-740C-4DBF5304DD13}"/>
-                </a:ext>
-              </a:extLst>
-            </p:cNvPr>
+            <p:cNvPr id="18" name="圆角矩形 19"/>
             <p:cNvSpPr/>
             <p:nvPr>
               <p:custDataLst>
-                <p:tags r:id="rId2"/>
+                <p:tags r:id="rId19"/>
               </p:custDataLst>
             </p:nvPr>
           </p:nvSpPr>
@@ -9347,6 +9348,11 @@
                 </a:rPr>
                 <a:t>3.2</a:t>
               </a:r>
+              <a:endParaRPr lang="en-US" altLang="zh-CN" sz="3600" dirty="0">
+                <a:latin typeface="+mj-lt"/>
+                <a:ea typeface="Arial Unicode MS" panose="020B0604020202020204" pitchFamily="34" charset="-122"/>
+                <a:cs typeface="Arial Unicode MS" panose="020B0604020202020204" pitchFamily="34" charset="-122"/>
+              </a:endParaRPr>
             </a:p>
           </p:txBody>
         </p:sp>
@@ -9365,13 +9371,7 @@
   <p:cSld>
     <p:spTree>
       <p:nvGrpSpPr>
-        <p:cNvPr id="1" name="">
-          <a:extLst>
-            <a:ext uri="{FF2B5EF4-FFF2-40B4-BE49-F238E27FC236}">
-              <a16:creationId xmlns:a16="http://schemas.microsoft.com/office/drawing/2014/main" id="{6E258986-447E-7A55-C262-6CAD6D51AC84}"/>
-            </a:ext>
-          </a:extLst>
-        </p:cNvPr>
+        <p:cNvPr id="1" name=""/>
         <p:cNvGrpSpPr/>
         <p:nvPr/>
       </p:nvGrpSpPr>
@@ -9385,13 +9385,7 @@
       </p:grpSpPr>
       <p:sp>
         <p:nvSpPr>
-          <p:cNvPr id="18" name="文本框 2">
-            <a:extLst>
-              <a:ext uri="{FF2B5EF4-FFF2-40B4-BE49-F238E27FC236}">
-                <a16:creationId xmlns:a16="http://schemas.microsoft.com/office/drawing/2014/main" id="{715CF34B-5D3B-C825-A8F1-BF50E2EDD066}"/>
-              </a:ext>
-            </a:extLst>
-          </p:cNvPr>
+          <p:cNvPr id="18" name="文本框 2"/>
           <p:cNvSpPr txBox="1"/>
           <p:nvPr/>
         </p:nvSpPr>
@@ -9424,18 +9418,22 @@
               </a:rPr>
               <a:t>定义</a:t>
             </a:r>
+            <a:endParaRPr lang="zh-CN" altLang="en-US" sz="2800" b="1" dirty="0">
+              <a:solidFill>
+                <a:schemeClr val="tx2">
+                  <a:lumMod val="60000"/>
+                  <a:lumOff val="40000"/>
+                </a:schemeClr>
+              </a:solidFill>
+              <a:latin typeface="微软雅黑" panose="020B0503020204020204" pitchFamily="34" charset="-122"/>
+              <a:ea typeface="微软雅黑" panose="020B0503020204020204" pitchFamily="34" charset="-122"/>
+            </a:endParaRPr>
           </a:p>
         </p:txBody>
       </p:sp>
       <p:grpSp>
         <p:nvGrpSpPr>
-          <p:cNvPr id="6" name="组合 5">
-            <a:extLst>
-              <a:ext uri="{FF2B5EF4-FFF2-40B4-BE49-F238E27FC236}">
-                <a16:creationId xmlns:a16="http://schemas.microsoft.com/office/drawing/2014/main" id="{08C757B2-1D9C-D23C-824E-210958B28DE7}"/>
-              </a:ext>
-            </a:extLst>
-          </p:cNvPr>
+          <p:cNvPr id="6" name="组合 5"/>
           <p:cNvGrpSpPr/>
           <p:nvPr/>
         </p:nvGrpSpPr>
@@ -9449,13 +9447,7 @@
         </p:grpSpPr>
         <p:sp>
           <p:nvSpPr>
-            <p:cNvPr id="4" name="文本框 3">
-              <a:extLst>
-                <a:ext uri="{FF2B5EF4-FFF2-40B4-BE49-F238E27FC236}">
-                  <a16:creationId xmlns:a16="http://schemas.microsoft.com/office/drawing/2014/main" id="{4DC8EBBE-AB3C-6E2B-DB6E-020DB57C9608}"/>
-                </a:ext>
-              </a:extLst>
-            </p:cNvPr>
+            <p:cNvPr id="4" name="文本框 3"/>
             <p:cNvSpPr txBox="1"/>
             <p:nvPr>
               <p:custDataLst>
@@ -9518,25 +9510,23 @@
                 </a:rPr>
                 <a:t>蓝色：有碰到三角形</a:t>
               </a:r>
+              <a:endParaRPr lang="zh-CN" altLang="en-US" sz="1200" dirty="0">
+                <a:latin typeface="+mn-ea"/>
+                <a:cs typeface="+mn-ea"/>
+              </a:endParaRPr>
             </a:p>
           </p:txBody>
         </p:sp>
         <p:pic>
           <p:nvPicPr>
-            <p:cNvPr id="5" name="图片 4">
-              <a:extLst>
-                <a:ext uri="{FF2B5EF4-FFF2-40B4-BE49-F238E27FC236}">
-                  <a16:creationId xmlns:a16="http://schemas.microsoft.com/office/drawing/2014/main" id="{D4305110-35E8-92A1-2620-312FB329CF66}"/>
-                </a:ext>
-              </a:extLst>
-            </p:cNvPr>
+            <p:cNvPr id="5" name="图片 4"/>
             <p:cNvPicPr>
               <a:picLocks noChangeAspect="1"/>
             </p:cNvPicPr>
             <p:nvPr/>
           </p:nvPicPr>
           <p:blipFill>
-            <a:blip r:embed="rId4"/>
+            <a:blip r:embed="rId2"/>
             <a:stretch>
               <a:fillRect/>
             </a:stretch>
@@ -9554,23 +9544,11 @@
       </p:grpSp>
       <p:graphicFrame>
         <p:nvGraphicFramePr>
-          <p:cNvPr id="8" name="表格 7">
-            <a:extLst>
-              <a:ext uri="{FF2B5EF4-FFF2-40B4-BE49-F238E27FC236}">
-                <a16:creationId xmlns:a16="http://schemas.microsoft.com/office/drawing/2014/main" id="{779B64BF-0630-F8B2-E86A-D8E152F99965}"/>
-              </a:ext>
-            </a:extLst>
-          </p:cNvPr>
+          <p:cNvPr id="8" name="表格 7"/>
           <p:cNvGraphicFramePr>
             <a:graphicFrameLocks noGrp="1"/>
           </p:cNvGraphicFramePr>
-          <p:nvPr>
-            <p:extLst>
-              <p:ext uri="{D42A27DB-BD31-4B8C-83A1-F6EECF244321}">
-                <p14:modId xmlns:p14="http://schemas.microsoft.com/office/powerpoint/2010/main" val="3927590178"/>
-              </p:ext>
-            </p:extLst>
-          </p:nvPr>
+          <p:nvPr/>
         </p:nvGraphicFramePr>
         <p:xfrm>
           <a:off x="626567" y="3967829"/>
@@ -9583,48 +9561,12 @@
                 <a:tableStyleId>{F5AB1C69-6EDB-4FF4-983F-18BD219EF322}</a:tableStyleId>
               </a:tblPr>
               <a:tblGrid>
-                <a:gridCol w="1716008">
-                  <a:extLst>
-                    <a:ext uri="{9D8B030D-6E8A-4147-A177-3AD203B41FA5}">
-                      <a16:colId xmlns:a16="http://schemas.microsoft.com/office/drawing/2014/main" val="689207744"/>
-                    </a:ext>
-                  </a:extLst>
-                </a:gridCol>
-                <a:gridCol w="4544473">
-                  <a:extLst>
-                    <a:ext uri="{9D8B030D-6E8A-4147-A177-3AD203B41FA5}">
-                      <a16:colId xmlns:a16="http://schemas.microsoft.com/office/drawing/2014/main" val="1207313487"/>
-                    </a:ext>
-                  </a:extLst>
-                </a:gridCol>
-                <a:gridCol w="940319">
-                  <a:extLst>
-                    <a:ext uri="{9D8B030D-6E8A-4147-A177-3AD203B41FA5}">
-                      <a16:colId xmlns:a16="http://schemas.microsoft.com/office/drawing/2014/main" val="169628759"/>
-                    </a:ext>
-                  </a:extLst>
-                </a:gridCol>
-                <a:gridCol w="576064">
-                  <a:extLst>
-                    <a:ext uri="{9D8B030D-6E8A-4147-A177-3AD203B41FA5}">
-                      <a16:colId xmlns:a16="http://schemas.microsoft.com/office/drawing/2014/main" val="333053447"/>
-                    </a:ext>
-                  </a:extLst>
-                </a:gridCol>
-                <a:gridCol w="720080">
-                  <a:extLst>
-                    <a:ext uri="{9D8B030D-6E8A-4147-A177-3AD203B41FA5}">
-                      <a16:colId xmlns:a16="http://schemas.microsoft.com/office/drawing/2014/main" val="50809020"/>
-                    </a:ext>
-                  </a:extLst>
-                </a:gridCol>
-                <a:gridCol w="1368151">
-                  <a:extLst>
-                    <a:ext uri="{9D8B030D-6E8A-4147-A177-3AD203B41FA5}">
-                      <a16:colId xmlns:a16="http://schemas.microsoft.com/office/drawing/2014/main" val="3368284633"/>
-                    </a:ext>
-                  </a:extLst>
-                </a:gridCol>
+                <a:gridCol w="1716008"/>
+                <a:gridCol w="4544473"/>
+                <a:gridCol w="940319"/>
+                <a:gridCol w="576064"/>
+                <a:gridCol w="720080"/>
+                <a:gridCol w="1368151"/>
               </a:tblGrid>
               <a:tr h="410913">
                 <a:tc rowSpan="2" gridSpan="2">
@@ -9640,6 +9582,11 @@
                         </a:rPr>
                         <a:t>光栅化类型</a:t>
                       </a:r>
+                      <a:endParaRPr lang="zh-CN" altLang="en-US" sz="1800" b="0" dirty="0">
+                        <a:solidFill>
+                          <a:schemeClr val="tx1"/>
+                        </a:solidFill>
+                      </a:endParaRPr>
                     </a:p>
                   </a:txBody>
                   <a:tcPr>
@@ -9673,13 +9620,6 @@
                   </a:tcPr>
                 </a:tc>
                 <a:tc rowSpan="2" hMerge="1">
-                  <a:txBody>
-                    <a:bodyPr/>
-                    <a:lstStyle/>
-                    <a:p>
-                      <a:endParaRPr lang="zh-CN" altLang="en-US"/>
-                    </a:p>
-                  </a:txBody>
                   <a:tcPr/>
                 </a:tc>
                 <a:tc gridSpan="3">
@@ -9695,6 +9635,11 @@
                         </a:rPr>
                         <a:t>会被光栅化的像素</a:t>
                       </a:r>
+                      <a:endParaRPr lang="zh-CN" altLang="en-US" sz="1800" b="0" dirty="0">
+                        <a:solidFill>
+                          <a:schemeClr val="tx1"/>
+                        </a:solidFill>
+                      </a:endParaRPr>
                     </a:p>
                   </a:txBody>
                   <a:tcPr>
@@ -9728,17 +9673,6 @@
                   </a:tcPr>
                 </a:tc>
                 <a:tc hMerge="1">
-                  <a:txBody>
-                    <a:bodyPr/>
-                    <a:lstStyle/>
-                    <a:p>
-                      <a:endParaRPr lang="zh-CN" altLang="en-US" sz="1800" dirty="0">
-                        <a:solidFill>
-                          <a:schemeClr val="tx1"/>
-                        </a:solidFill>
-                      </a:endParaRPr>
-                    </a:p>
-                  </a:txBody>
                   <a:tcPr>
                     <a:lnL w="12700" cap="flat" cmpd="sng" algn="ctr">
                       <a:solidFill>
@@ -9779,17 +9713,6 @@
                   </a:tcPr>
                 </a:tc>
                 <a:tc hMerge="1">
-                  <a:txBody>
-                    <a:bodyPr/>
-                    <a:lstStyle/>
-                    <a:p>
-                      <a:endParaRPr lang="zh-CN" altLang="en-US" sz="1800" dirty="0">
-                        <a:solidFill>
-                          <a:schemeClr val="tx1"/>
-                        </a:solidFill>
-                      </a:endParaRPr>
-                    </a:p>
-                  </a:txBody>
                   <a:tcPr>
                     <a:lnL w="12700" cap="flat" cmpd="sng" algn="ctr">
                       <a:solidFill>
@@ -9842,6 +9765,11 @@
                         </a:rPr>
                         <a:t>说明</a:t>
                       </a:r>
+                      <a:endParaRPr lang="zh-CN" altLang="en-US" sz="1800" b="0" dirty="0">
+                        <a:solidFill>
+                          <a:schemeClr val="tx1"/>
+                        </a:solidFill>
+                      </a:endParaRPr>
                     </a:p>
                   </a:txBody>
                   <a:tcPr>
@@ -9883,21 +9811,9 @@
                     </a:lnB>
                   </a:tcPr>
                 </a:tc>
-                <a:extLst>
-                  <a:ext uri="{0D108BD9-81ED-4DB2-BD59-A6C34878D82A}">
-                    <a16:rowId xmlns:a16="http://schemas.microsoft.com/office/drawing/2014/main" val="1202862955"/>
-                  </a:ext>
-                </a:extLst>
               </a:tr>
               <a:tr h="410913">
-                <a:tc gridSpan="2" vMerge="1">
-                  <a:txBody>
-                    <a:bodyPr/>
-                    <a:lstStyle/>
-                    <a:p>
-                      <a:endParaRPr dirty="0"/>
-                    </a:p>
-                  </a:txBody>
+                <a:tc vMerge="1" gridSpan="2">
                   <a:tcPr>
                     <a:lnL w="12700" cap="flat" cmpd="sng" algn="ctr">
                       <a:solidFill>
@@ -9937,14 +9853,7 @@
                     </a:lnB>
                   </a:tcPr>
                 </a:tc>
-                <a:tc hMerge="1" vMerge="1">
-                  <a:txBody>
-                    <a:bodyPr/>
-                    <a:lstStyle/>
-                    <a:p>
-                      <a:endParaRPr lang="zh-CN" altLang="en-US" dirty="0"/>
-                    </a:p>
-                  </a:txBody>
+                <a:tc vMerge="1" hMerge="1">
                   <a:tcPr/>
                 </a:tc>
                 <a:tc>
@@ -9960,6 +9869,11 @@
                         </a:rPr>
                         <a:t>绿</a:t>
                       </a:r>
+                      <a:endParaRPr lang="zh-CN" altLang="en-US" sz="1800" dirty="0">
+                        <a:solidFill>
+                          <a:schemeClr val="tx1"/>
+                        </a:solidFill>
+                      </a:endParaRPr>
                     </a:p>
                   </a:txBody>
                   <a:tcPr>
@@ -10014,6 +9928,11 @@
                         </a:rPr>
                         <a:t>黄</a:t>
                       </a:r>
+                      <a:endParaRPr lang="zh-CN" altLang="en-US" sz="1800" dirty="0">
+                        <a:solidFill>
+                          <a:schemeClr val="tx1"/>
+                        </a:solidFill>
+                      </a:endParaRPr>
                     </a:p>
                   </a:txBody>
                   <a:tcPr>
@@ -10068,6 +9987,11 @@
                         </a:rPr>
                         <a:t>蓝</a:t>
                       </a:r>
+                      <a:endParaRPr lang="zh-CN" altLang="en-US" sz="1800" dirty="0">
+                        <a:solidFill>
+                          <a:schemeClr val="tx1"/>
+                        </a:solidFill>
+                      </a:endParaRPr>
                     </a:p>
                   </a:txBody>
                   <a:tcPr>
@@ -10110,13 +10034,6 @@
                   </a:tcPr>
                 </a:tc>
                 <a:tc vMerge="1">
-                  <a:txBody>
-                    <a:bodyPr/>
-                    <a:lstStyle/>
-                    <a:p>
-                      <a:endParaRPr dirty="0"/>
-                    </a:p>
-                  </a:txBody>
                   <a:tcPr>
                     <a:lnL w="12700" cap="flat" cmpd="sng" algn="ctr">
                       <a:solidFill>
@@ -10156,11 +10073,6 @@
                     </a:lnB>
                   </a:tcPr>
                 </a:tc>
-                <a:extLst>
-                  <a:ext uri="{0D108BD9-81ED-4DB2-BD59-A6C34878D82A}">
-                    <a16:rowId xmlns:a16="http://schemas.microsoft.com/office/drawing/2014/main" val="1429679458"/>
-                  </a:ext>
-                </a:extLst>
               </a:tr>
               <a:tr h="559018">
                 <a:tc gridSpan="2">
@@ -10176,6 +10088,11 @@
                         </a:rPr>
                         <a:t>标准光栅化</a:t>
                       </a:r>
+                      <a:endParaRPr lang="zh-CN" altLang="en-US" sz="1800" dirty="0">
+                        <a:solidFill>
+                          <a:schemeClr val="tx1"/>
+                        </a:solidFill>
+                      </a:endParaRPr>
                     </a:p>
                   </a:txBody>
                   <a:tcPr>
@@ -10218,13 +10135,6 @@
                   </a:tcPr>
                 </a:tc>
                 <a:tc hMerge="1">
-                  <a:txBody>
-                    <a:bodyPr/>
-                    <a:lstStyle/>
-                    <a:p>
-                      <a:endParaRPr lang="zh-CN" altLang="en-US" sz="1800" dirty="0"/>
-                    </a:p>
-                  </a:txBody>
                   <a:tcPr>
                     <a:lnL w="12700" cap="flat" cmpd="sng" algn="ctr">
                       <a:solidFill>
@@ -10277,6 +10187,11 @@
                         </a:rPr>
                         <a:t>✔</a:t>
                       </a:r>
+                      <a:endParaRPr lang="zh-CN" altLang="en-US" sz="1800" dirty="0">
+                        <a:solidFill>
+                          <a:schemeClr val="tx1"/>
+                        </a:solidFill>
+                      </a:endParaRPr>
                     </a:p>
                   </a:txBody>
                   <a:tcPr>
@@ -10337,7 +10252,6 @@
                         <a:buSzTx/>
                         <a:buFontTx/>
                         <a:buNone/>
-                        <a:tabLst/>
                         <a:defRPr/>
                       </a:pPr>
                       <a:r>
@@ -10348,6 +10262,11 @@
                         </a:rPr>
                         <a:t>✔</a:t>
                       </a:r>
+                      <a:endParaRPr lang="zh-CN" altLang="en-US" sz="1800" dirty="0">
+                        <a:solidFill>
+                          <a:schemeClr val="tx1"/>
+                        </a:solidFill>
+                      </a:endParaRPr>
                     </a:p>
                     <a:p>
                       <a:endParaRPr lang="zh-CN" altLang="en-US" sz="1800" dirty="0">
@@ -10498,11 +10417,6 @@
                     </a:lnB>
                   </a:tcPr>
                 </a:tc>
-                <a:extLst>
-                  <a:ext uri="{0D108BD9-81ED-4DB2-BD59-A6C34878D82A}">
-                    <a16:rowId xmlns:a16="http://schemas.microsoft.com/office/drawing/2014/main" val="3046836223"/>
-                  </a:ext>
-                </a:extLst>
               </a:tr>
               <a:tr h="682534">
                 <a:tc rowSpan="2">
@@ -10524,7 +10438,6 @@
                         <a:buSzTx/>
                         <a:buFontTx/>
                         <a:buNone/>
-                        <a:tabLst/>
                         <a:defRPr/>
                       </a:pPr>
                       <a:r>
@@ -10551,6 +10464,11 @@
                         </a:rPr>
                         <a:t>）</a:t>
                       </a:r>
+                      <a:endParaRPr lang="zh-CN" altLang="en-US" sz="1800" dirty="0">
+                        <a:solidFill>
+                          <a:schemeClr val="tx1"/>
+                        </a:solidFill>
+                      </a:endParaRPr>
                     </a:p>
                   </a:txBody>
                   <a:tcPr>
@@ -10611,7 +10529,6 @@
                         <a:buSzTx/>
                         <a:buFontTx/>
                         <a:buNone/>
-                        <a:tabLst/>
                         <a:defRPr/>
                       </a:pPr>
                       <a:r>
@@ -10646,6 +10563,11 @@
                         </a:rPr>
                         <a:t>）</a:t>
                       </a:r>
+                      <a:endParaRPr lang="zh-CN" altLang="en-US" sz="1800" b="1" i="1" dirty="0">
+                        <a:solidFill>
+                          <a:schemeClr val="tx1"/>
+                        </a:solidFill>
+                      </a:endParaRPr>
                     </a:p>
                   </a:txBody>
                   <a:tcPr>
@@ -10706,7 +10628,6 @@
                         <a:buSzTx/>
                         <a:buFontTx/>
                         <a:buNone/>
-                        <a:tabLst/>
                         <a:defRPr/>
                       </a:pPr>
                       <a:r>
@@ -10717,6 +10638,11 @@
                         </a:rPr>
                         <a:t>✔</a:t>
                       </a:r>
+                      <a:endParaRPr lang="zh-CN" altLang="en-US" sz="1800" dirty="0">
+                        <a:solidFill>
+                          <a:schemeClr val="tx1"/>
+                        </a:solidFill>
+                      </a:endParaRPr>
                     </a:p>
                     <a:p>
                       <a:endParaRPr lang="zh-CN" altLang="en-US" sz="1800" dirty="0">
@@ -10784,7 +10710,6 @@
                         <a:buSzTx/>
                         <a:buFontTx/>
                         <a:buNone/>
-                        <a:tabLst/>
                         <a:defRPr/>
                       </a:pPr>
                       <a:r>
@@ -10795,6 +10720,11 @@
                         </a:rPr>
                         <a:t>✔</a:t>
                       </a:r>
+                      <a:endParaRPr lang="zh-CN" altLang="en-US" sz="1800" dirty="0">
+                        <a:solidFill>
+                          <a:schemeClr val="tx1"/>
+                        </a:solidFill>
+                      </a:endParaRPr>
                     </a:p>
                     <a:p>
                       <a:endParaRPr lang="zh-CN" altLang="en-US" sz="1800" dirty="0">
@@ -10862,7 +10792,6 @@
                         <a:buSzTx/>
                         <a:buFontTx/>
                         <a:buNone/>
-                        <a:tabLst/>
                         <a:defRPr/>
                       </a:pPr>
                       <a:r>
@@ -10873,6 +10802,11 @@
                         </a:rPr>
                         <a:t>✔</a:t>
                       </a:r>
+                      <a:endParaRPr lang="zh-CN" altLang="en-US" sz="1800" dirty="0">
+                        <a:solidFill>
+                          <a:schemeClr val="tx1"/>
+                        </a:solidFill>
+                      </a:endParaRPr>
                     </a:p>
                     <a:p>
                       <a:endParaRPr lang="zh-CN" altLang="en-US" sz="1800" dirty="0">
@@ -10934,6 +10868,11 @@
                         </a:rPr>
                         <a:t>本次主题</a:t>
                       </a:r>
+                      <a:endParaRPr lang="zh-CN" altLang="en-US" sz="1800" b="1" dirty="0">
+                        <a:solidFill>
+                          <a:schemeClr val="tx1"/>
+                        </a:solidFill>
+                      </a:endParaRPr>
                     </a:p>
                   </a:txBody>
                   <a:tcPr>
@@ -10975,14 +10914,49 @@
                     </a:lnB>
                   </a:tcPr>
                 </a:tc>
-                <a:extLst>
-                  <a:ext uri="{0D108BD9-81ED-4DB2-BD59-A6C34878D82A}">
-                    <a16:rowId xmlns:a16="http://schemas.microsoft.com/office/drawing/2014/main" val="609115858"/>
-                  </a:ext>
-                </a:extLst>
               </a:tr>
               <a:tr h="682534">
                 <a:tc vMerge="1">
+                  <a:tcPr>
+                    <a:lnL w="12700" cap="flat" cmpd="sng" algn="ctr">
+                      <a:solidFill>
+                        <a:schemeClr val="tx1"/>
+                      </a:solidFill>
+                      <a:prstDash val="solid"/>
+                      <a:round/>
+                      <a:headEnd type="none" w="med" len="med"/>
+                      <a:tailEnd type="none" w="med" len="med"/>
+                    </a:lnL>
+                    <a:lnR w="12700" cap="flat" cmpd="sng" algn="ctr">
+                      <a:solidFill>
+                        <a:schemeClr val="tx1"/>
+                      </a:solidFill>
+                      <a:prstDash val="solid"/>
+                      <a:round/>
+                      <a:headEnd type="none" w="med" len="med"/>
+                      <a:tailEnd type="none" w="med" len="med"/>
+                    </a:lnR>
+                    <a:lnT w="12700" cap="flat" cmpd="sng" algn="ctr">
+                      <a:solidFill>
+                        <a:schemeClr val="tx1"/>
+                      </a:solidFill>
+                      <a:prstDash val="solid"/>
+                      <a:round/>
+                      <a:headEnd type="none" w="med" len="med"/>
+                      <a:tailEnd type="none" w="med" len="med"/>
+                    </a:lnT>
+                    <a:lnB w="12700" cap="flat" cmpd="sng" algn="ctr">
+                      <a:solidFill>
+                        <a:schemeClr val="tx1"/>
+                      </a:solidFill>
+                      <a:prstDash val="solid"/>
+                      <a:round/>
+                      <a:headEnd type="none" w="med" len="med"/>
+                      <a:tailEnd type="none" w="med" len="med"/>
+                    </a:lnB>
+                  </a:tcPr>
+                </a:tc>
+                <a:tc>
                   <a:txBody>
                     <a:bodyPr/>
                     <a:lstStyle/>
@@ -11001,10 +10975,37 @@
                         <a:buSzTx/>
                         <a:buFontTx/>
                         <a:buNone/>
-                        <a:tabLst/>
                         <a:defRPr/>
                       </a:pPr>
-                      <a:endParaRPr lang="zh-CN" altLang="en-US" sz="1800" dirty="0"/>
+                      <a:r>
+                        <a:rPr lang="zh-CN" altLang="en-US" sz="1800" dirty="0">
+                          <a:solidFill>
+                            <a:schemeClr val="tx1"/>
+                          </a:solidFill>
+                        </a:rPr>
+                        <a:t>内保守光栅化（</a:t>
+                      </a:r>
+                      <a:r>
+                        <a:rPr lang="en-US" altLang="zh-CN" sz="1800" dirty="0">
+                          <a:solidFill>
+                            <a:schemeClr val="tx1"/>
+                          </a:solidFill>
+                        </a:rPr>
+                        <a:t>underestimated conservative rasterization/inner-conservative rasterization</a:t>
+                      </a:r>
+                      <a:r>
+                        <a:rPr lang="zh-CN" altLang="en-US" sz="1800" dirty="0">
+                          <a:solidFill>
+                            <a:schemeClr val="tx1"/>
+                          </a:solidFill>
+                        </a:rPr>
+                        <a:t>）</a:t>
+                      </a:r>
+                      <a:endParaRPr lang="zh-CN" altLang="en-US" sz="1800" dirty="0">
+                        <a:solidFill>
+                          <a:schemeClr val="tx1"/>
+                        </a:solidFill>
+                      </a:endParaRPr>
                     </a:p>
                   </a:txBody>
                   <a:tcPr>
@@ -11065,94 +11066,6 @@
                         <a:buSzTx/>
                         <a:buFontTx/>
                         <a:buNone/>
-                        <a:tabLst/>
-                        <a:defRPr/>
-                      </a:pPr>
-                      <a:r>
-                        <a:rPr lang="zh-CN" altLang="en-US" sz="1800" dirty="0">
-                          <a:solidFill>
-                            <a:schemeClr val="tx1"/>
-                          </a:solidFill>
-                        </a:rPr>
-                        <a:t>内保守光栅化（</a:t>
-                      </a:r>
-                      <a:r>
-                        <a:rPr lang="en-US" altLang="zh-CN" sz="1800" dirty="0">
-                          <a:solidFill>
-                            <a:schemeClr val="tx1"/>
-                          </a:solidFill>
-                        </a:rPr>
-                        <a:t>underestimated conservative rasterization/inner-conservative rasterization</a:t>
-                      </a:r>
-                      <a:r>
-                        <a:rPr lang="zh-CN" altLang="en-US" sz="1800" dirty="0">
-                          <a:solidFill>
-                            <a:schemeClr val="tx1"/>
-                          </a:solidFill>
-                        </a:rPr>
-                        <a:t>）</a:t>
-                      </a:r>
-                    </a:p>
-                  </a:txBody>
-                  <a:tcPr>
-                    <a:lnL w="12700" cap="flat" cmpd="sng" algn="ctr">
-                      <a:solidFill>
-                        <a:schemeClr val="tx1"/>
-                      </a:solidFill>
-                      <a:prstDash val="solid"/>
-                      <a:round/>
-                      <a:headEnd type="none" w="med" len="med"/>
-                      <a:tailEnd type="none" w="med" len="med"/>
-                    </a:lnL>
-                    <a:lnR w="12700" cap="flat" cmpd="sng" algn="ctr">
-                      <a:solidFill>
-                        <a:schemeClr val="tx1"/>
-                      </a:solidFill>
-                      <a:prstDash val="solid"/>
-                      <a:round/>
-                      <a:headEnd type="none" w="med" len="med"/>
-                      <a:tailEnd type="none" w="med" len="med"/>
-                    </a:lnR>
-                    <a:lnT w="12700" cap="flat" cmpd="sng" algn="ctr">
-                      <a:solidFill>
-                        <a:schemeClr val="tx1"/>
-                      </a:solidFill>
-                      <a:prstDash val="solid"/>
-                      <a:round/>
-                      <a:headEnd type="none" w="med" len="med"/>
-                      <a:tailEnd type="none" w="med" len="med"/>
-                    </a:lnT>
-                    <a:lnB w="12700" cap="flat" cmpd="sng" algn="ctr">
-                      <a:solidFill>
-                        <a:schemeClr val="tx1"/>
-                      </a:solidFill>
-                      <a:prstDash val="solid"/>
-                      <a:round/>
-                      <a:headEnd type="none" w="med" len="med"/>
-                      <a:tailEnd type="none" w="med" len="med"/>
-                    </a:lnB>
-                  </a:tcPr>
-                </a:tc>
-                <a:tc>
-                  <a:txBody>
-                    <a:bodyPr/>
-                    <a:lstStyle/>
-                    <a:p>
-                      <a:pPr marL="0" marR="0" lvl="0" indent="0" algn="l" defTabSz="1219200" rtl="0" eaLnBrk="1" fontAlgn="auto" latinLnBrk="0" hangingPunct="1">
-                        <a:lnSpc>
-                          <a:spcPct val="100000"/>
-                        </a:lnSpc>
-                        <a:spcBef>
-                          <a:spcPts val="0"/>
-                        </a:spcBef>
-                        <a:spcAft>
-                          <a:spcPts val="0"/>
-                        </a:spcAft>
-                        <a:buClrTx/>
-                        <a:buSzTx/>
-                        <a:buFontTx/>
-                        <a:buNone/>
-                        <a:tabLst/>
                         <a:defRPr/>
                       </a:pPr>
                       <a:r>
@@ -11163,6 +11076,11 @@
                         </a:rPr>
                         <a:t>✔</a:t>
                       </a:r>
+                      <a:endParaRPr lang="zh-CN" altLang="en-US" sz="1800" dirty="0">
+                        <a:solidFill>
+                          <a:schemeClr val="tx1"/>
+                        </a:solidFill>
+                      </a:endParaRPr>
                     </a:p>
                     <a:p>
                       <a:endParaRPr lang="zh-CN" altLang="en-US" sz="1800" dirty="0">
@@ -11326,6 +11244,11 @@
                         </a:rPr>
                         <a:t>不常见，后面提一下</a:t>
                       </a:r>
+                      <a:endParaRPr lang="zh-CN" altLang="en-US" sz="1800" dirty="0">
+                        <a:solidFill>
+                          <a:schemeClr val="tx1"/>
+                        </a:solidFill>
+                      </a:endParaRPr>
                     </a:p>
                   </a:txBody>
                   <a:tcPr>
@@ -11367,22 +11290,12 @@
                     </a:lnB>
                   </a:tcPr>
                 </a:tc>
-                <a:extLst>
-                  <a:ext uri="{0D108BD9-81ED-4DB2-BD59-A6C34878D82A}">
-                    <a16:rowId xmlns:a16="http://schemas.microsoft.com/office/drawing/2014/main" val="626491251"/>
-                  </a:ext>
-                </a:extLst>
               </a:tr>
             </a:tbl>
           </a:graphicData>
         </a:graphic>
       </p:graphicFrame>
     </p:spTree>
-    <p:extLst>
-      <p:ext uri="{BB962C8B-B14F-4D97-AF65-F5344CB8AC3E}">
-        <p14:creationId xmlns:p14="http://schemas.microsoft.com/office/powerpoint/2010/main" val="2805103627"/>
-      </p:ext>
-    </p:extLst>
   </p:cSld>
   <p:clrMapOvr>
     <a:masterClrMapping/>
@@ -11449,18 +11362,22 @@
               </a:rPr>
               <a:t>应用</a:t>
             </a:r>
+            <a:endParaRPr lang="zh-CN" altLang="en-US" sz="2800" b="1" dirty="0">
+              <a:solidFill>
+                <a:schemeClr val="tx2">
+                  <a:lumMod val="60000"/>
+                  <a:lumOff val="40000"/>
+                </a:schemeClr>
+              </a:solidFill>
+              <a:latin typeface="微软雅黑" panose="020B0503020204020204" pitchFamily="34" charset="-122"/>
+              <a:ea typeface="微软雅黑" panose="020B0503020204020204" pitchFamily="34" charset="-122"/>
+            </a:endParaRPr>
           </a:p>
         </p:txBody>
       </p:sp>
       <p:grpSp>
         <p:nvGrpSpPr>
-          <p:cNvPr id="21" name="组合 20">
-            <a:extLst>
-              <a:ext uri="{FF2B5EF4-FFF2-40B4-BE49-F238E27FC236}">
-                <a16:creationId xmlns:a16="http://schemas.microsoft.com/office/drawing/2014/main" id="{9B80B8DA-E023-2922-0859-0394CC1BD81A}"/>
-              </a:ext>
-            </a:extLst>
-          </p:cNvPr>
+          <p:cNvPr id="21" name="组合 20"/>
           <p:cNvGrpSpPr/>
           <p:nvPr/>
         </p:nvGrpSpPr>
@@ -11474,20 +11391,14 @@
         </p:grpSpPr>
         <p:pic>
           <p:nvPicPr>
-            <p:cNvPr id="7" name="图片 6">
-              <a:extLst>
-                <a:ext uri="{FF2B5EF4-FFF2-40B4-BE49-F238E27FC236}">
-                  <a16:creationId xmlns:a16="http://schemas.microsoft.com/office/drawing/2014/main" id="{9B5F03BB-77C4-0EB2-AED2-22AD18DC0514}"/>
-                </a:ext>
-              </a:extLst>
-            </p:cNvPr>
+            <p:cNvPr id="7" name="图片 6"/>
             <p:cNvPicPr>
               <a:picLocks noChangeAspect="1"/>
             </p:cNvPicPr>
             <p:nvPr/>
           </p:nvPicPr>
           <p:blipFill>
-            <a:blip r:embed="rId6"/>
+            <a:blip r:embed="rId1"/>
             <a:stretch>
               <a:fillRect/>
             </a:stretch>
@@ -11504,17 +11415,11 @@
         </p:pic>
         <p:sp>
           <p:nvSpPr>
-            <p:cNvPr id="8" name="文本框 7">
-              <a:extLst>
-                <a:ext uri="{FF2B5EF4-FFF2-40B4-BE49-F238E27FC236}">
-                  <a16:creationId xmlns:a16="http://schemas.microsoft.com/office/drawing/2014/main" id="{5FB6B59D-65C2-C274-22F3-226D5C8D2412}"/>
-                </a:ext>
-              </a:extLst>
-            </p:cNvPr>
+            <p:cNvPr id="8" name="文本框 7"/>
             <p:cNvSpPr txBox="1"/>
             <p:nvPr>
               <p:custDataLst>
-                <p:tags r:id="rId3"/>
+                <p:tags r:id="rId2"/>
               </p:custDataLst>
             </p:nvPr>
           </p:nvSpPr>
@@ -11545,19 +11450,17 @@
                 </a:rPr>
                 <a:t>碰撞检测、遮挡剔除、阴影、及对其它算法起到抗锯齿效果</a:t>
               </a:r>
+              <a:endParaRPr lang="zh-CN" altLang="en-US" sz="1800" dirty="0">
+                <a:latin typeface="+mn-ea"/>
+                <a:cs typeface="+mn-ea"/>
+              </a:endParaRPr>
             </a:p>
           </p:txBody>
         </p:sp>
       </p:grpSp>
       <p:grpSp>
         <p:nvGrpSpPr>
-          <p:cNvPr id="16" name="组合 15">
-            <a:extLst>
-              <a:ext uri="{FF2B5EF4-FFF2-40B4-BE49-F238E27FC236}">
-                <a16:creationId xmlns:a16="http://schemas.microsoft.com/office/drawing/2014/main" id="{C66947F6-C009-6F7D-08EA-DF5E6412BC82}"/>
-              </a:ext>
-            </a:extLst>
-          </p:cNvPr>
+          <p:cNvPr id="16" name="组合 15"/>
           <p:cNvGrpSpPr/>
           <p:nvPr/>
         </p:nvGrpSpPr>
@@ -11572,13 +11475,7 @@
         </p:grpSpPr>
         <p:sp>
           <p:nvSpPr>
-            <p:cNvPr id="15" name="矩形 14">
-              <a:extLst>
-                <a:ext uri="{FF2B5EF4-FFF2-40B4-BE49-F238E27FC236}">
-                  <a16:creationId xmlns:a16="http://schemas.microsoft.com/office/drawing/2014/main" id="{5C5F68ED-A62B-F9CB-CF9F-C645A29B18D9}"/>
-                </a:ext>
-              </a:extLst>
-            </p:cNvPr>
+            <p:cNvPr id="15" name="矩形 14"/>
             <p:cNvSpPr/>
             <p:nvPr/>
           </p:nvSpPr>
@@ -11620,17 +11517,11 @@
         </p:sp>
         <p:sp>
           <p:nvSpPr>
-            <p:cNvPr id="9" name="文本框 8">
-              <a:extLst>
-                <a:ext uri="{FF2B5EF4-FFF2-40B4-BE49-F238E27FC236}">
-                  <a16:creationId xmlns:a16="http://schemas.microsoft.com/office/drawing/2014/main" id="{801ABBB8-74E2-C62D-48F9-28D1887D7B2C}"/>
-                </a:ext>
-              </a:extLst>
-            </p:cNvPr>
+            <p:cNvPr id="9" name="文本框 8"/>
             <p:cNvSpPr txBox="1"/>
             <p:nvPr>
               <p:custDataLst>
-                <p:tags r:id="rId2"/>
+                <p:tags r:id="rId3"/>
               </p:custDataLst>
             </p:nvPr>
           </p:nvSpPr>
@@ -11845,25 +11736,23 @@
                 </a:rPr>
                 <a:t>的无效数据去插值，产生锯齿。</a:t>
               </a:r>
+              <a:endParaRPr lang="zh-CN" altLang="en-US" sz="1800" dirty="0">
+                <a:latin typeface="+mn-ea"/>
+                <a:cs typeface="+mn-ea"/>
+              </a:endParaRPr>
             </a:p>
           </p:txBody>
         </p:sp>
         <p:pic>
           <p:nvPicPr>
-            <p:cNvPr id="13" name="图片 12">
-              <a:extLst>
-                <a:ext uri="{FF2B5EF4-FFF2-40B4-BE49-F238E27FC236}">
-                  <a16:creationId xmlns:a16="http://schemas.microsoft.com/office/drawing/2014/main" id="{7F0A9C7C-A38D-D335-6EC1-BC2F7142719C}"/>
-                </a:ext>
-              </a:extLst>
-            </p:cNvPr>
+            <p:cNvPr id="13" name="图片 12"/>
             <p:cNvPicPr>
               <a:picLocks noChangeAspect="1"/>
             </p:cNvPicPr>
             <p:nvPr/>
           </p:nvPicPr>
           <p:blipFill>
-            <a:blip r:embed="rId7"/>
+            <a:blip r:embed="rId4"/>
             <a:stretch>
               <a:fillRect/>
             </a:stretch>
@@ -11882,13 +11771,7 @@
       </p:grpSp>
       <p:grpSp>
         <p:nvGrpSpPr>
-          <p:cNvPr id="20" name="组合 19">
-            <a:extLst>
-              <a:ext uri="{FF2B5EF4-FFF2-40B4-BE49-F238E27FC236}">
-                <a16:creationId xmlns:a16="http://schemas.microsoft.com/office/drawing/2014/main" id="{8DC6A5FC-BA67-BA81-D6D4-7AECC6B7F7A6}"/>
-              </a:ext>
-            </a:extLst>
-          </p:cNvPr>
+          <p:cNvPr id="20" name="组合 19"/>
           <p:cNvGrpSpPr/>
           <p:nvPr/>
         </p:nvGrpSpPr>
@@ -11902,13 +11785,7 @@
         </p:grpSpPr>
         <p:sp>
           <p:nvSpPr>
-            <p:cNvPr id="19" name="矩形 18">
-              <a:extLst>
-                <a:ext uri="{FF2B5EF4-FFF2-40B4-BE49-F238E27FC236}">
-                  <a16:creationId xmlns:a16="http://schemas.microsoft.com/office/drawing/2014/main" id="{AE31FC48-F2A2-E8A1-E2F6-ECA04A7510BD}"/>
-                </a:ext>
-              </a:extLst>
-            </p:cNvPr>
+            <p:cNvPr id="19" name="矩形 18"/>
             <p:cNvSpPr/>
             <p:nvPr/>
           </p:nvSpPr>
@@ -11950,13 +11827,7 @@
         </p:sp>
         <p:grpSp>
           <p:nvGrpSpPr>
-            <p:cNvPr id="17" name="组合 16">
-              <a:extLst>
-                <a:ext uri="{FF2B5EF4-FFF2-40B4-BE49-F238E27FC236}">
-                  <a16:creationId xmlns:a16="http://schemas.microsoft.com/office/drawing/2014/main" id="{C9EB6601-E707-2F7C-CC06-91484A9FE13C}"/>
-                </a:ext>
-              </a:extLst>
-            </p:cNvPr>
+            <p:cNvPr id="17" name="组合 16"/>
             <p:cNvGrpSpPr/>
             <p:nvPr/>
           </p:nvGrpSpPr>
@@ -11970,20 +11841,14 @@
           </p:grpSpPr>
           <p:pic>
             <p:nvPicPr>
-              <p:cNvPr id="1026" name="Picture 2">
-                <a:extLst>
-                  <a:ext uri="{FF2B5EF4-FFF2-40B4-BE49-F238E27FC236}">
-                    <a16:creationId xmlns:a16="http://schemas.microsoft.com/office/drawing/2014/main" id="{1981DD1C-BD58-8CB7-1AEF-AC75AEA0A330}"/>
-                  </a:ext>
-                </a:extLst>
-              </p:cNvPr>
+              <p:cNvPr id="1026" name="Picture 2"/>
               <p:cNvPicPr>
                 <a:picLocks noChangeAspect="1" noChangeArrowheads="1"/>
               </p:cNvPicPr>
               <p:nvPr/>
             </p:nvPicPr>
             <p:blipFill>
-              <a:blip r:embed="rId8">
+              <a:blip r:embed="rId5">
                 <a:extLst>
                   <a:ext uri="{28A0092B-C50C-407E-A947-70E740481C1C}">
                     <a14:useLocalDpi xmlns:a14="http://schemas.microsoft.com/office/drawing/2010/main" val="0"/>
@@ -12017,17 +11882,11 @@
           </p:pic>
           <p:sp>
             <p:nvSpPr>
-              <p:cNvPr id="14" name="文本框 13">
-                <a:extLst>
-                  <a:ext uri="{FF2B5EF4-FFF2-40B4-BE49-F238E27FC236}">
-                    <a16:creationId xmlns:a16="http://schemas.microsoft.com/office/drawing/2014/main" id="{667B890B-633E-5189-727D-E9D72D3418ED}"/>
-                  </a:ext>
-                </a:extLst>
-              </p:cNvPr>
+              <p:cNvPr id="14" name="文本框 13"/>
               <p:cNvSpPr txBox="1"/>
               <p:nvPr>
                 <p:custDataLst>
-                  <p:tags r:id="rId1"/>
+                  <p:tags r:id="rId6"/>
                 </p:custDataLst>
               </p:nvPr>
             </p:nvSpPr>
@@ -12126,13 +11985,7 @@
   <p:cSld>
     <p:spTree>
       <p:nvGrpSpPr>
-        <p:cNvPr id="1" name="">
-          <a:extLst>
-            <a:ext uri="{FF2B5EF4-FFF2-40B4-BE49-F238E27FC236}">
-              <a16:creationId xmlns:a16="http://schemas.microsoft.com/office/drawing/2014/main" id="{E3BA9E50-4391-CD44-76A1-A0392B970BD9}"/>
-            </a:ext>
-          </a:extLst>
-        </p:cNvPr>
+        <p:cNvPr id="1" name=""/>
         <p:cNvGrpSpPr/>
         <p:nvPr/>
       </p:nvGrpSpPr>
@@ -12146,13 +11999,7 @@
       </p:grpSpPr>
       <p:sp>
         <p:nvSpPr>
-          <p:cNvPr id="31" name="矩形 30">
-            <a:extLst>
-              <a:ext uri="{FF2B5EF4-FFF2-40B4-BE49-F238E27FC236}">
-                <a16:creationId xmlns:a16="http://schemas.microsoft.com/office/drawing/2014/main" id="{43B91BFD-47EA-212B-FB96-89F31AAAEE07}"/>
-              </a:ext>
-            </a:extLst>
-          </p:cNvPr>
+          <p:cNvPr id="31" name="矩形 30"/>
           <p:cNvSpPr/>
           <p:nvPr/>
         </p:nvSpPr>
@@ -12195,15 +12042,13 @@
       </p:sp>
       <p:sp>
         <p:nvSpPr>
-          <p:cNvPr id="32" name="圆角矩形 31">
-            <a:extLst>
-              <a:ext uri="{FF2B5EF4-FFF2-40B4-BE49-F238E27FC236}">
-                <a16:creationId xmlns:a16="http://schemas.microsoft.com/office/drawing/2014/main" id="{684CE41D-BAFA-AE98-BFD8-FE28FE9D8F53}"/>
-              </a:ext>
-            </a:extLst>
-          </p:cNvPr>
+          <p:cNvPr id="32" name="圆角矩形 31"/>
           <p:cNvSpPr/>
-          <p:nvPr/>
+          <p:nvPr>
+            <p:custDataLst>
+              <p:tags r:id="rId1"/>
+            </p:custDataLst>
+          </p:nvPr>
         </p:nvSpPr>
         <p:spPr>
           <a:xfrm>
@@ -12268,15 +12113,13 @@
       </p:sp>
       <p:sp>
         <p:nvSpPr>
-          <p:cNvPr id="35" name="圆角矩形 34">
-            <a:extLst>
-              <a:ext uri="{FF2B5EF4-FFF2-40B4-BE49-F238E27FC236}">
-                <a16:creationId xmlns:a16="http://schemas.microsoft.com/office/drawing/2014/main" id="{A965680E-A31E-0D6F-EB62-C933D9C7A3D7}"/>
-              </a:ext>
-            </a:extLst>
-          </p:cNvPr>
+          <p:cNvPr id="35" name="圆角矩形 34"/>
           <p:cNvSpPr/>
-          <p:nvPr/>
+          <p:nvPr>
+            <p:custDataLst>
+              <p:tags r:id="rId2"/>
+            </p:custDataLst>
+          </p:nvPr>
         </p:nvSpPr>
         <p:spPr>
           <a:xfrm>
@@ -12333,15 +12176,13 @@
       </p:sp>
       <p:sp>
         <p:nvSpPr>
-          <p:cNvPr id="36" name="矩形 35">
-            <a:extLst>
-              <a:ext uri="{FF2B5EF4-FFF2-40B4-BE49-F238E27FC236}">
-                <a16:creationId xmlns:a16="http://schemas.microsoft.com/office/drawing/2014/main" id="{5B8D16B5-5E40-96A8-13E1-B17063A2FFFE}"/>
-              </a:ext>
-            </a:extLst>
-          </p:cNvPr>
+          <p:cNvPr id="36" name="矩形 35"/>
           <p:cNvSpPr/>
-          <p:nvPr/>
+          <p:nvPr>
+            <p:custDataLst>
+              <p:tags r:id="rId3"/>
+            </p:custDataLst>
+          </p:nvPr>
         </p:nvSpPr>
         <p:spPr>
           <a:xfrm>
@@ -12368,18 +12209,19 @@
               </a:rPr>
               <a:t>定义和应用</a:t>
             </a:r>
+            <a:endParaRPr lang="zh-CN" altLang="en-US" sz="2000" b="1" dirty="0">
+              <a:solidFill>
+                <a:schemeClr val="bg1"/>
+              </a:solidFill>
+              <a:latin typeface="微软雅黑" panose="020B0503020204020204" pitchFamily="34" charset="-122"/>
+              <a:ea typeface="微软雅黑" panose="020B0503020204020204" pitchFamily="34" charset="-122"/>
+            </a:endParaRPr>
           </a:p>
         </p:txBody>
       </p:sp>
       <p:sp>
         <p:nvSpPr>
-          <p:cNvPr id="66" name="TextBox 65">
-            <a:extLst>
-              <a:ext uri="{FF2B5EF4-FFF2-40B4-BE49-F238E27FC236}">
-                <a16:creationId xmlns:a16="http://schemas.microsoft.com/office/drawing/2014/main" id="{A8039575-092E-3914-0632-2C366F6B01FE}"/>
-              </a:ext>
-            </a:extLst>
-          </p:cNvPr>
+          <p:cNvPr id="66" name="TextBox 65"/>
           <p:cNvSpPr txBox="1"/>
           <p:nvPr/>
         </p:nvSpPr>
@@ -12446,13 +12288,7 @@
       </p:sp>
       <p:sp>
         <p:nvSpPr>
-          <p:cNvPr id="67" name="下箭头 66">
-            <a:extLst>
-              <a:ext uri="{FF2B5EF4-FFF2-40B4-BE49-F238E27FC236}">
-                <a16:creationId xmlns:a16="http://schemas.microsoft.com/office/drawing/2014/main" id="{5A7F514A-D170-8A6F-2901-AA92F5591C34}"/>
-              </a:ext>
-            </a:extLst>
-          </p:cNvPr>
+          <p:cNvPr id="67" name="下箭头 66"/>
           <p:cNvSpPr/>
           <p:nvPr/>
         </p:nvSpPr>
@@ -12498,15 +12334,13 @@
       </p:sp>
       <p:grpSp>
         <p:nvGrpSpPr>
-          <p:cNvPr id="26" name="组合 25">
-            <a:extLst>
-              <a:ext uri="{FF2B5EF4-FFF2-40B4-BE49-F238E27FC236}">
-                <a16:creationId xmlns:a16="http://schemas.microsoft.com/office/drawing/2014/main" id="{F04D7BCF-C668-F96B-039D-DD76A88589B3}"/>
-              </a:ext>
-            </a:extLst>
-          </p:cNvPr>
+          <p:cNvPr id="26" name="组合 25"/>
           <p:cNvGrpSpPr/>
-          <p:nvPr/>
+          <p:nvPr>
+            <p:custDataLst>
+              <p:tags r:id="rId4"/>
+            </p:custDataLst>
+          </p:nvPr>
         </p:nvGrpSpPr>
         <p:grpSpPr>
           <a:xfrm>
@@ -12518,15 +12352,13 @@
         </p:grpSpPr>
         <p:sp>
           <p:nvSpPr>
-            <p:cNvPr id="2" name="圆角矩形 1">
-              <a:extLst>
-                <a:ext uri="{FF2B5EF4-FFF2-40B4-BE49-F238E27FC236}">
-                  <a16:creationId xmlns:a16="http://schemas.microsoft.com/office/drawing/2014/main" id="{291445EC-1EF3-E43E-20A3-67DDE7C8006C}"/>
-                </a:ext>
-              </a:extLst>
-            </p:cNvPr>
+            <p:cNvPr id="2" name="圆角矩形 1"/>
             <p:cNvSpPr/>
-            <p:nvPr/>
+            <p:nvPr>
+              <p:custDataLst>
+                <p:tags r:id="rId5"/>
+              </p:custDataLst>
+            </p:nvPr>
           </p:nvSpPr>
           <p:spPr>
             <a:xfrm>
@@ -12581,20 +12413,23 @@
                 </a:rPr>
                 <a:t>2</a:t>
               </a:r>
+              <a:endParaRPr lang="en-US" altLang="zh-CN" sz="3600" dirty="0">
+                <a:latin typeface="+mj-lt"/>
+                <a:ea typeface="Arial Unicode MS" panose="020B0604020202020204" pitchFamily="34" charset="-122"/>
+                <a:cs typeface="Arial Unicode MS" panose="020B0604020202020204" pitchFamily="34" charset="-122"/>
+              </a:endParaRPr>
             </a:p>
           </p:txBody>
         </p:sp>
         <p:sp>
           <p:nvSpPr>
-            <p:cNvPr id="4" name="圆角矩形 3">
-              <a:extLst>
-                <a:ext uri="{FF2B5EF4-FFF2-40B4-BE49-F238E27FC236}">
-                  <a16:creationId xmlns:a16="http://schemas.microsoft.com/office/drawing/2014/main" id="{4D6343A4-0101-9241-F704-9E7295DA56F9}"/>
-                </a:ext>
-              </a:extLst>
-            </p:cNvPr>
+            <p:cNvPr id="4" name="圆角矩形 3"/>
             <p:cNvSpPr/>
-            <p:nvPr/>
+            <p:nvPr>
+              <p:custDataLst>
+                <p:tags r:id="rId6"/>
+              </p:custDataLst>
+            </p:nvPr>
           </p:nvSpPr>
           <p:spPr>
             <a:xfrm>
@@ -12651,15 +12486,13 @@
         </p:sp>
         <p:sp>
           <p:nvSpPr>
-            <p:cNvPr id="5" name="矩形 4">
-              <a:extLst>
-                <a:ext uri="{FF2B5EF4-FFF2-40B4-BE49-F238E27FC236}">
-                  <a16:creationId xmlns:a16="http://schemas.microsoft.com/office/drawing/2014/main" id="{7AA0EFC9-7684-89F6-F14D-7C4816E87691}"/>
-                </a:ext>
-              </a:extLst>
-            </p:cNvPr>
+            <p:cNvPr id="5" name="矩形 4"/>
             <p:cNvSpPr/>
-            <p:nvPr/>
+            <p:nvPr>
+              <p:custDataLst>
+                <p:tags r:id="rId7"/>
+              </p:custDataLst>
+            </p:nvPr>
           </p:nvSpPr>
           <p:spPr>
             <a:xfrm>
@@ -12690,20 +12523,26 @@
                 </a:rPr>
                 <a:t>实现</a:t>
               </a:r>
+              <a:endParaRPr lang="zh-CN" altLang="en-US" sz="2000" b="1" kern="100" dirty="0">
+                <a:solidFill>
+                  <a:schemeClr val="bg1"/>
+                </a:solidFill>
+                <a:latin typeface="微软雅黑" panose="020B0503020204020204" pitchFamily="34" charset="-122"/>
+                <a:ea typeface="微软雅黑" panose="020B0503020204020204" pitchFamily="34" charset="-122"/>
+                <a:cs typeface="Times New Roman" panose="02020603050405020304" pitchFamily="18" charset="0"/>
+              </a:endParaRPr>
             </a:p>
           </p:txBody>
         </p:sp>
         <p:sp>
           <p:nvSpPr>
-            <p:cNvPr id="6" name="圆角矩形 5">
-              <a:extLst>
-                <a:ext uri="{FF2B5EF4-FFF2-40B4-BE49-F238E27FC236}">
-                  <a16:creationId xmlns:a16="http://schemas.microsoft.com/office/drawing/2014/main" id="{D36C8824-3A2D-A01B-9EF4-CB2C7263E0D8}"/>
-                </a:ext>
-              </a:extLst>
-            </p:cNvPr>
+            <p:cNvPr id="6" name="圆角矩形 5"/>
             <p:cNvSpPr/>
-            <p:nvPr/>
+            <p:nvPr>
+              <p:custDataLst>
+                <p:tags r:id="rId8"/>
+              </p:custDataLst>
+            </p:nvPr>
           </p:nvSpPr>
           <p:spPr>
             <a:xfrm>
@@ -12758,20 +12597,23 @@
                 </a:rPr>
                 <a:t>2.1</a:t>
               </a:r>
+              <a:endParaRPr lang="en-US" altLang="zh-CN" sz="3600" dirty="0">
+                <a:latin typeface="+mj-lt"/>
+                <a:ea typeface="Arial Unicode MS" panose="020B0604020202020204" pitchFamily="34" charset="-122"/>
+                <a:cs typeface="Arial Unicode MS" panose="020B0604020202020204" pitchFamily="34" charset="-122"/>
+              </a:endParaRPr>
             </a:p>
           </p:txBody>
         </p:sp>
         <p:sp>
           <p:nvSpPr>
-            <p:cNvPr id="8" name="圆角矩形 7">
-              <a:extLst>
-                <a:ext uri="{FF2B5EF4-FFF2-40B4-BE49-F238E27FC236}">
-                  <a16:creationId xmlns:a16="http://schemas.microsoft.com/office/drawing/2014/main" id="{A2EE1D81-C413-135A-40BB-EC3E0D3FC335}"/>
-                </a:ext>
-              </a:extLst>
-            </p:cNvPr>
+            <p:cNvPr id="8" name="圆角矩形 7"/>
             <p:cNvSpPr/>
-            <p:nvPr/>
+            <p:nvPr>
+              <p:custDataLst>
+                <p:tags r:id="rId9"/>
+              </p:custDataLst>
+            </p:nvPr>
           </p:nvSpPr>
           <p:spPr>
             <a:xfrm>
@@ -12894,17 +12736,11 @@
         </p:sp>
         <p:sp>
           <p:nvSpPr>
-            <p:cNvPr id="19" name="圆角矩形 18">
-              <a:extLst>
-                <a:ext uri="{FF2B5EF4-FFF2-40B4-BE49-F238E27FC236}">
-                  <a16:creationId xmlns:a16="http://schemas.microsoft.com/office/drawing/2014/main" id="{E5CF7651-E7FD-50A3-B89C-918672643BC1}"/>
-                </a:ext>
-              </a:extLst>
-            </p:cNvPr>
+            <p:cNvPr id="19" name="圆角矩形 18"/>
             <p:cNvSpPr/>
             <p:nvPr>
               <p:custDataLst>
-                <p:tags r:id="rId3"/>
+                <p:tags r:id="rId10"/>
               </p:custDataLst>
             </p:nvPr>
           </p:nvSpPr>
@@ -12974,17 +12810,11 @@
         </p:sp>
         <p:sp>
           <p:nvSpPr>
-            <p:cNvPr id="20" name="圆角矩形 19">
-              <a:extLst>
-                <a:ext uri="{FF2B5EF4-FFF2-40B4-BE49-F238E27FC236}">
-                  <a16:creationId xmlns:a16="http://schemas.microsoft.com/office/drawing/2014/main" id="{A1105A09-4703-0AAA-12E9-F8C902C4E7DE}"/>
-                </a:ext>
-              </a:extLst>
-            </p:cNvPr>
+            <p:cNvPr id="20" name="圆角矩形 19"/>
             <p:cNvSpPr/>
             <p:nvPr>
               <p:custDataLst>
-                <p:tags r:id="rId4"/>
+                <p:tags r:id="rId11"/>
               </p:custDataLst>
             </p:nvPr>
           </p:nvSpPr>
@@ -13041,21 +12871,24 @@
                 </a:rPr>
                 <a:t>2.2</a:t>
               </a:r>
+              <a:endParaRPr lang="en-US" altLang="zh-CN" sz="3600" dirty="0">
+                <a:latin typeface="+mj-lt"/>
+                <a:ea typeface="Arial Unicode MS" panose="020B0604020202020204" pitchFamily="34" charset="-122"/>
+                <a:cs typeface="Arial Unicode MS" panose="020B0604020202020204" pitchFamily="34" charset="-122"/>
+              </a:endParaRPr>
             </a:p>
           </p:txBody>
         </p:sp>
       </p:grpSp>
       <p:grpSp>
         <p:nvGrpSpPr>
-          <p:cNvPr id="3" name="组合 2">
-            <a:extLst>
-              <a:ext uri="{FF2B5EF4-FFF2-40B4-BE49-F238E27FC236}">
-                <a16:creationId xmlns:a16="http://schemas.microsoft.com/office/drawing/2014/main" id="{316F38B4-3588-E7E1-190E-B65479C041B8}"/>
-              </a:ext>
-            </a:extLst>
-          </p:cNvPr>
+          <p:cNvPr id="3" name="组合 2"/>
           <p:cNvGrpSpPr/>
-          <p:nvPr/>
+          <p:nvPr>
+            <p:custDataLst>
+              <p:tags r:id="rId12"/>
+            </p:custDataLst>
+          </p:nvPr>
         </p:nvGrpSpPr>
         <p:grpSpPr>
           <a:xfrm>
@@ -13067,15 +12900,13 @@
         </p:grpSpPr>
         <p:sp>
           <p:nvSpPr>
-            <p:cNvPr id="7" name="圆角矩形 1">
-              <a:extLst>
-                <a:ext uri="{FF2B5EF4-FFF2-40B4-BE49-F238E27FC236}">
-                  <a16:creationId xmlns:a16="http://schemas.microsoft.com/office/drawing/2014/main" id="{C9B8F5E7-AC2A-1074-40B1-5A2792357635}"/>
-                </a:ext>
-              </a:extLst>
-            </p:cNvPr>
+            <p:cNvPr id="7" name="圆角矩形 1"/>
             <p:cNvSpPr/>
-            <p:nvPr/>
+            <p:nvPr>
+              <p:custDataLst>
+                <p:tags r:id="rId13"/>
+              </p:custDataLst>
+            </p:nvPr>
           </p:nvSpPr>
           <p:spPr>
             <a:xfrm>
@@ -13130,20 +12961,23 @@
                 </a:rPr>
                 <a:t>3</a:t>
               </a:r>
+              <a:endParaRPr lang="en-US" altLang="zh-CN" sz="3600" dirty="0">
+                <a:latin typeface="+mj-lt"/>
+                <a:ea typeface="Arial Unicode MS" panose="020B0604020202020204" pitchFamily="34" charset="-122"/>
+                <a:cs typeface="Arial Unicode MS" panose="020B0604020202020204" pitchFamily="34" charset="-122"/>
+              </a:endParaRPr>
             </a:p>
           </p:txBody>
         </p:sp>
         <p:sp>
           <p:nvSpPr>
-            <p:cNvPr id="9" name="圆角矩形 3">
-              <a:extLst>
-                <a:ext uri="{FF2B5EF4-FFF2-40B4-BE49-F238E27FC236}">
-                  <a16:creationId xmlns:a16="http://schemas.microsoft.com/office/drawing/2014/main" id="{4892DD1B-7172-71B9-9BBB-147EAA9CA061}"/>
-                </a:ext>
-              </a:extLst>
-            </p:cNvPr>
+            <p:cNvPr id="9" name="圆角矩形 3"/>
             <p:cNvSpPr/>
-            <p:nvPr/>
+            <p:nvPr>
+              <p:custDataLst>
+                <p:tags r:id="rId14"/>
+              </p:custDataLst>
+            </p:nvPr>
           </p:nvSpPr>
           <p:spPr>
             <a:xfrm>
@@ -13200,15 +13034,13 @@
         </p:sp>
         <p:sp>
           <p:nvSpPr>
-            <p:cNvPr id="10" name="矩形 9">
-              <a:extLst>
-                <a:ext uri="{FF2B5EF4-FFF2-40B4-BE49-F238E27FC236}">
-                  <a16:creationId xmlns:a16="http://schemas.microsoft.com/office/drawing/2014/main" id="{03B0F255-FD95-292D-BBA6-BA76E50F5323}"/>
-                </a:ext>
-              </a:extLst>
-            </p:cNvPr>
+            <p:cNvPr id="10" name="矩形 9"/>
             <p:cNvSpPr/>
-            <p:nvPr/>
+            <p:nvPr>
+              <p:custDataLst>
+                <p:tags r:id="rId15"/>
+              </p:custDataLst>
+            </p:nvPr>
           </p:nvSpPr>
           <p:spPr>
             <a:xfrm>
@@ -13237,22 +13069,28 @@
                   <a:ea typeface="微软雅黑" panose="020B0503020204020204" pitchFamily="34" charset="-122"/>
                   <a:cs typeface="Times New Roman" panose="02020603050405020304" pitchFamily="18" charset="0"/>
                 </a:rPr>
-                <a:t>其它细节问题</a:t>
+                <a:t>其它</a:t>
               </a:r>
+              <a:endParaRPr lang="zh-CN" altLang="en-US" sz="2000" b="1" kern="100" dirty="0">
+                <a:solidFill>
+                  <a:schemeClr val="bg1"/>
+                </a:solidFill>
+                <a:latin typeface="微软雅黑" panose="020B0503020204020204" pitchFamily="34" charset="-122"/>
+                <a:ea typeface="微软雅黑" panose="020B0503020204020204" pitchFamily="34" charset="-122"/>
+                <a:cs typeface="Times New Roman" panose="02020603050405020304" pitchFamily="18" charset="0"/>
+              </a:endParaRPr>
             </a:p>
           </p:txBody>
         </p:sp>
         <p:sp>
           <p:nvSpPr>
-            <p:cNvPr id="11" name="圆角矩形 5">
-              <a:extLst>
-                <a:ext uri="{FF2B5EF4-FFF2-40B4-BE49-F238E27FC236}">
-                  <a16:creationId xmlns:a16="http://schemas.microsoft.com/office/drawing/2014/main" id="{2E411657-1EF1-A00D-E860-EF501C2C2E56}"/>
-                </a:ext>
-              </a:extLst>
-            </p:cNvPr>
+            <p:cNvPr id="11" name="圆角矩形 5"/>
             <p:cNvSpPr/>
-            <p:nvPr/>
+            <p:nvPr>
+              <p:custDataLst>
+                <p:tags r:id="rId16"/>
+              </p:custDataLst>
+            </p:nvPr>
           </p:nvSpPr>
           <p:spPr>
             <a:xfrm>
@@ -13307,20 +13145,23 @@
                 </a:rPr>
                 <a:t>3.1</a:t>
               </a:r>
+              <a:endParaRPr lang="en-US" altLang="zh-CN" sz="3600" dirty="0">
+                <a:latin typeface="+mj-lt"/>
+                <a:ea typeface="Arial Unicode MS" panose="020B0604020202020204" pitchFamily="34" charset="-122"/>
+                <a:cs typeface="Arial Unicode MS" panose="020B0604020202020204" pitchFamily="34" charset="-122"/>
+              </a:endParaRPr>
             </a:p>
           </p:txBody>
         </p:sp>
         <p:sp>
           <p:nvSpPr>
-            <p:cNvPr id="12" name="圆角矩形 7">
-              <a:extLst>
-                <a:ext uri="{FF2B5EF4-FFF2-40B4-BE49-F238E27FC236}">
-                  <a16:creationId xmlns:a16="http://schemas.microsoft.com/office/drawing/2014/main" id="{26CF5FD7-24D3-000F-3AD3-0C57B8166C36}"/>
-                </a:ext>
-              </a:extLst>
-            </p:cNvPr>
+            <p:cNvPr id="12" name="圆角矩形 7"/>
             <p:cNvSpPr/>
-            <p:nvPr/>
+            <p:nvPr>
+              <p:custDataLst>
+                <p:tags r:id="rId17"/>
+              </p:custDataLst>
+            </p:nvPr>
           </p:nvSpPr>
           <p:spPr>
             <a:xfrm>
@@ -13399,17 +13240,11 @@
         </p:sp>
         <p:sp>
           <p:nvSpPr>
-            <p:cNvPr id="15" name="圆角矩形 18">
-              <a:extLst>
-                <a:ext uri="{FF2B5EF4-FFF2-40B4-BE49-F238E27FC236}">
-                  <a16:creationId xmlns:a16="http://schemas.microsoft.com/office/drawing/2014/main" id="{65F3E5E2-F379-C584-EBBB-B4DDFD084775}"/>
-                </a:ext>
-              </a:extLst>
-            </p:cNvPr>
+            <p:cNvPr id="15" name="圆角矩形 18"/>
             <p:cNvSpPr/>
             <p:nvPr>
               <p:custDataLst>
-                <p:tags r:id="rId1"/>
+                <p:tags r:id="rId18"/>
               </p:custDataLst>
             </p:nvPr>
           </p:nvSpPr>
@@ -13479,17 +13314,11 @@
         </p:sp>
         <p:sp>
           <p:nvSpPr>
-            <p:cNvPr id="18" name="圆角矩形 19">
-              <a:extLst>
-                <a:ext uri="{FF2B5EF4-FFF2-40B4-BE49-F238E27FC236}">
-                  <a16:creationId xmlns:a16="http://schemas.microsoft.com/office/drawing/2014/main" id="{07E44F7A-C1CE-A6AF-CE17-9DD2DBFB032F}"/>
-                </a:ext>
-              </a:extLst>
-            </p:cNvPr>
+            <p:cNvPr id="18" name="圆角矩形 19"/>
             <p:cNvSpPr/>
             <p:nvPr>
               <p:custDataLst>
-                <p:tags r:id="rId2"/>
+                <p:tags r:id="rId19"/>
               </p:custDataLst>
             </p:nvPr>
           </p:nvSpPr>
@@ -13546,16 +13375,16 @@
                 </a:rPr>
                 <a:t>3.2</a:t>
               </a:r>
+              <a:endParaRPr lang="en-US" altLang="zh-CN" sz="3600" dirty="0">
+                <a:latin typeface="+mj-lt"/>
+                <a:ea typeface="Arial Unicode MS" panose="020B0604020202020204" pitchFamily="34" charset="-122"/>
+                <a:cs typeface="Arial Unicode MS" panose="020B0604020202020204" pitchFamily="34" charset="-122"/>
+              </a:endParaRPr>
             </a:p>
           </p:txBody>
         </p:sp>
       </p:grpSp>
     </p:spTree>
-    <p:extLst>
-      <p:ext uri="{BB962C8B-B14F-4D97-AF65-F5344CB8AC3E}">
-        <p14:creationId xmlns:p14="http://schemas.microsoft.com/office/powerpoint/2010/main" val="4177784389"/>
-      </p:ext>
-    </p:extLst>
   </p:cSld>
   <p:clrMapOvr>
     <a:masterClrMapping/>
@@ -13569,13 +13398,7 @@
   <p:cSld>
     <p:spTree>
       <p:nvGrpSpPr>
-        <p:cNvPr id="1" name="">
-          <a:extLst>
-            <a:ext uri="{FF2B5EF4-FFF2-40B4-BE49-F238E27FC236}">
-              <a16:creationId xmlns:a16="http://schemas.microsoft.com/office/drawing/2014/main" id="{A9E7E2D1-AA3C-86C3-8C99-E169668A05D9}"/>
-            </a:ext>
-          </a:extLst>
-        </p:cNvPr>
+        <p:cNvPr id="1" name=""/>
         <p:cNvGrpSpPr/>
         <p:nvPr/>
       </p:nvGrpSpPr>
@@ -13589,13 +13412,7 @@
       </p:grpSpPr>
       <p:sp>
         <p:nvSpPr>
-          <p:cNvPr id="18" name="文本框 2">
-            <a:extLst>
-              <a:ext uri="{FF2B5EF4-FFF2-40B4-BE49-F238E27FC236}">
-                <a16:creationId xmlns:a16="http://schemas.microsoft.com/office/drawing/2014/main" id="{79C5B311-6D51-2FE8-7CC7-10D9BA803130}"/>
-              </a:ext>
-            </a:extLst>
-          </p:cNvPr>
+          <p:cNvPr id="18" name="文本框 2"/>
           <p:cNvSpPr txBox="1"/>
           <p:nvPr/>
         </p:nvSpPr>
@@ -13654,18 +13471,22 @@
               </a:rPr>
               <a:t>支持</a:t>
             </a:r>
+            <a:endParaRPr lang="zh-CN" altLang="en-US" sz="2800" b="1" dirty="0">
+              <a:solidFill>
+                <a:schemeClr val="tx2">
+                  <a:lumMod val="60000"/>
+                  <a:lumOff val="40000"/>
+                </a:schemeClr>
+              </a:solidFill>
+              <a:latin typeface="微软雅黑" panose="020B0503020204020204" pitchFamily="34" charset="-122"/>
+              <a:ea typeface="微软雅黑" panose="020B0503020204020204" pitchFamily="34" charset="-122"/>
+            </a:endParaRPr>
           </a:p>
         </p:txBody>
       </p:sp>
       <p:sp>
         <p:nvSpPr>
-          <p:cNvPr id="2" name="文本框 1">
-            <a:extLst>
-              <a:ext uri="{FF2B5EF4-FFF2-40B4-BE49-F238E27FC236}">
-                <a16:creationId xmlns:a16="http://schemas.microsoft.com/office/drawing/2014/main" id="{5C29A96C-98A9-1C43-0AB4-B2E9D57E14DE}"/>
-              </a:ext>
-            </a:extLst>
-          </p:cNvPr>
+          <p:cNvPr id="2" name="文本框 1"/>
           <p:cNvSpPr txBox="1"/>
           <p:nvPr>
             <p:custDataLst>
@@ -13716,20 +13537,14 @@
       </p:sp>
       <p:pic>
         <p:nvPicPr>
-          <p:cNvPr id="10" name="图片 9">
-            <a:extLst>
-              <a:ext uri="{FF2B5EF4-FFF2-40B4-BE49-F238E27FC236}">
-                <a16:creationId xmlns:a16="http://schemas.microsoft.com/office/drawing/2014/main" id="{0BE9AD2F-E151-C4C6-FDC5-EF92E450F53F}"/>
-              </a:ext>
-            </a:extLst>
-          </p:cNvPr>
+          <p:cNvPr id="10" name="图片 9"/>
           <p:cNvPicPr>
             <a:picLocks noChangeAspect="1"/>
           </p:cNvPicPr>
           <p:nvPr/>
         </p:nvPicPr>
         <p:blipFill>
-          <a:blip r:embed="rId5"/>
+          <a:blip r:embed="rId2"/>
           <a:stretch>
             <a:fillRect/>
           </a:stretch>
@@ -13746,20 +13561,14 @@
       </p:pic>
       <p:pic>
         <p:nvPicPr>
-          <p:cNvPr id="12" name="图片 11">
-            <a:extLst>
-              <a:ext uri="{FF2B5EF4-FFF2-40B4-BE49-F238E27FC236}">
-                <a16:creationId xmlns:a16="http://schemas.microsoft.com/office/drawing/2014/main" id="{75A3259A-AC03-2EC3-5B0A-403C25FC11F3}"/>
-              </a:ext>
-            </a:extLst>
-          </p:cNvPr>
+          <p:cNvPr id="12" name="图片 11"/>
           <p:cNvPicPr>
             <a:picLocks noChangeAspect="1"/>
           </p:cNvPicPr>
           <p:nvPr/>
         </p:nvPicPr>
         <p:blipFill>
-          <a:blip r:embed="rId6"/>
+          <a:blip r:embed="rId3"/>
           <a:stretch>
             <a:fillRect/>
           </a:stretch>
@@ -13776,20 +13585,14 @@
       </p:pic>
       <p:pic>
         <p:nvPicPr>
-          <p:cNvPr id="14" name="图片 13">
-            <a:extLst>
-              <a:ext uri="{FF2B5EF4-FFF2-40B4-BE49-F238E27FC236}">
-                <a16:creationId xmlns:a16="http://schemas.microsoft.com/office/drawing/2014/main" id="{7BDA4034-23A1-4798-CE2B-54D9750F96DC}"/>
-              </a:ext>
-            </a:extLst>
-          </p:cNvPr>
+          <p:cNvPr id="14" name="图片 13"/>
           <p:cNvPicPr>
             <a:picLocks noChangeAspect="1"/>
           </p:cNvPicPr>
           <p:nvPr/>
         </p:nvPicPr>
         <p:blipFill>
-          <a:blip r:embed="rId7"/>
+          <a:blip r:embed="rId4"/>
           <a:stretch>
             <a:fillRect/>
           </a:stretch>
@@ -13806,20 +13609,14 @@
       </p:pic>
       <p:pic>
         <p:nvPicPr>
-          <p:cNvPr id="16" name="图片 15">
-            <a:extLst>
-              <a:ext uri="{FF2B5EF4-FFF2-40B4-BE49-F238E27FC236}">
-                <a16:creationId xmlns:a16="http://schemas.microsoft.com/office/drawing/2014/main" id="{0F2D1D14-E95C-A7EB-84DF-DCDFFF941C8D}"/>
-              </a:ext>
-            </a:extLst>
-          </p:cNvPr>
+          <p:cNvPr id="16" name="图片 15"/>
           <p:cNvPicPr>
             <a:picLocks noChangeAspect="1"/>
           </p:cNvPicPr>
           <p:nvPr/>
         </p:nvPicPr>
         <p:blipFill>
-          <a:blip r:embed="rId8"/>
+          <a:blip r:embed="rId5"/>
           <a:stretch>
             <a:fillRect/>
           </a:stretch>
@@ -13836,17 +13633,11 @@
       </p:pic>
       <p:sp>
         <p:nvSpPr>
-          <p:cNvPr id="17" name="文本框 16">
-            <a:extLst>
-              <a:ext uri="{FF2B5EF4-FFF2-40B4-BE49-F238E27FC236}">
-                <a16:creationId xmlns:a16="http://schemas.microsoft.com/office/drawing/2014/main" id="{AEDA78F5-C84B-6B02-5CC9-EA6602CF5AC4}"/>
-              </a:ext>
-            </a:extLst>
-          </p:cNvPr>
+          <p:cNvPr id="17" name="文本框 16"/>
           <p:cNvSpPr txBox="1"/>
           <p:nvPr>
             <p:custDataLst>
-              <p:tags r:id="rId2"/>
+              <p:tags r:id="rId6"/>
             </p:custDataLst>
           </p:nvPr>
         </p:nvSpPr>
@@ -13893,13 +13684,7 @@
       </p:sp>
       <p:grpSp>
         <p:nvGrpSpPr>
-          <p:cNvPr id="21" name="组合 20">
-            <a:extLst>
-              <a:ext uri="{FF2B5EF4-FFF2-40B4-BE49-F238E27FC236}">
-                <a16:creationId xmlns:a16="http://schemas.microsoft.com/office/drawing/2014/main" id="{56A07167-6AC1-6759-1CD2-E29F49241BF3}"/>
-              </a:ext>
-            </a:extLst>
-          </p:cNvPr>
+          <p:cNvPr id="21" name="组合 20"/>
           <p:cNvGrpSpPr/>
           <p:nvPr/>
         </p:nvGrpSpPr>
@@ -13913,20 +13698,14 @@
         </p:grpSpPr>
         <p:pic>
           <p:nvPicPr>
-            <p:cNvPr id="7" name="图片 6">
-              <a:extLst>
-                <a:ext uri="{FF2B5EF4-FFF2-40B4-BE49-F238E27FC236}">
-                  <a16:creationId xmlns:a16="http://schemas.microsoft.com/office/drawing/2014/main" id="{4EB0D93D-23B2-9340-8358-E7C1837FA8D1}"/>
-                </a:ext>
-              </a:extLst>
-            </p:cNvPr>
+            <p:cNvPr id="7" name="图片 6"/>
             <p:cNvPicPr>
               <a:picLocks noChangeAspect="1"/>
             </p:cNvPicPr>
             <p:nvPr/>
           </p:nvPicPr>
           <p:blipFill>
-            <a:blip r:embed="rId9"/>
+            <a:blip r:embed="rId7"/>
             <a:stretch>
               <a:fillRect/>
             </a:stretch>
@@ -13943,20 +13722,14 @@
         </p:pic>
         <p:pic>
           <p:nvPicPr>
-            <p:cNvPr id="20" name="图片 19">
-              <a:extLst>
-                <a:ext uri="{FF2B5EF4-FFF2-40B4-BE49-F238E27FC236}">
-                  <a16:creationId xmlns:a16="http://schemas.microsoft.com/office/drawing/2014/main" id="{1C3AF844-0E1E-C894-35D9-131F6C7664B0}"/>
-                </a:ext>
-              </a:extLst>
-            </p:cNvPr>
+            <p:cNvPr id="20" name="图片 19"/>
             <p:cNvPicPr>
               <a:picLocks noChangeAspect="1"/>
             </p:cNvPicPr>
             <p:nvPr/>
           </p:nvPicPr>
           <p:blipFill>
-            <a:blip r:embed="rId10"/>
+            <a:blip r:embed="rId8"/>
             <a:stretch>
               <a:fillRect/>
             </a:stretch>
@@ -13973,11 +13746,6 @@
         </p:pic>
       </p:grpSp>
     </p:spTree>
-    <p:extLst>
-      <p:ext uri="{BB962C8B-B14F-4D97-AF65-F5344CB8AC3E}">
-        <p14:creationId xmlns:p14="http://schemas.microsoft.com/office/powerpoint/2010/main" val="1445630612"/>
-      </p:ext>
-    </p:extLst>
   </p:cSld>
   <p:clrMapOvr>
     <a:masterClrMapping/>
@@ -13991,13 +13759,7 @@
   <p:cSld>
     <p:spTree>
       <p:nvGrpSpPr>
-        <p:cNvPr id="1" name="">
-          <a:extLst>
-            <a:ext uri="{FF2B5EF4-FFF2-40B4-BE49-F238E27FC236}">
-              <a16:creationId xmlns:a16="http://schemas.microsoft.com/office/drawing/2014/main" id="{5D830995-B879-F2D9-6D14-DEDF12A42715}"/>
-            </a:ext>
-          </a:extLst>
-        </p:cNvPr>
+        <p:cNvPr id="1" name=""/>
         <p:cNvGrpSpPr/>
         <p:nvPr/>
       </p:nvGrpSpPr>
@@ -14011,13 +13773,7 @@
       </p:grpSpPr>
       <p:sp>
         <p:nvSpPr>
-          <p:cNvPr id="18" name="文本框 2">
-            <a:extLst>
-              <a:ext uri="{FF2B5EF4-FFF2-40B4-BE49-F238E27FC236}">
-                <a16:creationId xmlns:a16="http://schemas.microsoft.com/office/drawing/2014/main" id="{39B245DD-37F7-7D92-0091-B598961212EF}"/>
-              </a:ext>
-            </a:extLst>
-          </p:cNvPr>
+          <p:cNvPr id="18" name="文本框 2"/>
           <p:cNvSpPr txBox="1"/>
           <p:nvPr/>
         </p:nvSpPr>
@@ -14076,18 +13832,22 @@
               </a:rPr>
               <a:t>支持</a:t>
             </a:r>
+            <a:endParaRPr lang="zh-CN" altLang="en-US" sz="2800" b="1" dirty="0">
+              <a:solidFill>
+                <a:schemeClr val="tx2">
+                  <a:lumMod val="60000"/>
+                  <a:lumOff val="40000"/>
+                </a:schemeClr>
+              </a:solidFill>
+              <a:latin typeface="微软雅黑" panose="020B0503020204020204" pitchFamily="34" charset="-122"/>
+              <a:ea typeface="微软雅黑" panose="020B0503020204020204" pitchFamily="34" charset="-122"/>
+            </a:endParaRPr>
           </a:p>
         </p:txBody>
       </p:sp>
       <p:sp>
         <p:nvSpPr>
-          <p:cNvPr id="2" name="文本框 1">
-            <a:extLst>
-              <a:ext uri="{FF2B5EF4-FFF2-40B4-BE49-F238E27FC236}">
-                <a16:creationId xmlns:a16="http://schemas.microsoft.com/office/drawing/2014/main" id="{8BDF13C6-2FFB-9C72-B9AA-16F8BE77FA6B}"/>
-              </a:ext>
-            </a:extLst>
-          </p:cNvPr>
+          <p:cNvPr id="2" name="文本框 1"/>
           <p:cNvSpPr txBox="1"/>
           <p:nvPr>
             <p:custDataLst>
@@ -14169,20 +13929,14 @@
       </p:sp>
       <p:pic>
         <p:nvPicPr>
-          <p:cNvPr id="6" name="图片 5">
-            <a:extLst>
-              <a:ext uri="{FF2B5EF4-FFF2-40B4-BE49-F238E27FC236}">
-                <a16:creationId xmlns:a16="http://schemas.microsoft.com/office/drawing/2014/main" id="{6BF14C5E-0A71-FE0B-A4FD-9F5E7D12BA57}"/>
-              </a:ext>
-            </a:extLst>
-          </p:cNvPr>
+          <p:cNvPr id="6" name="图片 5"/>
           <p:cNvPicPr>
             <a:picLocks noChangeAspect="1"/>
           </p:cNvPicPr>
           <p:nvPr/>
         </p:nvPicPr>
         <p:blipFill>
-          <a:blip r:embed="rId4"/>
+          <a:blip r:embed="rId2"/>
           <a:stretch>
             <a:fillRect/>
           </a:stretch>
@@ -14199,20 +13953,14 @@
       </p:pic>
       <p:pic>
         <p:nvPicPr>
-          <p:cNvPr id="9" name="图片 8">
-            <a:extLst>
-              <a:ext uri="{FF2B5EF4-FFF2-40B4-BE49-F238E27FC236}">
-                <a16:creationId xmlns:a16="http://schemas.microsoft.com/office/drawing/2014/main" id="{3DB7C39D-3B9B-3190-A838-793FDACC41E9}"/>
-              </a:ext>
-            </a:extLst>
-          </p:cNvPr>
+          <p:cNvPr id="9" name="图片 8"/>
           <p:cNvPicPr>
             <a:picLocks noChangeAspect="1"/>
           </p:cNvPicPr>
           <p:nvPr/>
         </p:nvPicPr>
         <p:blipFill>
-          <a:blip r:embed="rId5"/>
+          <a:blip r:embed="rId3"/>
           <a:stretch>
             <a:fillRect/>
           </a:stretch>
@@ -14229,20 +13977,14 @@
       </p:pic>
       <p:pic>
         <p:nvPicPr>
-          <p:cNvPr id="19" name="图片 18">
-            <a:extLst>
-              <a:ext uri="{FF2B5EF4-FFF2-40B4-BE49-F238E27FC236}">
-                <a16:creationId xmlns:a16="http://schemas.microsoft.com/office/drawing/2014/main" id="{72420524-AB3F-84FE-9D49-BBAE29905D84}"/>
-              </a:ext>
-            </a:extLst>
-          </p:cNvPr>
+          <p:cNvPr id="19" name="图片 18"/>
           <p:cNvPicPr>
             <a:picLocks noChangeAspect="1"/>
           </p:cNvPicPr>
           <p:nvPr/>
         </p:nvPicPr>
         <p:blipFill>
-          <a:blip r:embed="rId6"/>
+          <a:blip r:embed="rId4"/>
           <a:stretch>
             <a:fillRect/>
           </a:stretch>
@@ -14259,20 +14001,14 @@
       </p:pic>
       <p:pic>
         <p:nvPicPr>
-          <p:cNvPr id="23" name="图片 22">
-            <a:extLst>
-              <a:ext uri="{FF2B5EF4-FFF2-40B4-BE49-F238E27FC236}">
-                <a16:creationId xmlns:a16="http://schemas.microsoft.com/office/drawing/2014/main" id="{1B26B429-7CD0-E2AB-E21F-8F27894AF403}"/>
-              </a:ext>
-            </a:extLst>
-          </p:cNvPr>
+          <p:cNvPr id="23" name="图片 22"/>
           <p:cNvPicPr>
             <a:picLocks noChangeAspect="1"/>
           </p:cNvPicPr>
           <p:nvPr/>
         </p:nvPicPr>
         <p:blipFill>
-          <a:blip r:embed="rId7"/>
+          <a:blip r:embed="rId5"/>
           <a:stretch>
             <a:fillRect/>
           </a:stretch>
@@ -14289,20 +14025,14 @@
       </p:pic>
       <p:pic>
         <p:nvPicPr>
-          <p:cNvPr id="25" name="图片 24">
-            <a:extLst>
-              <a:ext uri="{FF2B5EF4-FFF2-40B4-BE49-F238E27FC236}">
-                <a16:creationId xmlns:a16="http://schemas.microsoft.com/office/drawing/2014/main" id="{12399C76-B1CC-FDC9-066F-58118689BA68}"/>
-              </a:ext>
-            </a:extLst>
-          </p:cNvPr>
+          <p:cNvPr id="25" name="图片 24"/>
           <p:cNvPicPr>
             <a:picLocks noChangeAspect="1"/>
           </p:cNvPicPr>
           <p:nvPr/>
         </p:nvPicPr>
         <p:blipFill>
-          <a:blip r:embed="rId8"/>
+          <a:blip r:embed="rId6"/>
           <a:stretch>
             <a:fillRect/>
           </a:stretch>
@@ -14318,11 +14048,6 @@
         </p:spPr>
       </p:pic>
     </p:spTree>
-    <p:extLst>
-      <p:ext uri="{BB962C8B-B14F-4D97-AF65-F5344CB8AC3E}">
-        <p14:creationId xmlns:p14="http://schemas.microsoft.com/office/powerpoint/2010/main" val="3818070497"/>
-      </p:ext>
-    </p:extLst>
   </p:cSld>
   <p:clrMapOvr>
     <a:masterClrMapping/>
@@ -14336,13 +14061,7 @@
   <p:cSld>
     <p:spTree>
       <p:nvGrpSpPr>
-        <p:cNvPr id="1" name="">
-          <a:extLst>
-            <a:ext uri="{FF2B5EF4-FFF2-40B4-BE49-F238E27FC236}">
-              <a16:creationId xmlns:a16="http://schemas.microsoft.com/office/drawing/2014/main" id="{99308407-781D-E99A-40B2-40C7A715CCBE}"/>
-            </a:ext>
-          </a:extLst>
-        </p:cNvPr>
+        <p:cNvPr id="1" name=""/>
         <p:cNvGrpSpPr/>
         <p:nvPr/>
       </p:nvGrpSpPr>
@@ -14356,13 +14075,7 @@
       </p:grpSpPr>
       <p:sp>
         <p:nvSpPr>
-          <p:cNvPr id="18" name="文本框 2">
-            <a:extLst>
-              <a:ext uri="{FF2B5EF4-FFF2-40B4-BE49-F238E27FC236}">
-                <a16:creationId xmlns:a16="http://schemas.microsoft.com/office/drawing/2014/main" id="{71045671-184C-866A-5DB9-66AB3783E74D}"/>
-              </a:ext>
-            </a:extLst>
-          </p:cNvPr>
+          <p:cNvPr id="18" name="文本框 2"/>
           <p:cNvSpPr txBox="1"/>
           <p:nvPr/>
         </p:nvSpPr>
@@ -14421,18 +14134,22 @@
               </a:rPr>
               <a:t>支持</a:t>
             </a:r>
+            <a:endParaRPr lang="zh-CN" altLang="en-US" sz="2800" b="1" dirty="0">
+              <a:solidFill>
+                <a:schemeClr val="tx2">
+                  <a:lumMod val="60000"/>
+                  <a:lumOff val="40000"/>
+                </a:schemeClr>
+              </a:solidFill>
+              <a:latin typeface="微软雅黑" panose="020B0503020204020204" pitchFamily="34" charset="-122"/>
+              <a:ea typeface="微软雅黑" panose="020B0503020204020204" pitchFamily="34" charset="-122"/>
+            </a:endParaRPr>
           </a:p>
         </p:txBody>
       </p:sp>
       <p:sp>
         <p:nvSpPr>
-          <p:cNvPr id="7" name="文本框 6">
-            <a:extLst>
-              <a:ext uri="{FF2B5EF4-FFF2-40B4-BE49-F238E27FC236}">
-                <a16:creationId xmlns:a16="http://schemas.microsoft.com/office/drawing/2014/main" id="{826B08DC-E17B-A724-C03C-1A9150D30E3D}"/>
-              </a:ext>
-            </a:extLst>
-          </p:cNvPr>
+          <p:cNvPr id="7" name="文本框 6"/>
           <p:cNvSpPr txBox="1"/>
           <p:nvPr/>
         </p:nvSpPr>
@@ -14461,18 +14178,18 @@
               <a:t>保证支持</a:t>
             </a:r>
             <a:endParaRPr lang="en-US" altLang="zh-CN" dirty="0">
-              <a:hlinkClick r:id="rId3"/>
+              <a:hlinkClick r:id="rId1"/>
             </a:endParaRPr>
           </a:p>
           <a:p>
             <a:endParaRPr lang="en-US" altLang="zh-CN" dirty="0">
-              <a:hlinkClick r:id="rId3"/>
+              <a:hlinkClick r:id="rId1"/>
             </a:endParaRPr>
           </a:p>
           <a:p>
             <a:r>
               <a:rPr lang="en-US" altLang="zh-CN" dirty="0">
-                <a:hlinkClick r:id="rId3"/>
+                <a:hlinkClick r:id="rId1"/>
               </a:rPr>
               <a:t>https://en.wikipedia.org/wiki/Feature_levels_in_Direct3D#Direct3D_12</a:t>
             </a:r>
@@ -14480,42 +14197,56 @@
           </a:p>
         </p:txBody>
       </p:sp>
-      <p:pic>
-        <p:nvPicPr>
-          <p:cNvPr id="12" name="图片 11">
-            <a:extLst>
-              <a:ext uri="{FF2B5EF4-FFF2-40B4-BE49-F238E27FC236}">
-                <a16:creationId xmlns:a16="http://schemas.microsoft.com/office/drawing/2014/main" id="{8D019E61-A8A8-0932-DF17-3F21D698CC16}"/>
-              </a:ext>
-            </a:extLst>
-          </p:cNvPr>
-          <p:cNvPicPr>
-            <a:picLocks noChangeAspect="1"/>
-          </p:cNvPicPr>
+      <p:graphicFrame>
+        <p:nvGraphicFramePr>
+          <p:cNvPr id="2" name="对象 1"/>
+          <p:cNvGraphicFramePr/>
           <p:nvPr/>
-        </p:nvPicPr>
-        <p:blipFill>
-          <a:blip r:embed="rId4"/>
-          <a:stretch>
-            <a:fillRect/>
-          </a:stretch>
-        </p:blipFill>
-        <p:spPr>
-          <a:xfrm>
-            <a:off x="5091063" y="957637"/>
-            <a:ext cx="6792957" cy="5659689"/>
-          </a:xfrm>
-          <a:prstGeom prst="rect">
-            <a:avLst/>
-          </a:prstGeom>
-        </p:spPr>
-      </p:pic>
+        </p:nvGraphicFramePr>
+        <p:xfrm>
+          <a:off x="4730750" y="909320"/>
+          <a:ext cx="7407910" cy="4902835"/>
+        </p:xfrm>
+        <a:graphic>
+          <a:graphicData uri="http://schemas.openxmlformats.org/presentationml/2006/ole">
+            <mc:AlternateContent xmlns:mc="http://schemas.openxmlformats.org/markup-compatibility/2006">
+              <mc:Choice xmlns:v="urn:schemas-microsoft-com:vml" Requires="v">
+                <p:oleObj spid="_x0000_s3" name="" r:id="rId2" imgW="8930640" imgH="5539740" progId="Paint.Picture">
+                  <p:embed/>
+                </p:oleObj>
+              </mc:Choice>
+              <mc:Fallback>
+                <p:oleObj name="" r:id="rId2" imgW="8930640" imgH="5539740" progId="Paint.Picture">
+                  <p:embed/>
+                  <p:pic>
+                    <p:nvPicPr>
+                      <p:cNvPr id="0" name="图片 2"/>
+                      <p:cNvPicPr/>
+                      <p:nvPr/>
+                    </p:nvPicPr>
+                    <p:blipFill>
+                      <a:blip r:embed="rId3"/>
+                      <a:stretch>
+                        <a:fillRect/>
+                      </a:stretch>
+                    </p:blipFill>
+                    <p:spPr>
+                      <a:xfrm>
+                        <a:off x="4730750" y="909320"/>
+                        <a:ext cx="7407910" cy="4902835"/>
+                      </a:xfrm>
+                      <a:prstGeom prst="rect">
+                        <a:avLst/>
+                      </a:prstGeom>
+                    </p:spPr>
+                  </p:pic>
+                </p:oleObj>
+              </mc:Fallback>
+            </mc:AlternateContent>
+          </a:graphicData>
+        </a:graphic>
+      </p:graphicFrame>
     </p:spTree>
-    <p:extLst>
-      <p:ext uri="{BB962C8B-B14F-4D97-AF65-F5344CB8AC3E}">
-        <p14:creationId xmlns:p14="http://schemas.microsoft.com/office/powerpoint/2010/main" val="3339069746"/>
-      </p:ext>
-    </p:extLst>
   </p:cSld>
   <p:clrMapOvr>
     <a:masterClrMapping/>
@@ -14529,13 +14260,7 @@
   <p:cSld>
     <p:spTree>
       <p:nvGrpSpPr>
-        <p:cNvPr id="1" name="">
-          <a:extLst>
-            <a:ext uri="{FF2B5EF4-FFF2-40B4-BE49-F238E27FC236}">
-              <a16:creationId xmlns:a16="http://schemas.microsoft.com/office/drawing/2014/main" id="{396D22DA-2BEC-A198-F241-E276430E49DD}"/>
-            </a:ext>
-          </a:extLst>
-        </p:cNvPr>
+        <p:cNvPr id="1" name=""/>
         <p:cNvGrpSpPr/>
         <p:nvPr/>
       </p:nvGrpSpPr>
@@ -14549,13 +14274,7 @@
       </p:grpSpPr>
       <p:sp>
         <p:nvSpPr>
-          <p:cNvPr id="18" name="文本框 2">
-            <a:extLst>
-              <a:ext uri="{FF2B5EF4-FFF2-40B4-BE49-F238E27FC236}">
-                <a16:creationId xmlns:a16="http://schemas.microsoft.com/office/drawing/2014/main" id="{191B8DEE-2C39-7A8E-2007-8B6B1DBAF4E3}"/>
-              </a:ext>
-            </a:extLst>
-          </p:cNvPr>
+          <p:cNvPr id="18" name="文本框 2"/>
           <p:cNvSpPr txBox="1"/>
           <p:nvPr/>
         </p:nvSpPr>
@@ -14614,18 +14333,22 @@
               </a:rPr>
               <a:t>支持</a:t>
             </a:r>
+            <a:endParaRPr lang="zh-CN" altLang="en-US" sz="2800" b="1" dirty="0">
+              <a:solidFill>
+                <a:schemeClr val="tx2">
+                  <a:lumMod val="60000"/>
+                  <a:lumOff val="40000"/>
+                </a:schemeClr>
+              </a:solidFill>
+              <a:latin typeface="微软雅黑" panose="020B0503020204020204" pitchFamily="34" charset="-122"/>
+              <a:ea typeface="微软雅黑" panose="020B0503020204020204" pitchFamily="34" charset="-122"/>
+            </a:endParaRPr>
           </a:p>
         </p:txBody>
       </p:sp>
       <p:sp>
         <p:nvSpPr>
-          <p:cNvPr id="2" name="文本框 1">
-            <a:extLst>
-              <a:ext uri="{FF2B5EF4-FFF2-40B4-BE49-F238E27FC236}">
-                <a16:creationId xmlns:a16="http://schemas.microsoft.com/office/drawing/2014/main" id="{AE857364-63AA-D7BB-06A8-CE8297959D76}"/>
-              </a:ext>
-            </a:extLst>
-          </p:cNvPr>
+          <p:cNvPr id="2" name="文本框 1"/>
           <p:cNvSpPr txBox="1"/>
           <p:nvPr>
             <p:custDataLst>
@@ -14667,25 +14390,23 @@
               </a:rPr>
               <a:t>和管线其它部分的交互影响</a:t>
             </a:r>
+            <a:endParaRPr lang="zh-CN" altLang="en-US" sz="2000" dirty="0">
+              <a:latin typeface="+mn-ea"/>
+              <a:cs typeface="+mn-ea"/>
+            </a:endParaRPr>
           </a:p>
         </p:txBody>
       </p:sp>
       <p:pic>
         <p:nvPicPr>
-          <p:cNvPr id="4" name="图片 3">
-            <a:extLst>
-              <a:ext uri="{FF2B5EF4-FFF2-40B4-BE49-F238E27FC236}">
-                <a16:creationId xmlns:a16="http://schemas.microsoft.com/office/drawing/2014/main" id="{83CEB99A-D798-1D16-8A50-76A43910E630}"/>
-              </a:ext>
-            </a:extLst>
-          </p:cNvPr>
+          <p:cNvPr id="4" name="图片 3"/>
           <p:cNvPicPr>
             <a:picLocks noChangeAspect="1"/>
           </p:cNvPicPr>
           <p:nvPr/>
         </p:nvPicPr>
         <p:blipFill>
-          <a:blip r:embed="rId6"/>
+          <a:blip r:embed="rId2"/>
           <a:stretch>
             <a:fillRect/>
           </a:stretch>
@@ -14702,20 +14423,14 @@
       </p:pic>
       <p:pic>
         <p:nvPicPr>
-          <p:cNvPr id="7" name="图片 6">
-            <a:extLst>
-              <a:ext uri="{FF2B5EF4-FFF2-40B4-BE49-F238E27FC236}">
-                <a16:creationId xmlns:a16="http://schemas.microsoft.com/office/drawing/2014/main" id="{A6D44DD2-6C42-024E-292E-C1EBFA62096D}"/>
-              </a:ext>
-            </a:extLst>
-          </p:cNvPr>
+          <p:cNvPr id="7" name="图片 6"/>
           <p:cNvPicPr>
             <a:picLocks noChangeAspect="1"/>
           </p:cNvPicPr>
           <p:nvPr/>
         </p:nvPicPr>
         <p:blipFill>
-          <a:blip r:embed="rId7"/>
+          <a:blip r:embed="rId3"/>
           <a:stretch>
             <a:fillRect/>
           </a:stretch>
@@ -14732,17 +14447,11 @@
       </p:pic>
       <p:sp>
         <p:nvSpPr>
-          <p:cNvPr id="8" name="文本框 7">
-            <a:extLst>
-              <a:ext uri="{FF2B5EF4-FFF2-40B4-BE49-F238E27FC236}">
-                <a16:creationId xmlns:a16="http://schemas.microsoft.com/office/drawing/2014/main" id="{DBB85934-B943-2D51-703B-6DF65AA7BB1F}"/>
-              </a:ext>
-            </a:extLst>
-          </p:cNvPr>
+          <p:cNvPr id="8" name="文本框 7"/>
           <p:cNvSpPr txBox="1"/>
           <p:nvPr>
             <p:custDataLst>
-              <p:tags r:id="rId2"/>
+              <p:tags r:id="rId4"/>
             </p:custDataLst>
           </p:nvPr>
         </p:nvSpPr>
@@ -14796,20 +14505,14 @@
       </p:sp>
       <p:pic>
         <p:nvPicPr>
-          <p:cNvPr id="11" name="图片 10">
-            <a:extLst>
-              <a:ext uri="{FF2B5EF4-FFF2-40B4-BE49-F238E27FC236}">
-                <a16:creationId xmlns:a16="http://schemas.microsoft.com/office/drawing/2014/main" id="{B484D4ED-7FBB-2876-83F4-ADEE8EB80ACE}"/>
-              </a:ext>
-            </a:extLst>
-          </p:cNvPr>
+          <p:cNvPr id="11" name="图片 10"/>
           <p:cNvPicPr>
             <a:picLocks noChangeAspect="1"/>
           </p:cNvPicPr>
           <p:nvPr/>
         </p:nvPicPr>
         <p:blipFill>
-          <a:blip r:embed="rId8"/>
+          <a:blip r:embed="rId5"/>
           <a:stretch>
             <a:fillRect/>
           </a:stretch>
@@ -14826,20 +14529,14 @@
       </p:pic>
       <p:pic>
         <p:nvPicPr>
-          <p:cNvPr id="14" name="图片 13">
-            <a:extLst>
-              <a:ext uri="{FF2B5EF4-FFF2-40B4-BE49-F238E27FC236}">
-                <a16:creationId xmlns:a16="http://schemas.microsoft.com/office/drawing/2014/main" id="{732D9F6E-26FA-94CC-C114-C6015D06B8E6}"/>
-              </a:ext>
-            </a:extLst>
-          </p:cNvPr>
+          <p:cNvPr id="14" name="图片 13"/>
           <p:cNvPicPr>
             <a:picLocks noChangeAspect="1"/>
           </p:cNvPicPr>
           <p:nvPr/>
         </p:nvPicPr>
         <p:blipFill>
-          <a:blip r:embed="rId9"/>
+          <a:blip r:embed="rId6"/>
           <a:stretch>
             <a:fillRect/>
           </a:stretch>
@@ -14856,17 +14553,11 @@
       </p:pic>
       <p:sp>
         <p:nvSpPr>
-          <p:cNvPr id="3" name="文本框 2">
-            <a:extLst>
-              <a:ext uri="{FF2B5EF4-FFF2-40B4-BE49-F238E27FC236}">
-                <a16:creationId xmlns:a16="http://schemas.microsoft.com/office/drawing/2014/main" id="{9FF84DB7-7F32-A3EB-4D53-5E638C0024B6}"/>
-              </a:ext>
-            </a:extLst>
-          </p:cNvPr>
+          <p:cNvPr id="3" name="文本框 2"/>
           <p:cNvSpPr txBox="1"/>
           <p:nvPr>
             <p:custDataLst>
-              <p:tags r:id="rId3"/>
+              <p:tags r:id="rId7"/>
             </p:custDataLst>
           </p:nvPr>
         </p:nvSpPr>
@@ -14911,15 +14602,14 @@
               </a:rPr>
               <a:t>文档里还有很多情况）</a:t>
             </a:r>
+            <a:endParaRPr lang="zh-CN" altLang="en-US" sz="2000" dirty="0">
+              <a:latin typeface="+mn-ea"/>
+              <a:cs typeface="+mn-ea"/>
+            </a:endParaRPr>
           </a:p>
         </p:txBody>
       </p:sp>
     </p:spTree>
-    <p:extLst>
-      <p:ext uri="{BB962C8B-B14F-4D97-AF65-F5344CB8AC3E}">
-        <p14:creationId xmlns:p14="http://schemas.microsoft.com/office/powerpoint/2010/main" val="1040933004"/>
-      </p:ext>
-    </p:extLst>
   </p:cSld>
   <p:clrMapOvr>
     <a:masterClrMapping/>
@@ -14929,176 +14619,464 @@
 </file>
 
 <file path=ppt/tags/tag1.xml><?xml version="1.0" encoding="utf-8"?>
-<p:tagLst xmlns:a="http://schemas.openxmlformats.org/drawingml/2006/main" xmlns:r="http://schemas.openxmlformats.org/officeDocument/2006/relationships" xmlns:p="http://schemas.openxmlformats.org/presentationml/2006/main">
-  <p:tag name="COMMONDATA" val="eyJoZGlkIjoiM2ZkYTE3NmE2M2ZhMjM2YzI0MGEwZDc0OTQ1MWI1MGYifQ=="/>
+<p:tagLst xmlns:p="http://schemas.openxmlformats.org/presentationml/2006/main">
+  <p:tag name="KSO_WM_DIAGRAM_VIRTUALLY_FRAME" val="{&quot;height&quot;:397.57055118110236,&quot;left&quot;:456.18377952755907,&quot;top&quot;:82.94385826771654,&quot;width&quot;:424.2662204724409}"/>
 </p:tagLst>
 </file>
 
 <file path=ppt/tags/tag10.xml><?xml version="1.0" encoding="utf-8"?>
-<p:tagLst xmlns:a="http://schemas.openxmlformats.org/drawingml/2006/main" xmlns:r="http://schemas.openxmlformats.org/officeDocument/2006/relationships" xmlns:p="http://schemas.openxmlformats.org/presentationml/2006/main">
+<p:tagLst xmlns:p="http://schemas.openxmlformats.org/presentationml/2006/main">
   <p:tag name="KSO_WM_BEAUTIFY_FLAG" val=""/>
+  <p:tag name="KSO_WM_DIAGRAM_VIRTUALLY_FRAME" val="{&quot;height&quot;:397.57055118110236,&quot;left&quot;:456.18377952755907,&quot;top&quot;:82.94385826771654,&quot;width&quot;:424.2662204724409}"/>
 </p:tagLst>
 </file>
 
 <file path=ppt/tags/tag11.xml><?xml version="1.0" encoding="utf-8"?>
-<p:tagLst xmlns:a="http://schemas.openxmlformats.org/drawingml/2006/main" xmlns:r="http://schemas.openxmlformats.org/officeDocument/2006/relationships" xmlns:p="http://schemas.openxmlformats.org/presentationml/2006/main">
+<p:tagLst xmlns:p="http://schemas.openxmlformats.org/presentationml/2006/main">
   <p:tag name="KSO_WM_BEAUTIFY_FLAG" val=""/>
+  <p:tag name="KSO_WM_DIAGRAM_VIRTUALLY_FRAME" val="{&quot;height&quot;:397.57055118110236,&quot;left&quot;:456.18377952755907,&quot;top&quot;:82.94385826771654,&quot;width&quot;:424.2662204724409}"/>
 </p:tagLst>
 </file>
 
 <file path=ppt/tags/tag12.xml><?xml version="1.0" encoding="utf-8"?>
-<p:tagLst xmlns:a="http://schemas.openxmlformats.org/drawingml/2006/main" xmlns:r="http://schemas.openxmlformats.org/officeDocument/2006/relationships" xmlns:p="http://schemas.openxmlformats.org/presentationml/2006/main">
-  <p:tag name="KSO_WM_BEAUTIFY_FLAG" val=""/>
+<p:tagLst xmlns:p="http://schemas.openxmlformats.org/presentationml/2006/main">
+  <p:tag name="KSO_WM_DIAGRAM_VIRTUALLY_FRAME" val="{&quot;height&quot;:397.57055118110236,&quot;left&quot;:456.18377952755907,&quot;top&quot;:82.94385826771654,&quot;width&quot;:424.2662204724409}"/>
 </p:tagLst>
 </file>
 
 <file path=ppt/tags/tag13.xml><?xml version="1.0" encoding="utf-8"?>
-<p:tagLst xmlns:a="http://schemas.openxmlformats.org/drawingml/2006/main" xmlns:r="http://schemas.openxmlformats.org/officeDocument/2006/relationships" xmlns:p="http://schemas.openxmlformats.org/presentationml/2006/main">
-  <p:tag name="KSO_WM_BEAUTIFY_FLAG" val=""/>
+<p:tagLst xmlns:p="http://schemas.openxmlformats.org/presentationml/2006/main">
+  <p:tag name="KSO_WM_DIAGRAM_VIRTUALLY_FRAME" val="{&quot;height&quot;:397.57055118110236,&quot;left&quot;:456.18377952755907,&quot;top&quot;:82.94385826771654,&quot;width&quot;:424.2662204724409}"/>
 </p:tagLst>
 </file>
 
 <file path=ppt/tags/tag14.xml><?xml version="1.0" encoding="utf-8"?>
-<p:tagLst xmlns:a="http://schemas.openxmlformats.org/drawingml/2006/main" xmlns:r="http://schemas.openxmlformats.org/officeDocument/2006/relationships" xmlns:p="http://schemas.openxmlformats.org/presentationml/2006/main">
-  <p:tag name="KSO_WM_BEAUTIFY_FLAG" val=""/>
+<p:tagLst xmlns:p="http://schemas.openxmlformats.org/presentationml/2006/main">
+  <p:tag name="KSO_WM_DIAGRAM_VIRTUALLY_FRAME" val="{&quot;height&quot;:397.57055118110236,&quot;left&quot;:456.18377952755907,&quot;top&quot;:82.94385826771654,&quot;width&quot;:424.2662204724409}"/>
 </p:tagLst>
 </file>
 
 <file path=ppt/tags/tag15.xml><?xml version="1.0" encoding="utf-8"?>
-<p:tagLst xmlns:a="http://schemas.openxmlformats.org/drawingml/2006/main" xmlns:r="http://schemas.openxmlformats.org/officeDocument/2006/relationships" xmlns:p="http://schemas.openxmlformats.org/presentationml/2006/main">
-  <p:tag name="KSO_WM_BEAUTIFY_FLAG" val=""/>
+<p:tagLst xmlns:p="http://schemas.openxmlformats.org/presentationml/2006/main">
+  <p:tag name="KSO_WM_DIAGRAM_VIRTUALLY_FRAME" val="{&quot;height&quot;:397.57055118110236,&quot;left&quot;:456.18377952755907,&quot;top&quot;:82.94385826771654,&quot;width&quot;:424.2662204724409}"/>
 </p:tagLst>
 </file>
 
 <file path=ppt/tags/tag16.xml><?xml version="1.0" encoding="utf-8"?>
-<p:tagLst xmlns:a="http://schemas.openxmlformats.org/drawingml/2006/main" xmlns:r="http://schemas.openxmlformats.org/officeDocument/2006/relationships" xmlns:p="http://schemas.openxmlformats.org/presentationml/2006/main">
-  <p:tag name="KSO_WM_BEAUTIFY_FLAG" val=""/>
+<p:tagLst xmlns:p="http://schemas.openxmlformats.org/presentationml/2006/main">
+  <p:tag name="KSO_WM_DIAGRAM_VIRTUALLY_FRAME" val="{&quot;height&quot;:397.57055118110236,&quot;left&quot;:456.18377952755907,&quot;top&quot;:82.94385826771654,&quot;width&quot;:424.2662204724409}"/>
 </p:tagLst>
 </file>
 
 <file path=ppt/tags/tag17.xml><?xml version="1.0" encoding="utf-8"?>
-<p:tagLst xmlns:a="http://schemas.openxmlformats.org/drawingml/2006/main" xmlns:r="http://schemas.openxmlformats.org/officeDocument/2006/relationships" xmlns:p="http://schemas.openxmlformats.org/presentationml/2006/main">
-  <p:tag name="KSO_WM_BEAUTIFY_FLAG" val=""/>
+<p:tagLst xmlns:p="http://schemas.openxmlformats.org/presentationml/2006/main">
+  <p:tag name="KSO_WM_DIAGRAM_VIRTUALLY_FRAME" val="{&quot;height&quot;:397.57055118110236,&quot;left&quot;:456.18377952755907,&quot;top&quot;:82.94385826771654,&quot;width&quot;:424.2662204724409}"/>
 </p:tagLst>
 </file>
 
 <file path=ppt/tags/tag18.xml><?xml version="1.0" encoding="utf-8"?>
-<p:tagLst xmlns:a="http://schemas.openxmlformats.org/drawingml/2006/main" xmlns:r="http://schemas.openxmlformats.org/officeDocument/2006/relationships" xmlns:p="http://schemas.openxmlformats.org/presentationml/2006/main">
+<p:tagLst xmlns:p="http://schemas.openxmlformats.org/presentationml/2006/main">
   <p:tag name="KSO_WM_BEAUTIFY_FLAG" val=""/>
+  <p:tag name="KSO_WM_DIAGRAM_VIRTUALLY_FRAME" val="{&quot;height&quot;:397.57055118110236,&quot;left&quot;:456.18377952755907,&quot;top&quot;:82.94385826771654,&quot;width&quot;:424.2662204724409}"/>
 </p:tagLst>
 </file>
 
 <file path=ppt/tags/tag19.xml><?xml version="1.0" encoding="utf-8"?>
-<p:tagLst xmlns:a="http://schemas.openxmlformats.org/drawingml/2006/main" xmlns:r="http://schemas.openxmlformats.org/officeDocument/2006/relationships" xmlns:p="http://schemas.openxmlformats.org/presentationml/2006/main">
+<p:tagLst xmlns:p="http://schemas.openxmlformats.org/presentationml/2006/main">
   <p:tag name="KSO_WM_BEAUTIFY_FLAG" val=""/>
+  <p:tag name="KSO_WM_DIAGRAM_VIRTUALLY_FRAME" val="{&quot;height&quot;:397.57055118110236,&quot;left&quot;:456.18377952755907,&quot;top&quot;:82.94385826771654,&quot;width&quot;:424.2662204724409}"/>
 </p:tagLst>
 </file>
 
 <file path=ppt/tags/tag2.xml><?xml version="1.0" encoding="utf-8"?>
-<p:tagLst xmlns:a="http://schemas.openxmlformats.org/drawingml/2006/main" xmlns:r="http://schemas.openxmlformats.org/officeDocument/2006/relationships" xmlns:p="http://schemas.openxmlformats.org/presentationml/2006/main">
-  <p:tag name="KSO_WM_BEAUTIFY_FLAG" val=""/>
+<p:tagLst xmlns:p="http://schemas.openxmlformats.org/presentationml/2006/main">
+  <p:tag name="KSO_WM_DIAGRAM_VIRTUALLY_FRAME" val="{&quot;height&quot;:397.57055118110236,&quot;left&quot;:456.18377952755907,&quot;top&quot;:82.94385826771654,&quot;width&quot;:424.2662204724409}"/>
 </p:tagLst>
 </file>
 
 <file path=ppt/tags/tag20.xml><?xml version="1.0" encoding="utf-8"?>
-<p:tagLst xmlns:a="http://schemas.openxmlformats.org/drawingml/2006/main" xmlns:r="http://schemas.openxmlformats.org/officeDocument/2006/relationships" xmlns:p="http://schemas.openxmlformats.org/presentationml/2006/main">
+<p:tagLst xmlns:p="http://schemas.openxmlformats.org/presentationml/2006/main">
   <p:tag name="KSO_WM_BEAUTIFY_FLAG" val=""/>
 </p:tagLst>
 </file>
 
 <file path=ppt/tags/tag21.xml><?xml version="1.0" encoding="utf-8"?>
-<p:tagLst xmlns:a="http://schemas.openxmlformats.org/drawingml/2006/main" xmlns:r="http://schemas.openxmlformats.org/officeDocument/2006/relationships" xmlns:p="http://schemas.openxmlformats.org/presentationml/2006/main">
+<p:tagLst xmlns:p="http://schemas.openxmlformats.org/presentationml/2006/main">
   <p:tag name="KSO_WM_BEAUTIFY_FLAG" val=""/>
 </p:tagLst>
 </file>
 
 <file path=ppt/tags/tag22.xml><?xml version="1.0" encoding="utf-8"?>
-<p:tagLst xmlns:a="http://schemas.openxmlformats.org/drawingml/2006/main" xmlns:r="http://schemas.openxmlformats.org/officeDocument/2006/relationships" xmlns:p="http://schemas.openxmlformats.org/presentationml/2006/main">
+<p:tagLst xmlns:p="http://schemas.openxmlformats.org/presentationml/2006/main">
   <p:tag name="KSO_WM_BEAUTIFY_FLAG" val=""/>
 </p:tagLst>
 </file>
 
 <file path=ppt/tags/tag23.xml><?xml version="1.0" encoding="utf-8"?>
-<p:tagLst xmlns:a="http://schemas.openxmlformats.org/drawingml/2006/main" xmlns:r="http://schemas.openxmlformats.org/officeDocument/2006/relationships" xmlns:p="http://schemas.openxmlformats.org/presentationml/2006/main">
+<p:tagLst xmlns:p="http://schemas.openxmlformats.org/presentationml/2006/main">
   <p:tag name="KSO_WM_BEAUTIFY_FLAG" val=""/>
 </p:tagLst>
 </file>
 
 <file path=ppt/tags/tag24.xml><?xml version="1.0" encoding="utf-8"?>
-<p:tagLst xmlns:a="http://schemas.openxmlformats.org/drawingml/2006/main" xmlns:r="http://schemas.openxmlformats.org/officeDocument/2006/relationships" xmlns:p="http://schemas.openxmlformats.org/presentationml/2006/main">
+<p:tagLst xmlns:p="http://schemas.openxmlformats.org/presentationml/2006/main">
+  <p:tag name="KSO_WM_DIAGRAM_VIRTUALLY_FRAME" val="{&quot;height&quot;:397.57055118110236,&quot;left&quot;:456.18377952755907,&quot;top&quot;:82.94385826771654,&quot;width&quot;:424.2662204724409}"/>
+</p:tagLst>
+</file>
+
+<file path=ppt/tags/tag25.xml><?xml version="1.0" encoding="utf-8"?>
+<p:tagLst xmlns:p="http://schemas.openxmlformats.org/presentationml/2006/main">
+  <p:tag name="KSO_WM_DIAGRAM_VIRTUALLY_FRAME" val="{&quot;height&quot;:397.57055118110236,&quot;left&quot;:456.18377952755907,&quot;top&quot;:82.94385826771654,&quot;width&quot;:424.2662204724409}"/>
+</p:tagLst>
+</file>
+
+<file path=ppt/tags/tag26.xml><?xml version="1.0" encoding="utf-8"?>
+<p:tagLst xmlns:p="http://schemas.openxmlformats.org/presentationml/2006/main">
+  <p:tag name="KSO_WM_DIAGRAM_VIRTUALLY_FRAME" val="{&quot;height&quot;:397.57055118110236,&quot;left&quot;:456.18377952755907,&quot;top&quot;:82.94385826771654,&quot;width&quot;:424.2662204724409}"/>
+</p:tagLst>
+</file>
+
+<file path=ppt/tags/tag27.xml><?xml version="1.0" encoding="utf-8"?>
+<p:tagLst xmlns:p="http://schemas.openxmlformats.org/presentationml/2006/main">
+  <p:tag name="KSO_WM_DIAGRAM_VIRTUALLY_FRAME" val="{&quot;height&quot;:397.57055118110236,&quot;left&quot;:456.18377952755907,&quot;top&quot;:82.94385826771654,&quot;width&quot;:424.2662204724409}"/>
+</p:tagLst>
+</file>
+
+<file path=ppt/tags/tag28.xml><?xml version="1.0" encoding="utf-8"?>
+<p:tagLst xmlns:p="http://schemas.openxmlformats.org/presentationml/2006/main">
+  <p:tag name="KSO_WM_DIAGRAM_VIRTUALLY_FRAME" val="{&quot;height&quot;:397.57055118110236,&quot;left&quot;:456.18377952755907,&quot;top&quot;:82.94385826771654,&quot;width&quot;:424.2662204724409}"/>
+</p:tagLst>
+</file>
+
+<file path=ppt/tags/tag29.xml><?xml version="1.0" encoding="utf-8"?>
+<p:tagLst xmlns:p="http://schemas.openxmlformats.org/presentationml/2006/main">
+  <p:tag name="KSO_WM_DIAGRAM_VIRTUALLY_FRAME" val="{&quot;height&quot;:397.57055118110236,&quot;left&quot;:456.18377952755907,&quot;top&quot;:82.94385826771654,&quot;width&quot;:424.2662204724409}"/>
+</p:tagLst>
+</file>
+
+<file path=ppt/tags/tag3.xml><?xml version="1.0" encoding="utf-8"?>
+<p:tagLst xmlns:p="http://schemas.openxmlformats.org/presentationml/2006/main">
+  <p:tag name="KSO_WM_DIAGRAM_VIRTUALLY_FRAME" val="{&quot;height&quot;:397.57055118110236,&quot;left&quot;:456.18377952755907,&quot;top&quot;:82.94385826771654,&quot;width&quot;:424.2662204724409}"/>
+</p:tagLst>
+</file>
+
+<file path=ppt/tags/tag30.xml><?xml version="1.0" encoding="utf-8"?>
+<p:tagLst xmlns:p="http://schemas.openxmlformats.org/presentationml/2006/main">
+  <p:tag name="KSO_WM_DIAGRAM_VIRTUALLY_FRAME" val="{&quot;height&quot;:397.57055118110236,&quot;left&quot;:456.18377952755907,&quot;top&quot;:82.94385826771654,&quot;width&quot;:424.2662204724409}"/>
+</p:tagLst>
+</file>
+
+<file path=ppt/tags/tag31.xml><?xml version="1.0" encoding="utf-8"?>
+<p:tagLst xmlns:p="http://schemas.openxmlformats.org/presentationml/2006/main">
+  <p:tag name="KSO_WM_DIAGRAM_VIRTUALLY_FRAME" val="{&quot;height&quot;:397.57055118110236,&quot;left&quot;:456.18377952755907,&quot;top&quot;:82.94385826771654,&quot;width&quot;:424.2662204724409}"/>
+</p:tagLst>
+</file>
+
+<file path=ppt/tags/tag32.xml><?xml version="1.0" encoding="utf-8"?>
+<p:tagLst xmlns:p="http://schemas.openxmlformats.org/presentationml/2006/main">
+  <p:tag name="KSO_WM_DIAGRAM_VIRTUALLY_FRAME" val="{&quot;height&quot;:397.57055118110236,&quot;left&quot;:456.18377952755907,&quot;top&quot;:82.94385826771654,&quot;width&quot;:424.2662204724409}"/>
+</p:tagLst>
+</file>
+
+<file path=ppt/tags/tag33.xml><?xml version="1.0" encoding="utf-8"?>
+<p:tagLst xmlns:p="http://schemas.openxmlformats.org/presentationml/2006/main">
+  <p:tag name="KSO_WM_BEAUTIFY_FLAG" val=""/>
+  <p:tag name="KSO_WM_DIAGRAM_VIRTUALLY_FRAME" val="{&quot;height&quot;:397.57055118110236,&quot;left&quot;:456.18377952755907,&quot;top&quot;:82.94385826771654,&quot;width&quot;:424.2662204724409}"/>
+</p:tagLst>
+</file>
+
+<file path=ppt/tags/tag34.xml><?xml version="1.0" encoding="utf-8"?>
+<p:tagLst xmlns:p="http://schemas.openxmlformats.org/presentationml/2006/main">
+  <p:tag name="KSO_WM_BEAUTIFY_FLAG" val=""/>
+  <p:tag name="KSO_WM_DIAGRAM_VIRTUALLY_FRAME" val="{&quot;height&quot;:397.57055118110236,&quot;left&quot;:456.18377952755907,&quot;top&quot;:82.94385826771654,&quot;width&quot;:424.2662204724409}"/>
+</p:tagLst>
+</file>
+
+<file path=ppt/tags/tag35.xml><?xml version="1.0" encoding="utf-8"?>
+<p:tagLst xmlns:p="http://schemas.openxmlformats.org/presentationml/2006/main">
+  <p:tag name="KSO_WM_DIAGRAM_VIRTUALLY_FRAME" val="{&quot;height&quot;:397.57055118110236,&quot;left&quot;:456.18377952755907,&quot;top&quot;:82.94385826771654,&quot;width&quot;:424.2662204724409}"/>
+</p:tagLst>
+</file>
+
+<file path=ppt/tags/tag36.xml><?xml version="1.0" encoding="utf-8"?>
+<p:tagLst xmlns:p="http://schemas.openxmlformats.org/presentationml/2006/main">
+  <p:tag name="KSO_WM_DIAGRAM_VIRTUALLY_FRAME" val="{&quot;height&quot;:397.57055118110236,&quot;left&quot;:456.18377952755907,&quot;top&quot;:82.94385826771654,&quot;width&quot;:424.2662204724409}"/>
+</p:tagLst>
+</file>
+
+<file path=ppt/tags/tag37.xml><?xml version="1.0" encoding="utf-8"?>
+<p:tagLst xmlns:p="http://schemas.openxmlformats.org/presentationml/2006/main">
+  <p:tag name="KSO_WM_DIAGRAM_VIRTUALLY_FRAME" val="{&quot;height&quot;:397.57055118110236,&quot;left&quot;:456.18377952755907,&quot;top&quot;:82.94385826771654,&quot;width&quot;:424.2662204724409}"/>
+</p:tagLst>
+</file>
+
+<file path=ppt/tags/tag38.xml><?xml version="1.0" encoding="utf-8"?>
+<p:tagLst xmlns:p="http://schemas.openxmlformats.org/presentationml/2006/main">
+  <p:tag name="KSO_WM_DIAGRAM_VIRTUALLY_FRAME" val="{&quot;height&quot;:397.57055118110236,&quot;left&quot;:456.18377952755907,&quot;top&quot;:82.94385826771654,&quot;width&quot;:424.2662204724409}"/>
+</p:tagLst>
+</file>
+
+<file path=ppt/tags/tag39.xml><?xml version="1.0" encoding="utf-8"?>
+<p:tagLst xmlns:p="http://schemas.openxmlformats.org/presentationml/2006/main">
+  <p:tag name="KSO_WM_DIAGRAM_VIRTUALLY_FRAME" val="{&quot;height&quot;:397.57055118110236,&quot;left&quot;:456.18377952755907,&quot;top&quot;:82.94385826771654,&quot;width&quot;:424.2662204724409}"/>
+</p:tagLst>
+</file>
+
+<file path=ppt/tags/tag4.xml><?xml version="1.0" encoding="utf-8"?>
+<p:tagLst xmlns:p="http://schemas.openxmlformats.org/presentationml/2006/main">
+  <p:tag name="KSO_WM_DIAGRAM_VIRTUALLY_FRAME" val="{&quot;height&quot;:397.57055118110236,&quot;left&quot;:456.18377952755907,&quot;top&quot;:82.94385826771654,&quot;width&quot;:424.2662204724409}"/>
+</p:tagLst>
+</file>
+
+<file path=ppt/tags/tag40.xml><?xml version="1.0" encoding="utf-8"?>
+<p:tagLst xmlns:p="http://schemas.openxmlformats.org/presentationml/2006/main">
+  <p:tag name="KSO_WM_DIAGRAM_VIRTUALLY_FRAME" val="{&quot;height&quot;:397.57055118110236,&quot;left&quot;:456.18377952755907,&quot;top&quot;:82.94385826771654,&quot;width&quot;:424.2662204724409}"/>
+</p:tagLst>
+</file>
+
+<file path=ppt/tags/tag41.xml><?xml version="1.0" encoding="utf-8"?>
+<p:tagLst xmlns:p="http://schemas.openxmlformats.org/presentationml/2006/main">
+  <p:tag name="KSO_WM_BEAUTIFY_FLAG" val=""/>
+  <p:tag name="KSO_WM_DIAGRAM_VIRTUALLY_FRAME" val="{&quot;height&quot;:397.57055118110236,&quot;left&quot;:456.18377952755907,&quot;top&quot;:82.94385826771654,&quot;width&quot;:424.2662204724409}"/>
+</p:tagLst>
+</file>
+
+<file path=ppt/tags/tag42.xml><?xml version="1.0" encoding="utf-8"?>
+<p:tagLst xmlns:p="http://schemas.openxmlformats.org/presentationml/2006/main">
+  <p:tag name="KSO_WM_BEAUTIFY_FLAG" val=""/>
+  <p:tag name="KSO_WM_DIAGRAM_VIRTUALLY_FRAME" val="{&quot;height&quot;:397.57055118110236,&quot;left&quot;:456.18377952755907,&quot;top&quot;:82.94385826771654,&quot;width&quot;:424.2662204724409}"/>
+</p:tagLst>
+</file>
+
+<file path=ppt/tags/tag43.xml><?xml version="1.0" encoding="utf-8"?>
+<p:tagLst xmlns:p="http://schemas.openxmlformats.org/presentationml/2006/main">
   <p:tag name="KSO_WM_BEAUTIFY_FLAG" val=""/>
 </p:tagLst>
 </file>
 
-<file path=ppt/tags/tag25.xml><?xml version="1.0" encoding="utf-8"?>
-<p:tagLst xmlns:a="http://schemas.openxmlformats.org/drawingml/2006/main" xmlns:r="http://schemas.openxmlformats.org/officeDocument/2006/relationships" xmlns:p="http://schemas.openxmlformats.org/presentationml/2006/main">
+<file path=ppt/tags/tag44.xml><?xml version="1.0" encoding="utf-8"?>
+<p:tagLst xmlns:p="http://schemas.openxmlformats.org/presentationml/2006/main">
   <p:tag name="KSO_WM_BEAUTIFY_FLAG" val=""/>
 </p:tagLst>
 </file>
 
-<file path=ppt/tags/tag26.xml><?xml version="1.0" encoding="utf-8"?>
-<p:tagLst xmlns:a="http://schemas.openxmlformats.org/drawingml/2006/main" xmlns:r="http://schemas.openxmlformats.org/officeDocument/2006/relationships" xmlns:p="http://schemas.openxmlformats.org/presentationml/2006/main">
+<file path=ppt/tags/tag45.xml><?xml version="1.0" encoding="utf-8"?>
+<p:tagLst xmlns:p="http://schemas.openxmlformats.org/presentationml/2006/main">
   <p:tag name="KSO_WM_BEAUTIFY_FLAG" val=""/>
 </p:tagLst>
 </file>
 
-<file path=ppt/tags/tag27.xml><?xml version="1.0" encoding="utf-8"?>
-<p:tagLst xmlns:a="http://schemas.openxmlformats.org/drawingml/2006/main" xmlns:r="http://schemas.openxmlformats.org/officeDocument/2006/relationships" xmlns:p="http://schemas.openxmlformats.org/presentationml/2006/main">
+<file path=ppt/tags/tag46.xml><?xml version="1.0" encoding="utf-8"?>
+<p:tagLst xmlns:p="http://schemas.openxmlformats.org/presentationml/2006/main">
   <p:tag name="KSO_WM_BEAUTIFY_FLAG" val=""/>
 </p:tagLst>
 </file>
 
-<file path=ppt/tags/tag28.xml><?xml version="1.0" encoding="utf-8"?>
-<p:tagLst xmlns:a="http://schemas.openxmlformats.org/drawingml/2006/main" xmlns:r="http://schemas.openxmlformats.org/officeDocument/2006/relationships" xmlns:p="http://schemas.openxmlformats.org/presentationml/2006/main">
+<file path=ppt/tags/tag47.xml><?xml version="1.0" encoding="utf-8"?>
+<p:tagLst xmlns:p="http://schemas.openxmlformats.org/presentationml/2006/main">
   <p:tag name="KSO_WM_BEAUTIFY_FLAG" val=""/>
 </p:tagLst>
 </file>
 
-<file path=ppt/tags/tag29.xml><?xml version="1.0" encoding="utf-8"?>
-<p:tagLst xmlns:a="http://schemas.openxmlformats.org/drawingml/2006/main" xmlns:r="http://schemas.openxmlformats.org/officeDocument/2006/relationships" xmlns:p="http://schemas.openxmlformats.org/presentationml/2006/main">
+<file path=ppt/tags/tag48.xml><?xml version="1.0" encoding="utf-8"?>
+<p:tagLst xmlns:p="http://schemas.openxmlformats.org/presentationml/2006/main">
   <p:tag name="KSO_WM_BEAUTIFY_FLAG" val=""/>
 </p:tagLst>
 </file>
 
-<file path=ppt/tags/tag3.xml><?xml version="1.0" encoding="utf-8"?>
-<p:tagLst xmlns:a="http://schemas.openxmlformats.org/drawingml/2006/main" xmlns:r="http://schemas.openxmlformats.org/officeDocument/2006/relationships" xmlns:p="http://schemas.openxmlformats.org/presentationml/2006/main">
-  <p:tag name="KSO_WM_BEAUTIFY_FLAG" val=""/>
-</p:tagLst>
-</file>
-
-<file path=ppt/tags/tag4.xml><?xml version="1.0" encoding="utf-8"?>
-<p:tagLst xmlns:a="http://schemas.openxmlformats.org/drawingml/2006/main" xmlns:r="http://schemas.openxmlformats.org/officeDocument/2006/relationships" xmlns:p="http://schemas.openxmlformats.org/presentationml/2006/main">
+<file path=ppt/tags/tag49.xml><?xml version="1.0" encoding="utf-8"?>
+<p:tagLst xmlns:p="http://schemas.openxmlformats.org/presentationml/2006/main">
   <p:tag name="KSO_WM_BEAUTIFY_FLAG" val=""/>
 </p:tagLst>
 </file>
 
 <file path=ppt/tags/tag5.xml><?xml version="1.0" encoding="utf-8"?>
-<p:tagLst xmlns:a="http://schemas.openxmlformats.org/drawingml/2006/main" xmlns:r="http://schemas.openxmlformats.org/officeDocument/2006/relationships" xmlns:p="http://schemas.openxmlformats.org/presentationml/2006/main">
+<p:tagLst xmlns:p="http://schemas.openxmlformats.org/presentationml/2006/main">
+  <p:tag name="KSO_WM_DIAGRAM_VIRTUALLY_FRAME" val="{&quot;height&quot;:397.57055118110236,&quot;left&quot;:456.18377952755907,&quot;top&quot;:82.94385826771654,&quot;width&quot;:424.2662204724409}"/>
+</p:tagLst>
+</file>
+
+<file path=ppt/tags/tag50.xml><?xml version="1.0" encoding="utf-8"?>
+<p:tagLst xmlns:p="http://schemas.openxmlformats.org/presentationml/2006/main">
   <p:tag name="KSO_WM_BEAUTIFY_FLAG" val=""/>
 </p:tagLst>
 </file>
 
-<file path=ppt/tags/tag6.xml><?xml version="1.0" encoding="utf-8"?>
-<p:tagLst xmlns:a="http://schemas.openxmlformats.org/drawingml/2006/main" xmlns:r="http://schemas.openxmlformats.org/officeDocument/2006/relationships" xmlns:p="http://schemas.openxmlformats.org/presentationml/2006/main">
+<file path=ppt/tags/tag51.xml><?xml version="1.0" encoding="utf-8"?>
+<p:tagLst xmlns:p="http://schemas.openxmlformats.org/presentationml/2006/main">
   <p:tag name="KSO_WM_BEAUTIFY_FLAG" val=""/>
 </p:tagLst>
 </file>
 
-<file path=ppt/tags/tag7.xml><?xml version="1.0" encoding="utf-8"?>
-<p:tagLst xmlns:a="http://schemas.openxmlformats.org/drawingml/2006/main" xmlns:r="http://schemas.openxmlformats.org/officeDocument/2006/relationships" xmlns:p="http://schemas.openxmlformats.org/presentationml/2006/main">
+<file path=ppt/tags/tag52.xml><?xml version="1.0" encoding="utf-8"?>
+<p:tagLst xmlns:p="http://schemas.openxmlformats.org/presentationml/2006/main">
   <p:tag name="KSO_WM_BEAUTIFY_FLAG" val=""/>
 </p:tagLst>
 </file>
 
-<file path=ppt/tags/tag8.xml><?xml version="1.0" encoding="utf-8"?>
-<p:tagLst xmlns:a="http://schemas.openxmlformats.org/drawingml/2006/main" xmlns:r="http://schemas.openxmlformats.org/officeDocument/2006/relationships" xmlns:p="http://schemas.openxmlformats.org/presentationml/2006/main">
+<file path=ppt/tags/tag53.xml><?xml version="1.0" encoding="utf-8"?>
+<p:tagLst xmlns:p="http://schemas.openxmlformats.org/presentationml/2006/main">
   <p:tag name="KSO_WM_BEAUTIFY_FLAG" val=""/>
 </p:tagLst>
 </file>
 
+<file path=ppt/tags/tag54.xml><?xml version="1.0" encoding="utf-8"?>
+<p:tagLst xmlns:p="http://schemas.openxmlformats.org/presentationml/2006/main">
+  <p:tag name="KSO_WM_DIAGRAM_VIRTUALLY_FRAME" val="{&quot;height&quot;:397.57055118110236,&quot;left&quot;:456.18377952755907,&quot;top&quot;:82.94385826771654,&quot;width&quot;:424.2662204724409}"/>
+</p:tagLst>
+</file>
+
+<file path=ppt/tags/tag55.xml><?xml version="1.0" encoding="utf-8"?>
+<p:tagLst xmlns:p="http://schemas.openxmlformats.org/presentationml/2006/main">
+  <p:tag name="KSO_WM_DIAGRAM_VIRTUALLY_FRAME" val="{&quot;height&quot;:397.57055118110236,&quot;left&quot;:456.18377952755907,&quot;top&quot;:82.94385826771654,&quot;width&quot;:424.2662204724409}"/>
+</p:tagLst>
+</file>
+
+<file path=ppt/tags/tag56.xml><?xml version="1.0" encoding="utf-8"?>
+<p:tagLst xmlns:p="http://schemas.openxmlformats.org/presentationml/2006/main">
+  <p:tag name="KSO_WM_DIAGRAM_VIRTUALLY_FRAME" val="{&quot;height&quot;:397.57055118110236,&quot;left&quot;:456.18377952755907,&quot;top&quot;:82.94385826771654,&quot;width&quot;:424.2662204724409}"/>
+</p:tagLst>
+</file>
+
+<file path=ppt/tags/tag57.xml><?xml version="1.0" encoding="utf-8"?>
+<p:tagLst xmlns:p="http://schemas.openxmlformats.org/presentationml/2006/main">
+  <p:tag name="KSO_WM_DIAGRAM_VIRTUALLY_FRAME" val="{&quot;height&quot;:397.57055118110236,&quot;left&quot;:456.18377952755907,&quot;top&quot;:82.94385826771654,&quot;width&quot;:424.2662204724409}"/>
+</p:tagLst>
+</file>
+
+<file path=ppt/tags/tag58.xml><?xml version="1.0" encoding="utf-8"?>
+<p:tagLst xmlns:p="http://schemas.openxmlformats.org/presentationml/2006/main">
+  <p:tag name="KSO_WM_DIAGRAM_VIRTUALLY_FRAME" val="{&quot;height&quot;:397.57055118110236,&quot;left&quot;:456.18377952755907,&quot;top&quot;:82.94385826771654,&quot;width&quot;:424.2662204724409}"/>
+</p:tagLst>
+</file>
+
+<file path=ppt/tags/tag59.xml><?xml version="1.0" encoding="utf-8"?>
+<p:tagLst xmlns:p="http://schemas.openxmlformats.org/presentationml/2006/main">
+  <p:tag name="KSO_WM_DIAGRAM_VIRTUALLY_FRAME" val="{&quot;height&quot;:397.57055118110236,&quot;left&quot;:456.18377952755907,&quot;top&quot;:82.94385826771654,&quot;width&quot;:424.2662204724409}"/>
+</p:tagLst>
+</file>
+
+<file path=ppt/tags/tag6.xml><?xml version="1.0" encoding="utf-8"?>
+<p:tagLst xmlns:p="http://schemas.openxmlformats.org/presentationml/2006/main">
+  <p:tag name="KSO_WM_DIAGRAM_VIRTUALLY_FRAME" val="{&quot;height&quot;:397.57055118110236,&quot;left&quot;:456.18377952755907,&quot;top&quot;:82.94385826771654,&quot;width&quot;:424.2662204724409}"/>
+</p:tagLst>
+</file>
+
+<file path=ppt/tags/tag60.xml><?xml version="1.0" encoding="utf-8"?>
+<p:tagLst xmlns:p="http://schemas.openxmlformats.org/presentationml/2006/main">
+  <p:tag name="KSO_WM_DIAGRAM_VIRTUALLY_FRAME" val="{&quot;height&quot;:397.57055118110236,&quot;left&quot;:456.18377952755907,&quot;top&quot;:82.94385826771654,&quot;width&quot;:424.2662204724409}"/>
+</p:tagLst>
+</file>
+
+<file path=ppt/tags/tag61.xml><?xml version="1.0" encoding="utf-8"?>
+<p:tagLst xmlns:p="http://schemas.openxmlformats.org/presentationml/2006/main">
+  <p:tag name="KSO_WM_DIAGRAM_VIRTUALLY_FRAME" val="{&quot;height&quot;:397.57055118110236,&quot;left&quot;:456.18377952755907,&quot;top&quot;:82.94385826771654,&quot;width&quot;:424.2662204724409}"/>
+</p:tagLst>
+</file>
+
+<file path=ppt/tags/tag62.xml><?xml version="1.0" encoding="utf-8"?>
+<p:tagLst xmlns:p="http://schemas.openxmlformats.org/presentationml/2006/main">
+  <p:tag name="KSO_WM_DIAGRAM_VIRTUALLY_FRAME" val="{&quot;height&quot;:397.57055118110236,&quot;left&quot;:456.18377952755907,&quot;top&quot;:82.94385826771654,&quot;width&quot;:424.2662204724409}"/>
+</p:tagLst>
+</file>
+
+<file path=ppt/tags/tag63.xml><?xml version="1.0" encoding="utf-8"?>
+<p:tagLst xmlns:p="http://schemas.openxmlformats.org/presentationml/2006/main">
+  <p:tag name="KSO_WM_BEAUTIFY_FLAG" val=""/>
+  <p:tag name="KSO_WM_DIAGRAM_VIRTUALLY_FRAME" val="{&quot;height&quot;:397.57055118110236,&quot;left&quot;:456.18377952755907,&quot;top&quot;:82.94385826771654,&quot;width&quot;:424.2662204724409}"/>
+</p:tagLst>
+</file>
+
+<file path=ppt/tags/tag64.xml><?xml version="1.0" encoding="utf-8"?>
+<p:tagLst xmlns:p="http://schemas.openxmlformats.org/presentationml/2006/main">
+  <p:tag name="KSO_WM_BEAUTIFY_FLAG" val=""/>
+  <p:tag name="KSO_WM_DIAGRAM_VIRTUALLY_FRAME" val="{&quot;height&quot;:397.57055118110236,&quot;left&quot;:456.18377952755907,&quot;top&quot;:82.94385826771654,&quot;width&quot;:424.2662204724409}"/>
+</p:tagLst>
+</file>
+
+<file path=ppt/tags/tag65.xml><?xml version="1.0" encoding="utf-8"?>
+<p:tagLst xmlns:p="http://schemas.openxmlformats.org/presentationml/2006/main">
+  <p:tag name="KSO_WM_DIAGRAM_VIRTUALLY_FRAME" val="{&quot;height&quot;:397.57055118110236,&quot;left&quot;:456.18377952755907,&quot;top&quot;:82.94385826771654,&quot;width&quot;:424.2662204724409}"/>
+</p:tagLst>
+</file>
+
+<file path=ppt/tags/tag66.xml><?xml version="1.0" encoding="utf-8"?>
+<p:tagLst xmlns:p="http://schemas.openxmlformats.org/presentationml/2006/main">
+  <p:tag name="KSO_WM_DIAGRAM_VIRTUALLY_FRAME" val="{&quot;height&quot;:397.57055118110236,&quot;left&quot;:456.18377952755907,&quot;top&quot;:82.94385826771654,&quot;width&quot;:424.2662204724409}"/>
+</p:tagLst>
+</file>
+
+<file path=ppt/tags/tag67.xml><?xml version="1.0" encoding="utf-8"?>
+<p:tagLst xmlns:p="http://schemas.openxmlformats.org/presentationml/2006/main">
+  <p:tag name="KSO_WM_DIAGRAM_VIRTUALLY_FRAME" val="{&quot;height&quot;:397.57055118110236,&quot;left&quot;:456.18377952755907,&quot;top&quot;:82.94385826771654,&quot;width&quot;:424.2662204724409}"/>
+</p:tagLst>
+</file>
+
+<file path=ppt/tags/tag68.xml><?xml version="1.0" encoding="utf-8"?>
+<p:tagLst xmlns:p="http://schemas.openxmlformats.org/presentationml/2006/main">
+  <p:tag name="KSO_WM_DIAGRAM_VIRTUALLY_FRAME" val="{&quot;height&quot;:397.57055118110236,&quot;left&quot;:456.18377952755907,&quot;top&quot;:82.94385826771654,&quot;width&quot;:424.2662204724409}"/>
+</p:tagLst>
+</file>
+
+<file path=ppt/tags/tag69.xml><?xml version="1.0" encoding="utf-8"?>
+<p:tagLst xmlns:p="http://schemas.openxmlformats.org/presentationml/2006/main">
+  <p:tag name="KSO_WM_DIAGRAM_VIRTUALLY_FRAME" val="{&quot;height&quot;:397.57055118110236,&quot;left&quot;:456.18377952755907,&quot;top&quot;:82.94385826771654,&quot;width&quot;:424.2662204724409}"/>
+</p:tagLst>
+</file>
+
+<file path=ppt/tags/tag7.xml><?xml version="1.0" encoding="utf-8"?>
+<p:tagLst xmlns:p="http://schemas.openxmlformats.org/presentationml/2006/main">
+  <p:tag name="KSO_WM_DIAGRAM_VIRTUALLY_FRAME" val="{&quot;height&quot;:397.57055118110236,&quot;left&quot;:456.18377952755907,&quot;top&quot;:82.94385826771654,&quot;width&quot;:424.2662204724409}"/>
+</p:tagLst>
+</file>
+
+<file path=ppt/tags/tag70.xml><?xml version="1.0" encoding="utf-8"?>
+<p:tagLst xmlns:p="http://schemas.openxmlformats.org/presentationml/2006/main">
+  <p:tag name="KSO_WM_DIAGRAM_VIRTUALLY_FRAME" val="{&quot;height&quot;:397.57055118110236,&quot;left&quot;:456.18377952755907,&quot;top&quot;:82.94385826771654,&quot;width&quot;:424.2662204724409}"/>
+</p:tagLst>
+</file>
+
+<file path=ppt/tags/tag71.xml><?xml version="1.0" encoding="utf-8"?>
+<p:tagLst xmlns:p="http://schemas.openxmlformats.org/presentationml/2006/main">
+  <p:tag name="KSO_WM_BEAUTIFY_FLAG" val=""/>
+  <p:tag name="KSO_WM_DIAGRAM_VIRTUALLY_FRAME" val="{&quot;height&quot;:397.57055118110236,&quot;left&quot;:456.18377952755907,&quot;top&quot;:82.94385826771654,&quot;width&quot;:424.2662204724409}"/>
+</p:tagLst>
+</file>
+
+<file path=ppt/tags/tag72.xml><?xml version="1.0" encoding="utf-8"?>
+<p:tagLst xmlns:p="http://schemas.openxmlformats.org/presentationml/2006/main">
+  <p:tag name="KSO_WM_BEAUTIFY_FLAG" val=""/>
+  <p:tag name="KSO_WM_DIAGRAM_VIRTUALLY_FRAME" val="{&quot;height&quot;:397.57055118110236,&quot;left&quot;:456.18377952755907,&quot;top&quot;:82.94385826771654,&quot;width&quot;:424.2662204724409}"/>
+</p:tagLst>
+</file>
+
+<file path=ppt/tags/tag73.xml><?xml version="1.0" encoding="utf-8"?>
+<p:tagLst xmlns:p="http://schemas.openxmlformats.org/presentationml/2006/main">
+  <p:tag name="KSO_WM_BEAUTIFY_FLAG" val=""/>
+</p:tagLst>
+</file>
+
+<file path=ppt/tags/tag74.xml><?xml version="1.0" encoding="utf-8"?>
+<p:tagLst xmlns:p="http://schemas.openxmlformats.org/presentationml/2006/main">
+  <p:tag name="KSO_WM_BEAUTIFY_FLAG" val=""/>
+</p:tagLst>
+</file>
+
+<file path=ppt/tags/tag75.xml><?xml version="1.0" encoding="utf-8"?>
+<p:tagLst xmlns:p="http://schemas.openxmlformats.org/presentationml/2006/main">
+  <p:tag name="COMMONDATA" val="eyJoZGlkIjoiM2ZkYTE3NmE2M2ZhMjM2YzI0MGEwZDc0OTQ1MWI1MGYifQ=="/>
+</p:tagLst>
+</file>
+
+<file path=ppt/tags/tag8.xml><?xml version="1.0" encoding="utf-8"?>
+<p:tagLst xmlns:p="http://schemas.openxmlformats.org/presentationml/2006/main">
+  <p:tag name="KSO_WM_DIAGRAM_VIRTUALLY_FRAME" val="{&quot;height&quot;:397.57055118110236,&quot;left&quot;:456.18377952755907,&quot;top&quot;:82.94385826771654,&quot;width&quot;:424.2662204724409}"/>
+</p:tagLst>
+</file>
+
 <file path=ppt/tags/tag9.xml><?xml version="1.0" encoding="utf-8"?>
-<p:tagLst xmlns:a="http://schemas.openxmlformats.org/drawingml/2006/main" xmlns:r="http://schemas.openxmlformats.org/officeDocument/2006/relationships" xmlns:p="http://schemas.openxmlformats.org/presentationml/2006/main">
-  <p:tag name="KSO_WM_BEAUTIFY_FLAG" val=""/>
+<p:tagLst xmlns:p="http://schemas.openxmlformats.org/presentationml/2006/main">
+  <p:tag name="KSO_WM_DIAGRAM_VIRTUALLY_FRAME" val="{&quot;height&quot;:397.57055118110236,&quot;left&quot;:456.18377952755907,&quot;top&quot;:82.94385826771654,&quot;width&quot;:424.2662204724409}"/>
 </p:tagLst>
 </file>
 
@@ -15382,8 +15360,6 @@
       </a:bgFillStyleLst>
     </a:fmtScheme>
   </a:themeElements>
-  <a:objectDefaults/>
-  <a:extraClrSchemeLst/>
   <a:extLst>
     <a:ext uri="{05A4C25C-085E-4340-85A3-A5531E510DB2}">
       <thm15:themeFamily xmlns:thm15="http://schemas.microsoft.com/office/thememl/2012/main" name="Office Theme" id="{62F939B6-93AF-4DB8-9C6B-D6C7DFDC589F}" vid="{4A3C46E8-61CC-4603-A589-7422A47A8E4A}"/>
@@ -15672,8 +15648,6 @@
       </a:bgFillStyleLst>
     </a:fmtScheme>
   </a:themeElements>
-  <a:objectDefaults/>
-  <a:extraClrSchemeLst/>
   <a:extLst>
     <a:ext uri="{05A4C25C-085E-4340-85A3-A5531E510DB2}">
       <thm15:themeFamily xmlns:thm15="http://schemas.microsoft.com/office/thememl/2012/main" name="Office Theme" id="{62F939B6-93AF-4DB8-9C6B-D6C7DFDC589F}" vid="{4A3C46E8-61CC-4603-A589-7422A47A8E4A}"/>

--- a/保守光栅化介绍.pptx
+++ b/保守光栅化介绍.pptx
@@ -5,31 +5,31 @@
     <p:sldMasterId id="2147483648" r:id="rId1"/>
   </p:sldMasterIdLst>
   <p:notesMasterIdLst>
-    <p:notesMasterId r:id="rId4"/>
+    <p:notesMasterId r:id="rId19"/>
   </p:notesMasterIdLst>
   <p:sldIdLst>
-    <p:sldId id="342" r:id="rId3"/>
-    <p:sldId id="366" r:id="rId5"/>
-    <p:sldId id="694" r:id="rId6"/>
-    <p:sldId id="666" r:id="rId7"/>
-    <p:sldId id="695" r:id="rId8"/>
-    <p:sldId id="696" r:id="rId9"/>
-    <p:sldId id="697" r:id="rId10"/>
-    <p:sldId id="703" r:id="rId11"/>
-    <p:sldId id="698" r:id="rId12"/>
-    <p:sldId id="699" r:id="rId13"/>
-    <p:sldId id="706" r:id="rId14"/>
-    <p:sldId id="705" r:id="rId15"/>
-    <p:sldId id="700" r:id="rId16"/>
-    <p:sldId id="701" r:id="rId17"/>
-    <p:sldId id="702" r:id="rId18"/>
-    <p:sldId id="661" r:id="rId19"/>
-    <p:sldId id="712" r:id="rId20"/>
+    <p:sldId id="342" r:id="rId2"/>
+    <p:sldId id="366" r:id="rId3"/>
+    <p:sldId id="694" r:id="rId4"/>
+    <p:sldId id="666" r:id="rId5"/>
+    <p:sldId id="695" r:id="rId6"/>
+    <p:sldId id="696" r:id="rId7"/>
+    <p:sldId id="697" r:id="rId8"/>
+    <p:sldId id="703" r:id="rId9"/>
+    <p:sldId id="698" r:id="rId10"/>
+    <p:sldId id="699" r:id="rId11"/>
+    <p:sldId id="706" r:id="rId12"/>
+    <p:sldId id="705" r:id="rId13"/>
+    <p:sldId id="700" r:id="rId14"/>
+    <p:sldId id="701" r:id="rId15"/>
+    <p:sldId id="702" r:id="rId16"/>
+    <p:sldId id="661" r:id="rId17"/>
+    <p:sldId id="712" r:id="rId18"/>
   </p:sldIdLst>
-  <p:sldSz cx="12198350" cy="6859270"/>
+  <p:sldSz cx="12198350" cy="6859588"/>
   <p:notesSz cx="6858000" cy="9144000"/>
   <p:custDataLst>
-    <p:tags r:id="rId24"/>
+    <p:tags r:id="rId20"/>
   </p:custDataLst>
   <p:defaultTextStyle>
     <a:defPPr>
@@ -129,12 +129,12 @@
   <p:extLst>
     <p:ext uri="{EFAFB233-063F-42B5-8137-9DF3F51BA10A}">
       <p15:sldGuideLst xmlns:p15="http://schemas.microsoft.com/office/powerpoint/2012/main">
-        <p15:guide id="1" orient="horz" pos="2173" userDrawn="1">
+        <p15:guide id="1" orient="horz" pos="2160" userDrawn="1">
           <p15:clr>
             <a:srgbClr val="A4A3A4"/>
           </p15:clr>
         </p15:guide>
-        <p15:guide id="2" pos="3819" userDrawn="1">
+        <p15:guide id="2" pos="3842" userDrawn="1">
           <p15:clr>
             <a:srgbClr val="A4A3A4"/>
           </p15:clr>
@@ -242,6 +242,7 @@
           <a:p>
             <a:fld id="{1262AE03-6EE8-41FD-8A37-86C6BC5E264F}" type="datetimeFigureOut">
               <a:rPr lang="zh-CN" altLang="en-US" smtClean="0"/>
+              <a:t>2025/3/4</a:t>
             </a:fld>
             <a:endParaRPr lang="zh-CN" altLang="en-US"/>
           </a:p>
@@ -308,7 +309,6 @@
               <a:rPr lang="zh-CN" altLang="en-US"/>
               <a:t>单击此处编辑母版文本样式</a:t>
             </a:r>
-            <a:endParaRPr lang="zh-CN" altLang="en-US"/>
           </a:p>
           <a:p>
             <a:pPr lvl="1"/>
@@ -316,7 +316,6 @@
               <a:rPr lang="zh-CN" altLang="en-US"/>
               <a:t>第二级</a:t>
             </a:r>
-            <a:endParaRPr lang="zh-CN" altLang="en-US"/>
           </a:p>
           <a:p>
             <a:pPr lvl="2"/>
@@ -324,7 +323,6 @@
               <a:rPr lang="zh-CN" altLang="en-US"/>
               <a:t>第三级</a:t>
             </a:r>
-            <a:endParaRPr lang="zh-CN" altLang="en-US"/>
           </a:p>
           <a:p>
             <a:pPr lvl="3"/>
@@ -332,7 +330,6 @@
               <a:rPr lang="zh-CN" altLang="en-US"/>
               <a:t>第四级</a:t>
             </a:r>
-            <a:endParaRPr lang="zh-CN" altLang="en-US"/>
           </a:p>
           <a:p>
             <a:pPr lvl="4"/>
@@ -340,7 +337,6 @@
               <a:rPr lang="zh-CN" altLang="en-US"/>
               <a:t>第五级</a:t>
             </a:r>
-            <a:endParaRPr lang="zh-CN" altLang="en-US"/>
           </a:p>
         </p:txBody>
       </p:sp>
@@ -404,6 +400,7 @@
           <a:p>
             <a:fld id="{0E21FD59-C920-460C-B1C9-0346C59420B0}" type="slidenum">
               <a:rPr lang="zh-CN" altLang="en-US" smtClean="0"/>
+              <a:t>‹#›</a:t>
             </a:fld>
             <a:endParaRPr lang="zh-CN" altLang="en-US"/>
           </a:p>
@@ -572,6 +569,7 @@
           <a:p>
             <a:fld id="{41E0E0E2-7263-44C4-AAA9-733DBA7BD205}" type="slidenum">
               <a:rPr lang="zh-CN" altLang="en-US" smtClean="0"/>
+              <a:t>1</a:t>
             </a:fld>
             <a:endParaRPr lang="zh-CN" altLang="en-US"/>
           </a:p>
@@ -650,6 +648,7 @@
           <a:p>
             <a:fld id="{0E21FD59-C920-460C-B1C9-0346C59420B0}" type="slidenum">
               <a:rPr lang="zh-CN" altLang="en-US" smtClean="0"/>
+              <a:t>10</a:t>
             </a:fld>
             <a:endParaRPr lang="zh-CN" altLang="en-US"/>
           </a:p>
@@ -728,6 +727,7 @@
           <a:p>
             <a:fld id="{0E21FD59-C920-460C-B1C9-0346C59420B0}" type="slidenum">
               <a:rPr lang="zh-CN" altLang="en-US" smtClean="0"/>
+              <a:t>11</a:t>
             </a:fld>
             <a:endParaRPr lang="zh-CN" altLang="en-US"/>
           </a:p>
@@ -806,6 +806,7 @@
           <a:p>
             <a:fld id="{0E21FD59-C920-460C-B1C9-0346C59420B0}" type="slidenum">
               <a:rPr lang="zh-CN" altLang="en-US" smtClean="0"/>
+              <a:t>12</a:t>
             </a:fld>
             <a:endParaRPr lang="zh-CN" altLang="en-US"/>
           </a:p>
@@ -889,6 +890,7 @@
           <a:p>
             <a:fld id="{41E0E0E2-7263-44C4-AAA9-733DBA7BD205}" type="slidenum">
               <a:rPr lang="zh-CN" altLang="en-US" smtClean="0"/>
+              <a:t>13</a:t>
             </a:fld>
             <a:endParaRPr lang="zh-CN" altLang="en-US"/>
           </a:p>
@@ -967,6 +969,7 @@
           <a:p>
             <a:fld id="{0E21FD59-C920-460C-B1C9-0346C59420B0}" type="slidenum">
               <a:rPr lang="zh-CN" altLang="en-US" smtClean="0"/>
+              <a:t>14</a:t>
             </a:fld>
             <a:endParaRPr lang="zh-CN" altLang="en-US"/>
           </a:p>
@@ -1045,6 +1048,7 @@
           <a:p>
             <a:fld id="{0E21FD59-C920-460C-B1C9-0346C59420B0}" type="slidenum">
               <a:rPr lang="zh-CN" altLang="en-US" smtClean="0"/>
+              <a:t>15</a:t>
             </a:fld>
             <a:endParaRPr lang="zh-CN" altLang="en-US"/>
           </a:p>
@@ -1123,6 +1127,7 @@
           <a:p>
             <a:fld id="{0E21FD59-C920-460C-B1C9-0346C59420B0}" type="slidenum">
               <a:rPr lang="zh-CN" altLang="en-US" smtClean="0"/>
+              <a:t>16</a:t>
             </a:fld>
             <a:endParaRPr lang="zh-CN" altLang="en-US"/>
           </a:p>
@@ -1201,6 +1206,7 @@
           <a:p>
             <a:fld id="{0E21FD59-C920-460C-B1C9-0346C59420B0}" type="slidenum">
               <a:rPr lang="zh-CN" altLang="en-US" smtClean="0"/>
+              <a:t>17</a:t>
             </a:fld>
             <a:endParaRPr lang="zh-CN" altLang="en-US"/>
           </a:p>
@@ -1284,6 +1290,7 @@
           <a:p>
             <a:fld id="{41E0E0E2-7263-44C4-AAA9-733DBA7BD205}" type="slidenum">
               <a:rPr lang="zh-CN" altLang="en-US" smtClean="0"/>
+              <a:t>2</a:t>
             </a:fld>
             <a:endParaRPr lang="zh-CN" altLang="en-US"/>
           </a:p>
@@ -1362,6 +1369,7 @@
           <a:p>
             <a:fld id="{0E21FD59-C920-460C-B1C9-0346C59420B0}" type="slidenum">
               <a:rPr lang="zh-CN" altLang="en-US" smtClean="0"/>
+              <a:t>3</a:t>
             </a:fld>
             <a:endParaRPr lang="zh-CN" altLang="en-US"/>
           </a:p>
@@ -1440,6 +1448,7 @@
           <a:p>
             <a:fld id="{0E21FD59-C920-460C-B1C9-0346C59420B0}" type="slidenum">
               <a:rPr lang="zh-CN" altLang="en-US" smtClean="0"/>
+              <a:t>4</a:t>
             </a:fld>
             <a:endParaRPr lang="zh-CN" altLang="en-US"/>
           </a:p>
@@ -1523,6 +1532,7 @@
           <a:p>
             <a:fld id="{41E0E0E2-7263-44C4-AAA9-733DBA7BD205}" type="slidenum">
               <a:rPr lang="zh-CN" altLang="en-US" smtClean="0"/>
+              <a:t>5</a:t>
             </a:fld>
             <a:endParaRPr lang="zh-CN" altLang="en-US"/>
           </a:p>
@@ -1601,6 +1611,7 @@
           <a:p>
             <a:fld id="{0E21FD59-C920-460C-B1C9-0346C59420B0}" type="slidenum">
               <a:rPr lang="zh-CN" altLang="en-US" smtClean="0"/>
+              <a:t>6</a:t>
             </a:fld>
             <a:endParaRPr lang="zh-CN" altLang="en-US"/>
           </a:p>
@@ -1679,6 +1690,7 @@
           <a:p>
             <a:fld id="{0E21FD59-C920-460C-B1C9-0346C59420B0}" type="slidenum">
               <a:rPr lang="zh-CN" altLang="en-US" smtClean="0"/>
+              <a:t>7</a:t>
             </a:fld>
             <a:endParaRPr lang="zh-CN" altLang="en-US"/>
           </a:p>
@@ -1757,6 +1769,7 @@
           <a:p>
             <a:fld id="{0E21FD59-C920-460C-B1C9-0346C59420B0}" type="slidenum">
               <a:rPr lang="zh-CN" altLang="en-US" smtClean="0"/>
+              <a:t>8</a:t>
             </a:fld>
             <a:endParaRPr lang="zh-CN" altLang="en-US"/>
           </a:p>
@@ -1835,6 +1848,7 @@
           <a:p>
             <a:fld id="{0E21FD59-C920-460C-B1C9-0346C59420B0}" type="slidenum">
               <a:rPr lang="zh-CN" altLang="en-US" smtClean="0"/>
+              <a:t>9</a:t>
             </a:fld>
             <a:endParaRPr lang="zh-CN" altLang="en-US"/>
           </a:p>
@@ -1956,7 +1970,6 @@
               <a:rPr lang="zh-CN" altLang="en-US"/>
               <a:t>单击此处编辑母版标题样式</a:t>
             </a:r>
-            <a:endParaRPr lang="zh-CN" altLang="en-US"/>
           </a:p>
         </p:txBody>
       </p:sp>
@@ -2078,7 +2091,6 @@
               <a:rPr lang="zh-CN" altLang="en-US"/>
               <a:t>单击此处编辑母版副标题样式</a:t>
             </a:r>
-            <a:endParaRPr lang="zh-CN" altLang="en-US"/>
           </a:p>
         </p:txBody>
       </p:sp>
@@ -2107,6 +2119,7 @@
           <a:p>
             <a:fld id="{9E0611D0-9A6A-4745-A630-32461103131C}" type="datetimeFigureOut">
               <a:rPr lang="zh-CN" altLang="en-US" smtClean="0"/>
+              <a:t>2025/3/4</a:t>
             </a:fld>
             <a:endParaRPr lang="zh-CN" altLang="en-US"/>
           </a:p>
@@ -2164,6 +2177,7 @@
           <a:p>
             <a:fld id="{9D3F3D8C-2C4B-4342-80F1-9B8A0E6BA81A}" type="slidenum">
               <a:rPr lang="zh-CN" altLang="en-US" smtClean="0"/>
+              <a:t>‹#›</a:t>
             </a:fld>
             <a:endParaRPr lang="zh-CN" altLang="en-US"/>
           </a:p>
@@ -2324,7 +2338,6 @@
               <a:rPr lang="zh-CN" altLang="en-US"/>
               <a:t>单击此处编辑母版标题样式</a:t>
             </a:r>
-            <a:endParaRPr lang="zh-CN" altLang="en-US"/>
           </a:p>
         </p:txBody>
       </p:sp>
@@ -2353,6 +2366,7 @@
           <a:p>
             <a:fld id="{DF659192-60C8-49F5-94DF-1E29C3FCC85C}" type="datetimeFigureOut">
               <a:rPr lang="zh-CN" altLang="en-US" smtClean="0"/>
+              <a:t>2025/3/4</a:t>
             </a:fld>
             <a:endParaRPr lang="zh-CN" altLang="en-US"/>
           </a:p>
@@ -2410,6 +2424,7 @@
           <a:p>
             <a:fld id="{EB730883-2733-4EB0-9793-894FF9D50112}" type="slidenum">
               <a:rPr lang="zh-CN" altLang="en-US" smtClean="0"/>
+              <a:t>‹#›</a:t>
             </a:fld>
             <a:endParaRPr lang="zh-CN" altLang="en-US"/>
           </a:p>
@@ -2466,6 +2481,7 @@
           <a:p>
             <a:fld id="{DF659192-60C8-49F5-94DF-1E29C3FCC85C}" type="datetimeFigureOut">
               <a:rPr lang="zh-CN" altLang="en-US" smtClean="0"/>
+              <a:t>2025/3/4</a:t>
             </a:fld>
             <a:endParaRPr lang="zh-CN" altLang="en-US"/>
           </a:p>
@@ -2523,6 +2539,7 @@
           <a:p>
             <a:fld id="{EB730883-2733-4EB0-9793-894FF9D50112}" type="slidenum">
               <a:rPr lang="zh-CN" altLang="en-US" smtClean="0"/>
+              <a:t>‹#›</a:t>
             </a:fld>
             <a:endParaRPr lang="zh-CN" altLang="en-US"/>
           </a:p>
@@ -2585,7 +2602,6 @@
               <a:rPr lang="zh-CN" altLang="en-US"/>
               <a:t>单击此处编辑母版标题样式</a:t>
             </a:r>
-            <a:endParaRPr lang="zh-CN" altLang="en-US"/>
           </a:p>
         </p:txBody>
       </p:sp>
@@ -2645,7 +2661,6 @@
               <a:rPr lang="zh-CN" altLang="en-US"/>
               <a:t>单击此处编辑母版文本样式</a:t>
             </a:r>
-            <a:endParaRPr lang="zh-CN" altLang="en-US"/>
           </a:p>
           <a:p>
             <a:pPr lvl="1"/>
@@ -2653,7 +2668,6 @@
               <a:rPr lang="zh-CN" altLang="en-US"/>
               <a:t>第二级</a:t>
             </a:r>
-            <a:endParaRPr lang="zh-CN" altLang="en-US"/>
           </a:p>
           <a:p>
             <a:pPr lvl="2"/>
@@ -2661,7 +2675,6 @@
               <a:rPr lang="zh-CN" altLang="en-US"/>
               <a:t>第三级</a:t>
             </a:r>
-            <a:endParaRPr lang="zh-CN" altLang="en-US"/>
           </a:p>
           <a:p>
             <a:pPr lvl="3"/>
@@ -2669,7 +2682,6 @@
               <a:rPr lang="zh-CN" altLang="en-US"/>
               <a:t>第四级</a:t>
             </a:r>
-            <a:endParaRPr lang="zh-CN" altLang="en-US"/>
           </a:p>
           <a:p>
             <a:pPr lvl="4"/>
@@ -2677,7 +2689,6 @@
               <a:rPr lang="zh-CN" altLang="en-US"/>
               <a:t>第五级</a:t>
             </a:r>
-            <a:endParaRPr lang="zh-CN" altLang="en-US"/>
           </a:p>
         </p:txBody>
       </p:sp>
@@ -2746,7 +2757,6 @@
               <a:rPr lang="zh-CN" altLang="en-US"/>
               <a:t>单击此处编辑母版文本样式</a:t>
             </a:r>
-            <a:endParaRPr lang="zh-CN" altLang="en-US"/>
           </a:p>
         </p:txBody>
       </p:sp>
@@ -2775,6 +2785,7 @@
           <a:p>
             <a:fld id="{DF659192-60C8-49F5-94DF-1E29C3FCC85C}" type="datetimeFigureOut">
               <a:rPr lang="zh-CN" altLang="en-US" smtClean="0"/>
+              <a:t>2025/3/4</a:t>
             </a:fld>
             <a:endParaRPr lang="zh-CN" altLang="en-US"/>
           </a:p>
@@ -2832,6 +2843,7 @@
           <a:p>
             <a:fld id="{EB730883-2733-4EB0-9793-894FF9D50112}" type="slidenum">
               <a:rPr lang="zh-CN" altLang="en-US" smtClean="0"/>
+              <a:t>‹#›</a:t>
             </a:fld>
             <a:endParaRPr lang="zh-CN" altLang="en-US"/>
           </a:p>
@@ -2894,7 +2906,6 @@
               <a:rPr lang="zh-CN" altLang="en-US"/>
               <a:t>单击此处编辑母版标题样式</a:t>
             </a:r>
-            <a:endParaRPr lang="zh-CN" altLang="en-US"/>
           </a:p>
         </p:txBody>
       </p:sp>
@@ -3027,7 +3038,6 @@
               <a:rPr lang="zh-CN" altLang="en-US"/>
               <a:t>单击此处编辑母版文本样式</a:t>
             </a:r>
-            <a:endParaRPr lang="zh-CN" altLang="en-US"/>
           </a:p>
         </p:txBody>
       </p:sp>
@@ -3056,6 +3066,7 @@
           <a:p>
             <a:fld id="{DF659192-60C8-49F5-94DF-1E29C3FCC85C}" type="datetimeFigureOut">
               <a:rPr lang="zh-CN" altLang="en-US" smtClean="0"/>
+              <a:t>2025/3/4</a:t>
             </a:fld>
             <a:endParaRPr lang="zh-CN" altLang="en-US"/>
           </a:p>
@@ -3113,6 +3124,7 @@
           <a:p>
             <a:fld id="{EB730883-2733-4EB0-9793-894FF9D50112}" type="slidenum">
               <a:rPr lang="zh-CN" altLang="en-US" smtClean="0"/>
+              <a:t>‹#›</a:t>
             </a:fld>
             <a:endParaRPr lang="zh-CN" altLang="en-US"/>
           </a:p>
@@ -3171,7 +3183,6 @@
               <a:rPr lang="zh-CN" altLang="en-US"/>
               <a:t>单击此处编辑母版标题样式</a:t>
             </a:r>
-            <a:endParaRPr lang="zh-CN" altLang="en-US"/>
           </a:p>
         </p:txBody>
       </p:sp>
@@ -3203,7 +3214,6 @@
               <a:rPr lang="zh-CN" altLang="en-US"/>
               <a:t>单击此处编辑母版文本样式</a:t>
             </a:r>
-            <a:endParaRPr lang="zh-CN" altLang="en-US"/>
           </a:p>
           <a:p>
             <a:pPr lvl="1"/>
@@ -3211,7 +3221,6 @@
               <a:rPr lang="zh-CN" altLang="en-US"/>
               <a:t>第二级</a:t>
             </a:r>
-            <a:endParaRPr lang="zh-CN" altLang="en-US"/>
           </a:p>
           <a:p>
             <a:pPr lvl="2"/>
@@ -3219,7 +3228,6 @@
               <a:rPr lang="zh-CN" altLang="en-US"/>
               <a:t>第三级</a:t>
             </a:r>
-            <a:endParaRPr lang="zh-CN" altLang="en-US"/>
           </a:p>
           <a:p>
             <a:pPr lvl="3"/>
@@ -3227,7 +3235,6 @@
               <a:rPr lang="zh-CN" altLang="en-US"/>
               <a:t>第四级</a:t>
             </a:r>
-            <a:endParaRPr lang="zh-CN" altLang="en-US"/>
           </a:p>
           <a:p>
             <a:pPr lvl="4"/>
@@ -3235,7 +3242,6 @@
               <a:rPr lang="zh-CN" altLang="en-US"/>
               <a:t>第五级</a:t>
             </a:r>
-            <a:endParaRPr lang="zh-CN" altLang="en-US"/>
           </a:p>
         </p:txBody>
       </p:sp>
@@ -3264,6 +3270,7 @@
           <a:p>
             <a:fld id="{DF659192-60C8-49F5-94DF-1E29C3FCC85C}" type="datetimeFigureOut">
               <a:rPr lang="zh-CN" altLang="en-US" smtClean="0"/>
+              <a:t>2025/3/4</a:t>
             </a:fld>
             <a:endParaRPr lang="zh-CN" altLang="en-US"/>
           </a:p>
@@ -3321,6 +3328,7 @@
           <a:p>
             <a:fld id="{EB730883-2733-4EB0-9793-894FF9D50112}" type="slidenum">
               <a:rPr lang="zh-CN" altLang="en-US" smtClean="0"/>
+              <a:t>‹#›</a:t>
             </a:fld>
             <a:endParaRPr lang="zh-CN" altLang="en-US"/>
           </a:p>
@@ -3379,7 +3387,6 @@
               <a:rPr lang="zh-CN" altLang="en-US"/>
               <a:t>单击此处编辑母版标题样式</a:t>
             </a:r>
-            <a:endParaRPr lang="zh-CN" altLang="en-US"/>
           </a:p>
         </p:txBody>
       </p:sp>
@@ -3411,7 +3418,6 @@
               <a:rPr lang="zh-CN" altLang="en-US"/>
               <a:t>单击此处编辑母版文本样式</a:t>
             </a:r>
-            <a:endParaRPr lang="zh-CN" altLang="en-US"/>
           </a:p>
           <a:p>
             <a:pPr lvl="1"/>
@@ -3419,7 +3425,6 @@
               <a:rPr lang="zh-CN" altLang="en-US"/>
               <a:t>第二级</a:t>
             </a:r>
-            <a:endParaRPr lang="zh-CN" altLang="en-US"/>
           </a:p>
           <a:p>
             <a:pPr lvl="2"/>
@@ -3427,7 +3432,6 @@
               <a:rPr lang="zh-CN" altLang="en-US"/>
               <a:t>第三级</a:t>
             </a:r>
-            <a:endParaRPr lang="zh-CN" altLang="en-US"/>
           </a:p>
           <a:p>
             <a:pPr lvl="3"/>
@@ -3435,7 +3439,6 @@
               <a:rPr lang="zh-CN" altLang="en-US"/>
               <a:t>第四级</a:t>
             </a:r>
-            <a:endParaRPr lang="zh-CN" altLang="en-US"/>
           </a:p>
           <a:p>
             <a:pPr lvl="4"/>
@@ -3443,7 +3446,6 @@
               <a:rPr lang="zh-CN" altLang="en-US"/>
               <a:t>第五级</a:t>
             </a:r>
-            <a:endParaRPr lang="zh-CN" altLang="en-US"/>
           </a:p>
         </p:txBody>
       </p:sp>
@@ -3472,6 +3474,7 @@
           <a:p>
             <a:fld id="{DF659192-60C8-49F5-94DF-1E29C3FCC85C}" type="datetimeFigureOut">
               <a:rPr lang="zh-CN" altLang="en-US" smtClean="0"/>
+              <a:t>2025/3/4</a:t>
             </a:fld>
             <a:endParaRPr lang="zh-CN" altLang="en-US"/>
           </a:p>
@@ -3529,6 +3532,7 @@
           <a:p>
             <a:fld id="{EB730883-2733-4EB0-9793-894FF9D50112}" type="slidenum">
               <a:rPr lang="zh-CN" altLang="en-US" smtClean="0"/>
+              <a:t>‹#›</a:t>
             </a:fld>
             <a:endParaRPr lang="zh-CN" altLang="en-US"/>
           </a:p>
@@ -3889,7 +3893,7 @@
           <p:nvPr/>
         </p:nvPicPr>
         <p:blipFill>
-          <a:blip r:embed="rId1" cstate="print">
+          <a:blip r:embed="rId3" cstate="print">
             <a:extLst>
               <a:ext uri="{28A0092B-C50C-407E-A947-70E740481C1C}">
                 <a14:useLocalDpi xmlns:a14="http://schemas.microsoft.com/office/drawing/2010/main" val="0"/>
@@ -3943,13 +3947,6 @@
               </a:rPr>
               <a:t>保守光栅化介绍</a:t>
             </a:r>
-            <a:endParaRPr lang="zh-CN" altLang="en-US" sz="6000" b="1" dirty="0">
-              <a:solidFill>
-                <a:schemeClr val="accent1"/>
-              </a:solidFill>
-              <a:latin typeface="微软雅黑" panose="020B0503020204020204" pitchFamily="34" charset="-122"/>
-              <a:ea typeface="微软雅黑" panose="020B0503020204020204" pitchFamily="34" charset="-122"/>
-            </a:endParaRPr>
           </a:p>
         </p:txBody>
       </p:sp>
@@ -4025,16 +4022,6 @@
               </a:rPr>
               <a:t>黄鑫</a:t>
             </a:r>
-            <a:endParaRPr lang="zh-CN" altLang="en-US" sz="2800" b="1" dirty="0">
-              <a:solidFill>
-                <a:schemeClr val="tx1">
-                  <a:lumMod val="75000"/>
-                  <a:lumOff val="25000"/>
-                </a:schemeClr>
-              </a:solidFill>
-              <a:latin typeface="微软雅黑" panose="020B0503020204020204" pitchFamily="34" charset="-122"/>
-              <a:ea typeface="微软雅黑" panose="020B0503020204020204" pitchFamily="34" charset="-122"/>
-            </a:endParaRPr>
           </a:p>
         </p:txBody>
       </p:sp>
@@ -4125,16 +4112,6 @@
               </a:rPr>
               <a:t>支持</a:t>
             </a:r>
-            <a:endParaRPr lang="zh-CN" altLang="en-US" sz="2800" b="1" dirty="0">
-              <a:solidFill>
-                <a:schemeClr val="tx2">
-                  <a:lumMod val="60000"/>
-                  <a:lumOff val="40000"/>
-                </a:schemeClr>
-              </a:solidFill>
-              <a:latin typeface="微软雅黑" panose="020B0503020204020204" pitchFamily="34" charset="-122"/>
-              <a:ea typeface="微软雅黑" panose="020B0503020204020204" pitchFamily="34" charset="-122"/>
-            </a:endParaRPr>
           </a:p>
         </p:txBody>
       </p:sp>
@@ -4203,10 +4180,6 @@
               </a:rPr>
               <a:t>:</a:t>
             </a:r>
-            <a:endParaRPr lang="en-US" altLang="zh-CN" sz="2000" dirty="0">
-              <a:latin typeface="+mn-ea"/>
-              <a:cs typeface="+mn-ea"/>
-            </a:endParaRPr>
           </a:p>
           <a:p>
             <a:pPr indent="0">
@@ -4268,14 +4241,12 @@
               <a:rPr lang="en-US" altLang="zh-CN" sz="1000" dirty="0"/>
               <a:t>"</a:t>
             </a:r>
-            <a:endParaRPr lang="en-US" altLang="zh-CN" sz="1000" dirty="0"/>
           </a:p>
           <a:p>
             <a:r>
               <a:rPr lang="en-US" altLang="zh-CN" sz="1000" dirty="0"/>
               <a:t>{</a:t>
             </a:r>
-            <a:endParaRPr lang="en-US" altLang="zh-CN" sz="1000" dirty="0"/>
           </a:p>
           <a:p>
             <a:r>
@@ -4293,7 +4264,6 @@
               <a:rPr lang="en-US" altLang="zh-CN" sz="1000" dirty="0"/>
               <a:t>    {</a:t>
             </a:r>
-            <a:endParaRPr lang="en-US" altLang="zh-CN" sz="1000" dirty="0"/>
           </a:p>
           <a:p>
             <a:r>
@@ -4308,7 +4278,6 @@
               <a:rPr lang="en-US" altLang="zh-CN" sz="1000" dirty="0"/>
               <a:t> goes here.</a:t>
             </a:r>
-            <a:endParaRPr lang="en-US" altLang="zh-CN" sz="1000" dirty="0"/>
           </a:p>
           <a:p>
             <a:r>
@@ -4323,63 +4292,54 @@
               <a:rPr lang="en-US" altLang="zh-CN" sz="1000" dirty="0"/>
               <a:t>Conservative True</a:t>
             </a:r>
-            <a:endParaRPr lang="en-US" altLang="zh-CN" sz="1000" dirty="0"/>
           </a:p>
           <a:p>
             <a:r>
               <a:rPr lang="en-US" altLang="zh-CN" sz="1000" dirty="0"/>
               <a:t>        Pass</a:t>
             </a:r>
-            <a:endParaRPr lang="en-US" altLang="zh-CN" sz="1000" dirty="0"/>
           </a:p>
           <a:p>
             <a:r>
               <a:rPr lang="en-US" altLang="zh-CN" sz="1000" dirty="0"/>
               <a:t>        {    </a:t>
             </a:r>
-            <a:endParaRPr lang="en-US" altLang="zh-CN" sz="1000" dirty="0"/>
           </a:p>
           <a:p>
             <a:r>
               <a:rPr lang="en-US" altLang="zh-CN" sz="1000" dirty="0"/>
               <a:t>              // Enable conservative rasterization for this Pass.</a:t>
             </a:r>
-            <a:endParaRPr lang="en-US" altLang="zh-CN" sz="1000" dirty="0"/>
           </a:p>
           <a:p>
             <a:r>
               <a:rPr lang="en-US" altLang="zh-CN" sz="1000" dirty="0"/>
               <a:t>              Conservative True</a:t>
             </a:r>
-            <a:endParaRPr lang="en-US" altLang="zh-CN" sz="1000" dirty="0"/>
           </a:p>
           <a:p>
             <a:r>
               <a:rPr lang="en-US" altLang="zh-CN" sz="1000" dirty="0"/>
               <a:t>            </a:t>
             </a:r>
-            <a:endParaRPr lang="en-US" altLang="zh-CN" sz="1000" dirty="0"/>
           </a:p>
           <a:p>
             <a:r>
               <a:rPr lang="en-US" altLang="zh-CN" sz="1000" dirty="0"/>
               <a:t>              // The rest of the code that defines the Pass goes here.</a:t>
             </a:r>
-            <a:endParaRPr lang="en-US" altLang="zh-CN" sz="1000" dirty="0"/>
           </a:p>
           <a:p>
             <a:r>
               <a:rPr lang="en-US" altLang="zh-CN" sz="1000" dirty="0"/>
               <a:t>        }</a:t>
             </a:r>
-            <a:endParaRPr lang="en-US" altLang="zh-CN" sz="1000" dirty="0"/>
           </a:p>
           <a:p>
             <a:r>
               <a:rPr lang="en-US" altLang="zh-CN" sz="1000" dirty="0"/>
               <a:t>    }</a:t>
             </a:r>
-            <a:endParaRPr lang="en-US" altLang="zh-CN" sz="1000" dirty="0"/>
           </a:p>
           <a:p>
             <a:r>
@@ -4464,7 +4424,7 @@
           <p:nvPr/>
         </p:nvPicPr>
         <p:blipFill>
-          <a:blip r:embed="rId3"/>
+          <a:blip r:embed="rId6"/>
           <a:stretch>
             <a:fillRect/>
           </a:stretch>
@@ -4488,7 +4448,7 @@
           <p:nvPr/>
         </p:nvPicPr>
         <p:blipFill>
-          <a:blip r:embed="rId4"/>
+          <a:blip r:embed="rId7"/>
           <a:stretch>
             <a:fillRect/>
           </a:stretch>
@@ -4512,7 +4472,7 @@
           <p:nvPr/>
         </p:nvPicPr>
         <p:blipFill>
-          <a:blip r:embed="rId5"/>
+          <a:blip r:embed="rId8"/>
           <a:stretch>
             <a:fillRect/>
           </a:stretch>
@@ -4533,7 +4493,7 @@
           <p:cNvSpPr txBox="1"/>
           <p:nvPr>
             <p:custDataLst>
-              <p:tags r:id="rId6"/>
+              <p:tags r:id="rId3"/>
             </p:custDataLst>
           </p:nvPr>
         </p:nvSpPr>
@@ -4551,6 +4511,7 @@
           <a:bodyPr wrap="square">
             <a:noAutofit/>
           </a:bodyPr>
+          <a:lstStyle/>
           <a:p>
             <a:pPr indent="0">
               <a:buFont typeface="Arial" panose="020B0604020202020204" pitchFamily="34" charset="0"/>
@@ -4570,10 +4531,6 @@
               </a:rPr>
               <a:t>：</a:t>
             </a:r>
-            <a:endParaRPr lang="zh-CN" altLang="en-US" sz="2000" b="1" i="1" dirty="0">
-              <a:latin typeface="+mn-ea"/>
-              <a:cs typeface="+mn-ea"/>
-            </a:endParaRPr>
           </a:p>
           <a:p>
             <a:pPr indent="0">
@@ -4587,10 +4544,6 @@
               </a:rPr>
               <a:t>应该要检查硬件是否支持</a:t>
             </a:r>
-            <a:endParaRPr lang="zh-CN" altLang="en-US" sz="2000" b="1" i="1" dirty="0">
-              <a:latin typeface="+mn-ea"/>
-              <a:cs typeface="+mn-ea"/>
-            </a:endParaRPr>
           </a:p>
         </p:txBody>
       </p:sp>
@@ -4655,16 +4608,6 @@
               </a:rPr>
               <a:t>自己实现</a:t>
             </a:r>
-            <a:endParaRPr lang="zh-CN" altLang="en-US" sz="2800" b="1" dirty="0">
-              <a:solidFill>
-                <a:schemeClr val="tx2">
-                  <a:lumMod val="60000"/>
-                  <a:lumOff val="40000"/>
-                </a:schemeClr>
-              </a:solidFill>
-              <a:latin typeface="微软雅黑" panose="020B0503020204020204" pitchFamily="34" charset="-122"/>
-              <a:ea typeface="微软雅黑" panose="020B0503020204020204" pitchFamily="34" charset="-122"/>
-            </a:endParaRPr>
           </a:p>
         </p:txBody>
       </p:sp>
@@ -4681,7 +4624,7 @@
         <p:spPr>
           <a:xfrm>
             <a:off x="986607" y="1053530"/>
-            <a:ext cx="6984776" cy="3477875"/>
+            <a:ext cx="6984776" cy="4093428"/>
           </a:xfrm>
           <a:prstGeom prst="rect">
             <a:avLst/>
@@ -4726,6 +4669,50 @@
               </a:rPr>
               <a:t>实现</a:t>
             </a:r>
+          </a:p>
+          <a:p>
+            <a:pPr indent="0">
+              <a:buFont typeface="Arial" panose="020B0604020202020204" pitchFamily="34" charset="0"/>
+              <a:buNone/>
+            </a:pPr>
+            <a:r>
+              <a:rPr lang="zh-CN" altLang="en-US" sz="2000" dirty="0">
+                <a:latin typeface="+mn-ea"/>
+                <a:cs typeface="+mn-ea"/>
+              </a:rPr>
+              <a:t>（可以同时拿到</a:t>
+            </a:r>
+            <a:r>
+              <a:rPr lang="en-US" altLang="zh-CN" sz="2000" dirty="0">
+                <a:latin typeface="+mn-ea"/>
+                <a:cs typeface="+mn-ea"/>
+              </a:rPr>
+              <a:t>vs</a:t>
+            </a:r>
+            <a:r>
+              <a:rPr lang="zh-CN" altLang="en-US" sz="2000" dirty="0">
+                <a:latin typeface="+mn-ea"/>
+                <a:cs typeface="+mn-ea"/>
+              </a:rPr>
+              <a:t>后三角形三个顶点的信息，</a:t>
+            </a:r>
+            <a:endParaRPr lang="en-US" altLang="zh-CN" sz="2000" dirty="0">
+              <a:latin typeface="+mn-ea"/>
+              <a:cs typeface="+mn-ea"/>
+            </a:endParaRPr>
+          </a:p>
+          <a:p>
+            <a:pPr indent="0">
+              <a:buFont typeface="Arial" panose="020B0604020202020204" pitchFamily="34" charset="0"/>
+              <a:buNone/>
+            </a:pPr>
+            <a:r>
+              <a:rPr lang="zh-CN" altLang="en-US" sz="2000">
+                <a:latin typeface="+mn-ea"/>
+                <a:cs typeface="+mn-ea"/>
+              </a:rPr>
+              <a:t>进行扩张）</a:t>
+            </a:r>
             <a:endParaRPr lang="en-US" altLang="zh-CN" sz="2000" dirty="0">
               <a:latin typeface="+mn-ea"/>
               <a:cs typeface="+mn-ea"/>
@@ -4750,7 +4737,7 @@
               <a:rPr lang="en-US" altLang="zh-CN" sz="2000" dirty="0">
                 <a:latin typeface="+mn-ea"/>
                 <a:cs typeface="+mn-ea"/>
-                <a:hlinkClick r:id="rId2"/>
+                <a:hlinkClick r:id="rId4"/>
               </a:rPr>
               <a:t>https://yangwc.com/2019/06/11/Voxelization/</a:t>
             </a:r>
@@ -4822,7 +4809,7 @@
               <a:rPr lang="en-US" altLang="zh-CN" sz="2000" dirty="0">
                 <a:latin typeface="+mn-ea"/>
                 <a:cs typeface="+mn-ea"/>
-                <a:hlinkClick r:id="rId3"/>
+                <a:hlinkClick r:id="rId5"/>
               </a:rPr>
               <a:t>https://developer.nvidia.com/gpugems/gpugems2/part-v-image-oriented-computing/chapter-42-conservative-rasterization</a:t>
             </a:r>
@@ -4853,6 +4840,55 @@
           </a:p>
         </p:txBody>
       </p:sp>
+      <p:graphicFrame>
+        <p:nvGraphicFramePr>
+          <p:cNvPr id="4" name="对象 3"/>
+          <p:cNvGraphicFramePr/>
+          <p:nvPr/>
+        </p:nvGraphicFramePr>
+        <p:xfrm>
+          <a:off x="6259195" y="1021080"/>
+          <a:ext cx="5620385" cy="528955"/>
+        </p:xfrm>
+        <a:graphic>
+          <a:graphicData uri="http://schemas.openxmlformats.org/presentationml/2006/ole">
+            <mc:AlternateContent xmlns:mc="http://schemas.openxmlformats.org/markup-compatibility/2006">
+              <mc:Choice xmlns:v="urn:schemas-microsoft-com:vml" Requires="v">
+                <p:oleObj r:id="rId6" imgW="7208520" imgH="678180" progId="Paint.Picture">
+                  <p:embed/>
+                </p:oleObj>
+              </mc:Choice>
+              <mc:Fallback>
+                <p:oleObj r:id="rId6" imgW="7208520" imgH="678180" progId="Paint.Picture">
+                  <p:embed/>
+                  <p:pic>
+                    <p:nvPicPr>
+                      <p:cNvPr id="0" name="图片 4"/>
+                      <p:cNvPicPr/>
+                      <p:nvPr/>
+                    </p:nvPicPr>
+                    <p:blipFill>
+                      <a:blip r:embed="rId7"/>
+                      <a:stretch>
+                        <a:fillRect/>
+                      </a:stretch>
+                    </p:blipFill>
+                    <p:spPr>
+                      <a:xfrm>
+                        <a:off x="6259195" y="1021080"/>
+                        <a:ext cx="5620385" cy="528955"/>
+                      </a:xfrm>
+                      <a:prstGeom prst="rect">
+                        <a:avLst/>
+                      </a:prstGeom>
+                    </p:spPr>
+                  </p:pic>
+                </p:oleObj>
+              </mc:Fallback>
+            </mc:AlternateContent>
+          </a:graphicData>
+        </a:graphic>
+      </p:graphicFrame>
     </p:spTree>
   </p:cSld>
   <p:clrMapOvr>
@@ -4914,16 +4950,6 @@
               </a:rPr>
               <a:t>自己实现</a:t>
             </a:r>
-            <a:endParaRPr lang="zh-CN" altLang="en-US" sz="2800" b="1" dirty="0">
-              <a:solidFill>
-                <a:schemeClr val="tx2">
-                  <a:lumMod val="60000"/>
-                  <a:lumOff val="40000"/>
-                </a:schemeClr>
-              </a:solidFill>
-              <a:latin typeface="微软雅黑" panose="020B0503020204020204" pitchFamily="34" charset="-122"/>
-              <a:ea typeface="微软雅黑" panose="020B0503020204020204" pitchFamily="34" charset="-122"/>
-            </a:endParaRPr>
           </a:p>
         </p:txBody>
       </p:sp>
@@ -5015,7 +5041,7 @@
           <p:nvPr/>
         </p:nvPicPr>
         <p:blipFill>
-          <a:blip r:embed="rId2"/>
+          <a:blip r:embed="rId4"/>
           <a:stretch>
             <a:fillRect/>
           </a:stretch>
@@ -5039,7 +5065,7 @@
           <p:nvPr/>
         </p:nvPicPr>
         <p:blipFill>
-          <a:blip r:embed="rId3"/>
+          <a:blip r:embed="rId5"/>
           <a:stretch>
             <a:fillRect/>
           </a:stretch>
@@ -5103,10 +5129,6 @@
               </a:rPr>
               <a:t>保守光栅化：用离正半平面最近的角点</a:t>
             </a:r>
-            <a:endParaRPr lang="zh-CN" altLang="en-US" sz="1800" dirty="0">
-              <a:latin typeface="+mj-lt"/>
-              <a:ea typeface="+mj-ea"/>
-            </a:endParaRPr>
           </a:p>
         </p:txBody>
       </p:sp>
@@ -5240,7 +5262,7 @@
             <p:nvPr/>
           </p:nvPicPr>
           <p:blipFill>
-            <a:blip r:embed="rId4"/>
+            <a:blip r:embed="rId6"/>
             <a:stretch>
               <a:fillRect/>
             </a:stretch>
@@ -5270,8 +5292,8 @@
             <a:chExt cx="6096156" cy="1037099"/>
           </a:xfrm>
         </p:grpSpPr>
-        <mc:AlternateContent xmlns:mc="http://schemas.openxmlformats.org/markup-compatibility/2006">
-          <mc:Choice xmlns:a14="http://schemas.microsoft.com/office/drawing/2010/main" Requires="a14">
+        <mc:AlternateContent xmlns:mc="http://schemas.openxmlformats.org/markup-compatibility/2006" xmlns:a14="http://schemas.microsoft.com/office/drawing/2010/main">
+          <mc:Choice Requires="a14">
             <p:sp>
               <p:nvSpPr>
                 <p:cNvPr id="29" name="文本框 28"/>
@@ -5294,6 +5316,7 @@
                 </a:bodyPr>
                 <a:lstStyle/>
                 <a:p>
+                  <a:pPr/>
                   <a14:m>
                     <m:oMathPara xmlns:m="http://schemas.openxmlformats.org/officeDocument/2006/math">
                       <m:oMathParaPr>
@@ -5355,19 +5378,7 @@
                                   <a:rPr lang="en-US" altLang="zh-CN" sz="1200" b="0" i="1" smtClean="0">
                                     <a:latin typeface="Cambria Math" panose="02040503050406030204" pitchFamily="18" charset="0"/>
                                   </a:rPr>
-                                  <m:t>0</m:t>
-                                </m:r>
-                                <m:r>
-                                  <a:rPr lang="en-US" altLang="zh-CN" sz="1200" b="0" i="1" smtClean="0">
-                                    <a:latin typeface="Cambria Math" panose="02040503050406030204" pitchFamily="18" charset="0"/>
-                                  </a:rPr>
-                                  <m:t>.</m:t>
-                                </m:r>
-                                <m:r>
-                                  <a:rPr lang="en-US" altLang="zh-CN" sz="1200" b="0" i="1" smtClean="0">
-                                    <a:latin typeface="Cambria Math" panose="02040503050406030204" pitchFamily="18" charset="0"/>
-                                  </a:rPr>
-                                  <m:t>5</m:t>
+                                  <m:t>0.5</m:t>
                                 </m:r>
                                 <m:r>
                                   <a:rPr lang="en-US" altLang="zh-CN" sz="1200" i="1" smtClean="0">
@@ -5411,19 +5422,7 @@
                                   <a:rPr lang="en-US" altLang="zh-CN" sz="1200" i="1">
                                     <a:latin typeface="Cambria Math" panose="02040503050406030204" pitchFamily="18" charset="0"/>
                                   </a:rPr>
-                                  <m:t>0</m:t>
-                                </m:r>
-                                <m:r>
-                                  <a:rPr lang="en-US" altLang="zh-CN" sz="1200" i="1">
-                                    <a:latin typeface="Cambria Math" panose="02040503050406030204" pitchFamily="18" charset="0"/>
-                                  </a:rPr>
-                                  <m:t>.</m:t>
-                                </m:r>
-                                <m:r>
-                                  <a:rPr lang="en-US" altLang="zh-CN" sz="1200" i="1">
-                                    <a:latin typeface="Cambria Math" panose="02040503050406030204" pitchFamily="18" charset="0"/>
-                                  </a:rPr>
-                                  <m:t>5</m:t>
+                                  <m:t>0.5</m:t>
                                 </m:r>
                                 <m:r>
                                   <a:rPr lang="en-US" altLang="zh-CN" sz="1200" i="1" smtClean="0">
@@ -5514,25 +5513,7 @@
                                   <a:rPr lang="en-US" altLang="zh-CN" sz="1200" i="1">
                                     <a:latin typeface="Cambria Math" panose="02040503050406030204" pitchFamily="18" charset="0"/>
                                   </a:rPr>
-                                  <m:t>0</m:t>
-                                </m:r>
-                                <m:r>
-                                  <a:rPr lang="en-US" altLang="zh-CN" sz="1200" i="1">
-                                    <a:latin typeface="Cambria Math" panose="02040503050406030204" pitchFamily="18" charset="0"/>
-                                  </a:rPr>
-                                  <m:t>.</m:t>
-                                </m:r>
-                                <m:r>
-                                  <a:rPr lang="en-US" altLang="zh-CN" sz="1200" i="1">
-                                    <a:latin typeface="Cambria Math" panose="02040503050406030204" pitchFamily="18" charset="0"/>
-                                  </a:rPr>
-                                  <m:t>5</m:t>
-                                </m:r>
-                                <m:r>
-                                  <a:rPr lang="en-US" altLang="zh-CN" sz="1200" i="1">
-                                    <a:latin typeface="Cambria Math" panose="02040503050406030204" pitchFamily="18" charset="0"/>
-                                  </a:rPr>
-                                  <m:t>,  </m:t>
+                                  <m:t>0.5,  </m:t>
                                 </m:r>
                                 <m:r>
                                   <a:rPr lang="en-US" altLang="zh-CN" sz="1200" b="0" i="1" smtClean="0">
@@ -5544,13 +5525,7 @@
                                   <a:rPr lang="en-US" altLang="zh-CN" sz="1200" i="1">
                                     <a:latin typeface="Cambria Math" panose="02040503050406030204" pitchFamily="18" charset="0"/>
                                   </a:rPr>
-                                  <m:t>≥</m:t>
-                                </m:r>
-                                <m:r>
-                                  <a:rPr lang="en-US" altLang="zh-CN" sz="1200" i="1">
-                                    <a:latin typeface="Cambria Math" panose="02040503050406030204" pitchFamily="18" charset="0"/>
-                                  </a:rPr>
-                                  <m:t>0</m:t>
+                                  <m:t>≥0</m:t>
                                 </m:r>
                               </m:e>
                               <m:e>
@@ -5558,31 +5533,7 @@
                                   <a:rPr lang="en-US" altLang="zh-CN" sz="1200" i="1">
                                     <a:latin typeface="Cambria Math" panose="02040503050406030204" pitchFamily="18" charset="0"/>
                                   </a:rPr>
-                                  <m:t>&amp;−</m:t>
-                                </m:r>
-                                <m:r>
-                                  <a:rPr lang="en-US" altLang="zh-CN" sz="1200" i="1">
-                                    <a:latin typeface="Cambria Math" panose="02040503050406030204" pitchFamily="18" charset="0"/>
-                                  </a:rPr>
-                                  <m:t>0</m:t>
-                                </m:r>
-                                <m:r>
-                                  <a:rPr lang="en-US" altLang="zh-CN" sz="1200" i="1">
-                                    <a:latin typeface="Cambria Math" panose="02040503050406030204" pitchFamily="18" charset="0"/>
-                                  </a:rPr>
-                                  <m:t>.</m:t>
-                                </m:r>
-                                <m:r>
-                                  <a:rPr lang="en-US" altLang="zh-CN" sz="1200" i="1">
-                                    <a:latin typeface="Cambria Math" panose="02040503050406030204" pitchFamily="18" charset="0"/>
-                                  </a:rPr>
-                                  <m:t>5</m:t>
-                                </m:r>
-                                <m:r>
-                                  <a:rPr lang="en-US" altLang="zh-CN" sz="1200" i="1">
-                                    <a:latin typeface="Cambria Math" panose="02040503050406030204" pitchFamily="18" charset="0"/>
-                                  </a:rPr>
-                                  <m:t>,  </m:t>
+                                  <m:t>&amp;−0.5,  </m:t>
                                 </m:r>
                                 <m:r>
                                   <a:rPr lang="en-US" altLang="zh-CN" sz="1200" b="0" i="1" smtClean="0">
@@ -5594,13 +5545,7 @@
                                   <a:rPr lang="en-US" altLang="zh-CN" sz="1200" i="1">
                                     <a:latin typeface="Cambria Math" panose="02040503050406030204" pitchFamily="18" charset="0"/>
                                   </a:rPr>
-                                  <m:t>&lt;</m:t>
-                                </m:r>
-                                <m:r>
-                                  <a:rPr lang="en-US" altLang="zh-CN" sz="1200" i="1">
-                                    <a:latin typeface="Cambria Math" panose="02040503050406030204" pitchFamily="18" charset="0"/>
-                                  </a:rPr>
-                                  <m:t>0</m:t>
+                                  <m:t>&lt;0</m:t>
                                 </m:r>
                               </m:e>
                             </m:eqArr>
@@ -5614,7 +5559,7 @@
               </p:txBody>
             </p:sp>
           </mc:Choice>
-          <mc:Fallback>
+          <mc:Fallback xmlns="">
             <p:sp>
               <p:nvSpPr>
                 <p:cNvPr id="29" name="文本框 28"/>
@@ -5632,7 +5577,7 @@
                   <a:avLst/>
                 </a:prstGeom>
                 <a:blipFill rotWithShape="1">
-                  <a:blip r:embed="rId5"/>
+                  <a:blip r:embed="rId7"/>
                 </a:blipFill>
               </p:spPr>
               <p:txBody>
@@ -5659,7 +5604,7 @@
             <p:nvPr/>
           </p:nvPicPr>
           <p:blipFill>
-            <a:blip r:embed="rId6"/>
+            <a:blip r:embed="rId8"/>
             <a:stretch>
               <a:fillRect/>
             </a:stretch>
@@ -5695,6 +5640,7 @@
           <a:bodyPr wrap="square" rtlCol="0" anchor="t">
             <a:spAutoFit/>
           </a:bodyPr>
+          <a:lstStyle/>
           <a:p>
             <a:pPr indent="0">
               <a:buFont typeface="Arial" panose="020B0604020202020204" pitchFamily="34" charset="0"/>
@@ -5733,9 +5679,6 @@
               </a:rPr>
               <a:t> 23.1 Rasterization</a:t>
             </a:r>
-            <a:endParaRPr lang="en-US" altLang="zh-CN" sz="1800" dirty="0">
-              <a:sym typeface="+mn-ea"/>
-            </a:endParaRPr>
           </a:p>
           <a:p>
             <a:pPr indent="0">
@@ -5751,7 +5694,7 @@
             <a:r>
               <a:rPr lang="en-US" altLang="zh-CN" sz="1800" dirty="0">
                 <a:sym typeface="+mn-ea"/>
-                <a:hlinkClick r:id="rId7" action="ppaction://hlinkfile"/>
+                <a:hlinkClick r:id="rId9" action="ppaction://hlinkfile"/>
               </a:rPr>
               <a:t>https://fileadmin.cs.lth.se/graphics/research/papers/2005/cr/conservative.pdf</a:t>
             </a:r>
@@ -5999,13 +5942,6 @@
               </a:rPr>
               <a:t>定义和应用</a:t>
             </a:r>
-            <a:endParaRPr lang="zh-CN" altLang="en-US" sz="2000" b="1" dirty="0">
-              <a:solidFill>
-                <a:schemeClr val="bg1"/>
-              </a:solidFill>
-              <a:latin typeface="微软雅黑" panose="020B0503020204020204" pitchFamily="34" charset="-122"/>
-              <a:ea typeface="微软雅黑" panose="020B0503020204020204" pitchFamily="34" charset="-122"/>
-            </a:endParaRPr>
           </a:p>
         </p:txBody>
       </p:sp>
@@ -6146,7 +6082,7 @@
             <p:cNvSpPr/>
             <p:nvPr>
               <p:custDataLst>
-                <p:tags r:id="rId5"/>
+                <p:tags r:id="rId13"/>
               </p:custDataLst>
             </p:nvPr>
           </p:nvSpPr>
@@ -6203,11 +6139,6 @@
                 </a:rPr>
                 <a:t>2</a:t>
               </a:r>
-              <a:endParaRPr lang="en-US" altLang="zh-CN" sz="3600" dirty="0">
-                <a:latin typeface="+mj-lt"/>
-                <a:ea typeface="Arial Unicode MS" panose="020B0604020202020204" pitchFamily="34" charset="-122"/>
-                <a:cs typeface="Arial Unicode MS" panose="020B0604020202020204" pitchFamily="34" charset="-122"/>
-              </a:endParaRPr>
             </a:p>
           </p:txBody>
         </p:sp>
@@ -6217,7 +6148,7 @@
             <p:cNvSpPr/>
             <p:nvPr>
               <p:custDataLst>
-                <p:tags r:id="rId6"/>
+                <p:tags r:id="rId14"/>
               </p:custDataLst>
             </p:nvPr>
           </p:nvSpPr>
@@ -6280,7 +6211,7 @@
             <p:cNvSpPr/>
             <p:nvPr>
               <p:custDataLst>
-                <p:tags r:id="rId7"/>
+                <p:tags r:id="rId15"/>
               </p:custDataLst>
             </p:nvPr>
           </p:nvSpPr>
@@ -6313,14 +6244,6 @@
                 </a:rPr>
                 <a:t>实现</a:t>
               </a:r>
-              <a:endParaRPr lang="zh-CN" altLang="en-US" sz="2000" b="1" kern="100" dirty="0">
-                <a:solidFill>
-                  <a:schemeClr val="bg1"/>
-                </a:solidFill>
-                <a:latin typeface="微软雅黑" panose="020B0503020204020204" pitchFamily="34" charset="-122"/>
-                <a:ea typeface="微软雅黑" panose="020B0503020204020204" pitchFamily="34" charset="-122"/>
-                <a:cs typeface="Times New Roman" panose="02020603050405020304" pitchFamily="18" charset="0"/>
-              </a:endParaRPr>
             </a:p>
           </p:txBody>
         </p:sp>
@@ -6330,7 +6253,7 @@
             <p:cNvSpPr/>
             <p:nvPr>
               <p:custDataLst>
-                <p:tags r:id="rId8"/>
+                <p:tags r:id="rId16"/>
               </p:custDataLst>
             </p:nvPr>
           </p:nvSpPr>
@@ -6387,11 +6310,6 @@
                 </a:rPr>
                 <a:t>2.1</a:t>
               </a:r>
-              <a:endParaRPr lang="en-US" altLang="zh-CN" sz="3600" dirty="0">
-                <a:latin typeface="+mj-lt"/>
-                <a:ea typeface="Arial Unicode MS" panose="020B0604020202020204" pitchFamily="34" charset="-122"/>
-                <a:cs typeface="Arial Unicode MS" panose="020B0604020202020204" pitchFamily="34" charset="-122"/>
-              </a:endParaRPr>
             </a:p>
           </p:txBody>
         </p:sp>
@@ -6401,7 +6319,7 @@
             <p:cNvSpPr/>
             <p:nvPr>
               <p:custDataLst>
-                <p:tags r:id="rId9"/>
+                <p:tags r:id="rId17"/>
               </p:custDataLst>
             </p:nvPr>
           </p:nvSpPr>
@@ -6530,7 +6448,7 @@
             <p:cNvSpPr/>
             <p:nvPr>
               <p:custDataLst>
-                <p:tags r:id="rId10"/>
+                <p:tags r:id="rId18"/>
               </p:custDataLst>
             </p:nvPr>
           </p:nvSpPr>
@@ -6604,7 +6522,7 @@
             <p:cNvSpPr/>
             <p:nvPr>
               <p:custDataLst>
-                <p:tags r:id="rId11"/>
+                <p:tags r:id="rId19"/>
               </p:custDataLst>
             </p:nvPr>
           </p:nvSpPr>
@@ -6661,11 +6579,6 @@
                 </a:rPr>
                 <a:t>2.2</a:t>
               </a:r>
-              <a:endParaRPr lang="en-US" altLang="zh-CN" sz="3600" dirty="0">
-                <a:latin typeface="+mj-lt"/>
-                <a:ea typeface="Arial Unicode MS" panose="020B0604020202020204" pitchFamily="34" charset="-122"/>
-                <a:cs typeface="Arial Unicode MS" panose="020B0604020202020204" pitchFamily="34" charset="-122"/>
-              </a:endParaRPr>
             </a:p>
           </p:txBody>
         </p:sp>
@@ -6676,7 +6589,7 @@
           <p:cNvGrpSpPr/>
           <p:nvPr>
             <p:custDataLst>
-              <p:tags r:id="rId12"/>
+              <p:tags r:id="rId5"/>
             </p:custDataLst>
           </p:nvPr>
         </p:nvGrpSpPr>
@@ -6694,7 +6607,7 @@
             <p:cNvSpPr/>
             <p:nvPr>
               <p:custDataLst>
-                <p:tags r:id="rId13"/>
+                <p:tags r:id="rId6"/>
               </p:custDataLst>
             </p:nvPr>
           </p:nvSpPr>
@@ -6751,11 +6664,6 @@
                 </a:rPr>
                 <a:t>3</a:t>
               </a:r>
-              <a:endParaRPr lang="en-US" altLang="zh-CN" sz="3600" dirty="0">
-                <a:latin typeface="+mj-lt"/>
-                <a:ea typeface="Arial Unicode MS" panose="020B0604020202020204" pitchFamily="34" charset="-122"/>
-                <a:cs typeface="Arial Unicode MS" panose="020B0604020202020204" pitchFamily="34" charset="-122"/>
-              </a:endParaRPr>
             </a:p>
           </p:txBody>
         </p:sp>
@@ -6765,7 +6673,7 @@
             <p:cNvSpPr/>
             <p:nvPr>
               <p:custDataLst>
-                <p:tags r:id="rId14"/>
+                <p:tags r:id="rId7"/>
               </p:custDataLst>
             </p:nvPr>
           </p:nvSpPr>
@@ -6828,7 +6736,7 @@
             <p:cNvSpPr/>
             <p:nvPr>
               <p:custDataLst>
-                <p:tags r:id="rId15"/>
+                <p:tags r:id="rId8"/>
               </p:custDataLst>
             </p:nvPr>
           </p:nvSpPr>
@@ -6861,14 +6769,6 @@
                 </a:rPr>
                 <a:t>其它</a:t>
               </a:r>
-              <a:endParaRPr lang="zh-CN" altLang="en-US" sz="2000" b="1" kern="100" dirty="0">
-                <a:solidFill>
-                  <a:schemeClr val="bg1"/>
-                </a:solidFill>
-                <a:latin typeface="微软雅黑" panose="020B0503020204020204" pitchFamily="34" charset="-122"/>
-                <a:ea typeface="微软雅黑" panose="020B0503020204020204" pitchFamily="34" charset="-122"/>
-                <a:cs typeface="Times New Roman" panose="02020603050405020304" pitchFamily="18" charset="0"/>
-              </a:endParaRPr>
             </a:p>
           </p:txBody>
         </p:sp>
@@ -6878,7 +6778,7 @@
             <p:cNvSpPr/>
             <p:nvPr>
               <p:custDataLst>
-                <p:tags r:id="rId16"/>
+                <p:tags r:id="rId9"/>
               </p:custDataLst>
             </p:nvPr>
           </p:nvSpPr>
@@ -6935,11 +6835,6 @@
                 </a:rPr>
                 <a:t>3.1</a:t>
               </a:r>
-              <a:endParaRPr lang="en-US" altLang="zh-CN" sz="3600" dirty="0">
-                <a:latin typeface="+mj-lt"/>
-                <a:ea typeface="Arial Unicode MS" panose="020B0604020202020204" pitchFamily="34" charset="-122"/>
-                <a:cs typeface="Arial Unicode MS" panose="020B0604020202020204" pitchFamily="34" charset="-122"/>
-              </a:endParaRPr>
             </a:p>
           </p:txBody>
         </p:sp>
@@ -6949,7 +6844,7 @@
             <p:cNvSpPr/>
             <p:nvPr>
               <p:custDataLst>
-                <p:tags r:id="rId17"/>
+                <p:tags r:id="rId10"/>
               </p:custDataLst>
             </p:nvPr>
           </p:nvSpPr>
@@ -7034,7 +6929,7 @@
             <p:cNvSpPr/>
             <p:nvPr>
               <p:custDataLst>
-                <p:tags r:id="rId18"/>
+                <p:tags r:id="rId11"/>
               </p:custDataLst>
             </p:nvPr>
           </p:nvSpPr>
@@ -7108,7 +7003,7 @@
             <p:cNvSpPr/>
             <p:nvPr>
               <p:custDataLst>
-                <p:tags r:id="rId19"/>
+                <p:tags r:id="rId12"/>
               </p:custDataLst>
             </p:nvPr>
           </p:nvSpPr>
@@ -7165,11 +7060,6 @@
                 </a:rPr>
                 <a:t>3.2</a:t>
               </a:r>
-              <a:endParaRPr lang="en-US" altLang="zh-CN" sz="3600" dirty="0">
-                <a:latin typeface="+mj-lt"/>
-                <a:ea typeface="Arial Unicode MS" panose="020B0604020202020204" pitchFamily="34" charset="-122"/>
-                <a:cs typeface="Arial Unicode MS" panose="020B0604020202020204" pitchFamily="34" charset="-122"/>
-              </a:endParaRPr>
             </a:p>
           </p:txBody>
         </p:sp>
@@ -7235,16 +7125,6 @@
               </a:rPr>
               <a:t>边界像素重复渲染 </a:t>
             </a:r>
-            <a:endParaRPr lang="zh-CN" altLang="en-US" sz="2800" b="1" dirty="0">
-              <a:solidFill>
-                <a:schemeClr val="tx2">
-                  <a:lumMod val="60000"/>
-                  <a:lumOff val="40000"/>
-                </a:schemeClr>
-              </a:solidFill>
-              <a:latin typeface="微软雅黑" panose="020B0503020204020204" pitchFamily="34" charset="-122"/>
-              <a:ea typeface="微软雅黑" panose="020B0503020204020204" pitchFamily="34" charset="-122"/>
-            </a:endParaRPr>
           </a:p>
         </p:txBody>
       </p:sp>
@@ -7257,7 +7137,7 @@
           <p:nvPr/>
         </p:nvPicPr>
         <p:blipFill>
-          <a:blip r:embed="rId1"/>
+          <a:blip r:embed="rId4"/>
           <a:stretch>
             <a:fillRect/>
           </a:stretch>
@@ -7278,7 +7158,7 @@
           <p:cNvSpPr txBox="1"/>
           <p:nvPr>
             <p:custDataLst>
-              <p:tags r:id="rId2"/>
+              <p:tags r:id="rId1"/>
             </p:custDataLst>
           </p:nvPr>
         </p:nvSpPr>
@@ -7437,16 +7317,6 @@
               </a:rPr>
               <a:t>内保守光栅化</a:t>
             </a:r>
-            <a:endParaRPr lang="zh-CN" altLang="en-US" sz="2800" b="1" dirty="0">
-              <a:solidFill>
-                <a:schemeClr val="tx2">
-                  <a:lumMod val="60000"/>
-                  <a:lumOff val="40000"/>
-                </a:schemeClr>
-              </a:solidFill>
-              <a:latin typeface="微软雅黑" panose="020B0503020204020204" pitchFamily="34" charset="-122"/>
-              <a:ea typeface="微软雅黑" panose="020B0503020204020204" pitchFamily="34" charset="-122"/>
-            </a:endParaRPr>
           </a:p>
         </p:txBody>
       </p:sp>
@@ -7586,7 +7456,7 @@
           <p:nvPr/>
         </p:nvPicPr>
         <p:blipFill>
-          <a:blip r:embed="rId2"/>
+          <a:blip r:embed="rId4"/>
           <a:stretch>
             <a:fillRect/>
           </a:stretch>
@@ -7610,7 +7480,7 @@
           <p:nvPr/>
         </p:nvPicPr>
         <p:blipFill>
-          <a:blip r:embed="rId3"/>
+          <a:blip r:embed="rId5"/>
           <a:stretch>
             <a:fillRect/>
           </a:stretch>
@@ -7686,16 +7556,6 @@
               </a:rPr>
               <a:t>参考资料</a:t>
             </a:r>
-            <a:endParaRPr lang="zh-CN" altLang="en-US" sz="2800" b="1" dirty="0">
-              <a:solidFill>
-                <a:schemeClr val="tx2">
-                  <a:lumMod val="60000"/>
-                  <a:lumOff val="40000"/>
-                </a:schemeClr>
-              </a:solidFill>
-              <a:latin typeface="微软雅黑" panose="020B0503020204020204" pitchFamily="34" charset="-122"/>
-              <a:ea typeface="微软雅黑" panose="020B0503020204020204" pitchFamily="34" charset="-122"/>
-            </a:endParaRPr>
           </a:p>
         </p:txBody>
       </p:sp>
@@ -7737,7 +7597,6 @@
               <a:rPr lang="en-US" altLang="zh-CN" dirty="0"/>
               <a:t> 23.1 Rasterization</a:t>
             </a:r>
-            <a:endParaRPr lang="en-US" altLang="zh-CN" dirty="0"/>
           </a:p>
           <a:p>
             <a:endParaRPr lang="en-US" altLang="zh-CN" dirty="0"/>
@@ -7764,7 +7623,7 @@
             </a:pPr>
             <a:r>
               <a:rPr lang="en-US" altLang="zh-CN" dirty="0">
-                <a:hlinkClick r:id="rId1"/>
+                <a:hlinkClick r:id="rId3"/>
               </a:rPr>
               <a:t>https://microsoft.github.io/DirectX-Specs/d3d/ConservativeRasterization.html</a:t>
             </a:r>
@@ -7784,7 +7643,7 @@
             </a:r>
             <a:r>
               <a:rPr lang="en-US" altLang="zh-CN" dirty="0">
-                <a:hlinkClick r:id="rId2"/>
+                <a:hlinkClick r:id="rId4"/>
               </a:rPr>
               <a:t>https://en.wikipedia.org/wiki/Feature_levels_in_Direct3D#Direct3D_12</a:t>
             </a:r>
@@ -7811,7 +7670,7 @@
           <a:p>
             <a:r>
               <a:rPr lang="en-US" altLang="zh-CN" dirty="0">
-                <a:hlinkClick r:id="rId3"/>
+                <a:hlinkClick r:id="rId5"/>
               </a:rPr>
               <a:t>https://yangwc.com/2019/06/11/Voxelization/</a:t>
             </a:r>
@@ -7894,31 +7753,8 @@
                 <a:latin typeface="微软雅黑" panose="020B0503020204020204" pitchFamily="34" charset="-122"/>
                 <a:ea typeface="微软雅黑" panose="020B0503020204020204" pitchFamily="34" charset="-122"/>
               </a:rPr>
-              <a:t>满意度</a:t>
-            </a:r>
-            <a:r>
-              <a:rPr lang="zh-CN" altLang="en-US" sz="2800" b="1" dirty="0">
-                <a:solidFill>
-                  <a:schemeClr val="tx2">
-                    <a:lumMod val="60000"/>
-                    <a:lumOff val="40000"/>
-                  </a:schemeClr>
-                </a:solidFill>
-                <a:latin typeface="微软雅黑" panose="020B0503020204020204" pitchFamily="34" charset="-122"/>
-                <a:ea typeface="微软雅黑" panose="020B0503020204020204" pitchFamily="34" charset="-122"/>
-              </a:rPr>
-              <a:t>评价</a:t>
-            </a:r>
-            <a:endParaRPr lang="zh-CN" altLang="en-US" sz="2800" b="1" dirty="0">
-              <a:solidFill>
-                <a:schemeClr val="tx2">
-                  <a:lumMod val="60000"/>
-                  <a:lumOff val="40000"/>
-                </a:schemeClr>
-              </a:solidFill>
-              <a:latin typeface="微软雅黑" panose="020B0503020204020204" pitchFamily="34" charset="-122"/>
-              <a:ea typeface="微软雅黑" panose="020B0503020204020204" pitchFamily="34" charset="-122"/>
-            </a:endParaRPr>
+              <a:t>满意度评价</a:t>
+            </a:r>
           </a:p>
         </p:txBody>
       </p:sp>
@@ -7929,7 +7765,7 @@
           <p:nvPr/>
         </p:nvPicPr>
         <p:blipFill>
-          <a:blip r:embed="rId1"/>
+          <a:blip r:embed="rId3"/>
           <a:stretch>
             <a:fillRect/>
           </a:stretch>
@@ -8182,13 +8018,6 @@
               </a:rPr>
               <a:t>定义和应用</a:t>
             </a:r>
-            <a:endParaRPr lang="zh-CN" altLang="en-US" sz="2000" b="1" dirty="0">
-              <a:solidFill>
-                <a:schemeClr val="bg1"/>
-              </a:solidFill>
-              <a:latin typeface="微软雅黑" panose="020B0503020204020204" pitchFamily="34" charset="-122"/>
-              <a:ea typeface="微软雅黑" panose="020B0503020204020204" pitchFamily="34" charset="-122"/>
-            </a:endParaRPr>
           </a:p>
         </p:txBody>
       </p:sp>
@@ -8329,7 +8158,7 @@
             <p:cNvSpPr/>
             <p:nvPr>
               <p:custDataLst>
-                <p:tags r:id="rId5"/>
+                <p:tags r:id="rId13"/>
               </p:custDataLst>
             </p:nvPr>
           </p:nvSpPr>
@@ -8386,11 +8215,6 @@
                 </a:rPr>
                 <a:t>2</a:t>
               </a:r>
-              <a:endParaRPr lang="en-US" altLang="zh-CN" sz="3600" dirty="0">
-                <a:latin typeface="+mj-lt"/>
-                <a:ea typeface="Arial Unicode MS" panose="020B0604020202020204" pitchFamily="34" charset="-122"/>
-                <a:cs typeface="Arial Unicode MS" panose="020B0604020202020204" pitchFamily="34" charset="-122"/>
-              </a:endParaRPr>
             </a:p>
           </p:txBody>
         </p:sp>
@@ -8400,7 +8224,7 @@
             <p:cNvSpPr/>
             <p:nvPr>
               <p:custDataLst>
-                <p:tags r:id="rId6"/>
+                <p:tags r:id="rId14"/>
               </p:custDataLst>
             </p:nvPr>
           </p:nvSpPr>
@@ -8463,7 +8287,7 @@
             <p:cNvSpPr/>
             <p:nvPr>
               <p:custDataLst>
-                <p:tags r:id="rId7"/>
+                <p:tags r:id="rId15"/>
               </p:custDataLst>
             </p:nvPr>
           </p:nvSpPr>
@@ -8496,14 +8320,6 @@
                 </a:rPr>
                 <a:t>实现</a:t>
               </a:r>
-              <a:endParaRPr lang="zh-CN" altLang="en-US" sz="2000" b="1" kern="100" dirty="0">
-                <a:solidFill>
-                  <a:schemeClr val="bg1"/>
-                </a:solidFill>
-                <a:latin typeface="微软雅黑" panose="020B0503020204020204" pitchFamily="34" charset="-122"/>
-                <a:ea typeface="微软雅黑" panose="020B0503020204020204" pitchFamily="34" charset="-122"/>
-                <a:cs typeface="Times New Roman" panose="02020603050405020304" pitchFamily="18" charset="0"/>
-              </a:endParaRPr>
             </a:p>
           </p:txBody>
         </p:sp>
@@ -8513,7 +8329,7 @@
             <p:cNvSpPr/>
             <p:nvPr>
               <p:custDataLst>
-                <p:tags r:id="rId8"/>
+                <p:tags r:id="rId16"/>
               </p:custDataLst>
             </p:nvPr>
           </p:nvSpPr>
@@ -8570,11 +8386,6 @@
                 </a:rPr>
                 <a:t>2.1</a:t>
               </a:r>
-              <a:endParaRPr lang="en-US" altLang="zh-CN" sz="3600" dirty="0">
-                <a:latin typeface="+mj-lt"/>
-                <a:ea typeface="Arial Unicode MS" panose="020B0604020202020204" pitchFamily="34" charset="-122"/>
-                <a:cs typeface="Arial Unicode MS" panose="020B0604020202020204" pitchFamily="34" charset="-122"/>
-              </a:endParaRPr>
             </a:p>
           </p:txBody>
         </p:sp>
@@ -8584,7 +8395,7 @@
             <p:cNvSpPr/>
             <p:nvPr>
               <p:custDataLst>
-                <p:tags r:id="rId9"/>
+                <p:tags r:id="rId17"/>
               </p:custDataLst>
             </p:nvPr>
           </p:nvSpPr>
@@ -8713,7 +8524,7 @@
             <p:cNvSpPr/>
             <p:nvPr>
               <p:custDataLst>
-                <p:tags r:id="rId10"/>
+                <p:tags r:id="rId18"/>
               </p:custDataLst>
             </p:nvPr>
           </p:nvSpPr>
@@ -8787,7 +8598,7 @@
             <p:cNvSpPr/>
             <p:nvPr>
               <p:custDataLst>
-                <p:tags r:id="rId11"/>
+                <p:tags r:id="rId19"/>
               </p:custDataLst>
             </p:nvPr>
           </p:nvSpPr>
@@ -8844,11 +8655,6 @@
                 </a:rPr>
                 <a:t>2.2</a:t>
               </a:r>
-              <a:endParaRPr lang="en-US" altLang="zh-CN" sz="3600" dirty="0">
-                <a:latin typeface="+mj-lt"/>
-                <a:ea typeface="Arial Unicode MS" panose="020B0604020202020204" pitchFamily="34" charset="-122"/>
-                <a:cs typeface="Arial Unicode MS" panose="020B0604020202020204" pitchFamily="34" charset="-122"/>
-              </a:endParaRPr>
             </a:p>
           </p:txBody>
         </p:sp>
@@ -8859,7 +8665,7 @@
           <p:cNvGrpSpPr/>
           <p:nvPr>
             <p:custDataLst>
-              <p:tags r:id="rId12"/>
+              <p:tags r:id="rId5"/>
             </p:custDataLst>
           </p:nvPr>
         </p:nvGrpSpPr>
@@ -8877,7 +8683,7 @@
             <p:cNvSpPr/>
             <p:nvPr>
               <p:custDataLst>
-                <p:tags r:id="rId13"/>
+                <p:tags r:id="rId6"/>
               </p:custDataLst>
             </p:nvPr>
           </p:nvSpPr>
@@ -8934,11 +8740,6 @@
                 </a:rPr>
                 <a:t>3</a:t>
               </a:r>
-              <a:endParaRPr lang="en-US" altLang="zh-CN" sz="3600" dirty="0">
-                <a:latin typeface="+mj-lt"/>
-                <a:ea typeface="Arial Unicode MS" panose="020B0604020202020204" pitchFamily="34" charset="-122"/>
-                <a:cs typeface="Arial Unicode MS" panose="020B0604020202020204" pitchFamily="34" charset="-122"/>
-              </a:endParaRPr>
             </a:p>
           </p:txBody>
         </p:sp>
@@ -8948,7 +8749,7 @@
             <p:cNvSpPr/>
             <p:nvPr>
               <p:custDataLst>
-                <p:tags r:id="rId14"/>
+                <p:tags r:id="rId7"/>
               </p:custDataLst>
             </p:nvPr>
           </p:nvSpPr>
@@ -9011,7 +8812,7 @@
             <p:cNvSpPr/>
             <p:nvPr>
               <p:custDataLst>
-                <p:tags r:id="rId15"/>
+                <p:tags r:id="rId8"/>
               </p:custDataLst>
             </p:nvPr>
           </p:nvSpPr>
@@ -9044,14 +8845,6 @@
                 </a:rPr>
                 <a:t>其它</a:t>
               </a:r>
-              <a:endParaRPr lang="zh-CN" altLang="en-US" sz="2000" b="1" kern="100" dirty="0">
-                <a:solidFill>
-                  <a:schemeClr val="bg1"/>
-                </a:solidFill>
-                <a:latin typeface="微软雅黑" panose="020B0503020204020204" pitchFamily="34" charset="-122"/>
-                <a:ea typeface="微软雅黑" panose="020B0503020204020204" pitchFamily="34" charset="-122"/>
-                <a:cs typeface="Times New Roman" panose="02020603050405020304" pitchFamily="18" charset="0"/>
-              </a:endParaRPr>
             </a:p>
           </p:txBody>
         </p:sp>
@@ -9061,7 +8854,7 @@
             <p:cNvSpPr/>
             <p:nvPr>
               <p:custDataLst>
-                <p:tags r:id="rId16"/>
+                <p:tags r:id="rId9"/>
               </p:custDataLst>
             </p:nvPr>
           </p:nvSpPr>
@@ -9118,11 +8911,6 @@
                 </a:rPr>
                 <a:t>3.1</a:t>
               </a:r>
-              <a:endParaRPr lang="en-US" altLang="zh-CN" sz="3600" dirty="0">
-                <a:latin typeface="+mj-lt"/>
-                <a:ea typeface="Arial Unicode MS" panose="020B0604020202020204" pitchFamily="34" charset="-122"/>
-                <a:cs typeface="Arial Unicode MS" panose="020B0604020202020204" pitchFamily="34" charset="-122"/>
-              </a:endParaRPr>
             </a:p>
           </p:txBody>
         </p:sp>
@@ -9132,7 +8920,7 @@
             <p:cNvSpPr/>
             <p:nvPr>
               <p:custDataLst>
-                <p:tags r:id="rId17"/>
+                <p:tags r:id="rId10"/>
               </p:custDataLst>
             </p:nvPr>
           </p:nvSpPr>
@@ -9217,7 +9005,7 @@
             <p:cNvSpPr/>
             <p:nvPr>
               <p:custDataLst>
-                <p:tags r:id="rId18"/>
+                <p:tags r:id="rId11"/>
               </p:custDataLst>
             </p:nvPr>
           </p:nvSpPr>
@@ -9291,7 +9079,7 @@
             <p:cNvSpPr/>
             <p:nvPr>
               <p:custDataLst>
-                <p:tags r:id="rId19"/>
+                <p:tags r:id="rId12"/>
               </p:custDataLst>
             </p:nvPr>
           </p:nvSpPr>
@@ -9348,11 +9136,6 @@
                 </a:rPr>
                 <a:t>3.2</a:t>
               </a:r>
-              <a:endParaRPr lang="en-US" altLang="zh-CN" sz="3600" dirty="0">
-                <a:latin typeface="+mj-lt"/>
-                <a:ea typeface="Arial Unicode MS" panose="020B0604020202020204" pitchFamily="34" charset="-122"/>
-                <a:cs typeface="Arial Unicode MS" panose="020B0604020202020204" pitchFamily="34" charset="-122"/>
-              </a:endParaRPr>
             </a:p>
           </p:txBody>
         </p:sp>
@@ -9418,16 +9201,6 @@
               </a:rPr>
               <a:t>定义</a:t>
             </a:r>
-            <a:endParaRPr lang="zh-CN" altLang="en-US" sz="2800" b="1" dirty="0">
-              <a:solidFill>
-                <a:schemeClr val="tx2">
-                  <a:lumMod val="60000"/>
-                  <a:lumOff val="40000"/>
-                </a:schemeClr>
-              </a:solidFill>
-              <a:latin typeface="微软雅黑" panose="020B0503020204020204" pitchFamily="34" charset="-122"/>
-              <a:ea typeface="微软雅黑" panose="020B0503020204020204" pitchFamily="34" charset="-122"/>
-            </a:endParaRPr>
           </a:p>
         </p:txBody>
       </p:sp>
@@ -9510,10 +9283,6 @@
                 </a:rPr>
                 <a:t>蓝色：有碰到三角形</a:t>
               </a:r>
-              <a:endParaRPr lang="zh-CN" altLang="en-US" sz="1200" dirty="0">
-                <a:latin typeface="+mn-ea"/>
-                <a:cs typeface="+mn-ea"/>
-              </a:endParaRPr>
             </a:p>
           </p:txBody>
         </p:sp>
@@ -9526,7 +9295,7 @@
             <p:nvPr/>
           </p:nvPicPr>
           <p:blipFill>
-            <a:blip r:embed="rId2"/>
+            <a:blip r:embed="rId4"/>
             <a:stretch>
               <a:fillRect/>
             </a:stretch>
@@ -9561,12 +9330,48 @@
                 <a:tableStyleId>{F5AB1C69-6EDB-4FF4-983F-18BD219EF322}</a:tableStyleId>
               </a:tblPr>
               <a:tblGrid>
-                <a:gridCol w="1716008"/>
-                <a:gridCol w="4544473"/>
-                <a:gridCol w="940319"/>
-                <a:gridCol w="576064"/>
-                <a:gridCol w="720080"/>
-                <a:gridCol w="1368151"/>
+                <a:gridCol w="1716008">
+                  <a:extLst>
+                    <a:ext uri="{9D8B030D-6E8A-4147-A177-3AD203B41FA5}">
+                      <a16:colId xmlns:a16="http://schemas.microsoft.com/office/drawing/2014/main" val="20000"/>
+                    </a:ext>
+                  </a:extLst>
+                </a:gridCol>
+                <a:gridCol w="4544473">
+                  <a:extLst>
+                    <a:ext uri="{9D8B030D-6E8A-4147-A177-3AD203B41FA5}">
+                      <a16:colId xmlns:a16="http://schemas.microsoft.com/office/drawing/2014/main" val="20001"/>
+                    </a:ext>
+                  </a:extLst>
+                </a:gridCol>
+                <a:gridCol w="940319">
+                  <a:extLst>
+                    <a:ext uri="{9D8B030D-6E8A-4147-A177-3AD203B41FA5}">
+                      <a16:colId xmlns:a16="http://schemas.microsoft.com/office/drawing/2014/main" val="20002"/>
+                    </a:ext>
+                  </a:extLst>
+                </a:gridCol>
+                <a:gridCol w="576064">
+                  <a:extLst>
+                    <a:ext uri="{9D8B030D-6E8A-4147-A177-3AD203B41FA5}">
+                      <a16:colId xmlns:a16="http://schemas.microsoft.com/office/drawing/2014/main" val="20003"/>
+                    </a:ext>
+                  </a:extLst>
+                </a:gridCol>
+                <a:gridCol w="720080">
+                  <a:extLst>
+                    <a:ext uri="{9D8B030D-6E8A-4147-A177-3AD203B41FA5}">
+                      <a16:colId xmlns:a16="http://schemas.microsoft.com/office/drawing/2014/main" val="20004"/>
+                    </a:ext>
+                  </a:extLst>
+                </a:gridCol>
+                <a:gridCol w="1368151">
+                  <a:extLst>
+                    <a:ext uri="{9D8B030D-6E8A-4147-A177-3AD203B41FA5}">
+                      <a16:colId xmlns:a16="http://schemas.microsoft.com/office/drawing/2014/main" val="20005"/>
+                    </a:ext>
+                  </a:extLst>
+                </a:gridCol>
               </a:tblGrid>
               <a:tr h="410913">
                 <a:tc rowSpan="2" gridSpan="2">
@@ -9582,11 +9387,6 @@
                         </a:rPr>
                         <a:t>光栅化类型</a:t>
                       </a:r>
-                      <a:endParaRPr lang="zh-CN" altLang="en-US" sz="1800" b="0" dirty="0">
-                        <a:solidFill>
-                          <a:schemeClr val="tx1"/>
-                        </a:solidFill>
-                      </a:endParaRPr>
                     </a:p>
                   </a:txBody>
                   <a:tcPr>
@@ -9620,6 +9420,13 @@
                   </a:tcPr>
                 </a:tc>
                 <a:tc rowSpan="2" hMerge="1">
+                  <a:txBody>
+                    <a:bodyPr/>
+                    <a:lstStyle/>
+                    <a:p>
+                      <a:endParaRPr lang="zh-CN"/>
+                    </a:p>
+                  </a:txBody>
                   <a:tcPr/>
                 </a:tc>
                 <a:tc gridSpan="3">
@@ -9635,11 +9442,6 @@
                         </a:rPr>
                         <a:t>会被光栅化的像素</a:t>
                       </a:r>
-                      <a:endParaRPr lang="zh-CN" altLang="en-US" sz="1800" b="0" dirty="0">
-                        <a:solidFill>
-                          <a:schemeClr val="tx1"/>
-                        </a:solidFill>
-                      </a:endParaRPr>
                     </a:p>
                   </a:txBody>
                   <a:tcPr>
@@ -9673,6 +9475,13 @@
                   </a:tcPr>
                 </a:tc>
                 <a:tc hMerge="1">
+                  <a:txBody>
+                    <a:bodyPr/>
+                    <a:lstStyle/>
+                    <a:p>
+                      <a:endParaRPr lang="zh-CN"/>
+                    </a:p>
+                  </a:txBody>
                   <a:tcPr>
                     <a:lnL w="12700" cap="flat" cmpd="sng" algn="ctr">
                       <a:solidFill>
@@ -9713,6 +9522,13 @@
                   </a:tcPr>
                 </a:tc>
                 <a:tc hMerge="1">
+                  <a:txBody>
+                    <a:bodyPr/>
+                    <a:lstStyle/>
+                    <a:p>
+                      <a:endParaRPr lang="zh-CN"/>
+                    </a:p>
+                  </a:txBody>
                   <a:tcPr>
                     <a:lnL w="12700" cap="flat" cmpd="sng" algn="ctr">
                       <a:solidFill>
@@ -9765,11 +9581,6 @@
                         </a:rPr>
                         <a:t>说明</a:t>
                       </a:r>
-                      <a:endParaRPr lang="zh-CN" altLang="en-US" sz="1800" b="0" dirty="0">
-                        <a:solidFill>
-                          <a:schemeClr val="tx1"/>
-                        </a:solidFill>
-                      </a:endParaRPr>
                     </a:p>
                   </a:txBody>
                   <a:tcPr>
@@ -9811,9 +9622,21 @@
                     </a:lnB>
                   </a:tcPr>
                 </a:tc>
+                <a:extLst>
+                  <a:ext uri="{0D108BD9-81ED-4DB2-BD59-A6C34878D82A}">
+                    <a16:rowId xmlns:a16="http://schemas.microsoft.com/office/drawing/2014/main" val="10000"/>
+                  </a:ext>
+                </a:extLst>
               </a:tr>
               <a:tr h="410913">
-                <a:tc vMerge="1" gridSpan="2">
+                <a:tc gridSpan="2" vMerge="1">
+                  <a:txBody>
+                    <a:bodyPr/>
+                    <a:lstStyle/>
+                    <a:p>
+                      <a:endParaRPr lang="zh-CN"/>
+                    </a:p>
+                  </a:txBody>
                   <a:tcPr>
                     <a:lnL w="12700" cap="flat" cmpd="sng" algn="ctr">
                       <a:solidFill>
@@ -9853,7 +9676,14 @@
                     </a:lnB>
                   </a:tcPr>
                 </a:tc>
-                <a:tc vMerge="1" hMerge="1">
+                <a:tc hMerge="1" vMerge="1">
+                  <a:txBody>
+                    <a:bodyPr/>
+                    <a:lstStyle/>
+                    <a:p>
+                      <a:endParaRPr lang="zh-CN"/>
+                    </a:p>
+                  </a:txBody>
                   <a:tcPr/>
                 </a:tc>
                 <a:tc>
@@ -9869,11 +9699,6 @@
                         </a:rPr>
                         <a:t>绿</a:t>
                       </a:r>
-                      <a:endParaRPr lang="zh-CN" altLang="en-US" sz="1800" dirty="0">
-                        <a:solidFill>
-                          <a:schemeClr val="tx1"/>
-                        </a:solidFill>
-                      </a:endParaRPr>
                     </a:p>
                   </a:txBody>
                   <a:tcPr>
@@ -9928,11 +9753,6 @@
                         </a:rPr>
                         <a:t>黄</a:t>
                       </a:r>
-                      <a:endParaRPr lang="zh-CN" altLang="en-US" sz="1800" dirty="0">
-                        <a:solidFill>
-                          <a:schemeClr val="tx1"/>
-                        </a:solidFill>
-                      </a:endParaRPr>
                     </a:p>
                   </a:txBody>
                   <a:tcPr>
@@ -9987,11 +9807,6 @@
                         </a:rPr>
                         <a:t>蓝</a:t>
                       </a:r>
-                      <a:endParaRPr lang="zh-CN" altLang="en-US" sz="1800" dirty="0">
-                        <a:solidFill>
-                          <a:schemeClr val="tx1"/>
-                        </a:solidFill>
-                      </a:endParaRPr>
                     </a:p>
                   </a:txBody>
                   <a:tcPr>
@@ -10034,6 +9849,13 @@
                   </a:tcPr>
                 </a:tc>
                 <a:tc vMerge="1">
+                  <a:txBody>
+                    <a:bodyPr/>
+                    <a:lstStyle/>
+                    <a:p>
+                      <a:endParaRPr lang="zh-CN"/>
+                    </a:p>
+                  </a:txBody>
                   <a:tcPr>
                     <a:lnL w="12700" cap="flat" cmpd="sng" algn="ctr">
                       <a:solidFill>
@@ -10073,6 +9895,11 @@
                     </a:lnB>
                   </a:tcPr>
                 </a:tc>
+                <a:extLst>
+                  <a:ext uri="{0D108BD9-81ED-4DB2-BD59-A6C34878D82A}">
+                    <a16:rowId xmlns:a16="http://schemas.microsoft.com/office/drawing/2014/main" val="10001"/>
+                  </a:ext>
+                </a:extLst>
               </a:tr>
               <a:tr h="559018">
                 <a:tc gridSpan="2">
@@ -10088,11 +9915,6 @@
                         </a:rPr>
                         <a:t>标准光栅化</a:t>
                       </a:r>
-                      <a:endParaRPr lang="zh-CN" altLang="en-US" sz="1800" dirty="0">
-                        <a:solidFill>
-                          <a:schemeClr val="tx1"/>
-                        </a:solidFill>
-                      </a:endParaRPr>
                     </a:p>
                   </a:txBody>
                   <a:tcPr>
@@ -10135,6 +9957,13 @@
                   </a:tcPr>
                 </a:tc>
                 <a:tc hMerge="1">
+                  <a:txBody>
+                    <a:bodyPr/>
+                    <a:lstStyle/>
+                    <a:p>
+                      <a:endParaRPr lang="zh-CN"/>
+                    </a:p>
+                  </a:txBody>
                   <a:tcPr>
                     <a:lnL w="12700" cap="flat" cmpd="sng" algn="ctr">
                       <a:solidFill>
@@ -10187,11 +10016,6 @@
                         </a:rPr>
                         <a:t>✔</a:t>
                       </a:r>
-                      <a:endParaRPr lang="zh-CN" altLang="en-US" sz="1800" dirty="0">
-                        <a:solidFill>
-                          <a:schemeClr val="tx1"/>
-                        </a:solidFill>
-                      </a:endParaRPr>
                     </a:p>
                   </a:txBody>
                   <a:tcPr>
@@ -10262,11 +10086,6 @@
                         </a:rPr>
                         <a:t>✔</a:t>
                       </a:r>
-                      <a:endParaRPr lang="zh-CN" altLang="en-US" sz="1800" dirty="0">
-                        <a:solidFill>
-                          <a:schemeClr val="tx1"/>
-                        </a:solidFill>
-                      </a:endParaRPr>
                     </a:p>
                     <a:p>
                       <a:endParaRPr lang="zh-CN" altLang="en-US" sz="1800" dirty="0">
@@ -10417,6 +10236,11 @@
                     </a:lnB>
                   </a:tcPr>
                 </a:tc>
+                <a:extLst>
+                  <a:ext uri="{0D108BD9-81ED-4DB2-BD59-A6C34878D82A}">
+                    <a16:rowId xmlns:a16="http://schemas.microsoft.com/office/drawing/2014/main" val="10002"/>
+                  </a:ext>
+                </a:extLst>
               </a:tr>
               <a:tr h="682534">
                 <a:tc rowSpan="2">
@@ -10464,11 +10288,6 @@
                         </a:rPr>
                         <a:t>）</a:t>
                       </a:r>
-                      <a:endParaRPr lang="zh-CN" altLang="en-US" sz="1800" dirty="0">
-                        <a:solidFill>
-                          <a:schemeClr val="tx1"/>
-                        </a:solidFill>
-                      </a:endParaRPr>
                     </a:p>
                   </a:txBody>
                   <a:tcPr>
@@ -10563,11 +10382,6 @@
                         </a:rPr>
                         <a:t>）</a:t>
                       </a:r>
-                      <a:endParaRPr lang="zh-CN" altLang="en-US" sz="1800" b="1" i="1" dirty="0">
-                        <a:solidFill>
-                          <a:schemeClr val="tx1"/>
-                        </a:solidFill>
-                      </a:endParaRPr>
                     </a:p>
                   </a:txBody>
                   <a:tcPr>
@@ -10638,11 +10452,6 @@
                         </a:rPr>
                         <a:t>✔</a:t>
                       </a:r>
-                      <a:endParaRPr lang="zh-CN" altLang="en-US" sz="1800" dirty="0">
-                        <a:solidFill>
-                          <a:schemeClr val="tx1"/>
-                        </a:solidFill>
-                      </a:endParaRPr>
                     </a:p>
                     <a:p>
                       <a:endParaRPr lang="zh-CN" altLang="en-US" sz="1800" dirty="0">
@@ -10720,11 +10529,6 @@
                         </a:rPr>
                         <a:t>✔</a:t>
                       </a:r>
-                      <a:endParaRPr lang="zh-CN" altLang="en-US" sz="1800" dirty="0">
-                        <a:solidFill>
-                          <a:schemeClr val="tx1"/>
-                        </a:solidFill>
-                      </a:endParaRPr>
                     </a:p>
                     <a:p>
                       <a:endParaRPr lang="zh-CN" altLang="en-US" sz="1800" dirty="0">
@@ -10802,11 +10606,6 @@
                         </a:rPr>
                         <a:t>✔</a:t>
                       </a:r>
-                      <a:endParaRPr lang="zh-CN" altLang="en-US" sz="1800" dirty="0">
-                        <a:solidFill>
-                          <a:schemeClr val="tx1"/>
-                        </a:solidFill>
-                      </a:endParaRPr>
                     </a:p>
                     <a:p>
                       <a:endParaRPr lang="zh-CN" altLang="en-US" sz="1800" dirty="0">
@@ -10868,11 +10667,6 @@
                         </a:rPr>
                         <a:t>本次主题</a:t>
                       </a:r>
-                      <a:endParaRPr lang="zh-CN" altLang="en-US" sz="1800" b="1" dirty="0">
-                        <a:solidFill>
-                          <a:schemeClr val="tx1"/>
-                        </a:solidFill>
-                      </a:endParaRPr>
                     </a:p>
                   </a:txBody>
                   <a:tcPr>
@@ -10914,9 +10708,21 @@
                     </a:lnB>
                   </a:tcPr>
                 </a:tc>
+                <a:extLst>
+                  <a:ext uri="{0D108BD9-81ED-4DB2-BD59-A6C34878D82A}">
+                    <a16:rowId xmlns:a16="http://schemas.microsoft.com/office/drawing/2014/main" val="10003"/>
+                  </a:ext>
+                </a:extLst>
               </a:tr>
               <a:tr h="682534">
                 <a:tc vMerge="1">
+                  <a:txBody>
+                    <a:bodyPr/>
+                    <a:lstStyle/>
+                    <a:p>
+                      <a:endParaRPr lang="zh-CN"/>
+                    </a:p>
+                  </a:txBody>
                   <a:tcPr>
                     <a:lnL w="12700" cap="flat" cmpd="sng" algn="ctr">
                       <a:solidFill>
@@ -11001,11 +10807,6 @@
                         </a:rPr>
                         <a:t>）</a:t>
                       </a:r>
-                      <a:endParaRPr lang="zh-CN" altLang="en-US" sz="1800" dirty="0">
-                        <a:solidFill>
-                          <a:schemeClr val="tx1"/>
-                        </a:solidFill>
-                      </a:endParaRPr>
                     </a:p>
                   </a:txBody>
                   <a:tcPr>
@@ -11076,11 +10877,6 @@
                         </a:rPr>
                         <a:t>✔</a:t>
                       </a:r>
-                      <a:endParaRPr lang="zh-CN" altLang="en-US" sz="1800" dirty="0">
-                        <a:solidFill>
-                          <a:schemeClr val="tx1"/>
-                        </a:solidFill>
-                      </a:endParaRPr>
                     </a:p>
                     <a:p>
                       <a:endParaRPr lang="zh-CN" altLang="en-US" sz="1800" dirty="0">
@@ -11244,11 +11040,6 @@
                         </a:rPr>
                         <a:t>不常见，后面提一下</a:t>
                       </a:r>
-                      <a:endParaRPr lang="zh-CN" altLang="en-US" sz="1800" dirty="0">
-                        <a:solidFill>
-                          <a:schemeClr val="tx1"/>
-                        </a:solidFill>
-                      </a:endParaRPr>
                     </a:p>
                   </a:txBody>
                   <a:tcPr>
@@ -11290,6 +11081,11 @@
                     </a:lnB>
                   </a:tcPr>
                 </a:tc>
+                <a:extLst>
+                  <a:ext uri="{0D108BD9-81ED-4DB2-BD59-A6C34878D82A}">
+                    <a16:rowId xmlns:a16="http://schemas.microsoft.com/office/drawing/2014/main" val="10004"/>
+                  </a:ext>
+                </a:extLst>
               </a:tr>
             </a:tbl>
           </a:graphicData>
@@ -11362,16 +11158,6 @@
               </a:rPr>
               <a:t>应用</a:t>
             </a:r>
-            <a:endParaRPr lang="zh-CN" altLang="en-US" sz="2800" b="1" dirty="0">
-              <a:solidFill>
-                <a:schemeClr val="tx2">
-                  <a:lumMod val="60000"/>
-                  <a:lumOff val="40000"/>
-                </a:schemeClr>
-              </a:solidFill>
-              <a:latin typeface="微软雅黑" panose="020B0503020204020204" pitchFamily="34" charset="-122"/>
-              <a:ea typeface="微软雅黑" panose="020B0503020204020204" pitchFamily="34" charset="-122"/>
-            </a:endParaRPr>
           </a:p>
         </p:txBody>
       </p:sp>
@@ -11398,7 +11184,7 @@
             <p:nvPr/>
           </p:nvPicPr>
           <p:blipFill>
-            <a:blip r:embed="rId1"/>
+            <a:blip r:embed="rId6"/>
             <a:stretch>
               <a:fillRect/>
             </a:stretch>
@@ -11419,7 +11205,7 @@
             <p:cNvSpPr txBox="1"/>
             <p:nvPr>
               <p:custDataLst>
-                <p:tags r:id="rId2"/>
+                <p:tags r:id="rId3"/>
               </p:custDataLst>
             </p:nvPr>
           </p:nvSpPr>
@@ -11450,10 +11236,6 @@
                 </a:rPr>
                 <a:t>碰撞检测、遮挡剔除、阴影、及对其它算法起到抗锯齿效果</a:t>
               </a:r>
-              <a:endParaRPr lang="zh-CN" altLang="en-US" sz="1800" dirty="0">
-                <a:latin typeface="+mn-ea"/>
-                <a:cs typeface="+mn-ea"/>
-              </a:endParaRPr>
             </a:p>
           </p:txBody>
         </p:sp>
@@ -11521,7 +11303,7 @@
             <p:cNvSpPr txBox="1"/>
             <p:nvPr>
               <p:custDataLst>
-                <p:tags r:id="rId3"/>
+                <p:tags r:id="rId2"/>
               </p:custDataLst>
             </p:nvPr>
           </p:nvSpPr>
@@ -11736,10 +11518,6 @@
                 </a:rPr>
                 <a:t>的无效数据去插值，产生锯齿。</a:t>
               </a:r>
-              <a:endParaRPr lang="zh-CN" altLang="en-US" sz="1800" dirty="0">
-                <a:latin typeface="+mn-ea"/>
-                <a:cs typeface="+mn-ea"/>
-              </a:endParaRPr>
             </a:p>
           </p:txBody>
         </p:sp>
@@ -11752,7 +11530,7 @@
             <p:nvPr/>
           </p:nvPicPr>
           <p:blipFill>
-            <a:blip r:embed="rId4"/>
+            <a:blip r:embed="rId7"/>
             <a:stretch>
               <a:fillRect/>
             </a:stretch>
@@ -11848,7 +11626,7 @@
               <p:nvPr/>
             </p:nvPicPr>
             <p:blipFill>
-              <a:blip r:embed="rId5">
+              <a:blip r:embed="rId8">
                 <a:extLst>
                   <a:ext uri="{28A0092B-C50C-407E-A947-70E740481C1C}">
                     <a14:useLocalDpi xmlns:a14="http://schemas.microsoft.com/office/drawing/2010/main" val="0"/>
@@ -11886,7 +11664,7 @@
               <p:cNvSpPr txBox="1"/>
               <p:nvPr>
                 <p:custDataLst>
-                  <p:tags r:id="rId6"/>
+                  <p:tags r:id="rId1"/>
                 </p:custDataLst>
               </p:nvPr>
             </p:nvSpPr>
@@ -12209,13 +11987,6 @@
               </a:rPr>
               <a:t>定义和应用</a:t>
             </a:r>
-            <a:endParaRPr lang="zh-CN" altLang="en-US" sz="2000" b="1" dirty="0">
-              <a:solidFill>
-                <a:schemeClr val="bg1"/>
-              </a:solidFill>
-              <a:latin typeface="微软雅黑" panose="020B0503020204020204" pitchFamily="34" charset="-122"/>
-              <a:ea typeface="微软雅黑" panose="020B0503020204020204" pitchFamily="34" charset="-122"/>
-            </a:endParaRPr>
           </a:p>
         </p:txBody>
       </p:sp>
@@ -12356,7 +12127,7 @@
             <p:cNvSpPr/>
             <p:nvPr>
               <p:custDataLst>
-                <p:tags r:id="rId5"/>
+                <p:tags r:id="rId13"/>
               </p:custDataLst>
             </p:nvPr>
           </p:nvSpPr>
@@ -12413,11 +12184,6 @@
                 </a:rPr>
                 <a:t>2</a:t>
               </a:r>
-              <a:endParaRPr lang="en-US" altLang="zh-CN" sz="3600" dirty="0">
-                <a:latin typeface="+mj-lt"/>
-                <a:ea typeface="Arial Unicode MS" panose="020B0604020202020204" pitchFamily="34" charset="-122"/>
-                <a:cs typeface="Arial Unicode MS" panose="020B0604020202020204" pitchFamily="34" charset="-122"/>
-              </a:endParaRPr>
             </a:p>
           </p:txBody>
         </p:sp>
@@ -12427,7 +12193,7 @@
             <p:cNvSpPr/>
             <p:nvPr>
               <p:custDataLst>
-                <p:tags r:id="rId6"/>
+                <p:tags r:id="rId14"/>
               </p:custDataLst>
             </p:nvPr>
           </p:nvSpPr>
@@ -12490,7 +12256,7 @@
             <p:cNvSpPr/>
             <p:nvPr>
               <p:custDataLst>
-                <p:tags r:id="rId7"/>
+                <p:tags r:id="rId15"/>
               </p:custDataLst>
             </p:nvPr>
           </p:nvSpPr>
@@ -12523,14 +12289,6 @@
                 </a:rPr>
                 <a:t>实现</a:t>
               </a:r>
-              <a:endParaRPr lang="zh-CN" altLang="en-US" sz="2000" b="1" kern="100" dirty="0">
-                <a:solidFill>
-                  <a:schemeClr val="bg1"/>
-                </a:solidFill>
-                <a:latin typeface="微软雅黑" panose="020B0503020204020204" pitchFamily="34" charset="-122"/>
-                <a:ea typeface="微软雅黑" panose="020B0503020204020204" pitchFamily="34" charset="-122"/>
-                <a:cs typeface="Times New Roman" panose="02020603050405020304" pitchFamily="18" charset="0"/>
-              </a:endParaRPr>
             </a:p>
           </p:txBody>
         </p:sp>
@@ -12540,7 +12298,7 @@
             <p:cNvSpPr/>
             <p:nvPr>
               <p:custDataLst>
-                <p:tags r:id="rId8"/>
+                <p:tags r:id="rId16"/>
               </p:custDataLst>
             </p:nvPr>
           </p:nvSpPr>
@@ -12597,11 +12355,6 @@
                 </a:rPr>
                 <a:t>2.1</a:t>
               </a:r>
-              <a:endParaRPr lang="en-US" altLang="zh-CN" sz="3600" dirty="0">
-                <a:latin typeface="+mj-lt"/>
-                <a:ea typeface="Arial Unicode MS" panose="020B0604020202020204" pitchFamily="34" charset="-122"/>
-                <a:cs typeface="Arial Unicode MS" panose="020B0604020202020204" pitchFamily="34" charset="-122"/>
-              </a:endParaRPr>
             </a:p>
           </p:txBody>
         </p:sp>
@@ -12611,7 +12364,7 @@
             <p:cNvSpPr/>
             <p:nvPr>
               <p:custDataLst>
-                <p:tags r:id="rId9"/>
+                <p:tags r:id="rId17"/>
               </p:custDataLst>
             </p:nvPr>
           </p:nvSpPr>
@@ -12740,7 +12493,7 @@
             <p:cNvSpPr/>
             <p:nvPr>
               <p:custDataLst>
-                <p:tags r:id="rId10"/>
+                <p:tags r:id="rId18"/>
               </p:custDataLst>
             </p:nvPr>
           </p:nvSpPr>
@@ -12814,7 +12567,7 @@
             <p:cNvSpPr/>
             <p:nvPr>
               <p:custDataLst>
-                <p:tags r:id="rId11"/>
+                <p:tags r:id="rId19"/>
               </p:custDataLst>
             </p:nvPr>
           </p:nvSpPr>
@@ -12871,11 +12624,6 @@
                 </a:rPr>
                 <a:t>2.2</a:t>
               </a:r>
-              <a:endParaRPr lang="en-US" altLang="zh-CN" sz="3600" dirty="0">
-                <a:latin typeface="+mj-lt"/>
-                <a:ea typeface="Arial Unicode MS" panose="020B0604020202020204" pitchFamily="34" charset="-122"/>
-                <a:cs typeface="Arial Unicode MS" panose="020B0604020202020204" pitchFamily="34" charset="-122"/>
-              </a:endParaRPr>
             </a:p>
           </p:txBody>
         </p:sp>
@@ -12886,7 +12634,7 @@
           <p:cNvGrpSpPr/>
           <p:nvPr>
             <p:custDataLst>
-              <p:tags r:id="rId12"/>
+              <p:tags r:id="rId5"/>
             </p:custDataLst>
           </p:nvPr>
         </p:nvGrpSpPr>
@@ -12904,7 +12652,7 @@
             <p:cNvSpPr/>
             <p:nvPr>
               <p:custDataLst>
-                <p:tags r:id="rId13"/>
+                <p:tags r:id="rId6"/>
               </p:custDataLst>
             </p:nvPr>
           </p:nvSpPr>
@@ -12961,11 +12709,6 @@
                 </a:rPr>
                 <a:t>3</a:t>
               </a:r>
-              <a:endParaRPr lang="en-US" altLang="zh-CN" sz="3600" dirty="0">
-                <a:latin typeface="+mj-lt"/>
-                <a:ea typeface="Arial Unicode MS" panose="020B0604020202020204" pitchFamily="34" charset="-122"/>
-                <a:cs typeface="Arial Unicode MS" panose="020B0604020202020204" pitchFamily="34" charset="-122"/>
-              </a:endParaRPr>
             </a:p>
           </p:txBody>
         </p:sp>
@@ -12975,7 +12718,7 @@
             <p:cNvSpPr/>
             <p:nvPr>
               <p:custDataLst>
-                <p:tags r:id="rId14"/>
+                <p:tags r:id="rId7"/>
               </p:custDataLst>
             </p:nvPr>
           </p:nvSpPr>
@@ -13038,7 +12781,7 @@
             <p:cNvSpPr/>
             <p:nvPr>
               <p:custDataLst>
-                <p:tags r:id="rId15"/>
+                <p:tags r:id="rId8"/>
               </p:custDataLst>
             </p:nvPr>
           </p:nvSpPr>
@@ -13071,14 +12814,6 @@
                 </a:rPr>
                 <a:t>其它</a:t>
               </a:r>
-              <a:endParaRPr lang="zh-CN" altLang="en-US" sz="2000" b="1" kern="100" dirty="0">
-                <a:solidFill>
-                  <a:schemeClr val="bg1"/>
-                </a:solidFill>
-                <a:latin typeface="微软雅黑" panose="020B0503020204020204" pitchFamily="34" charset="-122"/>
-                <a:ea typeface="微软雅黑" panose="020B0503020204020204" pitchFamily="34" charset="-122"/>
-                <a:cs typeface="Times New Roman" panose="02020603050405020304" pitchFamily="18" charset="0"/>
-              </a:endParaRPr>
             </a:p>
           </p:txBody>
         </p:sp>
@@ -13088,7 +12823,7 @@
             <p:cNvSpPr/>
             <p:nvPr>
               <p:custDataLst>
-                <p:tags r:id="rId16"/>
+                <p:tags r:id="rId9"/>
               </p:custDataLst>
             </p:nvPr>
           </p:nvSpPr>
@@ -13145,11 +12880,6 @@
                 </a:rPr>
                 <a:t>3.1</a:t>
               </a:r>
-              <a:endParaRPr lang="en-US" altLang="zh-CN" sz="3600" dirty="0">
-                <a:latin typeface="+mj-lt"/>
-                <a:ea typeface="Arial Unicode MS" panose="020B0604020202020204" pitchFamily="34" charset="-122"/>
-                <a:cs typeface="Arial Unicode MS" panose="020B0604020202020204" pitchFamily="34" charset="-122"/>
-              </a:endParaRPr>
             </a:p>
           </p:txBody>
         </p:sp>
@@ -13159,7 +12889,7 @@
             <p:cNvSpPr/>
             <p:nvPr>
               <p:custDataLst>
-                <p:tags r:id="rId17"/>
+                <p:tags r:id="rId10"/>
               </p:custDataLst>
             </p:nvPr>
           </p:nvSpPr>
@@ -13244,7 +12974,7 @@
             <p:cNvSpPr/>
             <p:nvPr>
               <p:custDataLst>
-                <p:tags r:id="rId18"/>
+                <p:tags r:id="rId11"/>
               </p:custDataLst>
             </p:nvPr>
           </p:nvSpPr>
@@ -13318,7 +13048,7 @@
             <p:cNvSpPr/>
             <p:nvPr>
               <p:custDataLst>
-                <p:tags r:id="rId19"/>
+                <p:tags r:id="rId12"/>
               </p:custDataLst>
             </p:nvPr>
           </p:nvSpPr>
@@ -13375,11 +13105,6 @@
                 </a:rPr>
                 <a:t>3.2</a:t>
               </a:r>
-              <a:endParaRPr lang="en-US" altLang="zh-CN" sz="3600" dirty="0">
-                <a:latin typeface="+mj-lt"/>
-                <a:ea typeface="Arial Unicode MS" panose="020B0604020202020204" pitchFamily="34" charset="-122"/>
-                <a:cs typeface="Arial Unicode MS" panose="020B0604020202020204" pitchFamily="34" charset="-122"/>
-              </a:endParaRPr>
             </a:p>
           </p:txBody>
         </p:sp>
@@ -13471,16 +13196,6 @@
               </a:rPr>
               <a:t>支持</a:t>
             </a:r>
-            <a:endParaRPr lang="zh-CN" altLang="en-US" sz="2800" b="1" dirty="0">
-              <a:solidFill>
-                <a:schemeClr val="tx2">
-                  <a:lumMod val="60000"/>
-                  <a:lumOff val="40000"/>
-                </a:schemeClr>
-              </a:solidFill>
-              <a:latin typeface="微软雅黑" panose="020B0503020204020204" pitchFamily="34" charset="-122"/>
-              <a:ea typeface="微软雅黑" panose="020B0503020204020204" pitchFamily="34" charset="-122"/>
-            </a:endParaRPr>
           </a:p>
         </p:txBody>
       </p:sp>
@@ -13544,7 +13259,7 @@
           <p:nvPr/>
         </p:nvPicPr>
         <p:blipFill>
-          <a:blip r:embed="rId2"/>
+          <a:blip r:embed="rId5"/>
           <a:stretch>
             <a:fillRect/>
           </a:stretch>
@@ -13568,7 +13283,7 @@
           <p:nvPr/>
         </p:nvPicPr>
         <p:blipFill>
-          <a:blip r:embed="rId3"/>
+          <a:blip r:embed="rId6"/>
           <a:stretch>
             <a:fillRect/>
           </a:stretch>
@@ -13592,7 +13307,7 @@
           <p:nvPr/>
         </p:nvPicPr>
         <p:blipFill>
-          <a:blip r:embed="rId4"/>
+          <a:blip r:embed="rId7"/>
           <a:stretch>
             <a:fillRect/>
           </a:stretch>
@@ -13616,7 +13331,7 @@
           <p:nvPr/>
         </p:nvPicPr>
         <p:blipFill>
-          <a:blip r:embed="rId5"/>
+          <a:blip r:embed="rId8"/>
           <a:stretch>
             <a:fillRect/>
           </a:stretch>
@@ -13637,7 +13352,7 @@
           <p:cNvSpPr txBox="1"/>
           <p:nvPr>
             <p:custDataLst>
-              <p:tags r:id="rId6"/>
+              <p:tags r:id="rId2"/>
             </p:custDataLst>
           </p:nvPr>
         </p:nvSpPr>
@@ -13705,7 +13420,7 @@
             <p:nvPr/>
           </p:nvPicPr>
           <p:blipFill>
-            <a:blip r:embed="rId7"/>
+            <a:blip r:embed="rId9"/>
             <a:stretch>
               <a:fillRect/>
             </a:stretch>
@@ -13729,7 +13444,7 @@
             <p:nvPr/>
           </p:nvPicPr>
           <p:blipFill>
-            <a:blip r:embed="rId8"/>
+            <a:blip r:embed="rId10"/>
             <a:stretch>
               <a:fillRect/>
             </a:stretch>
@@ -13832,16 +13547,6 @@
               </a:rPr>
               <a:t>支持</a:t>
             </a:r>
-            <a:endParaRPr lang="zh-CN" altLang="en-US" sz="2800" b="1" dirty="0">
-              <a:solidFill>
-                <a:schemeClr val="tx2">
-                  <a:lumMod val="60000"/>
-                  <a:lumOff val="40000"/>
-                </a:schemeClr>
-              </a:solidFill>
-              <a:latin typeface="微软雅黑" panose="020B0503020204020204" pitchFamily="34" charset="-122"/>
-              <a:ea typeface="微软雅黑" panose="020B0503020204020204" pitchFamily="34" charset="-122"/>
-            </a:endParaRPr>
           </a:p>
         </p:txBody>
       </p:sp>
@@ -13936,7 +13641,7 @@
           <p:nvPr/>
         </p:nvPicPr>
         <p:blipFill>
-          <a:blip r:embed="rId2"/>
+          <a:blip r:embed="rId4"/>
           <a:stretch>
             <a:fillRect/>
           </a:stretch>
@@ -13960,7 +13665,7 @@
           <p:nvPr/>
         </p:nvPicPr>
         <p:blipFill>
-          <a:blip r:embed="rId3"/>
+          <a:blip r:embed="rId5"/>
           <a:stretch>
             <a:fillRect/>
           </a:stretch>
@@ -13984,7 +13689,7 @@
           <p:nvPr/>
         </p:nvPicPr>
         <p:blipFill>
-          <a:blip r:embed="rId4"/>
+          <a:blip r:embed="rId6"/>
           <a:stretch>
             <a:fillRect/>
           </a:stretch>
@@ -14008,7 +13713,7 @@
           <p:nvPr/>
         </p:nvPicPr>
         <p:blipFill>
-          <a:blip r:embed="rId5"/>
+          <a:blip r:embed="rId7"/>
           <a:stretch>
             <a:fillRect/>
           </a:stretch>
@@ -14032,7 +13737,7 @@
           <p:nvPr/>
         </p:nvPicPr>
         <p:blipFill>
-          <a:blip r:embed="rId6"/>
+          <a:blip r:embed="rId8"/>
           <a:stretch>
             <a:fillRect/>
           </a:stretch>
@@ -14134,16 +13839,6 @@
               </a:rPr>
               <a:t>支持</a:t>
             </a:r>
-            <a:endParaRPr lang="zh-CN" altLang="en-US" sz="2800" b="1" dirty="0">
-              <a:solidFill>
-                <a:schemeClr val="tx2">
-                  <a:lumMod val="60000"/>
-                  <a:lumOff val="40000"/>
-                </a:schemeClr>
-              </a:solidFill>
-              <a:latin typeface="微软雅黑" panose="020B0503020204020204" pitchFamily="34" charset="-122"/>
-              <a:ea typeface="微软雅黑" panose="020B0503020204020204" pitchFamily="34" charset="-122"/>
-            </a:endParaRPr>
           </a:p>
         </p:txBody>
       </p:sp>
@@ -14178,18 +13873,18 @@
               <a:t>保证支持</a:t>
             </a:r>
             <a:endParaRPr lang="en-US" altLang="zh-CN" dirty="0">
-              <a:hlinkClick r:id="rId1"/>
+              <a:hlinkClick r:id="rId3"/>
             </a:endParaRPr>
           </a:p>
           <a:p>
             <a:endParaRPr lang="en-US" altLang="zh-CN" dirty="0">
-              <a:hlinkClick r:id="rId1"/>
+              <a:hlinkClick r:id="rId3"/>
             </a:endParaRPr>
           </a:p>
           <a:p>
             <a:r>
               <a:rPr lang="en-US" altLang="zh-CN" dirty="0">
-                <a:hlinkClick r:id="rId1"/>
+                <a:hlinkClick r:id="rId3"/>
               </a:rPr>
               <a:t>https://en.wikipedia.org/wiki/Feature_levels_in_Direct3D#Direct3D_12</a:t>
             </a:r>
@@ -14211,12 +13906,12 @@
           <a:graphicData uri="http://schemas.openxmlformats.org/presentationml/2006/ole">
             <mc:AlternateContent xmlns:mc="http://schemas.openxmlformats.org/markup-compatibility/2006">
               <mc:Choice xmlns:v="urn:schemas-microsoft-com:vml" Requires="v">
-                <p:oleObj spid="_x0000_s3" name="" r:id="rId2" imgW="8930640" imgH="5539740" progId="Paint.Picture">
+                <p:oleObj r:id="rId4" imgW="8930640" imgH="5539740" progId="Paint.Picture">
                   <p:embed/>
                 </p:oleObj>
               </mc:Choice>
               <mc:Fallback>
-                <p:oleObj name="" r:id="rId2" imgW="8930640" imgH="5539740" progId="Paint.Picture">
+                <p:oleObj r:id="rId4" imgW="8930640" imgH="5539740" progId="Paint.Picture">
                   <p:embed/>
                   <p:pic>
                     <p:nvPicPr>
@@ -14225,7 +13920,7 @@
                       <p:nvPr/>
                     </p:nvPicPr>
                     <p:blipFill>
-                      <a:blip r:embed="rId3"/>
+                      <a:blip r:embed="rId5"/>
                       <a:stretch>
                         <a:fillRect/>
                       </a:stretch>
@@ -14333,16 +14028,6 @@
               </a:rPr>
               <a:t>支持</a:t>
             </a:r>
-            <a:endParaRPr lang="zh-CN" altLang="en-US" sz="2800" b="1" dirty="0">
-              <a:solidFill>
-                <a:schemeClr val="tx2">
-                  <a:lumMod val="60000"/>
-                  <a:lumOff val="40000"/>
-                </a:schemeClr>
-              </a:solidFill>
-              <a:latin typeface="微软雅黑" panose="020B0503020204020204" pitchFamily="34" charset="-122"/>
-              <a:ea typeface="微软雅黑" panose="020B0503020204020204" pitchFamily="34" charset="-122"/>
-            </a:endParaRPr>
           </a:p>
         </p:txBody>
       </p:sp>
@@ -14390,10 +14075,6 @@
               </a:rPr>
               <a:t>和管线其它部分的交互影响</a:t>
             </a:r>
-            <a:endParaRPr lang="zh-CN" altLang="en-US" sz="2000" dirty="0">
-              <a:latin typeface="+mn-ea"/>
-              <a:cs typeface="+mn-ea"/>
-            </a:endParaRPr>
           </a:p>
         </p:txBody>
       </p:sp>
@@ -14406,7 +14087,7 @@
           <p:nvPr/>
         </p:nvPicPr>
         <p:blipFill>
-          <a:blip r:embed="rId2"/>
+          <a:blip r:embed="rId6"/>
           <a:stretch>
             <a:fillRect/>
           </a:stretch>
@@ -14430,7 +14111,7 @@
           <p:nvPr/>
         </p:nvPicPr>
         <p:blipFill>
-          <a:blip r:embed="rId3"/>
+          <a:blip r:embed="rId7"/>
           <a:stretch>
             <a:fillRect/>
           </a:stretch>
@@ -14451,7 +14132,7 @@
           <p:cNvSpPr txBox="1"/>
           <p:nvPr>
             <p:custDataLst>
-              <p:tags r:id="rId4"/>
+              <p:tags r:id="rId2"/>
             </p:custDataLst>
           </p:nvPr>
         </p:nvSpPr>
@@ -14512,7 +14193,7 @@
           <p:nvPr/>
         </p:nvPicPr>
         <p:blipFill>
-          <a:blip r:embed="rId5"/>
+          <a:blip r:embed="rId8"/>
           <a:stretch>
             <a:fillRect/>
           </a:stretch>
@@ -14536,7 +14217,7 @@
           <p:nvPr/>
         </p:nvPicPr>
         <p:blipFill>
-          <a:blip r:embed="rId6"/>
+          <a:blip r:embed="rId9"/>
           <a:stretch>
             <a:fillRect/>
           </a:stretch>
@@ -14557,7 +14238,7 @@
           <p:cNvSpPr txBox="1"/>
           <p:nvPr>
             <p:custDataLst>
-              <p:tags r:id="rId7"/>
+              <p:tags r:id="rId3"/>
             </p:custDataLst>
           </p:nvPr>
         </p:nvSpPr>
@@ -14602,10 +14283,6 @@
               </a:rPr>
               <a:t>文档里还有很多情况）</a:t>
             </a:r>
-            <a:endParaRPr lang="zh-CN" altLang="en-US" sz="2000" dirty="0">
-              <a:latin typeface="+mn-ea"/>
-              <a:cs typeface="+mn-ea"/>
-            </a:endParaRPr>
           </a:p>
         </p:txBody>
       </p:sp>
@@ -14619,463 +14296,463 @@
 </file>
 
 <file path=ppt/tags/tag1.xml><?xml version="1.0" encoding="utf-8"?>
-<p:tagLst xmlns:p="http://schemas.openxmlformats.org/presentationml/2006/main">
+<p:tagLst xmlns:a="http://schemas.openxmlformats.org/drawingml/2006/main" xmlns:r="http://schemas.openxmlformats.org/officeDocument/2006/relationships" xmlns:p="http://schemas.openxmlformats.org/presentationml/2006/main">
+  <p:tag name="COMMONDATA" val="eyJoZGlkIjoiM2ZkYTE3NmE2M2ZhMjM2YzI0MGEwZDc0OTQ1MWI1MGYifQ=="/>
+</p:tagLst>
+</file>
+
+<file path=ppt/tags/tag10.xml><?xml version="1.0" encoding="utf-8"?>
+<p:tagLst xmlns:a="http://schemas.openxmlformats.org/drawingml/2006/main" xmlns:r="http://schemas.openxmlformats.org/officeDocument/2006/relationships" xmlns:p="http://schemas.openxmlformats.org/presentationml/2006/main">
   <p:tag name="KSO_WM_DIAGRAM_VIRTUALLY_FRAME" val="{&quot;height&quot;:397.57055118110236,&quot;left&quot;:456.18377952755907,&quot;top&quot;:82.94385826771654,&quot;width&quot;:424.2662204724409}"/>
 </p:tagLst>
 </file>
 
-<file path=ppt/tags/tag10.xml><?xml version="1.0" encoding="utf-8"?>
-<p:tagLst xmlns:p="http://schemas.openxmlformats.org/presentationml/2006/main">
+<file path=ppt/tags/tag11.xml><?xml version="1.0" encoding="utf-8"?>
+<p:tagLst xmlns:a="http://schemas.openxmlformats.org/drawingml/2006/main" xmlns:r="http://schemas.openxmlformats.org/officeDocument/2006/relationships" xmlns:p="http://schemas.openxmlformats.org/presentationml/2006/main">
+  <p:tag name="KSO_WM_DIAGRAM_VIRTUALLY_FRAME" val="{&quot;height&quot;:397.57055118110236,&quot;left&quot;:456.18377952755907,&quot;top&quot;:82.94385826771654,&quot;width&quot;:424.2662204724409}"/>
+</p:tagLst>
+</file>
+
+<file path=ppt/tags/tag12.xml><?xml version="1.0" encoding="utf-8"?>
+<p:tagLst xmlns:a="http://schemas.openxmlformats.org/drawingml/2006/main" xmlns:r="http://schemas.openxmlformats.org/officeDocument/2006/relationships" xmlns:p="http://schemas.openxmlformats.org/presentationml/2006/main">
   <p:tag name="KSO_WM_BEAUTIFY_FLAG" val=""/>
   <p:tag name="KSO_WM_DIAGRAM_VIRTUALLY_FRAME" val="{&quot;height&quot;:397.57055118110236,&quot;left&quot;:456.18377952755907,&quot;top&quot;:82.94385826771654,&quot;width&quot;:424.2662204724409}"/>
 </p:tagLst>
 </file>
 
-<file path=ppt/tags/tag11.xml><?xml version="1.0" encoding="utf-8"?>
-<p:tagLst xmlns:p="http://schemas.openxmlformats.org/presentationml/2006/main">
+<file path=ppt/tags/tag13.xml><?xml version="1.0" encoding="utf-8"?>
+<p:tagLst xmlns:a="http://schemas.openxmlformats.org/drawingml/2006/main" xmlns:r="http://schemas.openxmlformats.org/officeDocument/2006/relationships" xmlns:p="http://schemas.openxmlformats.org/presentationml/2006/main">
   <p:tag name="KSO_WM_BEAUTIFY_FLAG" val=""/>
   <p:tag name="KSO_WM_DIAGRAM_VIRTUALLY_FRAME" val="{&quot;height&quot;:397.57055118110236,&quot;left&quot;:456.18377952755907,&quot;top&quot;:82.94385826771654,&quot;width&quot;:424.2662204724409}"/>
 </p:tagLst>
 </file>
 
-<file path=ppt/tags/tag12.xml><?xml version="1.0" encoding="utf-8"?>
-<p:tagLst xmlns:p="http://schemas.openxmlformats.org/presentationml/2006/main">
-  <p:tag name="KSO_WM_DIAGRAM_VIRTUALLY_FRAME" val="{&quot;height&quot;:397.57055118110236,&quot;left&quot;:456.18377952755907,&quot;top&quot;:82.94385826771654,&quot;width&quot;:424.2662204724409}"/>
-</p:tagLst>
-</file>
-
-<file path=ppt/tags/tag13.xml><?xml version="1.0" encoding="utf-8"?>
-<p:tagLst xmlns:p="http://schemas.openxmlformats.org/presentationml/2006/main">
-  <p:tag name="KSO_WM_DIAGRAM_VIRTUALLY_FRAME" val="{&quot;height&quot;:397.57055118110236,&quot;left&quot;:456.18377952755907,&quot;top&quot;:82.94385826771654,&quot;width&quot;:424.2662204724409}"/>
-</p:tagLst>
-</file>
-
 <file path=ppt/tags/tag14.xml><?xml version="1.0" encoding="utf-8"?>
-<p:tagLst xmlns:p="http://schemas.openxmlformats.org/presentationml/2006/main">
+<p:tagLst xmlns:a="http://schemas.openxmlformats.org/drawingml/2006/main" xmlns:r="http://schemas.openxmlformats.org/officeDocument/2006/relationships" xmlns:p="http://schemas.openxmlformats.org/presentationml/2006/main">
   <p:tag name="KSO_WM_DIAGRAM_VIRTUALLY_FRAME" val="{&quot;height&quot;:397.57055118110236,&quot;left&quot;:456.18377952755907,&quot;top&quot;:82.94385826771654,&quot;width&quot;:424.2662204724409}"/>
 </p:tagLst>
 </file>
 
 <file path=ppt/tags/tag15.xml><?xml version="1.0" encoding="utf-8"?>
-<p:tagLst xmlns:p="http://schemas.openxmlformats.org/presentationml/2006/main">
+<p:tagLst xmlns:a="http://schemas.openxmlformats.org/drawingml/2006/main" xmlns:r="http://schemas.openxmlformats.org/officeDocument/2006/relationships" xmlns:p="http://schemas.openxmlformats.org/presentationml/2006/main">
   <p:tag name="KSO_WM_DIAGRAM_VIRTUALLY_FRAME" val="{&quot;height&quot;:397.57055118110236,&quot;left&quot;:456.18377952755907,&quot;top&quot;:82.94385826771654,&quot;width&quot;:424.2662204724409}"/>
 </p:tagLst>
 </file>
 
 <file path=ppt/tags/tag16.xml><?xml version="1.0" encoding="utf-8"?>
-<p:tagLst xmlns:p="http://schemas.openxmlformats.org/presentationml/2006/main">
+<p:tagLst xmlns:a="http://schemas.openxmlformats.org/drawingml/2006/main" xmlns:r="http://schemas.openxmlformats.org/officeDocument/2006/relationships" xmlns:p="http://schemas.openxmlformats.org/presentationml/2006/main">
   <p:tag name="KSO_WM_DIAGRAM_VIRTUALLY_FRAME" val="{&quot;height&quot;:397.57055118110236,&quot;left&quot;:456.18377952755907,&quot;top&quot;:82.94385826771654,&quot;width&quot;:424.2662204724409}"/>
 </p:tagLst>
 </file>
 
 <file path=ppt/tags/tag17.xml><?xml version="1.0" encoding="utf-8"?>
-<p:tagLst xmlns:p="http://schemas.openxmlformats.org/presentationml/2006/main">
+<p:tagLst xmlns:a="http://schemas.openxmlformats.org/drawingml/2006/main" xmlns:r="http://schemas.openxmlformats.org/officeDocument/2006/relationships" xmlns:p="http://schemas.openxmlformats.org/presentationml/2006/main">
   <p:tag name="KSO_WM_DIAGRAM_VIRTUALLY_FRAME" val="{&quot;height&quot;:397.57055118110236,&quot;left&quot;:456.18377952755907,&quot;top&quot;:82.94385826771654,&quot;width&quot;:424.2662204724409}"/>
 </p:tagLst>
 </file>
 
 <file path=ppt/tags/tag18.xml><?xml version="1.0" encoding="utf-8"?>
-<p:tagLst xmlns:p="http://schemas.openxmlformats.org/presentationml/2006/main">
-  <p:tag name="KSO_WM_BEAUTIFY_FLAG" val=""/>
+<p:tagLst xmlns:a="http://schemas.openxmlformats.org/drawingml/2006/main" xmlns:r="http://schemas.openxmlformats.org/officeDocument/2006/relationships" xmlns:p="http://schemas.openxmlformats.org/presentationml/2006/main">
   <p:tag name="KSO_WM_DIAGRAM_VIRTUALLY_FRAME" val="{&quot;height&quot;:397.57055118110236,&quot;left&quot;:456.18377952755907,&quot;top&quot;:82.94385826771654,&quot;width&quot;:424.2662204724409}"/>
 </p:tagLst>
 </file>
 
 <file path=ppt/tags/tag19.xml><?xml version="1.0" encoding="utf-8"?>
-<p:tagLst xmlns:p="http://schemas.openxmlformats.org/presentationml/2006/main">
+<p:tagLst xmlns:a="http://schemas.openxmlformats.org/drawingml/2006/main" xmlns:r="http://schemas.openxmlformats.org/officeDocument/2006/relationships" xmlns:p="http://schemas.openxmlformats.org/presentationml/2006/main">
   <p:tag name="KSO_WM_BEAUTIFY_FLAG" val=""/>
   <p:tag name="KSO_WM_DIAGRAM_VIRTUALLY_FRAME" val="{&quot;height&quot;:397.57055118110236,&quot;left&quot;:456.18377952755907,&quot;top&quot;:82.94385826771654,&quot;width&quot;:424.2662204724409}"/>
 </p:tagLst>
 </file>
 
 <file path=ppt/tags/tag2.xml><?xml version="1.0" encoding="utf-8"?>
-<p:tagLst xmlns:p="http://schemas.openxmlformats.org/presentationml/2006/main">
+<p:tagLst xmlns:a="http://schemas.openxmlformats.org/drawingml/2006/main" xmlns:r="http://schemas.openxmlformats.org/officeDocument/2006/relationships" xmlns:p="http://schemas.openxmlformats.org/presentationml/2006/main">
   <p:tag name="KSO_WM_DIAGRAM_VIRTUALLY_FRAME" val="{&quot;height&quot;:397.57055118110236,&quot;left&quot;:456.18377952755907,&quot;top&quot;:82.94385826771654,&quot;width&quot;:424.2662204724409}"/>
 </p:tagLst>
 </file>
 
 <file path=ppt/tags/tag20.xml><?xml version="1.0" encoding="utf-8"?>
-<p:tagLst xmlns:p="http://schemas.openxmlformats.org/presentationml/2006/main">
+<p:tagLst xmlns:a="http://schemas.openxmlformats.org/drawingml/2006/main" xmlns:r="http://schemas.openxmlformats.org/officeDocument/2006/relationships" xmlns:p="http://schemas.openxmlformats.org/presentationml/2006/main">
   <p:tag name="KSO_WM_BEAUTIFY_FLAG" val=""/>
+  <p:tag name="KSO_WM_DIAGRAM_VIRTUALLY_FRAME" val="{&quot;height&quot;:397.57055118110236,&quot;left&quot;:456.18377952755907,&quot;top&quot;:82.94385826771654,&quot;width&quot;:424.2662204724409}"/>
 </p:tagLst>
 </file>
 
 <file path=ppt/tags/tag21.xml><?xml version="1.0" encoding="utf-8"?>
-<p:tagLst xmlns:p="http://schemas.openxmlformats.org/presentationml/2006/main">
+<p:tagLst xmlns:a="http://schemas.openxmlformats.org/drawingml/2006/main" xmlns:r="http://schemas.openxmlformats.org/officeDocument/2006/relationships" xmlns:p="http://schemas.openxmlformats.org/presentationml/2006/main">
   <p:tag name="KSO_WM_BEAUTIFY_FLAG" val=""/>
 </p:tagLst>
 </file>
 
 <file path=ppt/tags/tag22.xml><?xml version="1.0" encoding="utf-8"?>
-<p:tagLst xmlns:p="http://schemas.openxmlformats.org/presentationml/2006/main">
+<p:tagLst xmlns:a="http://schemas.openxmlformats.org/drawingml/2006/main" xmlns:r="http://schemas.openxmlformats.org/officeDocument/2006/relationships" xmlns:p="http://schemas.openxmlformats.org/presentationml/2006/main">
   <p:tag name="KSO_WM_BEAUTIFY_FLAG" val=""/>
 </p:tagLst>
 </file>
 
 <file path=ppt/tags/tag23.xml><?xml version="1.0" encoding="utf-8"?>
-<p:tagLst xmlns:p="http://schemas.openxmlformats.org/presentationml/2006/main">
+<p:tagLst xmlns:a="http://schemas.openxmlformats.org/drawingml/2006/main" xmlns:r="http://schemas.openxmlformats.org/officeDocument/2006/relationships" xmlns:p="http://schemas.openxmlformats.org/presentationml/2006/main">
   <p:tag name="KSO_WM_BEAUTIFY_FLAG" val=""/>
 </p:tagLst>
 </file>
 
 <file path=ppt/tags/tag24.xml><?xml version="1.0" encoding="utf-8"?>
-<p:tagLst xmlns:p="http://schemas.openxmlformats.org/presentationml/2006/main">
-  <p:tag name="KSO_WM_DIAGRAM_VIRTUALLY_FRAME" val="{&quot;height&quot;:397.57055118110236,&quot;left&quot;:456.18377952755907,&quot;top&quot;:82.94385826771654,&quot;width&quot;:424.2662204724409}"/>
+<p:tagLst xmlns:a="http://schemas.openxmlformats.org/drawingml/2006/main" xmlns:r="http://schemas.openxmlformats.org/officeDocument/2006/relationships" xmlns:p="http://schemas.openxmlformats.org/presentationml/2006/main">
+  <p:tag name="KSO_WM_BEAUTIFY_FLAG" val=""/>
 </p:tagLst>
 </file>
 
 <file path=ppt/tags/tag25.xml><?xml version="1.0" encoding="utf-8"?>
-<p:tagLst xmlns:p="http://schemas.openxmlformats.org/presentationml/2006/main">
+<p:tagLst xmlns:a="http://schemas.openxmlformats.org/drawingml/2006/main" xmlns:r="http://schemas.openxmlformats.org/officeDocument/2006/relationships" xmlns:p="http://schemas.openxmlformats.org/presentationml/2006/main">
   <p:tag name="KSO_WM_DIAGRAM_VIRTUALLY_FRAME" val="{&quot;height&quot;:397.57055118110236,&quot;left&quot;:456.18377952755907,&quot;top&quot;:82.94385826771654,&quot;width&quot;:424.2662204724409}"/>
 </p:tagLst>
 </file>
 
 <file path=ppt/tags/tag26.xml><?xml version="1.0" encoding="utf-8"?>
-<p:tagLst xmlns:p="http://schemas.openxmlformats.org/presentationml/2006/main">
+<p:tagLst xmlns:a="http://schemas.openxmlformats.org/drawingml/2006/main" xmlns:r="http://schemas.openxmlformats.org/officeDocument/2006/relationships" xmlns:p="http://schemas.openxmlformats.org/presentationml/2006/main">
   <p:tag name="KSO_WM_DIAGRAM_VIRTUALLY_FRAME" val="{&quot;height&quot;:397.57055118110236,&quot;left&quot;:456.18377952755907,&quot;top&quot;:82.94385826771654,&quot;width&quot;:424.2662204724409}"/>
 </p:tagLst>
 </file>
 
 <file path=ppt/tags/tag27.xml><?xml version="1.0" encoding="utf-8"?>
-<p:tagLst xmlns:p="http://schemas.openxmlformats.org/presentationml/2006/main">
+<p:tagLst xmlns:a="http://schemas.openxmlformats.org/drawingml/2006/main" xmlns:r="http://schemas.openxmlformats.org/officeDocument/2006/relationships" xmlns:p="http://schemas.openxmlformats.org/presentationml/2006/main">
   <p:tag name="KSO_WM_DIAGRAM_VIRTUALLY_FRAME" val="{&quot;height&quot;:397.57055118110236,&quot;left&quot;:456.18377952755907,&quot;top&quot;:82.94385826771654,&quot;width&quot;:424.2662204724409}"/>
 </p:tagLst>
 </file>
 
 <file path=ppt/tags/tag28.xml><?xml version="1.0" encoding="utf-8"?>
-<p:tagLst xmlns:p="http://schemas.openxmlformats.org/presentationml/2006/main">
+<p:tagLst xmlns:a="http://schemas.openxmlformats.org/drawingml/2006/main" xmlns:r="http://schemas.openxmlformats.org/officeDocument/2006/relationships" xmlns:p="http://schemas.openxmlformats.org/presentationml/2006/main">
   <p:tag name="KSO_WM_DIAGRAM_VIRTUALLY_FRAME" val="{&quot;height&quot;:397.57055118110236,&quot;left&quot;:456.18377952755907,&quot;top&quot;:82.94385826771654,&quot;width&quot;:424.2662204724409}"/>
 </p:tagLst>
 </file>
 
 <file path=ppt/tags/tag29.xml><?xml version="1.0" encoding="utf-8"?>
-<p:tagLst xmlns:p="http://schemas.openxmlformats.org/presentationml/2006/main">
+<p:tagLst xmlns:a="http://schemas.openxmlformats.org/drawingml/2006/main" xmlns:r="http://schemas.openxmlformats.org/officeDocument/2006/relationships" xmlns:p="http://schemas.openxmlformats.org/presentationml/2006/main">
   <p:tag name="KSO_WM_DIAGRAM_VIRTUALLY_FRAME" val="{&quot;height&quot;:397.57055118110236,&quot;left&quot;:456.18377952755907,&quot;top&quot;:82.94385826771654,&quot;width&quot;:424.2662204724409}"/>
 </p:tagLst>
 </file>
 
 <file path=ppt/tags/tag3.xml><?xml version="1.0" encoding="utf-8"?>
-<p:tagLst xmlns:p="http://schemas.openxmlformats.org/presentationml/2006/main">
+<p:tagLst xmlns:a="http://schemas.openxmlformats.org/drawingml/2006/main" xmlns:r="http://schemas.openxmlformats.org/officeDocument/2006/relationships" xmlns:p="http://schemas.openxmlformats.org/presentationml/2006/main">
   <p:tag name="KSO_WM_DIAGRAM_VIRTUALLY_FRAME" val="{&quot;height&quot;:397.57055118110236,&quot;left&quot;:456.18377952755907,&quot;top&quot;:82.94385826771654,&quot;width&quot;:424.2662204724409}"/>
 </p:tagLst>
 </file>
 
 <file path=ppt/tags/tag30.xml><?xml version="1.0" encoding="utf-8"?>
-<p:tagLst xmlns:p="http://schemas.openxmlformats.org/presentationml/2006/main">
+<p:tagLst xmlns:a="http://schemas.openxmlformats.org/drawingml/2006/main" xmlns:r="http://schemas.openxmlformats.org/officeDocument/2006/relationships" xmlns:p="http://schemas.openxmlformats.org/presentationml/2006/main">
   <p:tag name="KSO_WM_DIAGRAM_VIRTUALLY_FRAME" val="{&quot;height&quot;:397.57055118110236,&quot;left&quot;:456.18377952755907,&quot;top&quot;:82.94385826771654,&quot;width&quot;:424.2662204724409}"/>
 </p:tagLst>
 </file>
 
 <file path=ppt/tags/tag31.xml><?xml version="1.0" encoding="utf-8"?>
-<p:tagLst xmlns:p="http://schemas.openxmlformats.org/presentationml/2006/main">
+<p:tagLst xmlns:a="http://schemas.openxmlformats.org/drawingml/2006/main" xmlns:r="http://schemas.openxmlformats.org/officeDocument/2006/relationships" xmlns:p="http://schemas.openxmlformats.org/presentationml/2006/main">
   <p:tag name="KSO_WM_DIAGRAM_VIRTUALLY_FRAME" val="{&quot;height&quot;:397.57055118110236,&quot;left&quot;:456.18377952755907,&quot;top&quot;:82.94385826771654,&quot;width&quot;:424.2662204724409}"/>
 </p:tagLst>
 </file>
 
 <file path=ppt/tags/tag32.xml><?xml version="1.0" encoding="utf-8"?>
-<p:tagLst xmlns:p="http://schemas.openxmlformats.org/presentationml/2006/main">
+<p:tagLst xmlns:a="http://schemas.openxmlformats.org/drawingml/2006/main" xmlns:r="http://schemas.openxmlformats.org/officeDocument/2006/relationships" xmlns:p="http://schemas.openxmlformats.org/presentationml/2006/main">
   <p:tag name="KSO_WM_DIAGRAM_VIRTUALLY_FRAME" val="{&quot;height&quot;:397.57055118110236,&quot;left&quot;:456.18377952755907,&quot;top&quot;:82.94385826771654,&quot;width&quot;:424.2662204724409}"/>
 </p:tagLst>
 </file>
 
 <file path=ppt/tags/tag33.xml><?xml version="1.0" encoding="utf-8"?>
-<p:tagLst xmlns:p="http://schemas.openxmlformats.org/presentationml/2006/main">
+<p:tagLst xmlns:a="http://schemas.openxmlformats.org/drawingml/2006/main" xmlns:r="http://schemas.openxmlformats.org/officeDocument/2006/relationships" xmlns:p="http://schemas.openxmlformats.org/presentationml/2006/main">
+  <p:tag name="KSO_WM_DIAGRAM_VIRTUALLY_FRAME" val="{&quot;height&quot;:397.57055118110236,&quot;left&quot;:456.18377952755907,&quot;top&quot;:82.94385826771654,&quot;width&quot;:424.2662204724409}"/>
+</p:tagLst>
+</file>
+
+<file path=ppt/tags/tag34.xml><?xml version="1.0" encoding="utf-8"?>
+<p:tagLst xmlns:a="http://schemas.openxmlformats.org/drawingml/2006/main" xmlns:r="http://schemas.openxmlformats.org/officeDocument/2006/relationships" xmlns:p="http://schemas.openxmlformats.org/presentationml/2006/main">
+  <p:tag name="KSO_WM_DIAGRAM_VIRTUALLY_FRAME" val="{&quot;height&quot;:397.57055118110236,&quot;left&quot;:456.18377952755907,&quot;top&quot;:82.94385826771654,&quot;width&quot;:424.2662204724409}"/>
+</p:tagLst>
+</file>
+
+<file path=ppt/tags/tag35.xml><?xml version="1.0" encoding="utf-8"?>
+<p:tagLst xmlns:a="http://schemas.openxmlformats.org/drawingml/2006/main" xmlns:r="http://schemas.openxmlformats.org/officeDocument/2006/relationships" xmlns:p="http://schemas.openxmlformats.org/presentationml/2006/main">
   <p:tag name="KSO_WM_BEAUTIFY_FLAG" val=""/>
   <p:tag name="KSO_WM_DIAGRAM_VIRTUALLY_FRAME" val="{&quot;height&quot;:397.57055118110236,&quot;left&quot;:456.18377952755907,&quot;top&quot;:82.94385826771654,&quot;width&quot;:424.2662204724409}"/>
 </p:tagLst>
 </file>
 
-<file path=ppt/tags/tag34.xml><?xml version="1.0" encoding="utf-8"?>
-<p:tagLst xmlns:p="http://schemas.openxmlformats.org/presentationml/2006/main">
+<file path=ppt/tags/tag36.xml><?xml version="1.0" encoding="utf-8"?>
+<p:tagLst xmlns:a="http://schemas.openxmlformats.org/drawingml/2006/main" xmlns:r="http://schemas.openxmlformats.org/officeDocument/2006/relationships" xmlns:p="http://schemas.openxmlformats.org/presentationml/2006/main">
   <p:tag name="KSO_WM_BEAUTIFY_FLAG" val=""/>
   <p:tag name="KSO_WM_DIAGRAM_VIRTUALLY_FRAME" val="{&quot;height&quot;:397.57055118110236,&quot;left&quot;:456.18377952755907,&quot;top&quot;:82.94385826771654,&quot;width&quot;:424.2662204724409}"/>
 </p:tagLst>
 </file>
 
-<file path=ppt/tags/tag35.xml><?xml version="1.0" encoding="utf-8"?>
-<p:tagLst xmlns:p="http://schemas.openxmlformats.org/presentationml/2006/main">
-  <p:tag name="KSO_WM_DIAGRAM_VIRTUALLY_FRAME" val="{&quot;height&quot;:397.57055118110236,&quot;left&quot;:456.18377952755907,&quot;top&quot;:82.94385826771654,&quot;width&quot;:424.2662204724409}"/>
-</p:tagLst>
-</file>
-
-<file path=ppt/tags/tag36.xml><?xml version="1.0" encoding="utf-8"?>
-<p:tagLst xmlns:p="http://schemas.openxmlformats.org/presentationml/2006/main">
-  <p:tag name="KSO_WM_DIAGRAM_VIRTUALLY_FRAME" val="{&quot;height&quot;:397.57055118110236,&quot;left&quot;:456.18377952755907,&quot;top&quot;:82.94385826771654,&quot;width&quot;:424.2662204724409}"/>
-</p:tagLst>
-</file>
-
 <file path=ppt/tags/tag37.xml><?xml version="1.0" encoding="utf-8"?>
-<p:tagLst xmlns:p="http://schemas.openxmlformats.org/presentationml/2006/main">
+<p:tagLst xmlns:a="http://schemas.openxmlformats.org/drawingml/2006/main" xmlns:r="http://schemas.openxmlformats.org/officeDocument/2006/relationships" xmlns:p="http://schemas.openxmlformats.org/presentationml/2006/main">
   <p:tag name="KSO_WM_DIAGRAM_VIRTUALLY_FRAME" val="{&quot;height&quot;:397.57055118110236,&quot;left&quot;:456.18377952755907,&quot;top&quot;:82.94385826771654,&quot;width&quot;:424.2662204724409}"/>
 </p:tagLst>
 </file>
 
 <file path=ppt/tags/tag38.xml><?xml version="1.0" encoding="utf-8"?>
-<p:tagLst xmlns:p="http://schemas.openxmlformats.org/presentationml/2006/main">
+<p:tagLst xmlns:a="http://schemas.openxmlformats.org/drawingml/2006/main" xmlns:r="http://schemas.openxmlformats.org/officeDocument/2006/relationships" xmlns:p="http://schemas.openxmlformats.org/presentationml/2006/main">
   <p:tag name="KSO_WM_DIAGRAM_VIRTUALLY_FRAME" val="{&quot;height&quot;:397.57055118110236,&quot;left&quot;:456.18377952755907,&quot;top&quot;:82.94385826771654,&quot;width&quot;:424.2662204724409}"/>
 </p:tagLst>
 </file>
 
 <file path=ppt/tags/tag39.xml><?xml version="1.0" encoding="utf-8"?>
-<p:tagLst xmlns:p="http://schemas.openxmlformats.org/presentationml/2006/main">
+<p:tagLst xmlns:a="http://schemas.openxmlformats.org/drawingml/2006/main" xmlns:r="http://schemas.openxmlformats.org/officeDocument/2006/relationships" xmlns:p="http://schemas.openxmlformats.org/presentationml/2006/main">
   <p:tag name="KSO_WM_DIAGRAM_VIRTUALLY_FRAME" val="{&quot;height&quot;:397.57055118110236,&quot;left&quot;:456.18377952755907,&quot;top&quot;:82.94385826771654,&quot;width&quot;:424.2662204724409}"/>
 </p:tagLst>
 </file>
 
 <file path=ppt/tags/tag4.xml><?xml version="1.0" encoding="utf-8"?>
-<p:tagLst xmlns:p="http://schemas.openxmlformats.org/presentationml/2006/main">
+<p:tagLst xmlns:a="http://schemas.openxmlformats.org/drawingml/2006/main" xmlns:r="http://schemas.openxmlformats.org/officeDocument/2006/relationships" xmlns:p="http://schemas.openxmlformats.org/presentationml/2006/main">
   <p:tag name="KSO_WM_DIAGRAM_VIRTUALLY_FRAME" val="{&quot;height&quot;:397.57055118110236,&quot;left&quot;:456.18377952755907,&quot;top&quot;:82.94385826771654,&quot;width&quot;:424.2662204724409}"/>
 </p:tagLst>
 </file>
 
 <file path=ppt/tags/tag40.xml><?xml version="1.0" encoding="utf-8"?>
-<p:tagLst xmlns:p="http://schemas.openxmlformats.org/presentationml/2006/main">
+<p:tagLst xmlns:a="http://schemas.openxmlformats.org/drawingml/2006/main" xmlns:r="http://schemas.openxmlformats.org/officeDocument/2006/relationships" xmlns:p="http://schemas.openxmlformats.org/presentationml/2006/main">
   <p:tag name="KSO_WM_DIAGRAM_VIRTUALLY_FRAME" val="{&quot;height&quot;:397.57055118110236,&quot;left&quot;:456.18377952755907,&quot;top&quot;:82.94385826771654,&quot;width&quot;:424.2662204724409}"/>
 </p:tagLst>
 </file>
 
 <file path=ppt/tags/tag41.xml><?xml version="1.0" encoding="utf-8"?>
-<p:tagLst xmlns:p="http://schemas.openxmlformats.org/presentationml/2006/main">
-  <p:tag name="KSO_WM_BEAUTIFY_FLAG" val=""/>
+<p:tagLst xmlns:a="http://schemas.openxmlformats.org/drawingml/2006/main" xmlns:r="http://schemas.openxmlformats.org/officeDocument/2006/relationships" xmlns:p="http://schemas.openxmlformats.org/presentationml/2006/main">
   <p:tag name="KSO_WM_DIAGRAM_VIRTUALLY_FRAME" val="{&quot;height&quot;:397.57055118110236,&quot;left&quot;:456.18377952755907,&quot;top&quot;:82.94385826771654,&quot;width&quot;:424.2662204724409}"/>
 </p:tagLst>
 </file>
 
 <file path=ppt/tags/tag42.xml><?xml version="1.0" encoding="utf-8"?>
-<p:tagLst xmlns:p="http://schemas.openxmlformats.org/presentationml/2006/main">
+<p:tagLst xmlns:a="http://schemas.openxmlformats.org/drawingml/2006/main" xmlns:r="http://schemas.openxmlformats.org/officeDocument/2006/relationships" xmlns:p="http://schemas.openxmlformats.org/presentationml/2006/main">
   <p:tag name="KSO_WM_BEAUTIFY_FLAG" val=""/>
   <p:tag name="KSO_WM_DIAGRAM_VIRTUALLY_FRAME" val="{&quot;height&quot;:397.57055118110236,&quot;left&quot;:456.18377952755907,&quot;top&quot;:82.94385826771654,&quot;width&quot;:424.2662204724409}"/>
 </p:tagLst>
 </file>
 
 <file path=ppt/tags/tag43.xml><?xml version="1.0" encoding="utf-8"?>
-<p:tagLst xmlns:p="http://schemas.openxmlformats.org/presentationml/2006/main">
+<p:tagLst xmlns:a="http://schemas.openxmlformats.org/drawingml/2006/main" xmlns:r="http://schemas.openxmlformats.org/officeDocument/2006/relationships" xmlns:p="http://schemas.openxmlformats.org/presentationml/2006/main">
   <p:tag name="KSO_WM_BEAUTIFY_FLAG" val=""/>
+  <p:tag name="KSO_WM_DIAGRAM_VIRTUALLY_FRAME" val="{&quot;height&quot;:397.57055118110236,&quot;left&quot;:456.18377952755907,&quot;top&quot;:82.94385826771654,&quot;width&quot;:424.2662204724409}"/>
 </p:tagLst>
 </file>
 
 <file path=ppt/tags/tag44.xml><?xml version="1.0" encoding="utf-8"?>
-<p:tagLst xmlns:p="http://schemas.openxmlformats.org/presentationml/2006/main">
+<p:tagLst xmlns:a="http://schemas.openxmlformats.org/drawingml/2006/main" xmlns:r="http://schemas.openxmlformats.org/officeDocument/2006/relationships" xmlns:p="http://schemas.openxmlformats.org/presentationml/2006/main">
   <p:tag name="KSO_WM_BEAUTIFY_FLAG" val=""/>
 </p:tagLst>
 </file>
 
 <file path=ppt/tags/tag45.xml><?xml version="1.0" encoding="utf-8"?>
-<p:tagLst xmlns:p="http://schemas.openxmlformats.org/presentationml/2006/main">
+<p:tagLst xmlns:a="http://schemas.openxmlformats.org/drawingml/2006/main" xmlns:r="http://schemas.openxmlformats.org/officeDocument/2006/relationships" xmlns:p="http://schemas.openxmlformats.org/presentationml/2006/main">
   <p:tag name="KSO_WM_BEAUTIFY_FLAG" val=""/>
 </p:tagLst>
 </file>
 
 <file path=ppt/tags/tag46.xml><?xml version="1.0" encoding="utf-8"?>
-<p:tagLst xmlns:p="http://schemas.openxmlformats.org/presentationml/2006/main">
+<p:tagLst xmlns:a="http://schemas.openxmlformats.org/drawingml/2006/main" xmlns:r="http://schemas.openxmlformats.org/officeDocument/2006/relationships" xmlns:p="http://schemas.openxmlformats.org/presentationml/2006/main">
   <p:tag name="KSO_WM_BEAUTIFY_FLAG" val=""/>
 </p:tagLst>
 </file>
 
 <file path=ppt/tags/tag47.xml><?xml version="1.0" encoding="utf-8"?>
-<p:tagLst xmlns:p="http://schemas.openxmlformats.org/presentationml/2006/main">
+<p:tagLst xmlns:a="http://schemas.openxmlformats.org/drawingml/2006/main" xmlns:r="http://schemas.openxmlformats.org/officeDocument/2006/relationships" xmlns:p="http://schemas.openxmlformats.org/presentationml/2006/main">
   <p:tag name="KSO_WM_BEAUTIFY_FLAG" val=""/>
 </p:tagLst>
 </file>
 
 <file path=ppt/tags/tag48.xml><?xml version="1.0" encoding="utf-8"?>
-<p:tagLst xmlns:p="http://schemas.openxmlformats.org/presentationml/2006/main">
+<p:tagLst xmlns:a="http://schemas.openxmlformats.org/drawingml/2006/main" xmlns:r="http://schemas.openxmlformats.org/officeDocument/2006/relationships" xmlns:p="http://schemas.openxmlformats.org/presentationml/2006/main">
   <p:tag name="KSO_WM_BEAUTIFY_FLAG" val=""/>
 </p:tagLst>
 </file>
 
 <file path=ppt/tags/tag49.xml><?xml version="1.0" encoding="utf-8"?>
-<p:tagLst xmlns:p="http://schemas.openxmlformats.org/presentationml/2006/main">
+<p:tagLst xmlns:a="http://schemas.openxmlformats.org/drawingml/2006/main" xmlns:r="http://schemas.openxmlformats.org/officeDocument/2006/relationships" xmlns:p="http://schemas.openxmlformats.org/presentationml/2006/main">
   <p:tag name="KSO_WM_BEAUTIFY_FLAG" val=""/>
 </p:tagLst>
 </file>
 
 <file path=ppt/tags/tag5.xml><?xml version="1.0" encoding="utf-8"?>
-<p:tagLst xmlns:p="http://schemas.openxmlformats.org/presentationml/2006/main">
+<p:tagLst xmlns:a="http://schemas.openxmlformats.org/drawingml/2006/main" xmlns:r="http://schemas.openxmlformats.org/officeDocument/2006/relationships" xmlns:p="http://schemas.openxmlformats.org/presentationml/2006/main">
   <p:tag name="KSO_WM_DIAGRAM_VIRTUALLY_FRAME" val="{&quot;height&quot;:397.57055118110236,&quot;left&quot;:456.18377952755907,&quot;top&quot;:82.94385826771654,&quot;width&quot;:424.2662204724409}"/>
 </p:tagLst>
 </file>
 
 <file path=ppt/tags/tag50.xml><?xml version="1.0" encoding="utf-8"?>
-<p:tagLst xmlns:p="http://schemas.openxmlformats.org/presentationml/2006/main">
+<p:tagLst xmlns:a="http://schemas.openxmlformats.org/drawingml/2006/main" xmlns:r="http://schemas.openxmlformats.org/officeDocument/2006/relationships" xmlns:p="http://schemas.openxmlformats.org/presentationml/2006/main">
   <p:tag name="KSO_WM_BEAUTIFY_FLAG" val=""/>
 </p:tagLst>
 </file>
 
 <file path=ppt/tags/tag51.xml><?xml version="1.0" encoding="utf-8"?>
-<p:tagLst xmlns:p="http://schemas.openxmlformats.org/presentationml/2006/main">
+<p:tagLst xmlns:a="http://schemas.openxmlformats.org/drawingml/2006/main" xmlns:r="http://schemas.openxmlformats.org/officeDocument/2006/relationships" xmlns:p="http://schemas.openxmlformats.org/presentationml/2006/main">
   <p:tag name="KSO_WM_BEAUTIFY_FLAG" val=""/>
 </p:tagLst>
 </file>
 
 <file path=ppt/tags/tag52.xml><?xml version="1.0" encoding="utf-8"?>
-<p:tagLst xmlns:p="http://schemas.openxmlformats.org/presentationml/2006/main">
+<p:tagLst xmlns:a="http://schemas.openxmlformats.org/drawingml/2006/main" xmlns:r="http://schemas.openxmlformats.org/officeDocument/2006/relationships" xmlns:p="http://schemas.openxmlformats.org/presentationml/2006/main">
   <p:tag name="KSO_WM_BEAUTIFY_FLAG" val=""/>
 </p:tagLst>
 </file>
 
 <file path=ppt/tags/tag53.xml><?xml version="1.0" encoding="utf-8"?>
-<p:tagLst xmlns:p="http://schemas.openxmlformats.org/presentationml/2006/main">
+<p:tagLst xmlns:a="http://schemas.openxmlformats.org/drawingml/2006/main" xmlns:r="http://schemas.openxmlformats.org/officeDocument/2006/relationships" xmlns:p="http://schemas.openxmlformats.org/presentationml/2006/main">
   <p:tag name="KSO_WM_BEAUTIFY_FLAG" val=""/>
 </p:tagLst>
 </file>
 
 <file path=ppt/tags/tag54.xml><?xml version="1.0" encoding="utf-8"?>
-<p:tagLst xmlns:p="http://schemas.openxmlformats.org/presentationml/2006/main">
-  <p:tag name="KSO_WM_DIAGRAM_VIRTUALLY_FRAME" val="{&quot;height&quot;:397.57055118110236,&quot;left&quot;:456.18377952755907,&quot;top&quot;:82.94385826771654,&quot;width&quot;:424.2662204724409}"/>
+<p:tagLst xmlns:a="http://schemas.openxmlformats.org/drawingml/2006/main" xmlns:r="http://schemas.openxmlformats.org/officeDocument/2006/relationships" xmlns:p="http://schemas.openxmlformats.org/presentationml/2006/main">
+  <p:tag name="KSO_WM_BEAUTIFY_FLAG" val=""/>
 </p:tagLst>
 </file>
 
 <file path=ppt/tags/tag55.xml><?xml version="1.0" encoding="utf-8"?>
-<p:tagLst xmlns:p="http://schemas.openxmlformats.org/presentationml/2006/main">
+<p:tagLst xmlns:a="http://schemas.openxmlformats.org/drawingml/2006/main" xmlns:r="http://schemas.openxmlformats.org/officeDocument/2006/relationships" xmlns:p="http://schemas.openxmlformats.org/presentationml/2006/main">
   <p:tag name="KSO_WM_DIAGRAM_VIRTUALLY_FRAME" val="{&quot;height&quot;:397.57055118110236,&quot;left&quot;:456.18377952755907,&quot;top&quot;:82.94385826771654,&quot;width&quot;:424.2662204724409}"/>
 </p:tagLst>
 </file>
 
 <file path=ppt/tags/tag56.xml><?xml version="1.0" encoding="utf-8"?>
-<p:tagLst xmlns:p="http://schemas.openxmlformats.org/presentationml/2006/main">
+<p:tagLst xmlns:a="http://schemas.openxmlformats.org/drawingml/2006/main" xmlns:r="http://schemas.openxmlformats.org/officeDocument/2006/relationships" xmlns:p="http://schemas.openxmlformats.org/presentationml/2006/main">
   <p:tag name="KSO_WM_DIAGRAM_VIRTUALLY_FRAME" val="{&quot;height&quot;:397.57055118110236,&quot;left&quot;:456.18377952755907,&quot;top&quot;:82.94385826771654,&quot;width&quot;:424.2662204724409}"/>
 </p:tagLst>
 </file>
 
 <file path=ppt/tags/tag57.xml><?xml version="1.0" encoding="utf-8"?>
-<p:tagLst xmlns:p="http://schemas.openxmlformats.org/presentationml/2006/main">
+<p:tagLst xmlns:a="http://schemas.openxmlformats.org/drawingml/2006/main" xmlns:r="http://schemas.openxmlformats.org/officeDocument/2006/relationships" xmlns:p="http://schemas.openxmlformats.org/presentationml/2006/main">
   <p:tag name="KSO_WM_DIAGRAM_VIRTUALLY_FRAME" val="{&quot;height&quot;:397.57055118110236,&quot;left&quot;:456.18377952755907,&quot;top&quot;:82.94385826771654,&quot;width&quot;:424.2662204724409}"/>
 </p:tagLst>
 </file>
 
 <file path=ppt/tags/tag58.xml><?xml version="1.0" encoding="utf-8"?>
-<p:tagLst xmlns:p="http://schemas.openxmlformats.org/presentationml/2006/main">
+<p:tagLst xmlns:a="http://schemas.openxmlformats.org/drawingml/2006/main" xmlns:r="http://schemas.openxmlformats.org/officeDocument/2006/relationships" xmlns:p="http://schemas.openxmlformats.org/presentationml/2006/main">
   <p:tag name="KSO_WM_DIAGRAM_VIRTUALLY_FRAME" val="{&quot;height&quot;:397.57055118110236,&quot;left&quot;:456.18377952755907,&quot;top&quot;:82.94385826771654,&quot;width&quot;:424.2662204724409}"/>
 </p:tagLst>
 </file>
 
 <file path=ppt/tags/tag59.xml><?xml version="1.0" encoding="utf-8"?>
-<p:tagLst xmlns:p="http://schemas.openxmlformats.org/presentationml/2006/main">
+<p:tagLst xmlns:a="http://schemas.openxmlformats.org/drawingml/2006/main" xmlns:r="http://schemas.openxmlformats.org/officeDocument/2006/relationships" xmlns:p="http://schemas.openxmlformats.org/presentationml/2006/main">
   <p:tag name="KSO_WM_DIAGRAM_VIRTUALLY_FRAME" val="{&quot;height&quot;:397.57055118110236,&quot;left&quot;:456.18377952755907,&quot;top&quot;:82.94385826771654,&quot;width&quot;:424.2662204724409}"/>
 </p:tagLst>
 </file>
 
 <file path=ppt/tags/tag6.xml><?xml version="1.0" encoding="utf-8"?>
-<p:tagLst xmlns:p="http://schemas.openxmlformats.org/presentationml/2006/main">
+<p:tagLst xmlns:a="http://schemas.openxmlformats.org/drawingml/2006/main" xmlns:r="http://schemas.openxmlformats.org/officeDocument/2006/relationships" xmlns:p="http://schemas.openxmlformats.org/presentationml/2006/main">
   <p:tag name="KSO_WM_DIAGRAM_VIRTUALLY_FRAME" val="{&quot;height&quot;:397.57055118110236,&quot;left&quot;:456.18377952755907,&quot;top&quot;:82.94385826771654,&quot;width&quot;:424.2662204724409}"/>
 </p:tagLst>
 </file>
 
 <file path=ppt/tags/tag60.xml><?xml version="1.0" encoding="utf-8"?>
-<p:tagLst xmlns:p="http://schemas.openxmlformats.org/presentationml/2006/main">
+<p:tagLst xmlns:a="http://schemas.openxmlformats.org/drawingml/2006/main" xmlns:r="http://schemas.openxmlformats.org/officeDocument/2006/relationships" xmlns:p="http://schemas.openxmlformats.org/presentationml/2006/main">
   <p:tag name="KSO_WM_DIAGRAM_VIRTUALLY_FRAME" val="{&quot;height&quot;:397.57055118110236,&quot;left&quot;:456.18377952755907,&quot;top&quot;:82.94385826771654,&quot;width&quot;:424.2662204724409}"/>
 </p:tagLst>
 </file>
 
 <file path=ppt/tags/tag61.xml><?xml version="1.0" encoding="utf-8"?>
-<p:tagLst xmlns:p="http://schemas.openxmlformats.org/presentationml/2006/main">
+<p:tagLst xmlns:a="http://schemas.openxmlformats.org/drawingml/2006/main" xmlns:r="http://schemas.openxmlformats.org/officeDocument/2006/relationships" xmlns:p="http://schemas.openxmlformats.org/presentationml/2006/main">
   <p:tag name="KSO_WM_DIAGRAM_VIRTUALLY_FRAME" val="{&quot;height&quot;:397.57055118110236,&quot;left&quot;:456.18377952755907,&quot;top&quot;:82.94385826771654,&quot;width&quot;:424.2662204724409}"/>
 </p:tagLst>
 </file>
 
 <file path=ppt/tags/tag62.xml><?xml version="1.0" encoding="utf-8"?>
-<p:tagLst xmlns:p="http://schemas.openxmlformats.org/presentationml/2006/main">
+<p:tagLst xmlns:a="http://schemas.openxmlformats.org/drawingml/2006/main" xmlns:r="http://schemas.openxmlformats.org/officeDocument/2006/relationships" xmlns:p="http://schemas.openxmlformats.org/presentationml/2006/main">
   <p:tag name="KSO_WM_DIAGRAM_VIRTUALLY_FRAME" val="{&quot;height&quot;:397.57055118110236,&quot;left&quot;:456.18377952755907,&quot;top&quot;:82.94385826771654,&quot;width&quot;:424.2662204724409}"/>
 </p:tagLst>
 </file>
 
 <file path=ppt/tags/tag63.xml><?xml version="1.0" encoding="utf-8"?>
-<p:tagLst xmlns:p="http://schemas.openxmlformats.org/presentationml/2006/main">
+<p:tagLst xmlns:a="http://schemas.openxmlformats.org/drawingml/2006/main" xmlns:r="http://schemas.openxmlformats.org/officeDocument/2006/relationships" xmlns:p="http://schemas.openxmlformats.org/presentationml/2006/main">
+  <p:tag name="KSO_WM_DIAGRAM_VIRTUALLY_FRAME" val="{&quot;height&quot;:397.57055118110236,&quot;left&quot;:456.18377952755907,&quot;top&quot;:82.94385826771654,&quot;width&quot;:424.2662204724409}"/>
+</p:tagLst>
+</file>
+
+<file path=ppt/tags/tag64.xml><?xml version="1.0" encoding="utf-8"?>
+<p:tagLst xmlns:a="http://schemas.openxmlformats.org/drawingml/2006/main" xmlns:r="http://schemas.openxmlformats.org/officeDocument/2006/relationships" xmlns:p="http://schemas.openxmlformats.org/presentationml/2006/main">
+  <p:tag name="KSO_WM_DIAGRAM_VIRTUALLY_FRAME" val="{&quot;height&quot;:397.57055118110236,&quot;left&quot;:456.18377952755907,&quot;top&quot;:82.94385826771654,&quot;width&quot;:424.2662204724409}"/>
+</p:tagLst>
+</file>
+
+<file path=ppt/tags/tag65.xml><?xml version="1.0" encoding="utf-8"?>
+<p:tagLst xmlns:a="http://schemas.openxmlformats.org/drawingml/2006/main" xmlns:r="http://schemas.openxmlformats.org/officeDocument/2006/relationships" xmlns:p="http://schemas.openxmlformats.org/presentationml/2006/main">
   <p:tag name="KSO_WM_BEAUTIFY_FLAG" val=""/>
   <p:tag name="KSO_WM_DIAGRAM_VIRTUALLY_FRAME" val="{&quot;height&quot;:397.57055118110236,&quot;left&quot;:456.18377952755907,&quot;top&quot;:82.94385826771654,&quot;width&quot;:424.2662204724409}"/>
 </p:tagLst>
 </file>
 
-<file path=ppt/tags/tag64.xml><?xml version="1.0" encoding="utf-8"?>
-<p:tagLst xmlns:p="http://schemas.openxmlformats.org/presentationml/2006/main">
+<file path=ppt/tags/tag66.xml><?xml version="1.0" encoding="utf-8"?>
+<p:tagLst xmlns:a="http://schemas.openxmlformats.org/drawingml/2006/main" xmlns:r="http://schemas.openxmlformats.org/officeDocument/2006/relationships" xmlns:p="http://schemas.openxmlformats.org/presentationml/2006/main">
   <p:tag name="KSO_WM_BEAUTIFY_FLAG" val=""/>
   <p:tag name="KSO_WM_DIAGRAM_VIRTUALLY_FRAME" val="{&quot;height&quot;:397.57055118110236,&quot;left&quot;:456.18377952755907,&quot;top&quot;:82.94385826771654,&quot;width&quot;:424.2662204724409}"/>
 </p:tagLst>
 </file>
 
-<file path=ppt/tags/tag65.xml><?xml version="1.0" encoding="utf-8"?>
-<p:tagLst xmlns:p="http://schemas.openxmlformats.org/presentationml/2006/main">
-  <p:tag name="KSO_WM_DIAGRAM_VIRTUALLY_FRAME" val="{&quot;height&quot;:397.57055118110236,&quot;left&quot;:456.18377952755907,&quot;top&quot;:82.94385826771654,&quot;width&quot;:424.2662204724409}"/>
-</p:tagLst>
-</file>
-
-<file path=ppt/tags/tag66.xml><?xml version="1.0" encoding="utf-8"?>
-<p:tagLst xmlns:p="http://schemas.openxmlformats.org/presentationml/2006/main">
-  <p:tag name="KSO_WM_DIAGRAM_VIRTUALLY_FRAME" val="{&quot;height&quot;:397.57055118110236,&quot;left&quot;:456.18377952755907,&quot;top&quot;:82.94385826771654,&quot;width&quot;:424.2662204724409}"/>
-</p:tagLst>
-</file>
-
 <file path=ppt/tags/tag67.xml><?xml version="1.0" encoding="utf-8"?>
-<p:tagLst xmlns:p="http://schemas.openxmlformats.org/presentationml/2006/main">
+<p:tagLst xmlns:a="http://schemas.openxmlformats.org/drawingml/2006/main" xmlns:r="http://schemas.openxmlformats.org/officeDocument/2006/relationships" xmlns:p="http://schemas.openxmlformats.org/presentationml/2006/main">
   <p:tag name="KSO_WM_DIAGRAM_VIRTUALLY_FRAME" val="{&quot;height&quot;:397.57055118110236,&quot;left&quot;:456.18377952755907,&quot;top&quot;:82.94385826771654,&quot;width&quot;:424.2662204724409}"/>
 </p:tagLst>
 </file>
 
 <file path=ppt/tags/tag68.xml><?xml version="1.0" encoding="utf-8"?>
-<p:tagLst xmlns:p="http://schemas.openxmlformats.org/presentationml/2006/main">
+<p:tagLst xmlns:a="http://schemas.openxmlformats.org/drawingml/2006/main" xmlns:r="http://schemas.openxmlformats.org/officeDocument/2006/relationships" xmlns:p="http://schemas.openxmlformats.org/presentationml/2006/main">
   <p:tag name="KSO_WM_DIAGRAM_VIRTUALLY_FRAME" val="{&quot;height&quot;:397.57055118110236,&quot;left&quot;:456.18377952755907,&quot;top&quot;:82.94385826771654,&quot;width&quot;:424.2662204724409}"/>
 </p:tagLst>
 </file>
 
 <file path=ppt/tags/tag69.xml><?xml version="1.0" encoding="utf-8"?>
-<p:tagLst xmlns:p="http://schemas.openxmlformats.org/presentationml/2006/main">
+<p:tagLst xmlns:a="http://schemas.openxmlformats.org/drawingml/2006/main" xmlns:r="http://schemas.openxmlformats.org/officeDocument/2006/relationships" xmlns:p="http://schemas.openxmlformats.org/presentationml/2006/main">
   <p:tag name="KSO_WM_DIAGRAM_VIRTUALLY_FRAME" val="{&quot;height&quot;:397.57055118110236,&quot;left&quot;:456.18377952755907,&quot;top&quot;:82.94385826771654,&quot;width&quot;:424.2662204724409}"/>
 </p:tagLst>
 </file>
 
 <file path=ppt/tags/tag7.xml><?xml version="1.0" encoding="utf-8"?>
-<p:tagLst xmlns:p="http://schemas.openxmlformats.org/presentationml/2006/main">
+<p:tagLst xmlns:a="http://schemas.openxmlformats.org/drawingml/2006/main" xmlns:r="http://schemas.openxmlformats.org/officeDocument/2006/relationships" xmlns:p="http://schemas.openxmlformats.org/presentationml/2006/main">
   <p:tag name="KSO_WM_DIAGRAM_VIRTUALLY_FRAME" val="{&quot;height&quot;:397.57055118110236,&quot;left&quot;:456.18377952755907,&quot;top&quot;:82.94385826771654,&quot;width&quot;:424.2662204724409}"/>
 </p:tagLst>
 </file>
 
 <file path=ppt/tags/tag70.xml><?xml version="1.0" encoding="utf-8"?>
-<p:tagLst xmlns:p="http://schemas.openxmlformats.org/presentationml/2006/main">
+<p:tagLst xmlns:a="http://schemas.openxmlformats.org/drawingml/2006/main" xmlns:r="http://schemas.openxmlformats.org/officeDocument/2006/relationships" xmlns:p="http://schemas.openxmlformats.org/presentationml/2006/main">
   <p:tag name="KSO_WM_DIAGRAM_VIRTUALLY_FRAME" val="{&quot;height&quot;:397.57055118110236,&quot;left&quot;:456.18377952755907,&quot;top&quot;:82.94385826771654,&quot;width&quot;:424.2662204724409}"/>
 </p:tagLst>
 </file>
 
 <file path=ppt/tags/tag71.xml><?xml version="1.0" encoding="utf-8"?>
-<p:tagLst xmlns:p="http://schemas.openxmlformats.org/presentationml/2006/main">
-  <p:tag name="KSO_WM_BEAUTIFY_FLAG" val=""/>
+<p:tagLst xmlns:a="http://schemas.openxmlformats.org/drawingml/2006/main" xmlns:r="http://schemas.openxmlformats.org/officeDocument/2006/relationships" xmlns:p="http://schemas.openxmlformats.org/presentationml/2006/main">
   <p:tag name="KSO_WM_DIAGRAM_VIRTUALLY_FRAME" val="{&quot;height&quot;:397.57055118110236,&quot;left&quot;:456.18377952755907,&quot;top&quot;:82.94385826771654,&quot;width&quot;:424.2662204724409}"/>
 </p:tagLst>
 </file>
 
 <file path=ppt/tags/tag72.xml><?xml version="1.0" encoding="utf-8"?>
-<p:tagLst xmlns:p="http://schemas.openxmlformats.org/presentationml/2006/main">
+<p:tagLst xmlns:a="http://schemas.openxmlformats.org/drawingml/2006/main" xmlns:r="http://schemas.openxmlformats.org/officeDocument/2006/relationships" xmlns:p="http://schemas.openxmlformats.org/presentationml/2006/main">
   <p:tag name="KSO_WM_BEAUTIFY_FLAG" val=""/>
   <p:tag name="KSO_WM_DIAGRAM_VIRTUALLY_FRAME" val="{&quot;height&quot;:397.57055118110236,&quot;left&quot;:456.18377952755907,&quot;top&quot;:82.94385826771654,&quot;width&quot;:424.2662204724409}"/>
 </p:tagLst>
 </file>
 
 <file path=ppt/tags/tag73.xml><?xml version="1.0" encoding="utf-8"?>
-<p:tagLst xmlns:p="http://schemas.openxmlformats.org/presentationml/2006/main">
+<p:tagLst xmlns:a="http://schemas.openxmlformats.org/drawingml/2006/main" xmlns:r="http://schemas.openxmlformats.org/officeDocument/2006/relationships" xmlns:p="http://schemas.openxmlformats.org/presentationml/2006/main">
   <p:tag name="KSO_WM_BEAUTIFY_FLAG" val=""/>
+  <p:tag name="KSO_WM_DIAGRAM_VIRTUALLY_FRAME" val="{&quot;height&quot;:397.57055118110236,&quot;left&quot;:456.18377952755907,&quot;top&quot;:82.94385826771654,&quot;width&quot;:424.2662204724409}"/>
 </p:tagLst>
 </file>
 
 <file path=ppt/tags/tag74.xml><?xml version="1.0" encoding="utf-8"?>
-<p:tagLst xmlns:p="http://schemas.openxmlformats.org/presentationml/2006/main">
+<p:tagLst xmlns:a="http://schemas.openxmlformats.org/drawingml/2006/main" xmlns:r="http://schemas.openxmlformats.org/officeDocument/2006/relationships" xmlns:p="http://schemas.openxmlformats.org/presentationml/2006/main">
   <p:tag name="KSO_WM_BEAUTIFY_FLAG" val=""/>
 </p:tagLst>
 </file>
 
 <file path=ppt/tags/tag75.xml><?xml version="1.0" encoding="utf-8"?>
-<p:tagLst xmlns:p="http://schemas.openxmlformats.org/presentationml/2006/main">
-  <p:tag name="COMMONDATA" val="eyJoZGlkIjoiM2ZkYTE3NmE2M2ZhMjM2YzI0MGEwZDc0OTQ1MWI1MGYifQ=="/>
+<p:tagLst xmlns:a="http://schemas.openxmlformats.org/drawingml/2006/main" xmlns:r="http://schemas.openxmlformats.org/officeDocument/2006/relationships" xmlns:p="http://schemas.openxmlformats.org/presentationml/2006/main">
+  <p:tag name="KSO_WM_BEAUTIFY_FLAG" val=""/>
 </p:tagLst>
 </file>
 
 <file path=ppt/tags/tag8.xml><?xml version="1.0" encoding="utf-8"?>
-<p:tagLst xmlns:p="http://schemas.openxmlformats.org/presentationml/2006/main">
+<p:tagLst xmlns:a="http://schemas.openxmlformats.org/drawingml/2006/main" xmlns:r="http://schemas.openxmlformats.org/officeDocument/2006/relationships" xmlns:p="http://schemas.openxmlformats.org/presentationml/2006/main">
   <p:tag name="KSO_WM_DIAGRAM_VIRTUALLY_FRAME" val="{&quot;height&quot;:397.57055118110236,&quot;left&quot;:456.18377952755907,&quot;top&quot;:82.94385826771654,&quot;width&quot;:424.2662204724409}"/>
 </p:tagLst>
 </file>
 
 <file path=ppt/tags/tag9.xml><?xml version="1.0" encoding="utf-8"?>
-<p:tagLst xmlns:p="http://schemas.openxmlformats.org/presentationml/2006/main">
+<p:tagLst xmlns:a="http://schemas.openxmlformats.org/drawingml/2006/main" xmlns:r="http://schemas.openxmlformats.org/officeDocument/2006/relationships" xmlns:p="http://schemas.openxmlformats.org/presentationml/2006/main">
   <p:tag name="KSO_WM_DIAGRAM_VIRTUALLY_FRAME" val="{&quot;height&quot;:397.57055118110236,&quot;left&quot;:456.18377952755907,&quot;top&quot;:82.94385826771654,&quot;width&quot;:424.2662204724409}"/>
 </p:tagLst>
 </file>
@@ -15360,6 +15037,8 @@
       </a:bgFillStyleLst>
     </a:fmtScheme>
   </a:themeElements>
+  <a:objectDefaults/>
+  <a:extraClrSchemeLst/>
   <a:extLst>
     <a:ext uri="{05A4C25C-085E-4340-85A3-A5531E510DB2}">
       <thm15:themeFamily xmlns:thm15="http://schemas.microsoft.com/office/thememl/2012/main" name="Office Theme" id="{62F939B6-93AF-4DB8-9C6B-D6C7DFDC589F}" vid="{4A3C46E8-61CC-4603-A589-7422A47A8E4A}"/>
@@ -15648,6 +15327,8 @@
       </a:bgFillStyleLst>
     </a:fmtScheme>
   </a:themeElements>
+  <a:objectDefaults/>
+  <a:extraClrSchemeLst/>
   <a:extLst>
     <a:ext uri="{05A4C25C-085E-4340-85A3-A5531E510DB2}">
       <thm15:themeFamily xmlns:thm15="http://schemas.microsoft.com/office/thememl/2012/main" name="Office Theme" id="{62F939B6-93AF-4DB8-9C6B-D6C7DFDC589F}" vid="{4A3C46E8-61CC-4603-A589-7422A47A8E4A}"/>
